--- a/doc/avance-parcial.pptx
+++ b/doc/avance-parcial.pptx
@@ -7,7 +7,7 @@
     <p:sldMasterId id="2147483707" r:id="rId3"/>
   </p:sldMasterIdLst>
   <p:notesMasterIdLst>
-    <p:notesMasterId r:id="rId23"/>
+    <p:notesMasterId r:id="rId25"/>
   </p:notesMasterIdLst>
   <p:sldIdLst>
     <p:sldId id="256" r:id="rId4"/>
@@ -18,17 +18,19 @@
     <p:sldId id="313" r:id="rId9"/>
     <p:sldId id="315" r:id="rId10"/>
     <p:sldId id="323" r:id="rId11"/>
-    <p:sldId id="316" r:id="rId12"/>
-    <p:sldId id="317" r:id="rId13"/>
-    <p:sldId id="263" r:id="rId14"/>
-    <p:sldId id="307" r:id="rId15"/>
-    <p:sldId id="281" r:id="rId16"/>
-    <p:sldId id="318" r:id="rId17"/>
-    <p:sldId id="324" r:id="rId18"/>
-    <p:sldId id="320" r:id="rId19"/>
-    <p:sldId id="319" r:id="rId20"/>
-    <p:sldId id="321" r:id="rId21"/>
-    <p:sldId id="322" r:id="rId22"/>
+    <p:sldId id="325" r:id="rId12"/>
+    <p:sldId id="326" r:id="rId13"/>
+    <p:sldId id="316" r:id="rId14"/>
+    <p:sldId id="317" r:id="rId15"/>
+    <p:sldId id="263" r:id="rId16"/>
+    <p:sldId id="307" r:id="rId17"/>
+    <p:sldId id="281" r:id="rId18"/>
+    <p:sldId id="318" r:id="rId19"/>
+    <p:sldId id="324" r:id="rId20"/>
+    <p:sldId id="320" r:id="rId21"/>
+    <p:sldId id="319" r:id="rId22"/>
+    <p:sldId id="321" r:id="rId23"/>
+    <p:sldId id="322" r:id="rId24"/>
   </p:sldIdLst>
   <p:sldSz cx="9144000" cy="6858000" type="screen4x3"/>
   <p:notesSz cx="6858000" cy="9144000"/>
@@ -129,23 +131,7 @@
   </p:defaultTextStyle>
   <p:extLst>
     <p:ext uri="{EFAFB233-063F-42B5-8137-9DF3F51BA10A}">
-      <p15:sldGuideLst xmlns:p15="http://schemas.microsoft.com/office/powerpoint/2012/main">
-        <p15:guide id="1" orient="horz" pos="544" userDrawn="1">
-          <p15:clr>
-            <a:srgbClr val="A4A3A4"/>
-          </p15:clr>
-        </p15:guide>
-        <p15:guide id="2" pos="2880" userDrawn="1">
-          <p15:clr>
-            <a:srgbClr val="A4A3A4"/>
-          </p15:clr>
-        </p15:guide>
-        <p15:guide id="3" orient="horz" pos="2260" userDrawn="1">
-          <p15:clr>
-            <a:srgbClr val="A4A3A4"/>
-          </p15:clr>
-        </p15:guide>
-      </p15:sldGuideLst>
+      <p15:sldGuideLst xmlns:p15="http://schemas.microsoft.com/office/powerpoint/2012/main"/>
     </p:ext>
   </p:extLst>
 </p:presentation>
@@ -10437,6 +10423,1612 @@
           <a:lstStyle/>
           <a:p>
             <a:r>
+              <a:rPr lang="es-ES" sz="2000" b="1" dirty="0" smtClean="0">
+                <a:solidFill>
+                  <a:schemeClr val="accent1">
+                    <a:lumMod val="50000"/>
+                  </a:schemeClr>
+                </a:solidFill>
+                <a:latin typeface="Arial" panose="020B0604020202020204" pitchFamily="34" charset="0"/>
+                <a:cs typeface="Arial" panose="020B0604020202020204" pitchFamily="34" charset="0"/>
+              </a:rPr>
+              <a:t>Modelo de competencia diferenciada</a:t>
+            </a:r>
+            <a:endParaRPr lang="es-ES" sz="2000" b="1" dirty="0">
+              <a:solidFill>
+                <a:schemeClr val="accent1">
+                  <a:lumMod val="50000"/>
+                </a:schemeClr>
+              </a:solidFill>
+              <a:latin typeface="Arial" panose="020B0604020202020204" pitchFamily="34" charset="0"/>
+              <a:cs typeface="Arial" panose="020B0604020202020204" pitchFamily="34" charset="0"/>
+            </a:endParaRPr>
+          </a:p>
+        </p:txBody>
+      </p:sp>
+      <p:sp>
+        <p:nvSpPr>
+          <p:cNvPr id="3" name="AutoShape 2" descr="Resultado de imagen para aditivo primax"/>
+          <p:cNvSpPr>
+            <a:spLocks noChangeAspect="1" noChangeArrowheads="1"/>
+          </p:cNvSpPr>
+          <p:nvPr/>
+        </p:nvSpPr>
+        <p:spPr bwMode="auto">
+          <a:xfrm>
+            <a:off x="155575" y="-144463"/>
+            <a:ext cx="304800" cy="304801"/>
+          </a:xfrm>
+          <a:prstGeom prst="rect">
+            <a:avLst/>
+          </a:prstGeom>
+          <a:noFill/>
+          <a:extLst>
+            <a:ext uri="{909E8E84-426E-40DD-AFC4-6F175D3DCCD1}">
+              <a14:hiddenFill xmlns:a14="http://schemas.microsoft.com/office/drawing/2010/main">
+                <a:solidFill>
+                  <a:srgbClr val="FFFFFF"/>
+                </a:solidFill>
+              </a14:hiddenFill>
+            </a:ext>
+          </a:extLst>
+        </p:spPr>
+        <p:txBody>
+          <a:bodyPr vert="horz" wrap="square" lIns="91440" tIns="45720" rIns="91440" bIns="45720" numCol="1" anchor="t" anchorCtr="0" compatLnSpc="1">
+            <a:prstTxWarp prst="textNoShape">
+              <a:avLst/>
+            </a:prstTxWarp>
+          </a:bodyPr>
+          <a:lstStyle/>
+          <a:p>
+            <a:endParaRPr lang="en-US"/>
+          </a:p>
+        </p:txBody>
+      </p:sp>
+      <p:sp>
+        <p:nvSpPr>
+          <p:cNvPr id="17" name="CuadroTexto 16"/>
+          <p:cNvSpPr txBox="1"/>
+          <p:nvPr/>
+        </p:nvSpPr>
+        <p:spPr>
+          <a:xfrm>
+            <a:off x="2334825" y="1089000"/>
+            <a:ext cx="6075000" cy="861774"/>
+          </a:xfrm>
+          <a:prstGeom prst="rect">
+            <a:avLst/>
+          </a:prstGeom>
+          <a:noFill/>
+        </p:spPr>
+        <p:txBody>
+          <a:bodyPr wrap="square" rtlCol="0">
+            <a:spAutoFit/>
+          </a:bodyPr>
+          <a:lstStyle/>
+          <a:p>
+            <a:pPr marL="285750" indent="-285750">
+              <a:spcAft>
+                <a:spcPts val="1200"/>
+              </a:spcAft>
+              <a:buFont typeface="Arial" panose="020B0604020202020204" pitchFamily="34" charset="0"/>
+              <a:buChar char="•"/>
+            </a:pPr>
+            <a:r>
+              <a:rPr lang="es-ES" sz="2000" dirty="0" smtClean="0"/>
+              <a:t>En el equilibrio:</a:t>
+            </a:r>
+          </a:p>
+          <a:p>
+            <a:pPr>
+              <a:spcAft>
+                <a:spcPts val="1200"/>
+              </a:spcAft>
+            </a:pPr>
+            <a:endParaRPr lang="es-ES" sz="2000" dirty="0" smtClean="0"/>
+          </a:p>
+        </p:txBody>
+      </p:sp>
+      <mc:AlternateContent xmlns:mc="http://schemas.openxmlformats.org/markup-compatibility/2006">
+        <mc:Choice xmlns:a14="http://schemas.microsoft.com/office/drawing/2010/main" Requires="a14">
+          <p:sp>
+            <p:nvSpPr>
+              <p:cNvPr id="2" name="Rectángulo 1"/>
+              <p:cNvSpPr/>
+              <p:nvPr/>
+            </p:nvSpPr>
+            <p:spPr>
+              <a:xfrm>
+                <a:off x="3177000" y="1814376"/>
+                <a:ext cx="5085000" cy="1266757"/>
+              </a:xfrm>
+              <a:prstGeom prst="rect">
+                <a:avLst/>
+              </a:prstGeom>
+            </p:spPr>
+            <p:txBody>
+              <a:bodyPr wrap="square">
+                <a:spAutoFit/>
+              </a:bodyPr>
+              <a:lstStyle/>
+              <a:p>
+                <a14:m>
+                  <m:oMathPara xmlns:m="http://schemas.openxmlformats.org/officeDocument/2006/math">
+                    <m:oMathParaPr>
+                      <m:jc m:val="centerGroup"/>
+                    </m:oMathParaPr>
+                    <m:oMath xmlns:m="http://schemas.openxmlformats.org/officeDocument/2006/math">
+                      <m:sSubSup>
+                        <m:sSubSupPr>
+                          <m:ctrlPr>
+                            <a:rPr lang="en-US" sz="1400" smtClean="0">
+                              <a:latin typeface="Cambria Math" panose="02040503050406030204" pitchFamily="18" charset="0"/>
+                            </a:rPr>
+                          </m:ctrlPr>
+                        </m:sSubSupPr>
+                        <m:e>
+                          <m:r>
+                            <a:rPr lang="en-US" sz="1400" i="1">
+                              <a:latin typeface="Cambria Math" panose="02040503050406030204" pitchFamily="18" charset="0"/>
+                            </a:rPr>
+                            <m:t>𝑃</m:t>
+                          </m:r>
+                        </m:e>
+                        <m:sub>
+                          <m:r>
+                            <a:rPr lang="en-US" sz="1400" i="1">
+                              <a:latin typeface="Cambria Math" panose="02040503050406030204" pitchFamily="18" charset="0"/>
+                            </a:rPr>
+                            <m:t>𝑎</m:t>
+                          </m:r>
+                        </m:sub>
+                        <m:sup>
+                          <m:r>
+                            <a:rPr lang="en-US" sz="1400" i="0">
+                              <a:latin typeface="Cambria Math" panose="02040503050406030204" pitchFamily="18" charset="0"/>
+                            </a:rPr>
+                            <m:t>∗</m:t>
+                          </m:r>
+                        </m:sup>
+                      </m:sSubSup>
+                      <m:r>
+                        <a:rPr lang="en-US" sz="1400" i="0">
+                          <a:latin typeface="Cambria Math" panose="02040503050406030204" pitchFamily="18" charset="0"/>
+                        </a:rPr>
+                        <m:t>=</m:t>
+                      </m:r>
+                      <m:f>
+                        <m:fPr>
+                          <m:ctrlPr>
+                            <a:rPr lang="en-US" sz="1400" i="1">
+                              <a:latin typeface="Cambria Math" panose="02040503050406030204" pitchFamily="18" charset="0"/>
+                            </a:rPr>
+                          </m:ctrlPr>
+                        </m:fPr>
+                        <m:num>
+                          <m:sSub>
+                            <m:sSubPr>
+                              <m:ctrlPr>
+                                <a:rPr lang="en-US" sz="1400" i="1">
+                                  <a:latin typeface="Cambria Math" panose="02040503050406030204" pitchFamily="18" charset="0"/>
+                                </a:rPr>
+                              </m:ctrlPr>
+                            </m:sSubPr>
+                            <m:e>
+                              <m:r>
+                                <a:rPr lang="en-US" sz="1400" i="1">
+                                  <a:latin typeface="Cambria Math" panose="02040503050406030204" pitchFamily="18" charset="0"/>
+                                </a:rPr>
+                                <m:t>𝛽</m:t>
+                              </m:r>
+                            </m:e>
+                            <m:sub>
+                              <m:r>
+                                <a:rPr lang="en-US" sz="1400" i="0">
+                                  <a:latin typeface="Cambria Math" panose="02040503050406030204" pitchFamily="18" charset="0"/>
+                                </a:rPr>
+                                <m:t>1</m:t>
+                              </m:r>
+                            </m:sub>
+                          </m:sSub>
+                          <m:r>
+                            <a:rPr lang="en-US" sz="1400" i="0">
+                              <a:latin typeface="Cambria Math" panose="02040503050406030204" pitchFamily="18" charset="0"/>
+                            </a:rPr>
+                            <m:t>+</m:t>
+                          </m:r>
+                          <m:f>
+                            <m:fPr>
+                              <m:ctrlPr>
+                                <a:rPr lang="en-US" sz="1400" i="1">
+                                  <a:latin typeface="Cambria Math" panose="02040503050406030204" pitchFamily="18" charset="0"/>
+                                </a:rPr>
+                              </m:ctrlPr>
+                            </m:fPr>
+                            <m:num>
+                              <m:r>
+                                <a:rPr lang="en-US" sz="1400" i="0">
+                                  <a:latin typeface="Cambria Math" panose="02040503050406030204" pitchFamily="18" charset="0"/>
+                                </a:rPr>
+                                <m:t>1</m:t>
+                              </m:r>
+                            </m:num>
+                            <m:den>
+                              <m:r>
+                                <a:rPr lang="en-US" sz="1400" i="0">
+                                  <a:latin typeface="Cambria Math" panose="02040503050406030204" pitchFamily="18" charset="0"/>
+                                </a:rPr>
+                                <m:t>2</m:t>
+                              </m:r>
+                            </m:den>
+                          </m:f>
+                          <m:sSub>
+                            <m:sSubPr>
+                              <m:ctrlPr>
+                                <a:rPr lang="en-US" sz="1400" i="1">
+                                  <a:latin typeface="Cambria Math" panose="02040503050406030204" pitchFamily="18" charset="0"/>
+                                </a:rPr>
+                              </m:ctrlPr>
+                            </m:sSubPr>
+                            <m:e>
+                              <m:r>
+                                <a:rPr lang="en-US" sz="1400" i="1">
+                                  <a:latin typeface="Cambria Math" panose="02040503050406030204" pitchFamily="18" charset="0"/>
+                                </a:rPr>
+                                <m:t>𝛿</m:t>
+                              </m:r>
+                            </m:e>
+                            <m:sub>
+                              <m:r>
+                                <a:rPr lang="en-US" sz="1400" i="1">
+                                  <a:latin typeface="Cambria Math" panose="02040503050406030204" pitchFamily="18" charset="0"/>
+                                </a:rPr>
+                                <m:t>𝑎</m:t>
+                              </m:r>
+                            </m:sub>
+                          </m:sSub>
+                          <m:r>
+                            <a:rPr lang="en-US" sz="1400" i="0">
+                              <a:latin typeface="Cambria Math" panose="02040503050406030204" pitchFamily="18" charset="0"/>
+                            </a:rPr>
+                            <m:t>+</m:t>
+                          </m:r>
+                          <m:sSub>
+                            <m:sSubPr>
+                              <m:ctrlPr>
+                                <a:rPr lang="en-US" sz="1400" i="1">
+                                  <a:latin typeface="Cambria Math" panose="02040503050406030204" pitchFamily="18" charset="0"/>
+                                </a:rPr>
+                              </m:ctrlPr>
+                            </m:sSubPr>
+                            <m:e>
+                              <m:r>
+                                <a:rPr lang="en-US" sz="1400" i="1">
+                                  <a:latin typeface="Cambria Math" panose="02040503050406030204" pitchFamily="18" charset="0"/>
+                                </a:rPr>
+                                <m:t>𝛽</m:t>
+                              </m:r>
+                            </m:e>
+                            <m:sub>
+                              <m:r>
+                                <a:rPr lang="en-US" sz="1400" i="0">
+                                  <a:latin typeface="Cambria Math" panose="02040503050406030204" pitchFamily="18" charset="0"/>
+                                </a:rPr>
+                                <m:t>2</m:t>
+                              </m:r>
+                            </m:sub>
+                          </m:sSub>
+                          <m:sSub>
+                            <m:sSubPr>
+                              <m:ctrlPr>
+                                <a:rPr lang="en-US" sz="1400" i="1">
+                                  <a:latin typeface="Cambria Math" panose="02040503050406030204" pitchFamily="18" charset="0"/>
+                                </a:rPr>
+                              </m:ctrlPr>
+                            </m:sSubPr>
+                            <m:e>
+                              <m:r>
+                                <a:rPr lang="en-US" sz="1400" i="1">
+                                  <a:latin typeface="Cambria Math" panose="02040503050406030204" pitchFamily="18" charset="0"/>
+                                </a:rPr>
+                                <m:t>𝑍</m:t>
+                              </m:r>
+                            </m:e>
+                            <m:sub>
+                              <m:r>
+                                <a:rPr lang="en-US" sz="1400" i="1">
+                                  <a:latin typeface="Cambria Math" panose="02040503050406030204" pitchFamily="18" charset="0"/>
+                                </a:rPr>
+                                <m:t>𝑎</m:t>
+                              </m:r>
+                            </m:sub>
+                          </m:sSub>
+                          <m:r>
+                            <a:rPr lang="en-US" sz="1400" i="0">
+                              <a:latin typeface="Cambria Math" panose="02040503050406030204" pitchFamily="18" charset="0"/>
+                            </a:rPr>
+                            <m:t>+</m:t>
+                          </m:r>
+                          <m:r>
+                            <a:rPr lang="en-US" sz="1400" i="1">
+                              <a:latin typeface="Cambria Math" panose="02040503050406030204" pitchFamily="18" charset="0"/>
+                            </a:rPr>
+                            <m:t>𝜌</m:t>
+                          </m:r>
+                          <m:d>
+                            <m:dPr>
+                              <m:ctrlPr>
+                                <a:rPr lang="en-US" sz="1400" i="1">
+                                  <a:latin typeface="Cambria Math" panose="02040503050406030204" pitchFamily="18" charset="0"/>
+                                </a:rPr>
+                              </m:ctrlPr>
+                            </m:dPr>
+                            <m:e>
+                              <m:sSub>
+                                <m:sSubPr>
+                                  <m:ctrlPr>
+                                    <a:rPr lang="en-US" sz="1400" i="1">
+                                      <a:latin typeface="Cambria Math" panose="02040503050406030204" pitchFamily="18" charset="0"/>
+                                    </a:rPr>
+                                  </m:ctrlPr>
+                                </m:sSubPr>
+                                <m:e>
+                                  <m:r>
+                                    <a:rPr lang="en-US" sz="1400" i="1">
+                                      <a:latin typeface="Cambria Math" panose="02040503050406030204" pitchFamily="18" charset="0"/>
+                                    </a:rPr>
+                                    <m:t>𝛽</m:t>
+                                  </m:r>
+                                </m:e>
+                                <m:sub>
+                                  <m:r>
+                                    <a:rPr lang="en-US" sz="1400" i="0">
+                                      <a:latin typeface="Cambria Math" panose="02040503050406030204" pitchFamily="18" charset="0"/>
+                                    </a:rPr>
+                                    <m:t>1</m:t>
+                                  </m:r>
+                                </m:sub>
+                              </m:sSub>
+                              <m:r>
+                                <a:rPr lang="en-US" sz="1400" i="0">
+                                  <a:latin typeface="Cambria Math" panose="02040503050406030204" pitchFamily="18" charset="0"/>
+                                </a:rPr>
+                                <m:t>+</m:t>
+                              </m:r>
+                              <m:f>
+                                <m:fPr>
+                                  <m:ctrlPr>
+                                    <a:rPr lang="en-US" sz="1400" i="1">
+                                      <a:latin typeface="Cambria Math" panose="02040503050406030204" pitchFamily="18" charset="0"/>
+                                    </a:rPr>
+                                  </m:ctrlPr>
+                                </m:fPr>
+                                <m:num>
+                                  <m:r>
+                                    <a:rPr lang="en-US" sz="1400" i="0">
+                                      <a:latin typeface="Cambria Math" panose="02040503050406030204" pitchFamily="18" charset="0"/>
+                                    </a:rPr>
+                                    <m:t>1</m:t>
+                                  </m:r>
+                                </m:num>
+                                <m:den>
+                                  <m:r>
+                                    <a:rPr lang="en-US" sz="1400" i="0">
+                                      <a:latin typeface="Cambria Math" panose="02040503050406030204" pitchFamily="18" charset="0"/>
+                                    </a:rPr>
+                                    <m:t>2</m:t>
+                                  </m:r>
+                                </m:den>
+                              </m:f>
+                              <m:sSub>
+                                <m:sSubPr>
+                                  <m:ctrlPr>
+                                    <a:rPr lang="en-US" sz="1400" i="1">
+                                      <a:latin typeface="Cambria Math" panose="02040503050406030204" pitchFamily="18" charset="0"/>
+                                    </a:rPr>
+                                  </m:ctrlPr>
+                                </m:sSubPr>
+                                <m:e>
+                                  <m:r>
+                                    <a:rPr lang="en-US" sz="1400" i="1">
+                                      <a:latin typeface="Cambria Math" panose="02040503050406030204" pitchFamily="18" charset="0"/>
+                                    </a:rPr>
+                                    <m:t>𝛿</m:t>
+                                  </m:r>
+                                </m:e>
+                                <m:sub>
+                                  <m:r>
+                                    <a:rPr lang="en-US" sz="1400" i="1">
+                                      <a:latin typeface="Cambria Math" panose="02040503050406030204" pitchFamily="18" charset="0"/>
+                                    </a:rPr>
+                                    <m:t>𝑏</m:t>
+                                  </m:r>
+                                </m:sub>
+                              </m:sSub>
+                              <m:r>
+                                <a:rPr lang="en-US" sz="1400" i="0">
+                                  <a:latin typeface="Cambria Math" panose="02040503050406030204" pitchFamily="18" charset="0"/>
+                                </a:rPr>
+                                <m:t>+</m:t>
+                              </m:r>
+                              <m:sSub>
+                                <m:sSubPr>
+                                  <m:ctrlPr>
+                                    <a:rPr lang="en-US" sz="1400" i="1">
+                                      <a:latin typeface="Cambria Math" panose="02040503050406030204" pitchFamily="18" charset="0"/>
+                                    </a:rPr>
+                                  </m:ctrlPr>
+                                </m:sSubPr>
+                                <m:e>
+                                  <m:r>
+                                    <a:rPr lang="en-US" sz="1400" i="1">
+                                      <a:latin typeface="Cambria Math" panose="02040503050406030204" pitchFamily="18" charset="0"/>
+                                    </a:rPr>
+                                    <m:t>𝛽</m:t>
+                                  </m:r>
+                                </m:e>
+                                <m:sub>
+                                  <m:r>
+                                    <a:rPr lang="en-US" sz="1400" i="0">
+                                      <a:latin typeface="Cambria Math" panose="02040503050406030204" pitchFamily="18" charset="0"/>
+                                    </a:rPr>
+                                    <m:t>2</m:t>
+                                  </m:r>
+                                </m:sub>
+                              </m:sSub>
+                              <m:sSub>
+                                <m:sSubPr>
+                                  <m:ctrlPr>
+                                    <a:rPr lang="en-US" sz="1400" i="1">
+                                      <a:latin typeface="Cambria Math" panose="02040503050406030204" pitchFamily="18" charset="0"/>
+                                    </a:rPr>
+                                  </m:ctrlPr>
+                                </m:sSubPr>
+                                <m:e>
+                                  <m:r>
+                                    <a:rPr lang="en-US" sz="1400" i="1">
+                                      <a:latin typeface="Cambria Math" panose="02040503050406030204" pitchFamily="18" charset="0"/>
+                                    </a:rPr>
+                                    <m:t>𝑍</m:t>
+                                  </m:r>
+                                </m:e>
+                                <m:sub>
+                                  <m:r>
+                                    <a:rPr lang="en-US" sz="1400" i="1">
+                                      <a:latin typeface="Cambria Math" panose="02040503050406030204" pitchFamily="18" charset="0"/>
+                                    </a:rPr>
+                                    <m:t>𝑏</m:t>
+                                  </m:r>
+                                </m:sub>
+                              </m:sSub>
+                            </m:e>
+                          </m:d>
+                        </m:num>
+                        <m:den>
+                          <m:r>
+                            <a:rPr lang="en-US" sz="1400" i="0">
+                              <a:latin typeface="Cambria Math" panose="02040503050406030204" pitchFamily="18" charset="0"/>
+                            </a:rPr>
+                            <m:t>1−</m:t>
+                          </m:r>
+                          <m:sSup>
+                            <m:sSupPr>
+                              <m:ctrlPr>
+                                <a:rPr lang="en-US" sz="1400" i="1">
+                                  <a:latin typeface="Cambria Math" panose="02040503050406030204" pitchFamily="18" charset="0"/>
+                                </a:rPr>
+                              </m:ctrlPr>
+                            </m:sSupPr>
+                            <m:e>
+                              <m:r>
+                                <a:rPr lang="en-US" sz="1400" i="1">
+                                  <a:latin typeface="Cambria Math" panose="02040503050406030204" pitchFamily="18" charset="0"/>
+                                </a:rPr>
+                                <m:t>𝜌</m:t>
+                              </m:r>
+                            </m:e>
+                            <m:sup>
+                              <m:r>
+                                <a:rPr lang="en-US" sz="1400" i="0">
+                                  <a:latin typeface="Cambria Math" panose="02040503050406030204" pitchFamily="18" charset="0"/>
+                                </a:rPr>
+                                <m:t>2</m:t>
+                              </m:r>
+                            </m:sup>
+                          </m:sSup>
+                        </m:den>
+                      </m:f>
+                    </m:oMath>
+                  </m:oMathPara>
+                </a14:m>
+                <a:endParaRPr lang="es-ES" sz="1400" i="1" dirty="0" smtClean="0">
+                  <a:latin typeface="Cambria Math" panose="02040503050406030204" pitchFamily="18" charset="0"/>
+                </a:endParaRPr>
+              </a:p>
+              <a:p>
+                <a14:m>
+                  <m:oMathPara xmlns:m="http://schemas.openxmlformats.org/officeDocument/2006/math">
+                    <m:oMathParaPr>
+                      <m:jc m:val="centerGroup"/>
+                    </m:oMathParaPr>
+                    <m:oMath xmlns:m="http://schemas.openxmlformats.org/officeDocument/2006/math">
+                      <m:sSubSup>
+                        <m:sSubSupPr>
+                          <m:ctrlPr>
+                            <a:rPr lang="en-US" sz="1400" i="1">
+                              <a:latin typeface="Cambria Math" panose="02040503050406030204" pitchFamily="18" charset="0"/>
+                            </a:rPr>
+                          </m:ctrlPr>
+                        </m:sSubSupPr>
+                        <m:e>
+                          <m:r>
+                            <a:rPr lang="en-US" sz="1400" i="1">
+                              <a:latin typeface="Cambria Math" panose="02040503050406030204" pitchFamily="18" charset="0"/>
+                            </a:rPr>
+                            <m:t>𝑃</m:t>
+                          </m:r>
+                        </m:e>
+                        <m:sub>
+                          <m:r>
+                            <a:rPr lang="en-US" sz="1400" i="1">
+                              <a:latin typeface="Cambria Math" panose="02040503050406030204" pitchFamily="18" charset="0"/>
+                            </a:rPr>
+                            <m:t>𝑏</m:t>
+                          </m:r>
+                        </m:sub>
+                        <m:sup>
+                          <m:r>
+                            <a:rPr lang="en-US" sz="1400" i="0">
+                              <a:latin typeface="Cambria Math" panose="02040503050406030204" pitchFamily="18" charset="0"/>
+                            </a:rPr>
+                            <m:t>∗</m:t>
+                          </m:r>
+                        </m:sup>
+                      </m:sSubSup>
+                      <m:r>
+                        <a:rPr lang="en-US" sz="1400" i="0">
+                          <a:latin typeface="Cambria Math" panose="02040503050406030204" pitchFamily="18" charset="0"/>
+                        </a:rPr>
+                        <m:t>=</m:t>
+                      </m:r>
+                      <m:f>
+                        <m:fPr>
+                          <m:ctrlPr>
+                            <a:rPr lang="en-US" sz="1400" i="1">
+                              <a:latin typeface="Cambria Math" panose="02040503050406030204" pitchFamily="18" charset="0"/>
+                            </a:rPr>
+                          </m:ctrlPr>
+                        </m:fPr>
+                        <m:num>
+                          <m:sSub>
+                            <m:sSubPr>
+                              <m:ctrlPr>
+                                <a:rPr lang="en-US" sz="1400" i="1">
+                                  <a:latin typeface="Cambria Math" panose="02040503050406030204" pitchFamily="18" charset="0"/>
+                                </a:rPr>
+                              </m:ctrlPr>
+                            </m:sSubPr>
+                            <m:e>
+                              <m:r>
+                                <a:rPr lang="en-US" sz="1400" i="1">
+                                  <a:latin typeface="Cambria Math" panose="02040503050406030204" pitchFamily="18" charset="0"/>
+                                </a:rPr>
+                                <m:t>𝛽</m:t>
+                              </m:r>
+                            </m:e>
+                            <m:sub>
+                              <m:r>
+                                <a:rPr lang="en-US" sz="1400" i="0">
+                                  <a:latin typeface="Cambria Math" panose="02040503050406030204" pitchFamily="18" charset="0"/>
+                                </a:rPr>
+                                <m:t>1</m:t>
+                              </m:r>
+                            </m:sub>
+                          </m:sSub>
+                          <m:r>
+                            <a:rPr lang="en-US" sz="1400" i="0">
+                              <a:latin typeface="Cambria Math" panose="02040503050406030204" pitchFamily="18" charset="0"/>
+                            </a:rPr>
+                            <m:t>+</m:t>
+                          </m:r>
+                          <m:f>
+                            <m:fPr>
+                              <m:ctrlPr>
+                                <a:rPr lang="en-US" sz="1400" i="1">
+                                  <a:latin typeface="Cambria Math" panose="02040503050406030204" pitchFamily="18" charset="0"/>
+                                </a:rPr>
+                              </m:ctrlPr>
+                            </m:fPr>
+                            <m:num>
+                              <m:r>
+                                <a:rPr lang="en-US" sz="1400" i="0">
+                                  <a:latin typeface="Cambria Math" panose="02040503050406030204" pitchFamily="18" charset="0"/>
+                                </a:rPr>
+                                <m:t>1</m:t>
+                              </m:r>
+                            </m:num>
+                            <m:den>
+                              <m:r>
+                                <a:rPr lang="en-US" sz="1400" i="0">
+                                  <a:latin typeface="Cambria Math" panose="02040503050406030204" pitchFamily="18" charset="0"/>
+                                </a:rPr>
+                                <m:t>2</m:t>
+                              </m:r>
+                            </m:den>
+                          </m:f>
+                          <m:sSub>
+                            <m:sSubPr>
+                              <m:ctrlPr>
+                                <a:rPr lang="en-US" sz="1400" i="1">
+                                  <a:latin typeface="Cambria Math" panose="02040503050406030204" pitchFamily="18" charset="0"/>
+                                </a:rPr>
+                              </m:ctrlPr>
+                            </m:sSubPr>
+                            <m:e>
+                              <m:r>
+                                <a:rPr lang="en-US" sz="1400" i="1">
+                                  <a:latin typeface="Cambria Math" panose="02040503050406030204" pitchFamily="18" charset="0"/>
+                                </a:rPr>
+                                <m:t>𝛿</m:t>
+                              </m:r>
+                            </m:e>
+                            <m:sub>
+                              <m:r>
+                                <a:rPr lang="en-US" sz="1400" i="1">
+                                  <a:latin typeface="Cambria Math" panose="02040503050406030204" pitchFamily="18" charset="0"/>
+                                </a:rPr>
+                                <m:t>𝑏</m:t>
+                              </m:r>
+                            </m:sub>
+                          </m:sSub>
+                          <m:r>
+                            <a:rPr lang="en-US" sz="1400" i="0">
+                              <a:latin typeface="Cambria Math" panose="02040503050406030204" pitchFamily="18" charset="0"/>
+                            </a:rPr>
+                            <m:t>+</m:t>
+                          </m:r>
+                          <m:sSub>
+                            <m:sSubPr>
+                              <m:ctrlPr>
+                                <a:rPr lang="en-US" sz="1400" i="1">
+                                  <a:latin typeface="Cambria Math" panose="02040503050406030204" pitchFamily="18" charset="0"/>
+                                </a:rPr>
+                              </m:ctrlPr>
+                            </m:sSubPr>
+                            <m:e>
+                              <m:r>
+                                <a:rPr lang="en-US" sz="1400" i="1">
+                                  <a:latin typeface="Cambria Math" panose="02040503050406030204" pitchFamily="18" charset="0"/>
+                                </a:rPr>
+                                <m:t>𝛽</m:t>
+                              </m:r>
+                            </m:e>
+                            <m:sub>
+                              <m:r>
+                                <a:rPr lang="en-US" sz="1400" i="0">
+                                  <a:latin typeface="Cambria Math" panose="02040503050406030204" pitchFamily="18" charset="0"/>
+                                </a:rPr>
+                                <m:t>2</m:t>
+                              </m:r>
+                            </m:sub>
+                          </m:sSub>
+                          <m:sSub>
+                            <m:sSubPr>
+                              <m:ctrlPr>
+                                <a:rPr lang="en-US" sz="1400" i="1">
+                                  <a:latin typeface="Cambria Math" panose="02040503050406030204" pitchFamily="18" charset="0"/>
+                                </a:rPr>
+                              </m:ctrlPr>
+                            </m:sSubPr>
+                            <m:e>
+                              <m:r>
+                                <a:rPr lang="en-US" sz="1400" i="1">
+                                  <a:latin typeface="Cambria Math" panose="02040503050406030204" pitchFamily="18" charset="0"/>
+                                </a:rPr>
+                                <m:t>𝑍</m:t>
+                              </m:r>
+                            </m:e>
+                            <m:sub>
+                              <m:r>
+                                <a:rPr lang="en-US" sz="1400" i="1">
+                                  <a:latin typeface="Cambria Math" panose="02040503050406030204" pitchFamily="18" charset="0"/>
+                                </a:rPr>
+                                <m:t>𝑏</m:t>
+                              </m:r>
+                            </m:sub>
+                          </m:sSub>
+                          <m:r>
+                            <a:rPr lang="en-US" sz="1400" i="0">
+                              <a:latin typeface="Cambria Math" panose="02040503050406030204" pitchFamily="18" charset="0"/>
+                            </a:rPr>
+                            <m:t>+</m:t>
+                          </m:r>
+                          <m:r>
+                            <a:rPr lang="en-US" sz="1400" i="1">
+                              <a:latin typeface="Cambria Math" panose="02040503050406030204" pitchFamily="18" charset="0"/>
+                            </a:rPr>
+                            <m:t>𝜌</m:t>
+                          </m:r>
+                          <m:d>
+                            <m:dPr>
+                              <m:ctrlPr>
+                                <a:rPr lang="en-US" sz="1400" i="1">
+                                  <a:latin typeface="Cambria Math" panose="02040503050406030204" pitchFamily="18" charset="0"/>
+                                </a:rPr>
+                              </m:ctrlPr>
+                            </m:dPr>
+                            <m:e>
+                              <m:sSub>
+                                <m:sSubPr>
+                                  <m:ctrlPr>
+                                    <a:rPr lang="en-US" sz="1400" i="1">
+                                      <a:latin typeface="Cambria Math" panose="02040503050406030204" pitchFamily="18" charset="0"/>
+                                    </a:rPr>
+                                  </m:ctrlPr>
+                                </m:sSubPr>
+                                <m:e>
+                                  <m:r>
+                                    <a:rPr lang="en-US" sz="1400" i="1">
+                                      <a:latin typeface="Cambria Math" panose="02040503050406030204" pitchFamily="18" charset="0"/>
+                                    </a:rPr>
+                                    <m:t>𝛽</m:t>
+                                  </m:r>
+                                </m:e>
+                                <m:sub>
+                                  <m:r>
+                                    <a:rPr lang="en-US" sz="1400" i="0">
+                                      <a:latin typeface="Cambria Math" panose="02040503050406030204" pitchFamily="18" charset="0"/>
+                                    </a:rPr>
+                                    <m:t>1</m:t>
+                                  </m:r>
+                                </m:sub>
+                              </m:sSub>
+                              <m:r>
+                                <a:rPr lang="en-US" sz="1400" i="0">
+                                  <a:latin typeface="Cambria Math" panose="02040503050406030204" pitchFamily="18" charset="0"/>
+                                </a:rPr>
+                                <m:t>+</m:t>
+                              </m:r>
+                              <m:f>
+                                <m:fPr>
+                                  <m:ctrlPr>
+                                    <a:rPr lang="en-US" sz="1400" i="1">
+                                      <a:latin typeface="Cambria Math" panose="02040503050406030204" pitchFamily="18" charset="0"/>
+                                    </a:rPr>
+                                  </m:ctrlPr>
+                                </m:fPr>
+                                <m:num>
+                                  <m:r>
+                                    <a:rPr lang="en-US" sz="1400" i="0">
+                                      <a:latin typeface="Cambria Math" panose="02040503050406030204" pitchFamily="18" charset="0"/>
+                                    </a:rPr>
+                                    <m:t>1</m:t>
+                                  </m:r>
+                                </m:num>
+                                <m:den>
+                                  <m:r>
+                                    <a:rPr lang="en-US" sz="1400" i="0">
+                                      <a:latin typeface="Cambria Math" panose="02040503050406030204" pitchFamily="18" charset="0"/>
+                                    </a:rPr>
+                                    <m:t>2</m:t>
+                                  </m:r>
+                                </m:den>
+                              </m:f>
+                              <m:sSub>
+                                <m:sSubPr>
+                                  <m:ctrlPr>
+                                    <a:rPr lang="en-US" sz="1400" i="1">
+                                      <a:latin typeface="Cambria Math" panose="02040503050406030204" pitchFamily="18" charset="0"/>
+                                    </a:rPr>
+                                  </m:ctrlPr>
+                                </m:sSubPr>
+                                <m:e>
+                                  <m:r>
+                                    <a:rPr lang="en-US" sz="1400" i="1">
+                                      <a:latin typeface="Cambria Math" panose="02040503050406030204" pitchFamily="18" charset="0"/>
+                                    </a:rPr>
+                                    <m:t>𝛿</m:t>
+                                  </m:r>
+                                </m:e>
+                                <m:sub>
+                                  <m:r>
+                                    <a:rPr lang="en-US" sz="1400" i="1">
+                                      <a:latin typeface="Cambria Math" panose="02040503050406030204" pitchFamily="18" charset="0"/>
+                                    </a:rPr>
+                                    <m:t>𝑎</m:t>
+                                  </m:r>
+                                </m:sub>
+                              </m:sSub>
+                              <m:r>
+                                <a:rPr lang="en-US" sz="1400" i="0">
+                                  <a:latin typeface="Cambria Math" panose="02040503050406030204" pitchFamily="18" charset="0"/>
+                                </a:rPr>
+                                <m:t>+</m:t>
+                              </m:r>
+                              <m:sSub>
+                                <m:sSubPr>
+                                  <m:ctrlPr>
+                                    <a:rPr lang="en-US" sz="1400" i="1">
+                                      <a:latin typeface="Cambria Math" panose="02040503050406030204" pitchFamily="18" charset="0"/>
+                                    </a:rPr>
+                                  </m:ctrlPr>
+                                </m:sSubPr>
+                                <m:e>
+                                  <m:r>
+                                    <a:rPr lang="en-US" sz="1400" i="1">
+                                      <a:latin typeface="Cambria Math" panose="02040503050406030204" pitchFamily="18" charset="0"/>
+                                    </a:rPr>
+                                    <m:t>𝛽</m:t>
+                                  </m:r>
+                                </m:e>
+                                <m:sub>
+                                  <m:r>
+                                    <a:rPr lang="en-US" sz="1400" i="0">
+                                      <a:latin typeface="Cambria Math" panose="02040503050406030204" pitchFamily="18" charset="0"/>
+                                    </a:rPr>
+                                    <m:t>2</m:t>
+                                  </m:r>
+                                </m:sub>
+                              </m:sSub>
+                              <m:sSub>
+                                <m:sSubPr>
+                                  <m:ctrlPr>
+                                    <a:rPr lang="en-US" sz="1400" i="1">
+                                      <a:latin typeface="Cambria Math" panose="02040503050406030204" pitchFamily="18" charset="0"/>
+                                    </a:rPr>
+                                  </m:ctrlPr>
+                                </m:sSubPr>
+                                <m:e>
+                                  <m:r>
+                                    <a:rPr lang="en-US" sz="1400" i="1">
+                                      <a:latin typeface="Cambria Math" panose="02040503050406030204" pitchFamily="18" charset="0"/>
+                                    </a:rPr>
+                                    <m:t>𝑍</m:t>
+                                  </m:r>
+                                </m:e>
+                                <m:sub>
+                                  <m:r>
+                                    <a:rPr lang="en-US" sz="1400" i="1">
+                                      <a:latin typeface="Cambria Math" panose="02040503050406030204" pitchFamily="18" charset="0"/>
+                                    </a:rPr>
+                                    <m:t>𝑎</m:t>
+                                  </m:r>
+                                </m:sub>
+                              </m:sSub>
+                            </m:e>
+                          </m:d>
+                        </m:num>
+                        <m:den>
+                          <m:r>
+                            <a:rPr lang="en-US" sz="1400" i="0">
+                              <a:latin typeface="Cambria Math" panose="02040503050406030204" pitchFamily="18" charset="0"/>
+                            </a:rPr>
+                            <m:t>1−</m:t>
+                          </m:r>
+                          <m:sSup>
+                            <m:sSupPr>
+                              <m:ctrlPr>
+                                <a:rPr lang="en-US" sz="1400" i="1">
+                                  <a:latin typeface="Cambria Math" panose="02040503050406030204" pitchFamily="18" charset="0"/>
+                                </a:rPr>
+                              </m:ctrlPr>
+                            </m:sSupPr>
+                            <m:e>
+                              <m:r>
+                                <a:rPr lang="en-US" sz="1400" i="1">
+                                  <a:latin typeface="Cambria Math" panose="02040503050406030204" pitchFamily="18" charset="0"/>
+                                </a:rPr>
+                                <m:t>𝜌</m:t>
+                              </m:r>
+                            </m:e>
+                            <m:sup>
+                              <m:r>
+                                <a:rPr lang="en-US" sz="1400" i="0">
+                                  <a:latin typeface="Cambria Math" panose="02040503050406030204" pitchFamily="18" charset="0"/>
+                                </a:rPr>
+                                <m:t>2</m:t>
+                              </m:r>
+                            </m:sup>
+                          </m:sSup>
+                        </m:den>
+                      </m:f>
+                    </m:oMath>
+                  </m:oMathPara>
+                </a14:m>
+                <a:endParaRPr lang="en-US" sz="1400" dirty="0"/>
+              </a:p>
+            </p:txBody>
+          </p:sp>
+        </mc:Choice>
+        <mc:Fallback>
+          <p:sp>
+            <p:nvSpPr>
+              <p:cNvPr id="2" name="Rectángulo 1"/>
+              <p:cNvSpPr>
+                <a:spLocks noRot="1" noChangeAspect="1" noMove="1" noResize="1" noEditPoints="1" noAdjustHandles="1" noChangeArrowheads="1" noChangeShapeType="1" noTextEdit="1"/>
+              </p:cNvSpPr>
+              <p:nvPr/>
+            </p:nvSpPr>
+            <p:spPr>
+              <a:xfrm>
+                <a:off x="3177000" y="1814376"/>
+                <a:ext cx="5085000" cy="1266757"/>
+              </a:xfrm>
+              <a:prstGeom prst="rect">
+                <a:avLst/>
+              </a:prstGeom>
+              <a:blipFill>
+                <a:blip r:embed="rId2"/>
+                <a:stretch>
+                  <a:fillRect/>
+                </a:stretch>
+              </a:blipFill>
+            </p:spPr>
+            <p:txBody>
+              <a:bodyPr/>
+              <a:lstStyle/>
+              <a:p>
+                <a:r>
+                  <a:rPr lang="en-US">
+                    <a:noFill/>
+                  </a:rPr>
+                  <a:t> </a:t>
+                </a:r>
+              </a:p>
+            </p:txBody>
+          </p:sp>
+        </mc:Fallback>
+      </mc:AlternateContent>
+    </p:spTree>
+    <p:extLst>
+      <p:ext uri="{BB962C8B-B14F-4D97-AF65-F5344CB8AC3E}">
+        <p14:creationId xmlns:p14="http://schemas.microsoft.com/office/powerpoint/2010/main" val="643485285"/>
+      </p:ext>
+    </p:extLst>
+  </p:cSld>
+  <p:clrMapOvr>
+    <a:masterClrMapping/>
+  </p:clrMapOvr>
+  <mc:AlternateContent xmlns:mc="http://schemas.openxmlformats.org/markup-compatibility/2006" xmlns:p14="http://schemas.microsoft.com/office/powerpoint/2010/main">
+    <mc:Choice Requires="p14">
+      <p:transition p14:dur="0"/>
+    </mc:Choice>
+    <mc:Fallback xmlns="">
+      <p:transition/>
+    </mc:Fallback>
+  </mc:AlternateContent>
+  <p:timing>
+    <p:tnLst>
+      <p:par>
+        <p:cTn id="1" dur="indefinite" restart="never" nodeType="tmRoot"/>
+      </p:par>
+    </p:tnLst>
+  </p:timing>
+</p:sld>
+</file>
+
+<file path=ppt/slides/slide11.xml><?xml version="1.0" encoding="utf-8"?>
+<p:sld xmlns:a="http://schemas.openxmlformats.org/drawingml/2006/main" xmlns:r="http://schemas.openxmlformats.org/officeDocument/2006/relationships" xmlns:p="http://schemas.openxmlformats.org/presentationml/2006/main">
+  <p:cSld>
+    <p:spTree>
+      <p:nvGrpSpPr>
+        <p:cNvPr id="1" name=""/>
+        <p:cNvGrpSpPr/>
+        <p:nvPr/>
+      </p:nvGrpSpPr>
+      <p:grpSpPr>
+        <a:xfrm>
+          <a:off x="0" y="0"/>
+          <a:ext cx="0" cy="0"/>
+          <a:chOff x="0" y="0"/>
+          <a:chExt cx="0" cy="0"/>
+        </a:xfrm>
+      </p:grpSpPr>
+      <p:sp>
+        <p:nvSpPr>
+          <p:cNvPr id="4" name="3 Marcador de texto"/>
+          <p:cNvSpPr txBox="1">
+            <a:spLocks/>
+          </p:cNvSpPr>
+          <p:nvPr/>
+        </p:nvSpPr>
+        <p:spPr>
+          <a:xfrm>
+            <a:off x="174340" y="1772816"/>
+            <a:ext cx="1661356" cy="4691063"/>
+          </a:xfrm>
+          <a:prstGeom prst="rect">
+            <a:avLst/>
+          </a:prstGeom>
+        </p:spPr>
+        <p:txBody>
+          <a:bodyPr>
+            <a:normAutofit/>
+          </a:bodyPr>
+          <a:lstStyle>
+            <a:lvl1pPr marL="174625" indent="-174625" algn="l" defTabSz="914400" rtl="0" eaLnBrk="1" latinLnBrk="0" hangingPunct="1">
+              <a:lnSpc>
+                <a:spcPct val="150000"/>
+              </a:lnSpc>
+              <a:spcBef>
+                <a:spcPct val="20000"/>
+              </a:spcBef>
+              <a:buFont typeface="+mj-lt"/>
+              <a:buAutoNum type="arabicPeriod"/>
+              <a:defRPr sz="1100" kern="1200" baseline="0">
+                <a:solidFill>
+                  <a:schemeClr val="bg1"/>
+                </a:solidFill>
+                <a:latin typeface="Arial" panose="020B0604020202020204" pitchFamily="34" charset="0"/>
+                <a:ea typeface="+mn-ea"/>
+                <a:cs typeface="Arial" panose="020B0604020202020204" pitchFamily="34" charset="0"/>
+              </a:defRPr>
+            </a:lvl1pPr>
+            <a:lvl2pPr marL="457200" indent="0" algn="l" defTabSz="914400" rtl="0" eaLnBrk="1" latinLnBrk="0" hangingPunct="1">
+              <a:spcBef>
+                <a:spcPct val="20000"/>
+              </a:spcBef>
+              <a:buFont typeface="Arial" panose="020B0604020202020204" pitchFamily="34" charset="0"/>
+              <a:buNone/>
+              <a:defRPr sz="1200" kern="1200">
+                <a:solidFill>
+                  <a:schemeClr val="tx1"/>
+                </a:solidFill>
+                <a:latin typeface="+mn-lt"/>
+                <a:ea typeface="+mn-ea"/>
+                <a:cs typeface="+mn-cs"/>
+              </a:defRPr>
+            </a:lvl2pPr>
+            <a:lvl3pPr marL="914400" indent="0" algn="l" defTabSz="914400" rtl="0" eaLnBrk="1" latinLnBrk="0" hangingPunct="1">
+              <a:spcBef>
+                <a:spcPct val="20000"/>
+              </a:spcBef>
+              <a:buFont typeface="Arial" panose="020B0604020202020204" pitchFamily="34" charset="0"/>
+              <a:buNone/>
+              <a:defRPr sz="1000" kern="1200">
+                <a:solidFill>
+                  <a:schemeClr val="tx1"/>
+                </a:solidFill>
+                <a:latin typeface="+mn-lt"/>
+                <a:ea typeface="+mn-ea"/>
+                <a:cs typeface="+mn-cs"/>
+              </a:defRPr>
+            </a:lvl3pPr>
+            <a:lvl4pPr marL="1371600" indent="0" algn="l" defTabSz="914400" rtl="0" eaLnBrk="1" latinLnBrk="0" hangingPunct="1">
+              <a:spcBef>
+                <a:spcPct val="20000"/>
+              </a:spcBef>
+              <a:buFont typeface="Arial" panose="020B0604020202020204" pitchFamily="34" charset="0"/>
+              <a:buNone/>
+              <a:defRPr sz="900" kern="1200">
+                <a:solidFill>
+                  <a:schemeClr val="tx1"/>
+                </a:solidFill>
+                <a:latin typeface="+mn-lt"/>
+                <a:ea typeface="+mn-ea"/>
+                <a:cs typeface="+mn-cs"/>
+              </a:defRPr>
+            </a:lvl4pPr>
+            <a:lvl5pPr marL="1828800" indent="0" algn="l" defTabSz="914400" rtl="0" eaLnBrk="1" latinLnBrk="0" hangingPunct="1">
+              <a:spcBef>
+                <a:spcPct val="20000"/>
+              </a:spcBef>
+              <a:buFont typeface="Arial" panose="020B0604020202020204" pitchFamily="34" charset="0"/>
+              <a:buNone/>
+              <a:defRPr sz="900" kern="1200">
+                <a:solidFill>
+                  <a:schemeClr val="tx1"/>
+                </a:solidFill>
+                <a:latin typeface="+mn-lt"/>
+                <a:ea typeface="+mn-ea"/>
+                <a:cs typeface="+mn-cs"/>
+              </a:defRPr>
+            </a:lvl5pPr>
+            <a:lvl6pPr marL="2286000" indent="0" algn="l" defTabSz="914400" rtl="0" eaLnBrk="1" latinLnBrk="0" hangingPunct="1">
+              <a:spcBef>
+                <a:spcPct val="20000"/>
+              </a:spcBef>
+              <a:buFont typeface="Arial" panose="020B0604020202020204" pitchFamily="34" charset="0"/>
+              <a:buNone/>
+              <a:defRPr sz="900" kern="1200">
+                <a:solidFill>
+                  <a:schemeClr val="tx1"/>
+                </a:solidFill>
+                <a:latin typeface="+mn-lt"/>
+                <a:ea typeface="+mn-ea"/>
+                <a:cs typeface="+mn-cs"/>
+              </a:defRPr>
+            </a:lvl6pPr>
+            <a:lvl7pPr marL="2743200" indent="0" algn="l" defTabSz="914400" rtl="0" eaLnBrk="1" latinLnBrk="0" hangingPunct="1">
+              <a:spcBef>
+                <a:spcPct val="20000"/>
+              </a:spcBef>
+              <a:buFont typeface="Arial" panose="020B0604020202020204" pitchFamily="34" charset="0"/>
+              <a:buNone/>
+              <a:defRPr sz="900" kern="1200">
+                <a:solidFill>
+                  <a:schemeClr val="tx1"/>
+                </a:solidFill>
+                <a:latin typeface="+mn-lt"/>
+                <a:ea typeface="+mn-ea"/>
+                <a:cs typeface="+mn-cs"/>
+              </a:defRPr>
+            </a:lvl7pPr>
+            <a:lvl8pPr marL="3200400" indent="0" algn="l" defTabSz="914400" rtl="0" eaLnBrk="1" latinLnBrk="0" hangingPunct="1">
+              <a:spcBef>
+                <a:spcPct val="20000"/>
+              </a:spcBef>
+              <a:buFont typeface="Arial" panose="020B0604020202020204" pitchFamily="34" charset="0"/>
+              <a:buNone/>
+              <a:defRPr sz="900" kern="1200">
+                <a:solidFill>
+                  <a:schemeClr val="tx1"/>
+                </a:solidFill>
+                <a:latin typeface="+mn-lt"/>
+                <a:ea typeface="+mn-ea"/>
+                <a:cs typeface="+mn-cs"/>
+              </a:defRPr>
+            </a:lvl8pPr>
+            <a:lvl9pPr marL="3657600" indent="0" algn="l" defTabSz="914400" rtl="0" eaLnBrk="1" latinLnBrk="0" hangingPunct="1">
+              <a:spcBef>
+                <a:spcPct val="20000"/>
+              </a:spcBef>
+              <a:buFont typeface="Arial" panose="020B0604020202020204" pitchFamily="34" charset="0"/>
+              <a:buNone/>
+              <a:defRPr sz="900" kern="1200">
+                <a:solidFill>
+                  <a:schemeClr val="tx1"/>
+                </a:solidFill>
+                <a:latin typeface="+mn-lt"/>
+                <a:ea typeface="+mn-ea"/>
+                <a:cs typeface="+mn-cs"/>
+              </a:defRPr>
+            </a:lvl9pPr>
+          </a:lstStyle>
+          <a:p>
+            <a:r>
+              <a:rPr lang="es-ES" u="sng" dirty="0"/>
+              <a:t>Introducción</a:t>
+            </a:r>
+          </a:p>
+          <a:p>
+            <a:r>
+              <a:rPr lang="es-ES" dirty="0"/>
+              <a:t>Fundamento teórico</a:t>
+            </a:r>
+          </a:p>
+          <a:p>
+            <a:r>
+              <a:rPr lang="es-ES" dirty="0"/>
+              <a:t>Materiales y Métodos</a:t>
+            </a:r>
+          </a:p>
+          <a:p>
+            <a:r>
+              <a:rPr lang="es-ES" dirty="0"/>
+              <a:t>Resultados y Discusión</a:t>
+            </a:r>
+          </a:p>
+          <a:p>
+            <a:r>
+              <a:rPr lang="es-ES" dirty="0"/>
+              <a:t>Conclusiones</a:t>
+            </a:r>
+          </a:p>
+          <a:p>
+            <a:r>
+              <a:rPr lang="es-ES" dirty="0"/>
+              <a:t>Recomendaciones</a:t>
+            </a:r>
+          </a:p>
+        </p:txBody>
+      </p:sp>
+      <p:sp>
+        <p:nvSpPr>
+          <p:cNvPr id="14" name="6 CuadroTexto"/>
+          <p:cNvSpPr txBox="1"/>
+          <p:nvPr/>
+        </p:nvSpPr>
+        <p:spPr>
+          <a:xfrm>
+            <a:off x="2267744" y="260648"/>
+            <a:ext cx="6129256" cy="400110"/>
+          </a:xfrm>
+          <a:prstGeom prst="rect">
+            <a:avLst/>
+          </a:prstGeom>
+          <a:noFill/>
+        </p:spPr>
+        <p:txBody>
+          <a:bodyPr wrap="square" rtlCol="0">
+            <a:spAutoFit/>
+          </a:bodyPr>
+          <a:lstStyle/>
+          <a:p>
+            <a:r>
+              <a:rPr lang="es-PE" sz="2000" b="1" dirty="0">
+                <a:solidFill>
+                  <a:schemeClr val="accent1">
+                    <a:lumMod val="50000"/>
+                  </a:schemeClr>
+                </a:solidFill>
+                <a:latin typeface="Arial" panose="020B0604020202020204" pitchFamily="34" charset="0"/>
+                <a:cs typeface="Arial" panose="020B0604020202020204" pitchFamily="34" charset="0"/>
+              </a:rPr>
+              <a:t>Modelos de econometría espacial</a:t>
+            </a:r>
+          </a:p>
+        </p:txBody>
+      </p:sp>
+      <p:sp>
+        <p:nvSpPr>
+          <p:cNvPr id="7" name="CuadroTexto 6"/>
+          <p:cNvSpPr txBox="1"/>
+          <p:nvPr/>
+        </p:nvSpPr>
+        <p:spPr>
+          <a:xfrm>
+            <a:off x="2412000" y="1046713"/>
+            <a:ext cx="6075000" cy="4247317"/>
+          </a:xfrm>
+          <a:prstGeom prst="rect">
+            <a:avLst/>
+          </a:prstGeom>
+          <a:noFill/>
+        </p:spPr>
+        <p:txBody>
+          <a:bodyPr wrap="square" rtlCol="0">
+            <a:spAutoFit/>
+          </a:bodyPr>
+          <a:lstStyle/>
+          <a:p>
+            <a:pPr marL="285750" indent="-285750">
+              <a:spcAft>
+                <a:spcPts val="1200"/>
+              </a:spcAft>
+              <a:buFont typeface="Arial" panose="020B0604020202020204" pitchFamily="34" charset="0"/>
+              <a:buChar char="•"/>
+            </a:pPr>
+            <a:r>
+              <a:rPr lang="es-ES" sz="2000" dirty="0" smtClean="0"/>
+              <a:t>¿Las estaciones tienen en cuenta el precio que fijan sus competidores más cercanos? → Precios observables</a:t>
+            </a:r>
+          </a:p>
+          <a:p>
+            <a:pPr marL="285750" indent="-285750">
+              <a:spcAft>
+                <a:spcPts val="1200"/>
+              </a:spcAft>
+              <a:buFont typeface="Arial" panose="020B0604020202020204" pitchFamily="34" charset="0"/>
+              <a:buChar char="•"/>
+            </a:pPr>
+            <a:r>
+              <a:rPr lang="es-ES" sz="2000" dirty="0" smtClean="0"/>
+              <a:t>¿El incremento en precios de una estación tiene repercusiones sobre sus estaciones vecinas? Reacción en cadena</a:t>
+            </a:r>
+          </a:p>
+          <a:p>
+            <a:pPr marL="285750" indent="-285750">
+              <a:spcAft>
+                <a:spcPts val="1200"/>
+              </a:spcAft>
+              <a:buFont typeface="Arial" panose="020B0604020202020204" pitchFamily="34" charset="0"/>
+              <a:buChar char="•"/>
+            </a:pPr>
+            <a:r>
+              <a:rPr lang="es-ES" sz="2000" dirty="0" smtClean="0"/>
+              <a:t>Estaciones cercanas comparten factores que no son observables:</a:t>
+            </a:r>
+          </a:p>
+          <a:p>
+            <a:pPr marL="742950" lvl="1" indent="-285750">
+              <a:buFont typeface="Arial" panose="020B0604020202020204" pitchFamily="34" charset="0"/>
+              <a:buChar char="•"/>
+            </a:pPr>
+            <a:r>
+              <a:rPr lang="es-ES" sz="2000" dirty="0" smtClean="0"/>
+              <a:t>Ubicación cercana a centro comercial</a:t>
+            </a:r>
+          </a:p>
+          <a:p>
+            <a:pPr marL="742950" lvl="1" indent="-285750">
+              <a:buFont typeface="Arial" panose="020B0604020202020204" pitchFamily="34" charset="0"/>
+              <a:buChar char="•"/>
+            </a:pPr>
+            <a:r>
+              <a:rPr lang="es-ES" sz="2000" dirty="0" smtClean="0"/>
+              <a:t>Flujo de tránsito</a:t>
+            </a:r>
+          </a:p>
+          <a:p>
+            <a:pPr marL="742950" lvl="1" indent="-285750">
+              <a:buFont typeface="Arial" panose="020B0604020202020204" pitchFamily="34" charset="0"/>
+              <a:buChar char="•"/>
+            </a:pPr>
+            <a:r>
+              <a:rPr lang="es-ES" sz="2000" dirty="0" smtClean="0"/>
+              <a:t>Zonas industriales o financieras</a:t>
+            </a:r>
+          </a:p>
+          <a:p>
+            <a:pPr marL="285750" indent="-285750">
+              <a:spcAft>
+                <a:spcPts val="1200"/>
+              </a:spcAft>
+              <a:buFont typeface="Arial" panose="020B0604020202020204" pitchFamily="34" charset="0"/>
+              <a:buChar char="•"/>
+            </a:pPr>
+            <a:endParaRPr lang="es-ES" sz="2000" dirty="0" smtClean="0"/>
+          </a:p>
+        </p:txBody>
+      </p:sp>
+    </p:spTree>
+    <p:extLst>
+      <p:ext uri="{BB962C8B-B14F-4D97-AF65-F5344CB8AC3E}">
+        <p14:creationId xmlns:p14="http://schemas.microsoft.com/office/powerpoint/2010/main" val="88847383"/>
+      </p:ext>
+    </p:extLst>
+  </p:cSld>
+  <p:clrMapOvr>
+    <a:masterClrMapping/>
+  </p:clrMapOvr>
+  <mc:AlternateContent xmlns:mc="http://schemas.openxmlformats.org/markup-compatibility/2006" xmlns:p14="http://schemas.microsoft.com/office/powerpoint/2010/main">
+    <mc:Choice Requires="p14">
+      <p:transition p14:dur="0"/>
+    </mc:Choice>
+    <mc:Fallback xmlns="">
+      <p:transition/>
+    </mc:Fallback>
+  </mc:AlternateContent>
+  <p:timing>
+    <p:tnLst>
+      <p:par>
+        <p:cTn id="1" dur="indefinite" restart="never" nodeType="tmRoot"/>
+      </p:par>
+    </p:tnLst>
+  </p:timing>
+</p:sld>
+</file>
+
+<file path=ppt/slides/slide12.xml><?xml version="1.0" encoding="utf-8"?>
+<p:sld xmlns:a="http://schemas.openxmlformats.org/drawingml/2006/main" xmlns:r="http://schemas.openxmlformats.org/officeDocument/2006/relationships" xmlns:p="http://schemas.openxmlformats.org/presentationml/2006/main">
+  <p:cSld>
+    <p:spTree>
+      <p:nvGrpSpPr>
+        <p:cNvPr id="1" name=""/>
+        <p:cNvGrpSpPr/>
+        <p:nvPr/>
+      </p:nvGrpSpPr>
+      <p:grpSpPr>
+        <a:xfrm>
+          <a:off x="0" y="0"/>
+          <a:ext cx="0" cy="0"/>
+          <a:chOff x="0" y="0"/>
+          <a:chExt cx="0" cy="0"/>
+        </a:xfrm>
+      </p:grpSpPr>
+      <p:sp>
+        <p:nvSpPr>
+          <p:cNvPr id="4" name="3 Marcador de texto"/>
+          <p:cNvSpPr txBox="1">
+            <a:spLocks/>
+          </p:cNvSpPr>
+          <p:nvPr/>
+        </p:nvSpPr>
+        <p:spPr>
+          <a:xfrm>
+            <a:off x="174340" y="1772816"/>
+            <a:ext cx="1661356" cy="4691063"/>
+          </a:xfrm>
+          <a:prstGeom prst="rect">
+            <a:avLst/>
+          </a:prstGeom>
+        </p:spPr>
+        <p:txBody>
+          <a:bodyPr>
+            <a:normAutofit/>
+          </a:bodyPr>
+          <a:lstStyle>
+            <a:lvl1pPr marL="174625" indent="-174625" algn="l" defTabSz="914400" rtl="0" eaLnBrk="1" latinLnBrk="0" hangingPunct="1">
+              <a:lnSpc>
+                <a:spcPct val="150000"/>
+              </a:lnSpc>
+              <a:spcBef>
+                <a:spcPct val="20000"/>
+              </a:spcBef>
+              <a:buFont typeface="+mj-lt"/>
+              <a:buAutoNum type="arabicPeriod"/>
+              <a:defRPr sz="1100" kern="1200" baseline="0">
+                <a:solidFill>
+                  <a:schemeClr val="bg1"/>
+                </a:solidFill>
+                <a:latin typeface="Arial" panose="020B0604020202020204" pitchFamily="34" charset="0"/>
+                <a:ea typeface="+mn-ea"/>
+                <a:cs typeface="Arial" panose="020B0604020202020204" pitchFamily="34" charset="0"/>
+              </a:defRPr>
+            </a:lvl1pPr>
+            <a:lvl2pPr marL="457200" indent="0" algn="l" defTabSz="914400" rtl="0" eaLnBrk="1" latinLnBrk="0" hangingPunct="1">
+              <a:spcBef>
+                <a:spcPct val="20000"/>
+              </a:spcBef>
+              <a:buFont typeface="Arial" panose="020B0604020202020204" pitchFamily="34" charset="0"/>
+              <a:buNone/>
+              <a:defRPr sz="1200" kern="1200">
+                <a:solidFill>
+                  <a:schemeClr val="tx1"/>
+                </a:solidFill>
+                <a:latin typeface="+mn-lt"/>
+                <a:ea typeface="+mn-ea"/>
+                <a:cs typeface="+mn-cs"/>
+              </a:defRPr>
+            </a:lvl2pPr>
+            <a:lvl3pPr marL="914400" indent="0" algn="l" defTabSz="914400" rtl="0" eaLnBrk="1" latinLnBrk="0" hangingPunct="1">
+              <a:spcBef>
+                <a:spcPct val="20000"/>
+              </a:spcBef>
+              <a:buFont typeface="Arial" panose="020B0604020202020204" pitchFamily="34" charset="0"/>
+              <a:buNone/>
+              <a:defRPr sz="1000" kern="1200">
+                <a:solidFill>
+                  <a:schemeClr val="tx1"/>
+                </a:solidFill>
+                <a:latin typeface="+mn-lt"/>
+                <a:ea typeface="+mn-ea"/>
+                <a:cs typeface="+mn-cs"/>
+              </a:defRPr>
+            </a:lvl3pPr>
+            <a:lvl4pPr marL="1371600" indent="0" algn="l" defTabSz="914400" rtl="0" eaLnBrk="1" latinLnBrk="0" hangingPunct="1">
+              <a:spcBef>
+                <a:spcPct val="20000"/>
+              </a:spcBef>
+              <a:buFont typeface="Arial" panose="020B0604020202020204" pitchFamily="34" charset="0"/>
+              <a:buNone/>
+              <a:defRPr sz="900" kern="1200">
+                <a:solidFill>
+                  <a:schemeClr val="tx1"/>
+                </a:solidFill>
+                <a:latin typeface="+mn-lt"/>
+                <a:ea typeface="+mn-ea"/>
+                <a:cs typeface="+mn-cs"/>
+              </a:defRPr>
+            </a:lvl4pPr>
+            <a:lvl5pPr marL="1828800" indent="0" algn="l" defTabSz="914400" rtl="0" eaLnBrk="1" latinLnBrk="0" hangingPunct="1">
+              <a:spcBef>
+                <a:spcPct val="20000"/>
+              </a:spcBef>
+              <a:buFont typeface="Arial" panose="020B0604020202020204" pitchFamily="34" charset="0"/>
+              <a:buNone/>
+              <a:defRPr sz="900" kern="1200">
+                <a:solidFill>
+                  <a:schemeClr val="tx1"/>
+                </a:solidFill>
+                <a:latin typeface="+mn-lt"/>
+                <a:ea typeface="+mn-ea"/>
+                <a:cs typeface="+mn-cs"/>
+              </a:defRPr>
+            </a:lvl5pPr>
+            <a:lvl6pPr marL="2286000" indent="0" algn="l" defTabSz="914400" rtl="0" eaLnBrk="1" latinLnBrk="0" hangingPunct="1">
+              <a:spcBef>
+                <a:spcPct val="20000"/>
+              </a:spcBef>
+              <a:buFont typeface="Arial" panose="020B0604020202020204" pitchFamily="34" charset="0"/>
+              <a:buNone/>
+              <a:defRPr sz="900" kern="1200">
+                <a:solidFill>
+                  <a:schemeClr val="tx1"/>
+                </a:solidFill>
+                <a:latin typeface="+mn-lt"/>
+                <a:ea typeface="+mn-ea"/>
+                <a:cs typeface="+mn-cs"/>
+              </a:defRPr>
+            </a:lvl6pPr>
+            <a:lvl7pPr marL="2743200" indent="0" algn="l" defTabSz="914400" rtl="0" eaLnBrk="1" latinLnBrk="0" hangingPunct="1">
+              <a:spcBef>
+                <a:spcPct val="20000"/>
+              </a:spcBef>
+              <a:buFont typeface="Arial" panose="020B0604020202020204" pitchFamily="34" charset="0"/>
+              <a:buNone/>
+              <a:defRPr sz="900" kern="1200">
+                <a:solidFill>
+                  <a:schemeClr val="tx1"/>
+                </a:solidFill>
+                <a:latin typeface="+mn-lt"/>
+                <a:ea typeface="+mn-ea"/>
+                <a:cs typeface="+mn-cs"/>
+              </a:defRPr>
+            </a:lvl7pPr>
+            <a:lvl8pPr marL="3200400" indent="0" algn="l" defTabSz="914400" rtl="0" eaLnBrk="1" latinLnBrk="0" hangingPunct="1">
+              <a:spcBef>
+                <a:spcPct val="20000"/>
+              </a:spcBef>
+              <a:buFont typeface="Arial" panose="020B0604020202020204" pitchFamily="34" charset="0"/>
+              <a:buNone/>
+              <a:defRPr sz="900" kern="1200">
+                <a:solidFill>
+                  <a:schemeClr val="tx1"/>
+                </a:solidFill>
+                <a:latin typeface="+mn-lt"/>
+                <a:ea typeface="+mn-ea"/>
+                <a:cs typeface="+mn-cs"/>
+              </a:defRPr>
+            </a:lvl8pPr>
+            <a:lvl9pPr marL="3657600" indent="0" algn="l" defTabSz="914400" rtl="0" eaLnBrk="1" latinLnBrk="0" hangingPunct="1">
+              <a:spcBef>
+                <a:spcPct val="20000"/>
+              </a:spcBef>
+              <a:buFont typeface="Arial" panose="020B0604020202020204" pitchFamily="34" charset="0"/>
+              <a:buNone/>
+              <a:defRPr sz="900" kern="1200">
+                <a:solidFill>
+                  <a:schemeClr val="tx1"/>
+                </a:solidFill>
+                <a:latin typeface="+mn-lt"/>
+                <a:ea typeface="+mn-ea"/>
+                <a:cs typeface="+mn-cs"/>
+              </a:defRPr>
+            </a:lvl9pPr>
+          </a:lstStyle>
+          <a:p>
+            <a:r>
+              <a:rPr lang="es-ES" u="sng" dirty="0"/>
+              <a:t>Introducción</a:t>
+            </a:r>
+          </a:p>
+          <a:p>
+            <a:r>
+              <a:rPr lang="es-ES" dirty="0"/>
+              <a:t>Fundamento teórico</a:t>
+            </a:r>
+          </a:p>
+          <a:p>
+            <a:r>
+              <a:rPr lang="es-ES" dirty="0"/>
+              <a:t>Materiales y Métodos</a:t>
+            </a:r>
+          </a:p>
+          <a:p>
+            <a:r>
+              <a:rPr lang="es-ES" dirty="0"/>
+              <a:t>Resultados y Discusión</a:t>
+            </a:r>
+          </a:p>
+          <a:p>
+            <a:r>
+              <a:rPr lang="es-ES" dirty="0"/>
+              <a:t>Conclusiones</a:t>
+            </a:r>
+          </a:p>
+          <a:p>
+            <a:r>
+              <a:rPr lang="es-ES" dirty="0"/>
+              <a:t>Recomendaciones</a:t>
+            </a:r>
+          </a:p>
+        </p:txBody>
+      </p:sp>
+      <p:sp>
+        <p:nvSpPr>
+          <p:cNvPr id="14" name="6 CuadroTexto"/>
+          <p:cNvSpPr txBox="1"/>
+          <p:nvPr/>
+        </p:nvSpPr>
+        <p:spPr>
+          <a:xfrm>
+            <a:off x="2267744" y="260648"/>
+            <a:ext cx="6129256" cy="400110"/>
+          </a:xfrm>
+          <a:prstGeom prst="rect">
+            <a:avLst/>
+          </a:prstGeom>
+          <a:noFill/>
+        </p:spPr>
+        <p:txBody>
+          <a:bodyPr wrap="square" rtlCol="0">
+            <a:spAutoFit/>
+          </a:bodyPr>
+          <a:lstStyle/>
+          <a:p>
+            <a:r>
               <a:rPr lang="es-PE" sz="2000" b="1" dirty="0" smtClean="0">
                 <a:solidFill>
                   <a:schemeClr val="accent1">
@@ -10562,7 +12154,7 @@
 </p:sld>
 </file>
 
-<file path=ppt/slides/slide11.xml><?xml version="1.0" encoding="utf-8"?>
+<file path=ppt/slides/slide13.xml><?xml version="1.0" encoding="utf-8"?>
 <p:sld xmlns:a="http://schemas.openxmlformats.org/drawingml/2006/main" xmlns:r="http://schemas.openxmlformats.org/officeDocument/2006/relationships" xmlns:p="http://schemas.openxmlformats.org/presentationml/2006/main">
   <p:cSld>
     <p:spTree>
@@ -11521,7 +13113,7 @@
 </p:sld>
 </file>
 
-<file path=ppt/slides/slide12.xml><?xml version="1.0" encoding="utf-8"?>
+<file path=ppt/slides/slide14.xml><?xml version="1.0" encoding="utf-8"?>
 <p:sld xmlns:a="http://schemas.openxmlformats.org/drawingml/2006/main" xmlns:r="http://schemas.openxmlformats.org/officeDocument/2006/relationships" xmlns:p="http://schemas.openxmlformats.org/presentationml/2006/main">
   <p:cSld>
     <p:spTree>
@@ -11599,7 +13191,7 @@
 </p:sld>
 </file>
 
-<file path=ppt/slides/slide13.xml><?xml version="1.0" encoding="utf-8"?>
+<file path=ppt/slides/slide15.xml><?xml version="1.0" encoding="utf-8"?>
 <p:sld xmlns:a="http://schemas.openxmlformats.org/drawingml/2006/main" xmlns:r="http://schemas.openxmlformats.org/officeDocument/2006/relationships" xmlns:p="http://schemas.openxmlformats.org/presentationml/2006/main">
   <p:cSld>
     <p:spTree>
@@ -12054,7 +13646,7 @@
 </p:sld>
 </file>
 
-<file path=ppt/slides/slide14.xml><?xml version="1.0" encoding="utf-8"?>
+<file path=ppt/slides/slide16.xml><?xml version="1.0" encoding="utf-8"?>
 <p:sld xmlns:a="http://schemas.openxmlformats.org/drawingml/2006/main" xmlns:r="http://schemas.openxmlformats.org/officeDocument/2006/relationships" xmlns:p="http://schemas.openxmlformats.org/presentationml/2006/main">
   <p:cSld>
     <p:spTree>
@@ -14011,7 +15603,7 @@
 </p:sld>
 </file>
 
-<file path=ppt/slides/slide15.xml><?xml version="1.0" encoding="utf-8"?>
+<file path=ppt/slides/slide17.xml><?xml version="1.0" encoding="utf-8"?>
 <p:sld xmlns:a="http://schemas.openxmlformats.org/drawingml/2006/main" xmlns:r="http://schemas.openxmlformats.org/officeDocument/2006/relationships" xmlns:p="http://schemas.openxmlformats.org/presentationml/2006/main">
   <p:cSld>
     <p:spTree>
@@ -16384,893 +17976,6 @@
 </p:sld>
 </file>
 
-<file path=ppt/slides/slide16.xml><?xml version="1.0" encoding="utf-8"?>
-<p:sld xmlns:a="http://schemas.openxmlformats.org/drawingml/2006/main" xmlns:r="http://schemas.openxmlformats.org/officeDocument/2006/relationships" xmlns:p="http://schemas.openxmlformats.org/presentationml/2006/main">
-  <p:cSld>
-    <p:spTree>
-      <p:nvGrpSpPr>
-        <p:cNvPr id="1" name=""/>
-        <p:cNvGrpSpPr/>
-        <p:nvPr/>
-      </p:nvGrpSpPr>
-      <p:grpSpPr>
-        <a:xfrm>
-          <a:off x="0" y="0"/>
-          <a:ext cx="0" cy="0"/>
-          <a:chOff x="0" y="0"/>
-          <a:chExt cx="0" cy="0"/>
-        </a:xfrm>
-      </p:grpSpPr>
-      <p:sp>
-        <p:nvSpPr>
-          <p:cNvPr id="4" name="3 Marcador de texto"/>
-          <p:cNvSpPr txBox="1">
-            <a:spLocks/>
-          </p:cNvSpPr>
-          <p:nvPr/>
-        </p:nvSpPr>
-        <p:spPr>
-          <a:xfrm>
-            <a:off x="174340" y="1772816"/>
-            <a:ext cx="1661356" cy="4691063"/>
-          </a:xfrm>
-          <a:prstGeom prst="rect">
-            <a:avLst/>
-          </a:prstGeom>
-        </p:spPr>
-        <p:txBody>
-          <a:bodyPr>
-            <a:normAutofit/>
-          </a:bodyPr>
-          <a:lstStyle>
-            <a:lvl1pPr marL="174625" indent="-174625" algn="l" defTabSz="914400" rtl="0" eaLnBrk="1" latinLnBrk="0" hangingPunct="1">
-              <a:lnSpc>
-                <a:spcPct val="150000"/>
-              </a:lnSpc>
-              <a:spcBef>
-                <a:spcPct val="20000"/>
-              </a:spcBef>
-              <a:buFont typeface="+mj-lt"/>
-              <a:buAutoNum type="arabicPeriod"/>
-              <a:defRPr sz="1100" kern="1200" baseline="0">
-                <a:solidFill>
-                  <a:schemeClr val="bg1"/>
-                </a:solidFill>
-                <a:latin typeface="Arial" panose="020B0604020202020204" pitchFamily="34" charset="0"/>
-                <a:ea typeface="+mn-ea"/>
-                <a:cs typeface="Arial" panose="020B0604020202020204" pitchFamily="34" charset="0"/>
-              </a:defRPr>
-            </a:lvl1pPr>
-            <a:lvl2pPr marL="457200" indent="0" algn="l" defTabSz="914400" rtl="0" eaLnBrk="1" latinLnBrk="0" hangingPunct="1">
-              <a:spcBef>
-                <a:spcPct val="20000"/>
-              </a:spcBef>
-              <a:buFont typeface="Arial" panose="020B0604020202020204" pitchFamily="34" charset="0"/>
-              <a:buNone/>
-              <a:defRPr sz="1200" kern="1200">
-                <a:solidFill>
-                  <a:schemeClr val="tx1"/>
-                </a:solidFill>
-                <a:latin typeface="+mn-lt"/>
-                <a:ea typeface="+mn-ea"/>
-                <a:cs typeface="+mn-cs"/>
-              </a:defRPr>
-            </a:lvl2pPr>
-            <a:lvl3pPr marL="914400" indent="0" algn="l" defTabSz="914400" rtl="0" eaLnBrk="1" latinLnBrk="0" hangingPunct="1">
-              <a:spcBef>
-                <a:spcPct val="20000"/>
-              </a:spcBef>
-              <a:buFont typeface="Arial" panose="020B0604020202020204" pitchFamily="34" charset="0"/>
-              <a:buNone/>
-              <a:defRPr sz="1000" kern="1200">
-                <a:solidFill>
-                  <a:schemeClr val="tx1"/>
-                </a:solidFill>
-                <a:latin typeface="+mn-lt"/>
-                <a:ea typeface="+mn-ea"/>
-                <a:cs typeface="+mn-cs"/>
-              </a:defRPr>
-            </a:lvl3pPr>
-            <a:lvl4pPr marL="1371600" indent="0" algn="l" defTabSz="914400" rtl="0" eaLnBrk="1" latinLnBrk="0" hangingPunct="1">
-              <a:spcBef>
-                <a:spcPct val="20000"/>
-              </a:spcBef>
-              <a:buFont typeface="Arial" panose="020B0604020202020204" pitchFamily="34" charset="0"/>
-              <a:buNone/>
-              <a:defRPr sz="900" kern="1200">
-                <a:solidFill>
-                  <a:schemeClr val="tx1"/>
-                </a:solidFill>
-                <a:latin typeface="+mn-lt"/>
-                <a:ea typeface="+mn-ea"/>
-                <a:cs typeface="+mn-cs"/>
-              </a:defRPr>
-            </a:lvl4pPr>
-            <a:lvl5pPr marL="1828800" indent="0" algn="l" defTabSz="914400" rtl="0" eaLnBrk="1" latinLnBrk="0" hangingPunct="1">
-              <a:spcBef>
-                <a:spcPct val="20000"/>
-              </a:spcBef>
-              <a:buFont typeface="Arial" panose="020B0604020202020204" pitchFamily="34" charset="0"/>
-              <a:buNone/>
-              <a:defRPr sz="900" kern="1200">
-                <a:solidFill>
-                  <a:schemeClr val="tx1"/>
-                </a:solidFill>
-                <a:latin typeface="+mn-lt"/>
-                <a:ea typeface="+mn-ea"/>
-                <a:cs typeface="+mn-cs"/>
-              </a:defRPr>
-            </a:lvl5pPr>
-            <a:lvl6pPr marL="2286000" indent="0" algn="l" defTabSz="914400" rtl="0" eaLnBrk="1" latinLnBrk="0" hangingPunct="1">
-              <a:spcBef>
-                <a:spcPct val="20000"/>
-              </a:spcBef>
-              <a:buFont typeface="Arial" panose="020B0604020202020204" pitchFamily="34" charset="0"/>
-              <a:buNone/>
-              <a:defRPr sz="900" kern="1200">
-                <a:solidFill>
-                  <a:schemeClr val="tx1"/>
-                </a:solidFill>
-                <a:latin typeface="+mn-lt"/>
-                <a:ea typeface="+mn-ea"/>
-                <a:cs typeface="+mn-cs"/>
-              </a:defRPr>
-            </a:lvl6pPr>
-            <a:lvl7pPr marL="2743200" indent="0" algn="l" defTabSz="914400" rtl="0" eaLnBrk="1" latinLnBrk="0" hangingPunct="1">
-              <a:spcBef>
-                <a:spcPct val="20000"/>
-              </a:spcBef>
-              <a:buFont typeface="Arial" panose="020B0604020202020204" pitchFamily="34" charset="0"/>
-              <a:buNone/>
-              <a:defRPr sz="900" kern="1200">
-                <a:solidFill>
-                  <a:schemeClr val="tx1"/>
-                </a:solidFill>
-                <a:latin typeface="+mn-lt"/>
-                <a:ea typeface="+mn-ea"/>
-                <a:cs typeface="+mn-cs"/>
-              </a:defRPr>
-            </a:lvl7pPr>
-            <a:lvl8pPr marL="3200400" indent="0" algn="l" defTabSz="914400" rtl="0" eaLnBrk="1" latinLnBrk="0" hangingPunct="1">
-              <a:spcBef>
-                <a:spcPct val="20000"/>
-              </a:spcBef>
-              <a:buFont typeface="Arial" panose="020B0604020202020204" pitchFamily="34" charset="0"/>
-              <a:buNone/>
-              <a:defRPr sz="900" kern="1200">
-                <a:solidFill>
-                  <a:schemeClr val="tx1"/>
-                </a:solidFill>
-                <a:latin typeface="+mn-lt"/>
-                <a:ea typeface="+mn-ea"/>
-                <a:cs typeface="+mn-cs"/>
-              </a:defRPr>
-            </a:lvl8pPr>
-            <a:lvl9pPr marL="3657600" indent="0" algn="l" defTabSz="914400" rtl="0" eaLnBrk="1" latinLnBrk="0" hangingPunct="1">
-              <a:spcBef>
-                <a:spcPct val="20000"/>
-              </a:spcBef>
-              <a:buFont typeface="Arial" panose="020B0604020202020204" pitchFamily="34" charset="0"/>
-              <a:buNone/>
-              <a:defRPr sz="900" kern="1200">
-                <a:solidFill>
-                  <a:schemeClr val="tx1"/>
-                </a:solidFill>
-                <a:latin typeface="+mn-lt"/>
-                <a:ea typeface="+mn-ea"/>
-                <a:cs typeface="+mn-cs"/>
-              </a:defRPr>
-            </a:lvl9pPr>
-          </a:lstStyle>
-          <a:p>
-            <a:r>
-              <a:rPr lang="es-ES" dirty="0"/>
-              <a:t>Introducción</a:t>
-            </a:r>
-          </a:p>
-          <a:p>
-            <a:r>
-              <a:rPr lang="es-ES" u="sng" dirty="0"/>
-              <a:t>Fundamento teórico</a:t>
-            </a:r>
-          </a:p>
-          <a:p>
-            <a:r>
-              <a:rPr lang="es-ES" dirty="0"/>
-              <a:t>Materiales y Métodos</a:t>
-            </a:r>
-          </a:p>
-          <a:p>
-            <a:r>
-              <a:rPr lang="es-ES" dirty="0"/>
-              <a:t>Resultados y Discusión</a:t>
-            </a:r>
-          </a:p>
-          <a:p>
-            <a:r>
-              <a:rPr lang="es-ES" dirty="0"/>
-              <a:t>Conclusiones</a:t>
-            </a:r>
-          </a:p>
-          <a:p>
-            <a:r>
-              <a:rPr lang="es-ES" dirty="0"/>
-              <a:t>Recomendaciones</a:t>
-            </a:r>
-          </a:p>
-        </p:txBody>
-      </p:sp>
-      <p:sp>
-        <p:nvSpPr>
-          <p:cNvPr id="14" name="6 CuadroTexto"/>
-          <p:cNvSpPr txBox="1"/>
-          <p:nvPr/>
-        </p:nvSpPr>
-        <p:spPr>
-          <a:xfrm>
-            <a:off x="2267744" y="260648"/>
-            <a:ext cx="5472608" cy="400110"/>
-          </a:xfrm>
-          <a:prstGeom prst="rect">
-            <a:avLst/>
-          </a:prstGeom>
-          <a:noFill/>
-        </p:spPr>
-        <p:txBody>
-          <a:bodyPr wrap="square" rtlCol="0">
-            <a:spAutoFit/>
-          </a:bodyPr>
-          <a:lstStyle/>
-          <a:p>
-            <a:r>
-              <a:rPr lang="es-ES" sz="2000" b="1" dirty="0" smtClean="0">
-                <a:solidFill>
-                  <a:schemeClr val="accent1">
-                    <a:lumMod val="50000"/>
-                  </a:schemeClr>
-                </a:solidFill>
-                <a:latin typeface="Arial" panose="020B0604020202020204" pitchFamily="34" charset="0"/>
-                <a:cs typeface="Arial" panose="020B0604020202020204" pitchFamily="34" charset="0"/>
-              </a:rPr>
-              <a:t>Regresiones a estimar – Corte transversal</a:t>
-            </a:r>
-            <a:endParaRPr lang="es-ES" sz="2000" b="1" dirty="0">
-              <a:solidFill>
-                <a:schemeClr val="accent1">
-                  <a:lumMod val="50000"/>
-                </a:schemeClr>
-              </a:solidFill>
-              <a:latin typeface="Arial" panose="020B0604020202020204" pitchFamily="34" charset="0"/>
-              <a:cs typeface="Arial" panose="020B0604020202020204" pitchFamily="34" charset="0"/>
-            </a:endParaRPr>
-          </a:p>
-        </p:txBody>
-      </p:sp>
-      <p:sp>
-        <p:nvSpPr>
-          <p:cNvPr id="5" name="CuadroTexto 4"/>
-          <p:cNvSpPr txBox="1"/>
-          <p:nvPr/>
-        </p:nvSpPr>
-        <p:spPr>
-          <a:xfrm>
-            <a:off x="2367000" y="1134000"/>
-            <a:ext cx="5940000" cy="923330"/>
-          </a:xfrm>
-          <a:prstGeom prst="rect">
-            <a:avLst/>
-          </a:prstGeom>
-          <a:noFill/>
-          <a:ln>
-            <a:noFill/>
-          </a:ln>
-        </p:spPr>
-        <p:txBody>
-          <a:bodyPr wrap="square" rtlCol="0">
-            <a:spAutoFit/>
-          </a:bodyPr>
-          <a:lstStyle/>
-          <a:p>
-            <a:r>
-              <a:rPr lang="es-ES" dirty="0" smtClean="0"/>
-              <a:t>1. Siguiendo a Eckert y West (2005), se estima la siguiente regresión lineal por MCO:</a:t>
-            </a:r>
-          </a:p>
-          <a:p>
-            <a:endParaRPr lang="en-US" dirty="0"/>
-          </a:p>
-        </p:txBody>
-      </p:sp>
-      <p:pic>
-        <p:nvPicPr>
-          <p:cNvPr id="2" name="Imagen 1"/>
-          <p:cNvPicPr>
-            <a:picLocks noChangeAspect="1"/>
-          </p:cNvPicPr>
-          <p:nvPr/>
-        </p:nvPicPr>
-        <p:blipFill rotWithShape="1">
-          <a:blip r:embed="rId2"/>
-          <a:srcRect t="36000"/>
-          <a:stretch/>
-        </p:blipFill>
-        <p:spPr>
-          <a:xfrm>
-            <a:off x="3717000" y="2057330"/>
-            <a:ext cx="3209524" cy="640000"/>
-          </a:xfrm>
-          <a:prstGeom prst="rect">
-            <a:avLst/>
-          </a:prstGeom>
-        </p:spPr>
-      </p:pic>
-      <p:sp>
-        <p:nvSpPr>
-          <p:cNvPr id="6" name="CuadroTexto 5"/>
-          <p:cNvSpPr txBox="1"/>
-          <p:nvPr/>
-        </p:nvSpPr>
-        <p:spPr>
-          <a:xfrm>
-            <a:off x="2367000" y="3069000"/>
-            <a:ext cx="6300000" cy="923330"/>
-          </a:xfrm>
-          <a:prstGeom prst="rect">
-            <a:avLst/>
-          </a:prstGeom>
-          <a:noFill/>
-          <a:ln>
-            <a:noFill/>
-          </a:ln>
-        </p:spPr>
-        <p:txBody>
-          <a:bodyPr wrap="square" rtlCol="0">
-            <a:spAutoFit/>
-          </a:bodyPr>
-          <a:lstStyle/>
-          <a:p>
-            <a:r>
-              <a:rPr lang="es-ES" dirty="0" smtClean="0"/>
-              <a:t>2. Verificamos la posibilidad la presencia de variables espacialmente correlacionadas </a:t>
-            </a:r>
-            <a:r>
-              <a:rPr lang="es-ES" dirty="0"/>
-              <a:t>mediante las pruebas propuestas por Anselin (1996) </a:t>
-            </a:r>
-            <a:endParaRPr lang="es-ES" dirty="0" smtClean="0"/>
-          </a:p>
-        </p:txBody>
-      </p:sp>
-      <p:sp>
-        <p:nvSpPr>
-          <p:cNvPr id="7" name="CuadroTexto 6"/>
-          <p:cNvSpPr txBox="1"/>
-          <p:nvPr/>
-        </p:nvSpPr>
-        <p:spPr>
-          <a:xfrm>
-            <a:off x="2414625" y="4364000"/>
-            <a:ext cx="6300000" cy="923330"/>
-          </a:xfrm>
-          <a:prstGeom prst="rect">
-            <a:avLst/>
-          </a:prstGeom>
-          <a:noFill/>
-          <a:ln>
-            <a:noFill/>
-          </a:ln>
-        </p:spPr>
-        <p:txBody>
-          <a:bodyPr wrap="square" rtlCol="0">
-            <a:spAutoFit/>
-          </a:bodyPr>
-          <a:lstStyle/>
-          <a:p>
-            <a:r>
-              <a:rPr lang="es-ES" dirty="0" smtClean="0"/>
-              <a:t>3. De existir correlación espacial, estimamos el modelo de Durbin por Máxima Verosimilitud y realizamos pruebas de LR para intentar simplificar al modelo SAR o SEM</a:t>
-            </a:r>
-          </a:p>
-        </p:txBody>
-      </p:sp>
-      <p:pic>
-        <p:nvPicPr>
-          <p:cNvPr id="3" name="Imagen 2"/>
-          <p:cNvPicPr>
-            <a:picLocks noChangeAspect="1"/>
-          </p:cNvPicPr>
-          <p:nvPr/>
-        </p:nvPicPr>
-        <p:blipFill>
-          <a:blip r:embed="rId3"/>
-          <a:stretch>
-            <a:fillRect/>
-          </a:stretch>
-        </p:blipFill>
-        <p:spPr>
-          <a:xfrm>
-            <a:off x="2878905" y="5589000"/>
-            <a:ext cx="5276190" cy="771429"/>
-          </a:xfrm>
-          <a:prstGeom prst="rect">
-            <a:avLst/>
-          </a:prstGeom>
-        </p:spPr>
-      </p:pic>
-    </p:spTree>
-    <p:extLst>
-      <p:ext uri="{BB962C8B-B14F-4D97-AF65-F5344CB8AC3E}">
-        <p14:creationId xmlns:p14="http://schemas.microsoft.com/office/powerpoint/2010/main" val="2627108600"/>
-      </p:ext>
-    </p:extLst>
-  </p:cSld>
-  <p:clrMapOvr>
-    <a:masterClrMapping/>
-  </p:clrMapOvr>
-  <mc:AlternateContent xmlns:mc="http://schemas.openxmlformats.org/markup-compatibility/2006" xmlns:p14="http://schemas.microsoft.com/office/powerpoint/2010/main">
-    <mc:Choice Requires="p14">
-      <p:transition p14:dur="0"/>
-    </mc:Choice>
-    <mc:Fallback xmlns="">
-      <p:transition/>
-    </mc:Fallback>
-  </mc:AlternateContent>
-  <p:timing>
-    <p:tnLst>
-      <p:par>
-        <p:cTn id="1" dur="indefinite" restart="never" nodeType="tmRoot"/>
-      </p:par>
-    </p:tnLst>
-  </p:timing>
-</p:sld>
-</file>
-
-<file path=ppt/slides/slide17.xml><?xml version="1.0" encoding="utf-8"?>
-<p:sld xmlns:a="http://schemas.openxmlformats.org/drawingml/2006/main" xmlns:r="http://schemas.openxmlformats.org/officeDocument/2006/relationships" xmlns:p="http://schemas.openxmlformats.org/presentationml/2006/main">
-  <p:cSld>
-    <p:spTree>
-      <p:nvGrpSpPr>
-        <p:cNvPr id="1" name=""/>
-        <p:cNvGrpSpPr/>
-        <p:nvPr/>
-      </p:nvGrpSpPr>
-      <p:grpSpPr>
-        <a:xfrm>
-          <a:off x="0" y="0"/>
-          <a:ext cx="0" cy="0"/>
-          <a:chOff x="0" y="0"/>
-          <a:chExt cx="0" cy="0"/>
-        </a:xfrm>
-      </p:grpSpPr>
-      <p:sp>
-        <p:nvSpPr>
-          <p:cNvPr id="4" name="3 Marcador de texto"/>
-          <p:cNvSpPr txBox="1">
-            <a:spLocks/>
-          </p:cNvSpPr>
-          <p:nvPr/>
-        </p:nvSpPr>
-        <p:spPr>
-          <a:xfrm>
-            <a:off x="174340" y="1772816"/>
-            <a:ext cx="1661356" cy="4691063"/>
-          </a:xfrm>
-          <a:prstGeom prst="rect">
-            <a:avLst/>
-          </a:prstGeom>
-        </p:spPr>
-        <p:txBody>
-          <a:bodyPr>
-            <a:normAutofit/>
-          </a:bodyPr>
-          <a:lstStyle>
-            <a:lvl1pPr marL="174625" indent="-174625" algn="l" defTabSz="914400" rtl="0" eaLnBrk="1" latinLnBrk="0" hangingPunct="1">
-              <a:lnSpc>
-                <a:spcPct val="150000"/>
-              </a:lnSpc>
-              <a:spcBef>
-                <a:spcPct val="20000"/>
-              </a:spcBef>
-              <a:buFont typeface="+mj-lt"/>
-              <a:buAutoNum type="arabicPeriod"/>
-              <a:defRPr sz="1100" kern="1200" baseline="0">
-                <a:solidFill>
-                  <a:schemeClr val="bg1"/>
-                </a:solidFill>
-                <a:latin typeface="Arial" panose="020B0604020202020204" pitchFamily="34" charset="0"/>
-                <a:ea typeface="+mn-ea"/>
-                <a:cs typeface="Arial" panose="020B0604020202020204" pitchFamily="34" charset="0"/>
-              </a:defRPr>
-            </a:lvl1pPr>
-            <a:lvl2pPr marL="457200" indent="0" algn="l" defTabSz="914400" rtl="0" eaLnBrk="1" latinLnBrk="0" hangingPunct="1">
-              <a:spcBef>
-                <a:spcPct val="20000"/>
-              </a:spcBef>
-              <a:buFont typeface="Arial" panose="020B0604020202020204" pitchFamily="34" charset="0"/>
-              <a:buNone/>
-              <a:defRPr sz="1200" kern="1200">
-                <a:solidFill>
-                  <a:schemeClr val="tx1"/>
-                </a:solidFill>
-                <a:latin typeface="+mn-lt"/>
-                <a:ea typeface="+mn-ea"/>
-                <a:cs typeface="+mn-cs"/>
-              </a:defRPr>
-            </a:lvl2pPr>
-            <a:lvl3pPr marL="914400" indent="0" algn="l" defTabSz="914400" rtl="0" eaLnBrk="1" latinLnBrk="0" hangingPunct="1">
-              <a:spcBef>
-                <a:spcPct val="20000"/>
-              </a:spcBef>
-              <a:buFont typeface="Arial" panose="020B0604020202020204" pitchFamily="34" charset="0"/>
-              <a:buNone/>
-              <a:defRPr sz="1000" kern="1200">
-                <a:solidFill>
-                  <a:schemeClr val="tx1"/>
-                </a:solidFill>
-                <a:latin typeface="+mn-lt"/>
-                <a:ea typeface="+mn-ea"/>
-                <a:cs typeface="+mn-cs"/>
-              </a:defRPr>
-            </a:lvl3pPr>
-            <a:lvl4pPr marL="1371600" indent="0" algn="l" defTabSz="914400" rtl="0" eaLnBrk="1" latinLnBrk="0" hangingPunct="1">
-              <a:spcBef>
-                <a:spcPct val="20000"/>
-              </a:spcBef>
-              <a:buFont typeface="Arial" panose="020B0604020202020204" pitchFamily="34" charset="0"/>
-              <a:buNone/>
-              <a:defRPr sz="900" kern="1200">
-                <a:solidFill>
-                  <a:schemeClr val="tx1"/>
-                </a:solidFill>
-                <a:latin typeface="+mn-lt"/>
-                <a:ea typeface="+mn-ea"/>
-                <a:cs typeface="+mn-cs"/>
-              </a:defRPr>
-            </a:lvl4pPr>
-            <a:lvl5pPr marL="1828800" indent="0" algn="l" defTabSz="914400" rtl="0" eaLnBrk="1" latinLnBrk="0" hangingPunct="1">
-              <a:spcBef>
-                <a:spcPct val="20000"/>
-              </a:spcBef>
-              <a:buFont typeface="Arial" panose="020B0604020202020204" pitchFamily="34" charset="0"/>
-              <a:buNone/>
-              <a:defRPr sz="900" kern="1200">
-                <a:solidFill>
-                  <a:schemeClr val="tx1"/>
-                </a:solidFill>
-                <a:latin typeface="+mn-lt"/>
-                <a:ea typeface="+mn-ea"/>
-                <a:cs typeface="+mn-cs"/>
-              </a:defRPr>
-            </a:lvl5pPr>
-            <a:lvl6pPr marL="2286000" indent="0" algn="l" defTabSz="914400" rtl="0" eaLnBrk="1" latinLnBrk="0" hangingPunct="1">
-              <a:spcBef>
-                <a:spcPct val="20000"/>
-              </a:spcBef>
-              <a:buFont typeface="Arial" panose="020B0604020202020204" pitchFamily="34" charset="0"/>
-              <a:buNone/>
-              <a:defRPr sz="900" kern="1200">
-                <a:solidFill>
-                  <a:schemeClr val="tx1"/>
-                </a:solidFill>
-                <a:latin typeface="+mn-lt"/>
-                <a:ea typeface="+mn-ea"/>
-                <a:cs typeface="+mn-cs"/>
-              </a:defRPr>
-            </a:lvl6pPr>
-            <a:lvl7pPr marL="2743200" indent="0" algn="l" defTabSz="914400" rtl="0" eaLnBrk="1" latinLnBrk="0" hangingPunct="1">
-              <a:spcBef>
-                <a:spcPct val="20000"/>
-              </a:spcBef>
-              <a:buFont typeface="Arial" panose="020B0604020202020204" pitchFamily="34" charset="0"/>
-              <a:buNone/>
-              <a:defRPr sz="900" kern="1200">
-                <a:solidFill>
-                  <a:schemeClr val="tx1"/>
-                </a:solidFill>
-                <a:latin typeface="+mn-lt"/>
-                <a:ea typeface="+mn-ea"/>
-                <a:cs typeface="+mn-cs"/>
-              </a:defRPr>
-            </a:lvl7pPr>
-            <a:lvl8pPr marL="3200400" indent="0" algn="l" defTabSz="914400" rtl="0" eaLnBrk="1" latinLnBrk="0" hangingPunct="1">
-              <a:spcBef>
-                <a:spcPct val="20000"/>
-              </a:spcBef>
-              <a:buFont typeface="Arial" panose="020B0604020202020204" pitchFamily="34" charset="0"/>
-              <a:buNone/>
-              <a:defRPr sz="900" kern="1200">
-                <a:solidFill>
-                  <a:schemeClr val="tx1"/>
-                </a:solidFill>
-                <a:latin typeface="+mn-lt"/>
-                <a:ea typeface="+mn-ea"/>
-                <a:cs typeface="+mn-cs"/>
-              </a:defRPr>
-            </a:lvl8pPr>
-            <a:lvl9pPr marL="3657600" indent="0" algn="l" defTabSz="914400" rtl="0" eaLnBrk="1" latinLnBrk="0" hangingPunct="1">
-              <a:spcBef>
-                <a:spcPct val="20000"/>
-              </a:spcBef>
-              <a:buFont typeface="Arial" panose="020B0604020202020204" pitchFamily="34" charset="0"/>
-              <a:buNone/>
-              <a:defRPr sz="900" kern="1200">
-                <a:solidFill>
-                  <a:schemeClr val="tx1"/>
-                </a:solidFill>
-                <a:latin typeface="+mn-lt"/>
-                <a:ea typeface="+mn-ea"/>
-                <a:cs typeface="+mn-cs"/>
-              </a:defRPr>
-            </a:lvl9pPr>
-          </a:lstStyle>
-          <a:p>
-            <a:r>
-              <a:rPr lang="es-ES" dirty="0"/>
-              <a:t>Introducción</a:t>
-            </a:r>
-          </a:p>
-          <a:p>
-            <a:r>
-              <a:rPr lang="es-ES" u="sng" dirty="0"/>
-              <a:t>Fundamento teórico</a:t>
-            </a:r>
-          </a:p>
-          <a:p>
-            <a:r>
-              <a:rPr lang="es-ES" dirty="0"/>
-              <a:t>Materiales y Métodos</a:t>
-            </a:r>
-          </a:p>
-          <a:p>
-            <a:r>
-              <a:rPr lang="es-ES" dirty="0"/>
-              <a:t>Resultados y Discusión</a:t>
-            </a:r>
-          </a:p>
-          <a:p>
-            <a:r>
-              <a:rPr lang="es-ES" dirty="0"/>
-              <a:t>Conclusiones</a:t>
-            </a:r>
-          </a:p>
-          <a:p>
-            <a:r>
-              <a:rPr lang="es-ES" dirty="0"/>
-              <a:t>Recomendaciones</a:t>
-            </a:r>
-          </a:p>
-        </p:txBody>
-      </p:sp>
-      <p:sp>
-        <p:nvSpPr>
-          <p:cNvPr id="14" name="6 CuadroTexto"/>
-          <p:cNvSpPr txBox="1"/>
-          <p:nvPr/>
-        </p:nvSpPr>
-        <p:spPr>
-          <a:xfrm>
-            <a:off x="2267744" y="260648"/>
-            <a:ext cx="5472608" cy="400110"/>
-          </a:xfrm>
-          <a:prstGeom prst="rect">
-            <a:avLst/>
-          </a:prstGeom>
-          <a:noFill/>
-        </p:spPr>
-        <p:txBody>
-          <a:bodyPr wrap="square" rtlCol="0">
-            <a:spAutoFit/>
-          </a:bodyPr>
-          <a:lstStyle/>
-          <a:p>
-            <a:r>
-              <a:rPr lang="es-ES" sz="2000" b="1" dirty="0" smtClean="0">
-                <a:solidFill>
-                  <a:schemeClr val="accent1">
-                    <a:lumMod val="50000"/>
-                  </a:schemeClr>
-                </a:solidFill>
-                <a:latin typeface="Arial" panose="020B0604020202020204" pitchFamily="34" charset="0"/>
-                <a:cs typeface="Arial" panose="020B0604020202020204" pitchFamily="34" charset="0"/>
-              </a:rPr>
-              <a:t>Regresiones a estimar - Panel</a:t>
-            </a:r>
-            <a:endParaRPr lang="es-ES" sz="2000" b="1" dirty="0">
-              <a:solidFill>
-                <a:schemeClr val="accent1">
-                  <a:lumMod val="50000"/>
-                </a:schemeClr>
-              </a:solidFill>
-              <a:latin typeface="Arial" panose="020B0604020202020204" pitchFamily="34" charset="0"/>
-              <a:cs typeface="Arial" panose="020B0604020202020204" pitchFamily="34" charset="0"/>
-            </a:endParaRPr>
-          </a:p>
-        </p:txBody>
-      </p:sp>
-      <p:sp>
-        <p:nvSpPr>
-          <p:cNvPr id="5" name="CuadroTexto 4"/>
-          <p:cNvSpPr txBox="1"/>
-          <p:nvPr/>
-        </p:nvSpPr>
-        <p:spPr>
-          <a:xfrm>
-            <a:off x="2367000" y="1134000"/>
-            <a:ext cx="5940000" cy="646331"/>
-          </a:xfrm>
-          <a:prstGeom prst="rect">
-            <a:avLst/>
-          </a:prstGeom>
-          <a:noFill/>
-          <a:ln>
-            <a:noFill/>
-          </a:ln>
-        </p:spPr>
-        <p:txBody>
-          <a:bodyPr wrap="square" rtlCol="0">
-            <a:spAutoFit/>
-          </a:bodyPr>
-          <a:lstStyle/>
-          <a:p>
-            <a:r>
-              <a:rPr lang="es-ES" dirty="0" smtClean="0"/>
-              <a:t>1. Siguiendo a Hastings (2004)</a:t>
-            </a:r>
-          </a:p>
-          <a:p>
-            <a:endParaRPr lang="en-US" dirty="0"/>
-          </a:p>
-        </p:txBody>
-      </p:sp>
-      <p:sp>
-        <p:nvSpPr>
-          <p:cNvPr id="6" name="CuadroTexto 5"/>
-          <p:cNvSpPr txBox="1"/>
-          <p:nvPr/>
-        </p:nvSpPr>
-        <p:spPr>
-          <a:xfrm>
-            <a:off x="2433150" y="4294000"/>
-            <a:ext cx="6300000" cy="646331"/>
-          </a:xfrm>
-          <a:prstGeom prst="rect">
-            <a:avLst/>
-          </a:prstGeom>
-          <a:noFill/>
-          <a:ln>
-            <a:noFill/>
-          </a:ln>
-        </p:spPr>
-        <p:txBody>
-          <a:bodyPr wrap="square" rtlCol="0">
-            <a:spAutoFit/>
-          </a:bodyPr>
-          <a:lstStyle/>
-          <a:p>
-            <a:r>
-              <a:rPr lang="es-ES" dirty="0" smtClean="0"/>
-              <a:t>3. Estimamos por efectos fijos y verificamos con la prueba de </a:t>
-            </a:r>
-            <a:r>
-              <a:rPr lang="es-ES" dirty="0" err="1" smtClean="0"/>
-              <a:t>Hausman</a:t>
-            </a:r>
-            <a:endParaRPr lang="es-ES" dirty="0" smtClean="0"/>
-          </a:p>
-        </p:txBody>
-      </p:sp>
-      <p:sp>
-        <p:nvSpPr>
-          <p:cNvPr id="7" name="CuadroTexto 6"/>
-          <p:cNvSpPr txBox="1"/>
-          <p:nvPr/>
-        </p:nvSpPr>
-        <p:spPr>
-          <a:xfrm>
-            <a:off x="2433150" y="3069000"/>
-            <a:ext cx="6300000" cy="923330"/>
-          </a:xfrm>
-          <a:prstGeom prst="rect">
-            <a:avLst/>
-          </a:prstGeom>
-          <a:noFill/>
-          <a:ln>
-            <a:noFill/>
-          </a:ln>
-        </p:spPr>
-        <p:txBody>
-          <a:bodyPr wrap="square" rtlCol="0">
-            <a:spAutoFit/>
-          </a:bodyPr>
-          <a:lstStyle/>
-          <a:p>
-            <a:r>
-              <a:rPr lang="es-ES" dirty="0"/>
-              <a:t>2</a:t>
-            </a:r>
-            <a:r>
-              <a:rPr lang="es-ES" dirty="0" smtClean="0"/>
-              <a:t>. Existe un cambio discreto en la propiedad de un número determinado de estaciones distribuidas a lo largo de Lima Metropolitana</a:t>
-            </a:r>
-          </a:p>
-        </p:txBody>
-      </p:sp>
-      <p:pic>
-        <p:nvPicPr>
-          <p:cNvPr id="3" name="Imagen 2"/>
-          <p:cNvPicPr>
-            <a:picLocks noChangeAspect="1"/>
-          </p:cNvPicPr>
-          <p:nvPr/>
-        </p:nvPicPr>
-        <p:blipFill>
-          <a:blip r:embed="rId2"/>
-          <a:stretch>
-            <a:fillRect/>
-          </a:stretch>
-        </p:blipFill>
-        <p:spPr>
-          <a:xfrm>
-            <a:off x="2878905" y="5589000"/>
-            <a:ext cx="5276190" cy="771429"/>
-          </a:xfrm>
-          <a:prstGeom prst="rect">
-            <a:avLst/>
-          </a:prstGeom>
-        </p:spPr>
-      </p:pic>
-      <p:pic>
-        <p:nvPicPr>
-          <p:cNvPr id="8" name="Imagen 7"/>
-          <p:cNvPicPr>
-            <a:picLocks noChangeAspect="1"/>
-          </p:cNvPicPr>
-          <p:nvPr/>
-        </p:nvPicPr>
-        <p:blipFill>
-          <a:blip r:embed="rId3"/>
-          <a:stretch>
-            <a:fillRect/>
-          </a:stretch>
-        </p:blipFill>
-        <p:spPr>
-          <a:xfrm>
-            <a:off x="2433150" y="1891243"/>
-            <a:ext cx="5940000" cy="806087"/>
-          </a:xfrm>
-          <a:prstGeom prst="rect">
-            <a:avLst/>
-          </a:prstGeom>
-        </p:spPr>
-      </p:pic>
-    </p:spTree>
-    <p:extLst>
-      <p:ext uri="{BB962C8B-B14F-4D97-AF65-F5344CB8AC3E}">
-        <p14:creationId xmlns:p14="http://schemas.microsoft.com/office/powerpoint/2010/main" val="1339919220"/>
-      </p:ext>
-    </p:extLst>
-  </p:cSld>
-  <p:clrMapOvr>
-    <a:masterClrMapping/>
-  </p:clrMapOvr>
-  <mc:AlternateContent xmlns:mc="http://schemas.openxmlformats.org/markup-compatibility/2006" xmlns:p14="http://schemas.microsoft.com/office/powerpoint/2010/main">
-    <mc:Choice Requires="p14">
-      <p:transition p14:dur="0"/>
-    </mc:Choice>
-    <mc:Fallback xmlns="">
-      <p:transition/>
-    </mc:Fallback>
-  </mc:AlternateContent>
-  <p:timing>
-    <p:tnLst>
-      <p:par>
-        <p:cTn id="1" dur="indefinite" restart="never" nodeType="tmRoot"/>
-      </p:par>
-    </p:tnLst>
-  </p:timing>
-</p:sld>
-</file>
-
 <file path=ppt/slides/slide18.xml><?xml version="1.0" encoding="utf-8"?>
 <p:sld xmlns:a="http://schemas.openxmlformats.org/drawingml/2006/main" xmlns:r="http://schemas.openxmlformats.org/officeDocument/2006/relationships" xmlns:p="http://schemas.openxmlformats.org/presentationml/2006/main">
   <p:cSld>
@@ -17519,7 +18224,7 @@
                 <a:latin typeface="Arial" panose="020B0604020202020204" pitchFamily="34" charset="0"/>
                 <a:cs typeface="Arial" panose="020B0604020202020204" pitchFamily="34" charset="0"/>
               </a:rPr>
-              <a:t>Resultados</a:t>
+              <a:t>Regresiones a estimar – Corte transversal</a:t>
             </a:r>
             <a:endParaRPr lang="es-ES" sz="2000" b="1" dirty="0">
               <a:solidFill>
@@ -17533,10 +18238,161 @@
           </a:p>
         </p:txBody>
       </p:sp>
+      <p:sp>
+        <p:nvSpPr>
+          <p:cNvPr id="5" name="CuadroTexto 4"/>
+          <p:cNvSpPr txBox="1"/>
+          <p:nvPr/>
+        </p:nvSpPr>
+        <p:spPr>
+          <a:xfrm>
+            <a:off x="2367000" y="1134000"/>
+            <a:ext cx="5940000" cy="923330"/>
+          </a:xfrm>
+          <a:prstGeom prst="rect">
+            <a:avLst/>
+          </a:prstGeom>
+          <a:noFill/>
+          <a:ln>
+            <a:noFill/>
+          </a:ln>
+        </p:spPr>
+        <p:txBody>
+          <a:bodyPr wrap="square" rtlCol="0">
+            <a:spAutoFit/>
+          </a:bodyPr>
+          <a:lstStyle/>
+          <a:p>
+            <a:r>
+              <a:rPr lang="es-ES" dirty="0" smtClean="0"/>
+              <a:t>1. Siguiendo a Eckert y West (2005), se estima la siguiente regresión lineal por MCO:</a:t>
+            </a:r>
+          </a:p>
+          <a:p>
+            <a:endParaRPr lang="en-US" dirty="0"/>
+          </a:p>
+        </p:txBody>
+      </p:sp>
+      <p:pic>
+        <p:nvPicPr>
+          <p:cNvPr id="2" name="Imagen 1"/>
+          <p:cNvPicPr>
+            <a:picLocks noChangeAspect="1"/>
+          </p:cNvPicPr>
+          <p:nvPr/>
+        </p:nvPicPr>
+        <p:blipFill rotWithShape="1">
+          <a:blip r:embed="rId2"/>
+          <a:srcRect t="36000"/>
+          <a:stretch/>
+        </p:blipFill>
+        <p:spPr>
+          <a:xfrm>
+            <a:off x="3717000" y="2057330"/>
+            <a:ext cx="3209524" cy="640000"/>
+          </a:xfrm>
+          <a:prstGeom prst="rect">
+            <a:avLst/>
+          </a:prstGeom>
+        </p:spPr>
+      </p:pic>
+      <p:sp>
+        <p:nvSpPr>
+          <p:cNvPr id="6" name="CuadroTexto 5"/>
+          <p:cNvSpPr txBox="1"/>
+          <p:nvPr/>
+        </p:nvSpPr>
+        <p:spPr>
+          <a:xfrm>
+            <a:off x="2367000" y="3069000"/>
+            <a:ext cx="6300000" cy="923330"/>
+          </a:xfrm>
+          <a:prstGeom prst="rect">
+            <a:avLst/>
+          </a:prstGeom>
+          <a:noFill/>
+          <a:ln>
+            <a:noFill/>
+          </a:ln>
+        </p:spPr>
+        <p:txBody>
+          <a:bodyPr wrap="square" rtlCol="0">
+            <a:spAutoFit/>
+          </a:bodyPr>
+          <a:lstStyle/>
+          <a:p>
+            <a:r>
+              <a:rPr lang="es-ES" dirty="0" smtClean="0"/>
+              <a:t>2. Verificamos la posibilidad la presencia de variables espacialmente correlacionadas </a:t>
+            </a:r>
+            <a:r>
+              <a:rPr lang="es-ES" dirty="0"/>
+              <a:t>mediante las pruebas propuestas por Anselin (1996) </a:t>
+            </a:r>
+            <a:endParaRPr lang="es-ES" dirty="0" smtClean="0"/>
+          </a:p>
+        </p:txBody>
+      </p:sp>
+      <p:sp>
+        <p:nvSpPr>
+          <p:cNvPr id="7" name="CuadroTexto 6"/>
+          <p:cNvSpPr txBox="1"/>
+          <p:nvPr/>
+        </p:nvSpPr>
+        <p:spPr>
+          <a:xfrm>
+            <a:off x="2414625" y="4364000"/>
+            <a:ext cx="6300000" cy="923330"/>
+          </a:xfrm>
+          <a:prstGeom prst="rect">
+            <a:avLst/>
+          </a:prstGeom>
+          <a:noFill/>
+          <a:ln>
+            <a:noFill/>
+          </a:ln>
+        </p:spPr>
+        <p:txBody>
+          <a:bodyPr wrap="square" rtlCol="0">
+            <a:spAutoFit/>
+          </a:bodyPr>
+          <a:lstStyle/>
+          <a:p>
+            <a:r>
+              <a:rPr lang="es-ES" dirty="0" smtClean="0"/>
+              <a:t>3. De existir correlación espacial, estimamos el modelo de Durbin por Máxima Verosimilitud y realizamos pruebas de LR para intentar simplificar al modelo SAR o SEM</a:t>
+            </a:r>
+          </a:p>
+        </p:txBody>
+      </p:sp>
+      <p:pic>
+        <p:nvPicPr>
+          <p:cNvPr id="3" name="Imagen 2"/>
+          <p:cNvPicPr>
+            <a:picLocks noChangeAspect="1"/>
+          </p:cNvPicPr>
+          <p:nvPr/>
+        </p:nvPicPr>
+        <p:blipFill>
+          <a:blip r:embed="rId3"/>
+          <a:stretch>
+            <a:fillRect/>
+          </a:stretch>
+        </p:blipFill>
+        <p:spPr>
+          <a:xfrm>
+            <a:off x="2878905" y="5589000"/>
+            <a:ext cx="5276190" cy="771429"/>
+          </a:xfrm>
+          <a:prstGeom prst="rect">
+            <a:avLst/>
+          </a:prstGeom>
+        </p:spPr>
+      </p:pic>
     </p:spTree>
     <p:extLst>
       <p:ext uri="{BB962C8B-B14F-4D97-AF65-F5344CB8AC3E}">
-        <p14:creationId xmlns:p14="http://schemas.microsoft.com/office/powerpoint/2010/main" val="3386362237"/>
+        <p14:creationId xmlns:p14="http://schemas.microsoft.com/office/powerpoint/2010/main" val="2627108600"/>
       </p:ext>
     </p:extLst>
   </p:cSld>
@@ -17809,7 +18665,7 @@
                 <a:latin typeface="Arial" panose="020B0604020202020204" pitchFamily="34" charset="0"/>
                 <a:cs typeface="Arial" panose="020B0604020202020204" pitchFamily="34" charset="0"/>
               </a:rPr>
-              <a:t>Próximos Pasos</a:t>
+              <a:t>Regresiones a estimar - Panel</a:t>
             </a:r>
             <a:endParaRPr lang="es-ES" sz="2000" b="1" dirty="0">
               <a:solidFill>
@@ -17823,10 +18679,166 @@
           </a:p>
         </p:txBody>
       </p:sp>
+      <p:sp>
+        <p:nvSpPr>
+          <p:cNvPr id="5" name="CuadroTexto 4"/>
+          <p:cNvSpPr txBox="1"/>
+          <p:nvPr/>
+        </p:nvSpPr>
+        <p:spPr>
+          <a:xfrm>
+            <a:off x="2367000" y="1134000"/>
+            <a:ext cx="5940000" cy="646331"/>
+          </a:xfrm>
+          <a:prstGeom prst="rect">
+            <a:avLst/>
+          </a:prstGeom>
+          <a:noFill/>
+          <a:ln>
+            <a:noFill/>
+          </a:ln>
+        </p:spPr>
+        <p:txBody>
+          <a:bodyPr wrap="square" rtlCol="0">
+            <a:spAutoFit/>
+          </a:bodyPr>
+          <a:lstStyle/>
+          <a:p>
+            <a:r>
+              <a:rPr lang="es-ES" dirty="0" smtClean="0"/>
+              <a:t>1. Siguiendo a Hastings (2004)</a:t>
+            </a:r>
+          </a:p>
+          <a:p>
+            <a:endParaRPr lang="en-US" dirty="0"/>
+          </a:p>
+        </p:txBody>
+      </p:sp>
+      <p:sp>
+        <p:nvSpPr>
+          <p:cNvPr id="6" name="CuadroTexto 5"/>
+          <p:cNvSpPr txBox="1"/>
+          <p:nvPr/>
+        </p:nvSpPr>
+        <p:spPr>
+          <a:xfrm>
+            <a:off x="2433150" y="4294000"/>
+            <a:ext cx="6300000" cy="646331"/>
+          </a:xfrm>
+          <a:prstGeom prst="rect">
+            <a:avLst/>
+          </a:prstGeom>
+          <a:noFill/>
+          <a:ln>
+            <a:noFill/>
+          </a:ln>
+        </p:spPr>
+        <p:txBody>
+          <a:bodyPr wrap="square" rtlCol="0">
+            <a:spAutoFit/>
+          </a:bodyPr>
+          <a:lstStyle/>
+          <a:p>
+            <a:r>
+              <a:rPr lang="es-ES" dirty="0" smtClean="0"/>
+              <a:t>3. Estimamos por efectos fijos y verificamos con la prueba de </a:t>
+            </a:r>
+            <a:r>
+              <a:rPr lang="es-ES" dirty="0" err="1" smtClean="0"/>
+              <a:t>Hausman</a:t>
+            </a:r>
+            <a:endParaRPr lang="es-ES" dirty="0" smtClean="0"/>
+          </a:p>
+        </p:txBody>
+      </p:sp>
+      <p:sp>
+        <p:nvSpPr>
+          <p:cNvPr id="7" name="CuadroTexto 6"/>
+          <p:cNvSpPr txBox="1"/>
+          <p:nvPr/>
+        </p:nvSpPr>
+        <p:spPr>
+          <a:xfrm>
+            <a:off x="2433150" y="3069000"/>
+            <a:ext cx="6300000" cy="923330"/>
+          </a:xfrm>
+          <a:prstGeom prst="rect">
+            <a:avLst/>
+          </a:prstGeom>
+          <a:noFill/>
+          <a:ln>
+            <a:noFill/>
+          </a:ln>
+        </p:spPr>
+        <p:txBody>
+          <a:bodyPr wrap="square" rtlCol="0">
+            <a:spAutoFit/>
+          </a:bodyPr>
+          <a:lstStyle/>
+          <a:p>
+            <a:r>
+              <a:rPr lang="es-ES" dirty="0"/>
+              <a:t>2</a:t>
+            </a:r>
+            <a:r>
+              <a:rPr lang="es-ES" dirty="0" smtClean="0"/>
+              <a:t>. Existe un cambio discreto en la propiedad de un número determinado de estaciones distribuidas a lo largo de Lima Metropolitana</a:t>
+            </a:r>
+          </a:p>
+        </p:txBody>
+      </p:sp>
+      <p:pic>
+        <p:nvPicPr>
+          <p:cNvPr id="3" name="Imagen 2"/>
+          <p:cNvPicPr>
+            <a:picLocks noChangeAspect="1"/>
+          </p:cNvPicPr>
+          <p:nvPr/>
+        </p:nvPicPr>
+        <p:blipFill>
+          <a:blip r:embed="rId2"/>
+          <a:stretch>
+            <a:fillRect/>
+          </a:stretch>
+        </p:blipFill>
+        <p:spPr>
+          <a:xfrm>
+            <a:off x="2878905" y="5589000"/>
+            <a:ext cx="5276190" cy="771429"/>
+          </a:xfrm>
+          <a:prstGeom prst="rect">
+            <a:avLst/>
+          </a:prstGeom>
+        </p:spPr>
+      </p:pic>
+      <p:pic>
+        <p:nvPicPr>
+          <p:cNvPr id="8" name="Imagen 7"/>
+          <p:cNvPicPr>
+            <a:picLocks noChangeAspect="1"/>
+          </p:cNvPicPr>
+          <p:nvPr/>
+        </p:nvPicPr>
+        <p:blipFill>
+          <a:blip r:embed="rId3"/>
+          <a:stretch>
+            <a:fillRect/>
+          </a:stretch>
+        </p:blipFill>
+        <p:spPr>
+          <a:xfrm>
+            <a:off x="2433150" y="1891243"/>
+            <a:ext cx="5940000" cy="806087"/>
+          </a:xfrm>
+          <a:prstGeom prst="rect">
+            <a:avLst/>
+          </a:prstGeom>
+        </p:spPr>
+      </p:pic>
     </p:spTree>
     <p:extLst>
       <p:ext uri="{BB962C8B-B14F-4D97-AF65-F5344CB8AC3E}">
-        <p14:creationId xmlns:p14="http://schemas.microsoft.com/office/powerpoint/2010/main" val="4205613534"/>
+        <p14:creationId xmlns:p14="http://schemas.microsoft.com/office/powerpoint/2010/main" val="1339919220"/>
       </p:ext>
     </p:extLst>
   </p:cSld>
@@ -21740,6 +22752,586 @@
 </p:sld>
 </file>
 
+<file path=ppt/slides/slide20.xml><?xml version="1.0" encoding="utf-8"?>
+<p:sld xmlns:a="http://schemas.openxmlformats.org/drawingml/2006/main" xmlns:r="http://schemas.openxmlformats.org/officeDocument/2006/relationships" xmlns:p="http://schemas.openxmlformats.org/presentationml/2006/main">
+  <p:cSld>
+    <p:spTree>
+      <p:nvGrpSpPr>
+        <p:cNvPr id="1" name=""/>
+        <p:cNvGrpSpPr/>
+        <p:nvPr/>
+      </p:nvGrpSpPr>
+      <p:grpSpPr>
+        <a:xfrm>
+          <a:off x="0" y="0"/>
+          <a:ext cx="0" cy="0"/>
+          <a:chOff x="0" y="0"/>
+          <a:chExt cx="0" cy="0"/>
+        </a:xfrm>
+      </p:grpSpPr>
+      <p:sp>
+        <p:nvSpPr>
+          <p:cNvPr id="4" name="3 Marcador de texto"/>
+          <p:cNvSpPr txBox="1">
+            <a:spLocks/>
+          </p:cNvSpPr>
+          <p:nvPr/>
+        </p:nvSpPr>
+        <p:spPr>
+          <a:xfrm>
+            <a:off x="174340" y="1772816"/>
+            <a:ext cx="1661356" cy="4691063"/>
+          </a:xfrm>
+          <a:prstGeom prst="rect">
+            <a:avLst/>
+          </a:prstGeom>
+        </p:spPr>
+        <p:txBody>
+          <a:bodyPr>
+            <a:normAutofit/>
+          </a:bodyPr>
+          <a:lstStyle>
+            <a:lvl1pPr marL="174625" indent="-174625" algn="l" defTabSz="914400" rtl="0" eaLnBrk="1" latinLnBrk="0" hangingPunct="1">
+              <a:lnSpc>
+                <a:spcPct val="150000"/>
+              </a:lnSpc>
+              <a:spcBef>
+                <a:spcPct val="20000"/>
+              </a:spcBef>
+              <a:buFont typeface="+mj-lt"/>
+              <a:buAutoNum type="arabicPeriod"/>
+              <a:defRPr sz="1100" kern="1200" baseline="0">
+                <a:solidFill>
+                  <a:schemeClr val="bg1"/>
+                </a:solidFill>
+                <a:latin typeface="Arial" panose="020B0604020202020204" pitchFamily="34" charset="0"/>
+                <a:ea typeface="+mn-ea"/>
+                <a:cs typeface="Arial" panose="020B0604020202020204" pitchFamily="34" charset="0"/>
+              </a:defRPr>
+            </a:lvl1pPr>
+            <a:lvl2pPr marL="457200" indent="0" algn="l" defTabSz="914400" rtl="0" eaLnBrk="1" latinLnBrk="0" hangingPunct="1">
+              <a:spcBef>
+                <a:spcPct val="20000"/>
+              </a:spcBef>
+              <a:buFont typeface="Arial" panose="020B0604020202020204" pitchFamily="34" charset="0"/>
+              <a:buNone/>
+              <a:defRPr sz="1200" kern="1200">
+                <a:solidFill>
+                  <a:schemeClr val="tx1"/>
+                </a:solidFill>
+                <a:latin typeface="+mn-lt"/>
+                <a:ea typeface="+mn-ea"/>
+                <a:cs typeface="+mn-cs"/>
+              </a:defRPr>
+            </a:lvl2pPr>
+            <a:lvl3pPr marL="914400" indent="0" algn="l" defTabSz="914400" rtl="0" eaLnBrk="1" latinLnBrk="0" hangingPunct="1">
+              <a:spcBef>
+                <a:spcPct val="20000"/>
+              </a:spcBef>
+              <a:buFont typeface="Arial" panose="020B0604020202020204" pitchFamily="34" charset="0"/>
+              <a:buNone/>
+              <a:defRPr sz="1000" kern="1200">
+                <a:solidFill>
+                  <a:schemeClr val="tx1"/>
+                </a:solidFill>
+                <a:latin typeface="+mn-lt"/>
+                <a:ea typeface="+mn-ea"/>
+                <a:cs typeface="+mn-cs"/>
+              </a:defRPr>
+            </a:lvl3pPr>
+            <a:lvl4pPr marL="1371600" indent="0" algn="l" defTabSz="914400" rtl="0" eaLnBrk="1" latinLnBrk="0" hangingPunct="1">
+              <a:spcBef>
+                <a:spcPct val="20000"/>
+              </a:spcBef>
+              <a:buFont typeface="Arial" panose="020B0604020202020204" pitchFamily="34" charset="0"/>
+              <a:buNone/>
+              <a:defRPr sz="900" kern="1200">
+                <a:solidFill>
+                  <a:schemeClr val="tx1"/>
+                </a:solidFill>
+                <a:latin typeface="+mn-lt"/>
+                <a:ea typeface="+mn-ea"/>
+                <a:cs typeface="+mn-cs"/>
+              </a:defRPr>
+            </a:lvl4pPr>
+            <a:lvl5pPr marL="1828800" indent="0" algn="l" defTabSz="914400" rtl="0" eaLnBrk="1" latinLnBrk="0" hangingPunct="1">
+              <a:spcBef>
+                <a:spcPct val="20000"/>
+              </a:spcBef>
+              <a:buFont typeface="Arial" panose="020B0604020202020204" pitchFamily="34" charset="0"/>
+              <a:buNone/>
+              <a:defRPr sz="900" kern="1200">
+                <a:solidFill>
+                  <a:schemeClr val="tx1"/>
+                </a:solidFill>
+                <a:latin typeface="+mn-lt"/>
+                <a:ea typeface="+mn-ea"/>
+                <a:cs typeface="+mn-cs"/>
+              </a:defRPr>
+            </a:lvl5pPr>
+            <a:lvl6pPr marL="2286000" indent="0" algn="l" defTabSz="914400" rtl="0" eaLnBrk="1" latinLnBrk="0" hangingPunct="1">
+              <a:spcBef>
+                <a:spcPct val="20000"/>
+              </a:spcBef>
+              <a:buFont typeface="Arial" panose="020B0604020202020204" pitchFamily="34" charset="0"/>
+              <a:buNone/>
+              <a:defRPr sz="900" kern="1200">
+                <a:solidFill>
+                  <a:schemeClr val="tx1"/>
+                </a:solidFill>
+                <a:latin typeface="+mn-lt"/>
+                <a:ea typeface="+mn-ea"/>
+                <a:cs typeface="+mn-cs"/>
+              </a:defRPr>
+            </a:lvl6pPr>
+            <a:lvl7pPr marL="2743200" indent="0" algn="l" defTabSz="914400" rtl="0" eaLnBrk="1" latinLnBrk="0" hangingPunct="1">
+              <a:spcBef>
+                <a:spcPct val="20000"/>
+              </a:spcBef>
+              <a:buFont typeface="Arial" panose="020B0604020202020204" pitchFamily="34" charset="0"/>
+              <a:buNone/>
+              <a:defRPr sz="900" kern="1200">
+                <a:solidFill>
+                  <a:schemeClr val="tx1"/>
+                </a:solidFill>
+                <a:latin typeface="+mn-lt"/>
+                <a:ea typeface="+mn-ea"/>
+                <a:cs typeface="+mn-cs"/>
+              </a:defRPr>
+            </a:lvl7pPr>
+            <a:lvl8pPr marL="3200400" indent="0" algn="l" defTabSz="914400" rtl="0" eaLnBrk="1" latinLnBrk="0" hangingPunct="1">
+              <a:spcBef>
+                <a:spcPct val="20000"/>
+              </a:spcBef>
+              <a:buFont typeface="Arial" panose="020B0604020202020204" pitchFamily="34" charset="0"/>
+              <a:buNone/>
+              <a:defRPr sz="900" kern="1200">
+                <a:solidFill>
+                  <a:schemeClr val="tx1"/>
+                </a:solidFill>
+                <a:latin typeface="+mn-lt"/>
+                <a:ea typeface="+mn-ea"/>
+                <a:cs typeface="+mn-cs"/>
+              </a:defRPr>
+            </a:lvl8pPr>
+            <a:lvl9pPr marL="3657600" indent="0" algn="l" defTabSz="914400" rtl="0" eaLnBrk="1" latinLnBrk="0" hangingPunct="1">
+              <a:spcBef>
+                <a:spcPct val="20000"/>
+              </a:spcBef>
+              <a:buFont typeface="Arial" panose="020B0604020202020204" pitchFamily="34" charset="0"/>
+              <a:buNone/>
+              <a:defRPr sz="900" kern="1200">
+                <a:solidFill>
+                  <a:schemeClr val="tx1"/>
+                </a:solidFill>
+                <a:latin typeface="+mn-lt"/>
+                <a:ea typeface="+mn-ea"/>
+                <a:cs typeface="+mn-cs"/>
+              </a:defRPr>
+            </a:lvl9pPr>
+          </a:lstStyle>
+          <a:p>
+            <a:r>
+              <a:rPr lang="es-ES" dirty="0"/>
+              <a:t>Introducción</a:t>
+            </a:r>
+          </a:p>
+          <a:p>
+            <a:r>
+              <a:rPr lang="es-ES" u="sng" dirty="0"/>
+              <a:t>Fundamento teórico</a:t>
+            </a:r>
+          </a:p>
+          <a:p>
+            <a:r>
+              <a:rPr lang="es-ES" dirty="0"/>
+              <a:t>Materiales y Métodos</a:t>
+            </a:r>
+          </a:p>
+          <a:p>
+            <a:r>
+              <a:rPr lang="es-ES" dirty="0"/>
+              <a:t>Resultados y Discusión</a:t>
+            </a:r>
+          </a:p>
+          <a:p>
+            <a:r>
+              <a:rPr lang="es-ES" dirty="0"/>
+              <a:t>Conclusiones</a:t>
+            </a:r>
+          </a:p>
+          <a:p>
+            <a:r>
+              <a:rPr lang="es-ES" dirty="0"/>
+              <a:t>Recomendaciones</a:t>
+            </a:r>
+          </a:p>
+        </p:txBody>
+      </p:sp>
+      <p:sp>
+        <p:nvSpPr>
+          <p:cNvPr id="14" name="6 CuadroTexto"/>
+          <p:cNvSpPr txBox="1"/>
+          <p:nvPr/>
+        </p:nvSpPr>
+        <p:spPr>
+          <a:xfrm>
+            <a:off x="2267744" y="260648"/>
+            <a:ext cx="5472608" cy="400110"/>
+          </a:xfrm>
+          <a:prstGeom prst="rect">
+            <a:avLst/>
+          </a:prstGeom>
+          <a:noFill/>
+        </p:spPr>
+        <p:txBody>
+          <a:bodyPr wrap="square" rtlCol="0">
+            <a:spAutoFit/>
+          </a:bodyPr>
+          <a:lstStyle/>
+          <a:p>
+            <a:r>
+              <a:rPr lang="es-ES" sz="2000" b="1" dirty="0" smtClean="0">
+                <a:solidFill>
+                  <a:schemeClr val="accent1">
+                    <a:lumMod val="50000"/>
+                  </a:schemeClr>
+                </a:solidFill>
+                <a:latin typeface="Arial" panose="020B0604020202020204" pitchFamily="34" charset="0"/>
+                <a:cs typeface="Arial" panose="020B0604020202020204" pitchFamily="34" charset="0"/>
+              </a:rPr>
+              <a:t>Resultados</a:t>
+            </a:r>
+            <a:endParaRPr lang="es-ES" sz="2000" b="1" dirty="0">
+              <a:solidFill>
+                <a:schemeClr val="accent1">
+                  <a:lumMod val="50000"/>
+                </a:schemeClr>
+              </a:solidFill>
+              <a:latin typeface="Arial" panose="020B0604020202020204" pitchFamily="34" charset="0"/>
+              <a:cs typeface="Arial" panose="020B0604020202020204" pitchFamily="34" charset="0"/>
+            </a:endParaRPr>
+          </a:p>
+        </p:txBody>
+      </p:sp>
+    </p:spTree>
+    <p:extLst>
+      <p:ext uri="{BB962C8B-B14F-4D97-AF65-F5344CB8AC3E}">
+        <p14:creationId xmlns:p14="http://schemas.microsoft.com/office/powerpoint/2010/main" val="3386362237"/>
+      </p:ext>
+    </p:extLst>
+  </p:cSld>
+  <p:clrMapOvr>
+    <a:masterClrMapping/>
+  </p:clrMapOvr>
+  <mc:AlternateContent xmlns:mc="http://schemas.openxmlformats.org/markup-compatibility/2006" xmlns:p14="http://schemas.microsoft.com/office/powerpoint/2010/main">
+    <mc:Choice Requires="p14">
+      <p:transition p14:dur="0"/>
+    </mc:Choice>
+    <mc:Fallback xmlns="">
+      <p:transition/>
+    </mc:Fallback>
+  </mc:AlternateContent>
+  <p:timing>
+    <p:tnLst>
+      <p:par>
+        <p:cTn id="1" dur="indefinite" restart="never" nodeType="tmRoot"/>
+      </p:par>
+    </p:tnLst>
+  </p:timing>
+</p:sld>
+</file>
+
+<file path=ppt/slides/slide21.xml><?xml version="1.0" encoding="utf-8"?>
+<p:sld xmlns:a="http://schemas.openxmlformats.org/drawingml/2006/main" xmlns:r="http://schemas.openxmlformats.org/officeDocument/2006/relationships" xmlns:p="http://schemas.openxmlformats.org/presentationml/2006/main">
+  <p:cSld>
+    <p:spTree>
+      <p:nvGrpSpPr>
+        <p:cNvPr id="1" name=""/>
+        <p:cNvGrpSpPr/>
+        <p:nvPr/>
+      </p:nvGrpSpPr>
+      <p:grpSpPr>
+        <a:xfrm>
+          <a:off x="0" y="0"/>
+          <a:ext cx="0" cy="0"/>
+          <a:chOff x="0" y="0"/>
+          <a:chExt cx="0" cy="0"/>
+        </a:xfrm>
+      </p:grpSpPr>
+      <p:sp>
+        <p:nvSpPr>
+          <p:cNvPr id="4" name="3 Marcador de texto"/>
+          <p:cNvSpPr txBox="1">
+            <a:spLocks/>
+          </p:cNvSpPr>
+          <p:nvPr/>
+        </p:nvSpPr>
+        <p:spPr>
+          <a:xfrm>
+            <a:off x="174340" y="1772816"/>
+            <a:ext cx="1661356" cy="4691063"/>
+          </a:xfrm>
+          <a:prstGeom prst="rect">
+            <a:avLst/>
+          </a:prstGeom>
+        </p:spPr>
+        <p:txBody>
+          <a:bodyPr>
+            <a:normAutofit/>
+          </a:bodyPr>
+          <a:lstStyle>
+            <a:lvl1pPr marL="174625" indent="-174625" algn="l" defTabSz="914400" rtl="0" eaLnBrk="1" latinLnBrk="0" hangingPunct="1">
+              <a:lnSpc>
+                <a:spcPct val="150000"/>
+              </a:lnSpc>
+              <a:spcBef>
+                <a:spcPct val="20000"/>
+              </a:spcBef>
+              <a:buFont typeface="+mj-lt"/>
+              <a:buAutoNum type="arabicPeriod"/>
+              <a:defRPr sz="1100" kern="1200" baseline="0">
+                <a:solidFill>
+                  <a:schemeClr val="bg1"/>
+                </a:solidFill>
+                <a:latin typeface="Arial" panose="020B0604020202020204" pitchFamily="34" charset="0"/>
+                <a:ea typeface="+mn-ea"/>
+                <a:cs typeface="Arial" panose="020B0604020202020204" pitchFamily="34" charset="0"/>
+              </a:defRPr>
+            </a:lvl1pPr>
+            <a:lvl2pPr marL="457200" indent="0" algn="l" defTabSz="914400" rtl="0" eaLnBrk="1" latinLnBrk="0" hangingPunct="1">
+              <a:spcBef>
+                <a:spcPct val="20000"/>
+              </a:spcBef>
+              <a:buFont typeface="Arial" panose="020B0604020202020204" pitchFamily="34" charset="0"/>
+              <a:buNone/>
+              <a:defRPr sz="1200" kern="1200">
+                <a:solidFill>
+                  <a:schemeClr val="tx1"/>
+                </a:solidFill>
+                <a:latin typeface="+mn-lt"/>
+                <a:ea typeface="+mn-ea"/>
+                <a:cs typeface="+mn-cs"/>
+              </a:defRPr>
+            </a:lvl2pPr>
+            <a:lvl3pPr marL="914400" indent="0" algn="l" defTabSz="914400" rtl="0" eaLnBrk="1" latinLnBrk="0" hangingPunct="1">
+              <a:spcBef>
+                <a:spcPct val="20000"/>
+              </a:spcBef>
+              <a:buFont typeface="Arial" panose="020B0604020202020204" pitchFamily="34" charset="0"/>
+              <a:buNone/>
+              <a:defRPr sz="1000" kern="1200">
+                <a:solidFill>
+                  <a:schemeClr val="tx1"/>
+                </a:solidFill>
+                <a:latin typeface="+mn-lt"/>
+                <a:ea typeface="+mn-ea"/>
+                <a:cs typeface="+mn-cs"/>
+              </a:defRPr>
+            </a:lvl3pPr>
+            <a:lvl4pPr marL="1371600" indent="0" algn="l" defTabSz="914400" rtl="0" eaLnBrk="1" latinLnBrk="0" hangingPunct="1">
+              <a:spcBef>
+                <a:spcPct val="20000"/>
+              </a:spcBef>
+              <a:buFont typeface="Arial" panose="020B0604020202020204" pitchFamily="34" charset="0"/>
+              <a:buNone/>
+              <a:defRPr sz="900" kern="1200">
+                <a:solidFill>
+                  <a:schemeClr val="tx1"/>
+                </a:solidFill>
+                <a:latin typeface="+mn-lt"/>
+                <a:ea typeface="+mn-ea"/>
+                <a:cs typeface="+mn-cs"/>
+              </a:defRPr>
+            </a:lvl4pPr>
+            <a:lvl5pPr marL="1828800" indent="0" algn="l" defTabSz="914400" rtl="0" eaLnBrk="1" latinLnBrk="0" hangingPunct="1">
+              <a:spcBef>
+                <a:spcPct val="20000"/>
+              </a:spcBef>
+              <a:buFont typeface="Arial" panose="020B0604020202020204" pitchFamily="34" charset="0"/>
+              <a:buNone/>
+              <a:defRPr sz="900" kern="1200">
+                <a:solidFill>
+                  <a:schemeClr val="tx1"/>
+                </a:solidFill>
+                <a:latin typeface="+mn-lt"/>
+                <a:ea typeface="+mn-ea"/>
+                <a:cs typeface="+mn-cs"/>
+              </a:defRPr>
+            </a:lvl5pPr>
+            <a:lvl6pPr marL="2286000" indent="0" algn="l" defTabSz="914400" rtl="0" eaLnBrk="1" latinLnBrk="0" hangingPunct="1">
+              <a:spcBef>
+                <a:spcPct val="20000"/>
+              </a:spcBef>
+              <a:buFont typeface="Arial" panose="020B0604020202020204" pitchFamily="34" charset="0"/>
+              <a:buNone/>
+              <a:defRPr sz="900" kern="1200">
+                <a:solidFill>
+                  <a:schemeClr val="tx1"/>
+                </a:solidFill>
+                <a:latin typeface="+mn-lt"/>
+                <a:ea typeface="+mn-ea"/>
+                <a:cs typeface="+mn-cs"/>
+              </a:defRPr>
+            </a:lvl6pPr>
+            <a:lvl7pPr marL="2743200" indent="0" algn="l" defTabSz="914400" rtl="0" eaLnBrk="1" latinLnBrk="0" hangingPunct="1">
+              <a:spcBef>
+                <a:spcPct val="20000"/>
+              </a:spcBef>
+              <a:buFont typeface="Arial" panose="020B0604020202020204" pitchFamily="34" charset="0"/>
+              <a:buNone/>
+              <a:defRPr sz="900" kern="1200">
+                <a:solidFill>
+                  <a:schemeClr val="tx1"/>
+                </a:solidFill>
+                <a:latin typeface="+mn-lt"/>
+                <a:ea typeface="+mn-ea"/>
+                <a:cs typeface="+mn-cs"/>
+              </a:defRPr>
+            </a:lvl7pPr>
+            <a:lvl8pPr marL="3200400" indent="0" algn="l" defTabSz="914400" rtl="0" eaLnBrk="1" latinLnBrk="0" hangingPunct="1">
+              <a:spcBef>
+                <a:spcPct val="20000"/>
+              </a:spcBef>
+              <a:buFont typeface="Arial" panose="020B0604020202020204" pitchFamily="34" charset="0"/>
+              <a:buNone/>
+              <a:defRPr sz="900" kern="1200">
+                <a:solidFill>
+                  <a:schemeClr val="tx1"/>
+                </a:solidFill>
+                <a:latin typeface="+mn-lt"/>
+                <a:ea typeface="+mn-ea"/>
+                <a:cs typeface="+mn-cs"/>
+              </a:defRPr>
+            </a:lvl8pPr>
+            <a:lvl9pPr marL="3657600" indent="0" algn="l" defTabSz="914400" rtl="0" eaLnBrk="1" latinLnBrk="0" hangingPunct="1">
+              <a:spcBef>
+                <a:spcPct val="20000"/>
+              </a:spcBef>
+              <a:buFont typeface="Arial" panose="020B0604020202020204" pitchFamily="34" charset="0"/>
+              <a:buNone/>
+              <a:defRPr sz="900" kern="1200">
+                <a:solidFill>
+                  <a:schemeClr val="tx1"/>
+                </a:solidFill>
+                <a:latin typeface="+mn-lt"/>
+                <a:ea typeface="+mn-ea"/>
+                <a:cs typeface="+mn-cs"/>
+              </a:defRPr>
+            </a:lvl9pPr>
+          </a:lstStyle>
+          <a:p>
+            <a:r>
+              <a:rPr lang="es-ES" dirty="0"/>
+              <a:t>Introducción</a:t>
+            </a:r>
+          </a:p>
+          <a:p>
+            <a:r>
+              <a:rPr lang="es-ES" u="sng" dirty="0"/>
+              <a:t>Fundamento teórico</a:t>
+            </a:r>
+          </a:p>
+          <a:p>
+            <a:r>
+              <a:rPr lang="es-ES" dirty="0"/>
+              <a:t>Materiales y Métodos</a:t>
+            </a:r>
+          </a:p>
+          <a:p>
+            <a:r>
+              <a:rPr lang="es-ES" dirty="0"/>
+              <a:t>Resultados y Discusión</a:t>
+            </a:r>
+          </a:p>
+          <a:p>
+            <a:r>
+              <a:rPr lang="es-ES" dirty="0"/>
+              <a:t>Conclusiones</a:t>
+            </a:r>
+          </a:p>
+          <a:p>
+            <a:r>
+              <a:rPr lang="es-ES" dirty="0"/>
+              <a:t>Recomendaciones</a:t>
+            </a:r>
+          </a:p>
+        </p:txBody>
+      </p:sp>
+      <p:sp>
+        <p:nvSpPr>
+          <p:cNvPr id="14" name="6 CuadroTexto"/>
+          <p:cNvSpPr txBox="1"/>
+          <p:nvPr/>
+        </p:nvSpPr>
+        <p:spPr>
+          <a:xfrm>
+            <a:off x="2267744" y="260648"/>
+            <a:ext cx="5472608" cy="400110"/>
+          </a:xfrm>
+          <a:prstGeom prst="rect">
+            <a:avLst/>
+          </a:prstGeom>
+          <a:noFill/>
+        </p:spPr>
+        <p:txBody>
+          <a:bodyPr wrap="square" rtlCol="0">
+            <a:spAutoFit/>
+          </a:bodyPr>
+          <a:lstStyle/>
+          <a:p>
+            <a:r>
+              <a:rPr lang="es-ES" sz="2000" b="1" dirty="0" smtClean="0">
+                <a:solidFill>
+                  <a:schemeClr val="accent1">
+                    <a:lumMod val="50000"/>
+                  </a:schemeClr>
+                </a:solidFill>
+                <a:latin typeface="Arial" panose="020B0604020202020204" pitchFamily="34" charset="0"/>
+                <a:cs typeface="Arial" panose="020B0604020202020204" pitchFamily="34" charset="0"/>
+              </a:rPr>
+              <a:t>Próximos Pasos</a:t>
+            </a:r>
+            <a:endParaRPr lang="es-ES" sz="2000" b="1" dirty="0">
+              <a:solidFill>
+                <a:schemeClr val="accent1">
+                  <a:lumMod val="50000"/>
+                </a:schemeClr>
+              </a:solidFill>
+              <a:latin typeface="Arial" panose="020B0604020202020204" pitchFamily="34" charset="0"/>
+              <a:cs typeface="Arial" panose="020B0604020202020204" pitchFamily="34" charset="0"/>
+            </a:endParaRPr>
+          </a:p>
+        </p:txBody>
+      </p:sp>
+    </p:spTree>
+    <p:extLst>
+      <p:ext uri="{BB962C8B-B14F-4D97-AF65-F5344CB8AC3E}">
+        <p14:creationId xmlns:p14="http://schemas.microsoft.com/office/powerpoint/2010/main" val="4205613534"/>
+      </p:ext>
+    </p:extLst>
+  </p:cSld>
+  <p:clrMapOvr>
+    <a:masterClrMapping/>
+  </p:clrMapOvr>
+  <mc:AlternateContent xmlns:mc="http://schemas.openxmlformats.org/markup-compatibility/2006" xmlns:p14="http://schemas.microsoft.com/office/powerpoint/2010/main">
+    <mc:Choice Requires="p14">
+      <p:transition p14:dur="0"/>
+    </mc:Choice>
+    <mc:Fallback xmlns="">
+      <p:transition/>
+    </mc:Fallback>
+  </mc:AlternateContent>
+  <p:timing>
+    <p:tnLst>
+      <p:par>
+        <p:cTn id="1" dur="indefinite" restart="never" nodeType="tmRoot"/>
+      </p:par>
+    </p:tnLst>
+  </p:timing>
+</p:sld>
+</file>
+
 <file path=ppt/slides/slide3.xml><?xml version="1.0" encoding="utf-8"?>
 <p:sld xmlns:a="http://schemas.openxmlformats.org/drawingml/2006/main" xmlns:r="http://schemas.openxmlformats.org/officeDocument/2006/relationships" xmlns:p="http://schemas.openxmlformats.org/presentationml/2006/main">
   <p:cSld>
@@ -25262,7 +26854,7 @@
           <a:lstStyle/>
           <a:p>
             <a:r>
-              <a:rPr lang="es-PE" sz="2000" b="1" dirty="0">
+              <a:rPr lang="es-ES" sz="2000" b="1" dirty="0" smtClean="0">
                 <a:solidFill>
                   <a:schemeClr val="accent1">
                     <a:lumMod val="50000"/>
@@ -25271,117 +26863,1111 @@
                 <a:latin typeface="Arial" panose="020B0604020202020204" pitchFamily="34" charset="0"/>
                 <a:cs typeface="Arial" panose="020B0604020202020204" pitchFamily="34" charset="0"/>
               </a:rPr>
-              <a:t>Modelos de econometría espacial</a:t>
-            </a:r>
+              <a:t>Modelo de competencia diferenciada</a:t>
+            </a:r>
+            <a:endParaRPr lang="es-ES" sz="2000" b="1" dirty="0">
+              <a:solidFill>
+                <a:schemeClr val="accent1">
+                  <a:lumMod val="50000"/>
+                </a:schemeClr>
+              </a:solidFill>
+              <a:latin typeface="Arial" panose="020B0604020202020204" pitchFamily="34" charset="0"/>
+              <a:cs typeface="Arial" panose="020B0604020202020204" pitchFamily="34" charset="0"/>
+            </a:endParaRPr>
           </a:p>
         </p:txBody>
       </p:sp>
       <p:sp>
         <p:nvSpPr>
-          <p:cNvPr id="7" name="CuadroTexto 6"/>
-          <p:cNvSpPr txBox="1"/>
+          <p:cNvPr id="3" name="AutoShape 2" descr="Resultado de imagen para aditivo primax"/>
+          <p:cNvSpPr>
+            <a:spLocks noChangeAspect="1" noChangeArrowheads="1"/>
+          </p:cNvSpPr>
           <p:nvPr/>
         </p:nvSpPr>
-        <p:spPr>
+        <p:spPr bwMode="auto">
           <a:xfrm>
-            <a:off x="2412000" y="1046713"/>
-            <a:ext cx="6075000" cy="4247317"/>
+            <a:off x="155575" y="-144463"/>
+            <a:ext cx="304800" cy="304801"/>
           </a:xfrm>
           <a:prstGeom prst="rect">
             <a:avLst/>
           </a:prstGeom>
           <a:noFill/>
+          <a:extLst>
+            <a:ext uri="{909E8E84-426E-40DD-AFC4-6F175D3DCCD1}">
+              <a14:hiddenFill xmlns:a14="http://schemas.microsoft.com/office/drawing/2010/main">
+                <a:solidFill>
+                  <a:srgbClr val="FFFFFF"/>
+                </a:solidFill>
+              </a14:hiddenFill>
+            </a:ext>
+          </a:extLst>
         </p:spPr>
         <p:txBody>
-          <a:bodyPr wrap="square" rtlCol="0">
-            <a:spAutoFit/>
+          <a:bodyPr vert="horz" wrap="square" lIns="91440" tIns="45720" rIns="91440" bIns="45720" numCol="1" anchor="t" anchorCtr="0" compatLnSpc="1">
+            <a:prstTxWarp prst="textNoShape">
+              <a:avLst/>
+            </a:prstTxWarp>
           </a:bodyPr>
           <a:lstStyle/>
           <a:p>
-            <a:pPr marL="285750" indent="-285750">
-              <a:spcAft>
-                <a:spcPts val="1200"/>
-              </a:spcAft>
-              <a:buFont typeface="Arial" panose="020B0604020202020204" pitchFamily="34" charset="0"/>
-              <a:buChar char="•"/>
-            </a:pPr>
-            <a:r>
-              <a:rPr lang="es-ES" sz="2000" dirty="0" smtClean="0"/>
-              <a:t>¿Las estaciones tienen en cuenta el precio que fijan sus competidores más cercanos? → Precios observables</a:t>
-            </a:r>
-          </a:p>
-          <a:p>
-            <a:pPr marL="285750" indent="-285750">
-              <a:spcAft>
-                <a:spcPts val="1200"/>
-              </a:spcAft>
-              <a:buFont typeface="Arial" panose="020B0604020202020204" pitchFamily="34" charset="0"/>
-              <a:buChar char="•"/>
-            </a:pPr>
-            <a:r>
-              <a:rPr lang="es-ES" sz="2000" dirty="0" smtClean="0"/>
-              <a:t>¿El incremento en precios de una estación tiene repercusiones sobre sus estaciones vecinas? Reacción en cadena</a:t>
-            </a:r>
-          </a:p>
-          <a:p>
-            <a:pPr marL="285750" indent="-285750">
-              <a:spcAft>
-                <a:spcPts val="1200"/>
-              </a:spcAft>
-              <a:buFont typeface="Arial" panose="020B0604020202020204" pitchFamily="34" charset="0"/>
-              <a:buChar char="•"/>
-            </a:pPr>
-            <a:r>
-              <a:rPr lang="es-ES" sz="2000" dirty="0" smtClean="0"/>
-              <a:t>Estaciones cercanas comparten factores que no son observables:</a:t>
-            </a:r>
-          </a:p>
-          <a:p>
-            <a:pPr marL="742950" lvl="1" indent="-285750">
-              <a:buFont typeface="Arial" panose="020B0604020202020204" pitchFamily="34" charset="0"/>
-              <a:buChar char="•"/>
-            </a:pPr>
-            <a:r>
-              <a:rPr lang="es-ES" sz="2000" dirty="0" smtClean="0"/>
-              <a:t>Ubicación cercana a centro comercial</a:t>
-            </a:r>
-          </a:p>
-          <a:p>
-            <a:pPr marL="742950" lvl="1" indent="-285750">
-              <a:buFont typeface="Arial" panose="020B0604020202020204" pitchFamily="34" charset="0"/>
-              <a:buChar char="•"/>
-            </a:pPr>
-            <a:r>
-              <a:rPr lang="es-ES" sz="2000" dirty="0" smtClean="0"/>
-              <a:t>Flujo de tránsito</a:t>
-            </a:r>
-          </a:p>
-          <a:p>
-            <a:pPr marL="742950" lvl="1" indent="-285750">
-              <a:buFont typeface="Arial" panose="020B0604020202020204" pitchFamily="34" charset="0"/>
-              <a:buChar char="•"/>
-            </a:pPr>
-            <a:r>
-              <a:rPr lang="es-ES" sz="2000" dirty="0" smtClean="0"/>
-              <a:t>Zonas industriales o financieras</a:t>
-            </a:r>
-          </a:p>
-          <a:p>
-            <a:pPr marL="285750" indent="-285750">
-              <a:spcAft>
-                <a:spcPts val="1200"/>
-              </a:spcAft>
-              <a:buFont typeface="Arial" panose="020B0604020202020204" pitchFamily="34" charset="0"/>
-              <a:buChar char="•"/>
-            </a:pPr>
-            <a:endParaRPr lang="es-ES" sz="2000" dirty="0" smtClean="0"/>
+            <a:endParaRPr lang="en-US"/>
           </a:p>
         </p:txBody>
       </p:sp>
+      <mc:AlternateContent xmlns:mc="http://schemas.openxmlformats.org/markup-compatibility/2006">
+        <mc:Choice xmlns:a14="http://schemas.microsoft.com/office/drawing/2010/main" Requires="a14">
+          <p:sp>
+            <p:nvSpPr>
+              <p:cNvPr id="17" name="CuadroTexto 16"/>
+              <p:cNvSpPr txBox="1"/>
+              <p:nvPr/>
+            </p:nvSpPr>
+            <p:spPr>
+              <a:xfrm>
+                <a:off x="2412000" y="1046713"/>
+                <a:ext cx="6075000" cy="5052345"/>
+              </a:xfrm>
+              <a:prstGeom prst="rect">
+                <a:avLst/>
+              </a:prstGeom>
+              <a:noFill/>
+            </p:spPr>
+            <p:txBody>
+              <a:bodyPr wrap="square" rtlCol="0">
+                <a:spAutoFit/>
+              </a:bodyPr>
+              <a:lstStyle/>
+              <a:p>
+                <a:pPr marL="285750" indent="-285750">
+                  <a:spcAft>
+                    <a:spcPts val="1200"/>
+                  </a:spcAft>
+                  <a:buFont typeface="Arial" panose="020B0604020202020204" pitchFamily="34" charset="0"/>
+                  <a:buChar char="•"/>
+                </a:pPr>
+                <a:r>
+                  <a:rPr lang="es-ES" sz="2000" dirty="0" smtClean="0"/>
+                  <a:t>Caso más simple, 2 firmas que compiten en precios en mercado con producto diferenciado.</a:t>
+                </a:r>
+              </a:p>
+              <a:p>
+                <a:pPr marL="285750" indent="-285750">
+                  <a:spcAft>
+                    <a:spcPts val="1200"/>
+                  </a:spcAft>
+                  <a:buFont typeface="Arial" panose="020B0604020202020204" pitchFamily="34" charset="0"/>
+                  <a:buChar char="•"/>
+                </a:pPr>
+                <a:r>
+                  <a:rPr lang="es-ES" sz="2000" dirty="0" smtClean="0"/>
+                  <a:t>Demanda: 	</a:t>
+                </a:r>
+                <a14:m>
+                  <m:oMath xmlns:m="http://schemas.openxmlformats.org/officeDocument/2006/math">
+                    <m:sSub>
+                      <m:sSubPr>
+                        <m:ctrlPr>
+                          <a:rPr lang="en-US" i="1"/>
+                        </m:ctrlPr>
+                      </m:sSubPr>
+                      <m:e>
+                        <m:r>
+                          <a:rPr lang="es-PE" i="1"/>
+                          <m:t>𝑄</m:t>
+                        </m:r>
+                      </m:e>
+                      <m:sub>
+                        <m:r>
+                          <a:rPr lang="es-PE" i="1" smtClean="0"/>
+                          <m:t>𝑎</m:t>
+                        </m:r>
+                      </m:sub>
+                    </m:sSub>
+                    <m:r>
+                      <a:rPr lang="es-PE" i="1"/>
+                      <m:t>= </m:t>
+                    </m:r>
+                    <m:sSub>
+                      <m:sSubPr>
+                        <m:ctrlPr>
+                          <a:rPr lang="en-US" i="1"/>
+                        </m:ctrlPr>
+                      </m:sSubPr>
+                      <m:e>
+                        <m:r>
+                          <a:rPr lang="es-PE" i="1"/>
+                          <m:t>𝛼</m:t>
+                        </m:r>
+                      </m:e>
+                      <m:sub>
+                        <m:r>
+                          <a:rPr lang="es-PE" i="1"/>
+                          <m:t>1</m:t>
+                        </m:r>
+                      </m:sub>
+                    </m:sSub>
+                    <m:r>
+                      <a:rPr lang="es-PE" i="1"/>
+                      <m:t>−</m:t>
+                    </m:r>
+                    <m:sSub>
+                      <m:sSubPr>
+                        <m:ctrlPr>
+                          <a:rPr lang="en-US" i="1"/>
+                        </m:ctrlPr>
+                      </m:sSubPr>
+                      <m:e>
+                        <m:r>
+                          <a:rPr lang="es-PE" i="1"/>
+                          <m:t>𝛼</m:t>
+                        </m:r>
+                      </m:e>
+                      <m:sub>
+                        <m:r>
+                          <a:rPr lang="es-PE" i="1"/>
+                          <m:t>2</m:t>
+                        </m:r>
+                      </m:sub>
+                    </m:sSub>
+                    <m:sSub>
+                      <m:sSubPr>
+                        <m:ctrlPr>
+                          <a:rPr lang="en-US" i="1"/>
+                        </m:ctrlPr>
+                      </m:sSubPr>
+                      <m:e>
+                        <m:r>
+                          <a:rPr lang="es-PE" i="1"/>
+                          <m:t>𝑃</m:t>
+                        </m:r>
+                      </m:e>
+                      <m:sub>
+                        <m:r>
+                          <a:rPr lang="es-PE" i="1"/>
+                          <m:t>𝑎</m:t>
+                        </m:r>
+                      </m:sub>
+                    </m:sSub>
+                    <m:r>
+                      <a:rPr lang="es-PE" i="1"/>
+                      <m:t>+</m:t>
+                    </m:r>
+                    <m:sSub>
+                      <m:sSubPr>
+                        <m:ctrlPr>
+                          <a:rPr lang="en-US" i="1"/>
+                        </m:ctrlPr>
+                      </m:sSubPr>
+                      <m:e>
+                        <m:r>
+                          <a:rPr lang="es-PE" i="1"/>
+                          <m:t>𝛼</m:t>
+                        </m:r>
+                      </m:e>
+                      <m:sub>
+                        <m:r>
+                          <a:rPr lang="es-PE" i="1"/>
+                          <m:t>3</m:t>
+                        </m:r>
+                      </m:sub>
+                    </m:sSub>
+                    <m:sSub>
+                      <m:sSubPr>
+                        <m:ctrlPr>
+                          <a:rPr lang="en-US" i="1"/>
+                        </m:ctrlPr>
+                      </m:sSubPr>
+                      <m:e>
+                        <m:r>
+                          <a:rPr lang="es-PE" i="1"/>
+                          <m:t>𝑃</m:t>
+                        </m:r>
+                      </m:e>
+                      <m:sub>
+                        <m:r>
+                          <a:rPr lang="es-PE" i="1"/>
+                          <m:t>𝑏</m:t>
+                        </m:r>
+                      </m:sub>
+                    </m:sSub>
+                    <m:r>
+                      <a:rPr lang="es-PE" i="1"/>
+                      <m:t>+</m:t>
+                    </m:r>
+                    <m:r>
+                      <a:rPr lang="es-PE" i="1"/>
+                      <m:t>𝜃</m:t>
+                    </m:r>
+                    <m:sSub>
+                      <m:sSubPr>
+                        <m:ctrlPr>
+                          <a:rPr lang="en-US" i="1"/>
+                        </m:ctrlPr>
+                      </m:sSubPr>
+                      <m:e>
+                        <m:r>
+                          <a:rPr lang="es-PE" i="1"/>
+                          <m:t>𝑍</m:t>
+                        </m:r>
+                      </m:e>
+                      <m:sub>
+                        <m:r>
+                          <a:rPr lang="es-PE" i="1"/>
+                          <m:t>𝑎</m:t>
+                        </m:r>
+                      </m:sub>
+                    </m:sSub>
+                  </m:oMath>
+                </a14:m>
+                <a:r>
+                  <a:rPr lang="es-ES" sz="2000" dirty="0" smtClean="0"/>
+                  <a:t>. </a:t>
+                </a:r>
+              </a:p>
+              <a:p>
+                <a:pPr marL="285750" indent="-285750">
+                  <a:spcAft>
+                    <a:spcPts val="1200"/>
+                  </a:spcAft>
+                  <a:buFont typeface="Arial" panose="020B0604020202020204" pitchFamily="34" charset="0"/>
+                  <a:buChar char="•"/>
+                </a:pPr>
+                <a:r>
+                  <a:rPr lang="es-ES" sz="2000" dirty="0" smtClean="0"/>
+                  <a:t>Costos:	</a:t>
+                </a:r>
+                <a14:m>
+                  <m:oMath xmlns:m="http://schemas.openxmlformats.org/officeDocument/2006/math">
+                    <m:sSub>
+                      <m:sSubPr>
+                        <m:ctrlPr>
+                          <a:rPr lang="en-US" i="1"/>
+                        </m:ctrlPr>
+                      </m:sSubPr>
+                      <m:e>
+                        <m:r>
+                          <a:rPr lang="es-PE" i="1"/>
+                          <m:t>𝐶</m:t>
+                        </m:r>
+                      </m:e>
+                      <m:sub>
+                        <m:r>
+                          <a:rPr lang="es-PE" i="1"/>
+                          <m:t>𝑎</m:t>
+                        </m:r>
+                      </m:sub>
+                    </m:sSub>
+                    <m:r>
+                      <a:rPr lang="es-PE" i="1"/>
+                      <m:t>= </m:t>
+                    </m:r>
+                    <m:sSub>
+                      <m:sSubPr>
+                        <m:ctrlPr>
+                          <a:rPr lang="en-US" i="1"/>
+                        </m:ctrlPr>
+                      </m:sSubPr>
+                      <m:e>
+                        <m:r>
+                          <a:rPr lang="es-PE" i="1"/>
+                          <m:t>𝜙</m:t>
+                        </m:r>
+                      </m:e>
+                      <m:sub>
+                        <m:r>
+                          <a:rPr lang="es-PE" i="1"/>
+                          <m:t>𝑎</m:t>
+                        </m:r>
+                      </m:sub>
+                    </m:sSub>
+                    <m:r>
+                      <a:rPr lang="es-PE" i="1"/>
+                      <m:t>+</m:t>
+                    </m:r>
+                    <m:sSub>
+                      <m:sSubPr>
+                        <m:ctrlPr>
+                          <a:rPr lang="en-US" i="1"/>
+                        </m:ctrlPr>
+                      </m:sSubPr>
+                      <m:e>
+                        <m:r>
+                          <a:rPr lang="es-PE" i="1"/>
+                          <m:t>𝛿</m:t>
+                        </m:r>
+                      </m:e>
+                      <m:sub>
+                        <m:r>
+                          <a:rPr lang="es-PE" i="1"/>
+                          <m:t>𝑎</m:t>
+                        </m:r>
+                      </m:sub>
+                    </m:sSub>
+                    <m:sSub>
+                      <m:sSubPr>
+                        <m:ctrlPr>
+                          <a:rPr lang="en-US" i="1"/>
+                        </m:ctrlPr>
+                      </m:sSubPr>
+                      <m:e>
+                        <m:r>
+                          <a:rPr lang="es-PE" i="1"/>
+                          <m:t>𝑄</m:t>
+                        </m:r>
+                      </m:e>
+                      <m:sub>
+                        <m:r>
+                          <a:rPr lang="es-PE" i="1"/>
+                          <m:t>𝑎</m:t>
+                        </m:r>
+                      </m:sub>
+                    </m:sSub>
+                  </m:oMath>
+                </a14:m>
+                <a:endParaRPr lang="es-ES" sz="2000" dirty="0" smtClean="0"/>
+              </a:p>
+              <a:p>
+                <a:pPr marL="285750" indent="-285750">
+                  <a:spcAft>
+                    <a:spcPts val="1200"/>
+                  </a:spcAft>
+                  <a:buFont typeface="Arial" panose="020B0604020202020204" pitchFamily="34" charset="0"/>
+                  <a:buChar char="•"/>
+                </a:pPr>
+                <a:r>
+                  <a:rPr lang="es-ES" sz="2000" dirty="0" smtClean="0"/>
+                  <a:t>Resolviendo el problema de optimización:</a:t>
+                </a:r>
+              </a:p>
+              <a:p>
+                <a:pPr>
+                  <a:spcAft>
+                    <a:spcPts val="1200"/>
+                  </a:spcAft>
+                </a:pPr>
+                <a14:m>
+                  <m:oMathPara xmlns:m="http://schemas.openxmlformats.org/officeDocument/2006/math">
+                    <m:oMathParaPr>
+                      <m:jc m:val="centerGroup"/>
+                    </m:oMathParaPr>
+                    <m:oMath xmlns:m="http://schemas.openxmlformats.org/officeDocument/2006/math">
+                      <m:sSub>
+                        <m:sSubPr>
+                          <m:ctrlPr>
+                            <a:rPr lang="en-US" i="1"/>
+                          </m:ctrlPr>
+                        </m:sSubPr>
+                        <m:e>
+                          <m:r>
+                            <a:rPr lang="es-PE" i="1"/>
+                            <m:t>𝑃</m:t>
+                          </m:r>
+                        </m:e>
+                        <m:sub>
+                          <m:r>
+                            <a:rPr lang="es-PE" i="1"/>
+                            <m:t>𝑎</m:t>
+                          </m:r>
+                        </m:sub>
+                      </m:sSub>
+                      <m:r>
+                        <m:rPr>
+                          <m:aln/>
+                        </m:rPr>
+                        <a:rPr lang="es-PE" i="1"/>
+                        <m:t>=</m:t>
+                      </m:r>
+                      <m:r>
+                        <a:rPr lang="es-PE" i="1"/>
+                        <m:t>𝑅</m:t>
+                      </m:r>
+                      <m:d>
+                        <m:dPr>
+                          <m:ctrlPr>
+                            <a:rPr lang="en-US" i="1"/>
+                          </m:ctrlPr>
+                        </m:dPr>
+                        <m:e>
+                          <m:sSub>
+                            <m:sSubPr>
+                              <m:ctrlPr>
+                                <a:rPr lang="en-US" i="1"/>
+                              </m:ctrlPr>
+                            </m:sSubPr>
+                            <m:e>
+                              <m:r>
+                                <a:rPr lang="es-PE" i="1"/>
+                                <m:t>𝑃</m:t>
+                              </m:r>
+                            </m:e>
+                            <m:sub>
+                              <m:r>
+                                <a:rPr lang="es-PE" i="1"/>
+                                <m:t>𝑏</m:t>
+                              </m:r>
+                            </m:sub>
+                          </m:sSub>
+                        </m:e>
+                      </m:d>
+                      <m:r>
+                        <a:rPr lang="es-PE" i="1"/>
+                        <m:t>=</m:t>
+                      </m:r>
+                      <m:f>
+                        <m:fPr>
+                          <m:ctrlPr>
+                            <a:rPr lang="en-US" i="1"/>
+                          </m:ctrlPr>
+                        </m:fPr>
+                        <m:num>
+                          <m:sSub>
+                            <m:sSubPr>
+                              <m:ctrlPr>
+                                <a:rPr lang="en-US" i="1"/>
+                              </m:ctrlPr>
+                            </m:sSubPr>
+                            <m:e>
+                              <m:r>
+                                <a:rPr lang="es-PE" i="1"/>
+                                <m:t>𝛼</m:t>
+                              </m:r>
+                            </m:e>
+                            <m:sub>
+                              <m:r>
+                                <a:rPr lang="es-PE" i="1"/>
+                                <m:t>1</m:t>
+                              </m:r>
+                            </m:sub>
+                          </m:sSub>
+                        </m:num>
+                        <m:den>
+                          <m:r>
+                            <a:rPr lang="es-PE" i="1"/>
+                            <m:t>2</m:t>
+                          </m:r>
+                          <m:sSub>
+                            <m:sSubPr>
+                              <m:ctrlPr>
+                                <a:rPr lang="en-US" i="1"/>
+                              </m:ctrlPr>
+                            </m:sSubPr>
+                            <m:e>
+                              <m:r>
+                                <a:rPr lang="es-PE" i="1"/>
+                                <m:t>𝛼</m:t>
+                              </m:r>
+                            </m:e>
+                            <m:sub>
+                              <m:r>
+                                <a:rPr lang="es-PE" i="1"/>
+                                <m:t>2</m:t>
+                              </m:r>
+                            </m:sub>
+                          </m:sSub>
+                        </m:den>
+                      </m:f>
+                      <m:r>
+                        <a:rPr lang="es-PE" i="1"/>
+                        <m:t>+</m:t>
+                      </m:r>
+                      <m:f>
+                        <m:fPr>
+                          <m:ctrlPr>
+                            <a:rPr lang="en-US" i="1"/>
+                          </m:ctrlPr>
+                        </m:fPr>
+                        <m:num>
+                          <m:r>
+                            <a:rPr lang="es-PE" i="1"/>
+                            <m:t>1</m:t>
+                          </m:r>
+                        </m:num>
+                        <m:den>
+                          <m:r>
+                            <a:rPr lang="es-PE" i="1"/>
+                            <m:t>2</m:t>
+                          </m:r>
+                        </m:den>
+                      </m:f>
+                      <m:sSub>
+                        <m:sSubPr>
+                          <m:ctrlPr>
+                            <a:rPr lang="en-US" i="1"/>
+                          </m:ctrlPr>
+                        </m:sSubPr>
+                        <m:e>
+                          <m:r>
+                            <a:rPr lang="es-PE" i="1"/>
+                            <m:t>𝛿</m:t>
+                          </m:r>
+                        </m:e>
+                        <m:sub>
+                          <m:r>
+                            <a:rPr lang="es-PE" i="1"/>
+                            <m:t>𝑎</m:t>
+                          </m:r>
+                        </m:sub>
+                      </m:sSub>
+                      <m:r>
+                        <a:rPr lang="es-PE" i="1"/>
+                        <m:t>+</m:t>
+                      </m:r>
+                      <m:f>
+                        <m:fPr>
+                          <m:ctrlPr>
+                            <a:rPr lang="en-US" i="1"/>
+                          </m:ctrlPr>
+                        </m:fPr>
+                        <m:num>
+                          <m:r>
+                            <a:rPr lang="es-PE" i="1"/>
+                            <m:t>𝜃</m:t>
+                          </m:r>
+                        </m:num>
+                        <m:den>
+                          <m:r>
+                            <a:rPr lang="es-PE" i="1"/>
+                            <m:t>2</m:t>
+                          </m:r>
+                          <m:sSub>
+                            <m:sSubPr>
+                              <m:ctrlPr>
+                                <a:rPr lang="en-US" i="1"/>
+                              </m:ctrlPr>
+                            </m:sSubPr>
+                            <m:e>
+                              <m:r>
+                                <a:rPr lang="es-PE" i="1"/>
+                                <m:t>𝛼</m:t>
+                              </m:r>
+                            </m:e>
+                            <m:sub>
+                              <m:r>
+                                <a:rPr lang="es-PE" i="1"/>
+                                <m:t>2</m:t>
+                              </m:r>
+                            </m:sub>
+                          </m:sSub>
+                        </m:den>
+                      </m:f>
+                      <m:sSub>
+                        <m:sSubPr>
+                          <m:ctrlPr>
+                            <a:rPr lang="en-US" i="1"/>
+                          </m:ctrlPr>
+                        </m:sSubPr>
+                        <m:e>
+                          <m:r>
+                            <a:rPr lang="es-PE" i="1"/>
+                            <m:t>𝑍</m:t>
+                          </m:r>
+                        </m:e>
+                        <m:sub>
+                          <m:r>
+                            <a:rPr lang="es-PE" i="1"/>
+                            <m:t>𝑎</m:t>
+                          </m:r>
+                        </m:sub>
+                      </m:sSub>
+                      <m:r>
+                        <a:rPr lang="es-PE" i="1"/>
+                        <m:t>+</m:t>
+                      </m:r>
+                      <m:f>
+                        <m:fPr>
+                          <m:ctrlPr>
+                            <a:rPr lang="en-US" i="1"/>
+                          </m:ctrlPr>
+                        </m:fPr>
+                        <m:num>
+                          <m:sSub>
+                            <m:sSubPr>
+                              <m:ctrlPr>
+                                <a:rPr lang="en-US" i="1"/>
+                              </m:ctrlPr>
+                            </m:sSubPr>
+                            <m:e>
+                              <m:r>
+                                <a:rPr lang="es-PE" i="1"/>
+                                <m:t>𝛼</m:t>
+                              </m:r>
+                            </m:e>
+                            <m:sub>
+                              <m:r>
+                                <a:rPr lang="es-PE" i="1"/>
+                                <m:t>3</m:t>
+                              </m:r>
+                            </m:sub>
+                          </m:sSub>
+                        </m:num>
+                        <m:den>
+                          <m:r>
+                            <a:rPr lang="es-PE" i="1"/>
+                            <m:t>2</m:t>
+                          </m:r>
+                          <m:sSub>
+                            <m:sSubPr>
+                              <m:ctrlPr>
+                                <a:rPr lang="en-US" i="1"/>
+                              </m:ctrlPr>
+                            </m:sSubPr>
+                            <m:e>
+                              <m:r>
+                                <a:rPr lang="es-PE" i="1"/>
+                                <m:t>𝛼</m:t>
+                              </m:r>
+                            </m:e>
+                            <m:sub>
+                              <m:r>
+                                <a:rPr lang="es-PE" i="1"/>
+                                <m:t>2</m:t>
+                              </m:r>
+                            </m:sub>
+                          </m:sSub>
+                        </m:den>
+                      </m:f>
+                      <m:sSub>
+                        <m:sSubPr>
+                          <m:ctrlPr>
+                            <a:rPr lang="en-US" i="1"/>
+                          </m:ctrlPr>
+                        </m:sSubPr>
+                        <m:e>
+                          <m:r>
+                            <a:rPr lang="es-PE" i="1"/>
+                            <m:t>𝑃</m:t>
+                          </m:r>
+                        </m:e>
+                        <m:sub>
+                          <m:r>
+                            <a:rPr lang="es-PE" i="1"/>
+                            <m:t>𝑏</m:t>
+                          </m:r>
+                        </m:sub>
+                      </m:sSub>
+                    </m:oMath>
+                  </m:oMathPara>
+                </a14:m>
+                <a:endParaRPr lang="es-ES" i="1" dirty="0" smtClean="0"/>
+              </a:p>
+              <a:p>
+                <a:pPr>
+                  <a:spcAft>
+                    <a:spcPts val="1200"/>
+                  </a:spcAft>
+                </a:pPr>
+                <a:r>
+                  <a:rPr lang="en-US" dirty="0" err="1" smtClean="0"/>
+                  <a:t>En</a:t>
+                </a:r>
+                <a:r>
+                  <a:rPr lang="en-US" dirty="0" smtClean="0"/>
+                  <a:t> forma reducida: </a:t>
+                </a:r>
+                <a:endParaRPr lang="es-ES" i="1" dirty="0" smtClean="0"/>
+              </a:p>
+              <a:p>
+                <a:pPr>
+                  <a:spcAft>
+                    <a:spcPts val="1200"/>
+                  </a:spcAft>
+                </a:pPr>
+                <a14:m>
+                  <m:oMathPara xmlns:m="http://schemas.openxmlformats.org/officeDocument/2006/math">
+                    <m:oMathParaPr>
+                      <m:jc m:val="centerGroup"/>
+                    </m:oMathParaPr>
+                    <m:oMath xmlns:m="http://schemas.openxmlformats.org/officeDocument/2006/math">
+                      <m:sSub>
+                        <m:sSubPr>
+                          <m:ctrlPr>
+                            <a:rPr lang="en-US" i="1"/>
+                          </m:ctrlPr>
+                        </m:sSubPr>
+                        <m:e>
+                          <m:r>
+                            <a:rPr lang="es-PE" i="1"/>
+                            <m:t>𝑅</m:t>
+                          </m:r>
+                        </m:e>
+                        <m:sub>
+                          <m:r>
+                            <a:rPr lang="es-PE" i="1"/>
+                            <m:t>𝑎</m:t>
+                          </m:r>
+                        </m:sub>
+                      </m:sSub>
+                      <m:r>
+                        <a:rPr lang="es-PE" i="1"/>
+                        <m:t>=</m:t>
+                      </m:r>
+                      <m:sSub>
+                        <m:sSubPr>
+                          <m:ctrlPr>
+                            <a:rPr lang="en-US" i="1"/>
+                          </m:ctrlPr>
+                        </m:sSubPr>
+                        <m:e>
+                          <m:r>
+                            <a:rPr lang="es-PE" i="1"/>
+                            <m:t>𝛽</m:t>
+                          </m:r>
+                        </m:e>
+                        <m:sub>
+                          <m:r>
+                            <a:rPr lang="es-PE" i="1"/>
+                            <m:t>1</m:t>
+                          </m:r>
+                        </m:sub>
+                      </m:sSub>
+                      <m:r>
+                        <a:rPr lang="es-PE" i="1"/>
+                        <m:t>+</m:t>
+                      </m:r>
+                      <m:f>
+                        <m:fPr>
+                          <m:ctrlPr>
+                            <a:rPr lang="en-US" i="1"/>
+                          </m:ctrlPr>
+                        </m:fPr>
+                        <m:num>
+                          <m:r>
+                            <a:rPr lang="es-PE" i="1"/>
+                            <m:t>1</m:t>
+                          </m:r>
+                        </m:num>
+                        <m:den>
+                          <m:r>
+                            <a:rPr lang="es-PE" i="1"/>
+                            <m:t>2</m:t>
+                          </m:r>
+                        </m:den>
+                      </m:f>
+                      <m:sSub>
+                        <m:sSubPr>
+                          <m:ctrlPr>
+                            <a:rPr lang="en-US" i="1"/>
+                          </m:ctrlPr>
+                        </m:sSubPr>
+                        <m:e>
+                          <m:r>
+                            <a:rPr lang="es-PE" i="1"/>
+                            <m:t>𝛿</m:t>
+                          </m:r>
+                        </m:e>
+                        <m:sub>
+                          <m:r>
+                            <a:rPr lang="es-PE" i="1"/>
+                            <m:t>𝑎</m:t>
+                          </m:r>
+                        </m:sub>
+                      </m:sSub>
+                      <m:r>
+                        <a:rPr lang="es-PE" i="1"/>
+                        <m:t>+</m:t>
+                      </m:r>
+                      <m:sSub>
+                        <m:sSubPr>
+                          <m:ctrlPr>
+                            <a:rPr lang="en-US" i="1"/>
+                          </m:ctrlPr>
+                        </m:sSubPr>
+                        <m:e>
+                          <m:r>
+                            <a:rPr lang="es-PE" i="1"/>
+                            <m:t>𝛽</m:t>
+                          </m:r>
+                        </m:e>
+                        <m:sub>
+                          <m:r>
+                            <a:rPr lang="es-PE" i="1"/>
+                            <m:t>2</m:t>
+                          </m:r>
+                        </m:sub>
+                      </m:sSub>
+                      <m:sSub>
+                        <m:sSubPr>
+                          <m:ctrlPr>
+                            <a:rPr lang="en-US" i="1"/>
+                          </m:ctrlPr>
+                        </m:sSubPr>
+                        <m:e>
+                          <m:r>
+                            <a:rPr lang="es-PE" i="1"/>
+                            <m:t>𝑍</m:t>
+                          </m:r>
+                        </m:e>
+                        <m:sub>
+                          <m:r>
+                            <a:rPr lang="es-PE" i="1"/>
+                            <m:t>𝑎</m:t>
+                          </m:r>
+                        </m:sub>
+                      </m:sSub>
+                      <m:r>
+                        <a:rPr lang="es-PE" i="1"/>
+                        <m:t>+</m:t>
+                      </m:r>
+                      <m:r>
+                        <a:rPr lang="es-PE" i="1"/>
+                        <m:t>𝜌</m:t>
+                      </m:r>
+                      <m:sSub>
+                        <m:sSubPr>
+                          <m:ctrlPr>
+                            <a:rPr lang="en-US" i="1"/>
+                          </m:ctrlPr>
+                        </m:sSubPr>
+                        <m:e>
+                          <m:r>
+                            <a:rPr lang="es-PE" i="1"/>
+                            <m:t>𝑃</m:t>
+                          </m:r>
+                        </m:e>
+                        <m:sub>
+                          <m:r>
+                            <a:rPr lang="es-PE" i="1"/>
+                            <m:t>𝑏</m:t>
+                          </m:r>
+                          <m:r>
+                            <a:rPr lang="es-PE" i="1"/>
+                            <m:t> </m:t>
+                          </m:r>
+                        </m:sub>
+                      </m:sSub>
+                    </m:oMath>
+                  </m:oMathPara>
+                </a14:m>
+                <a:endParaRPr lang="es-ES" sz="2000" dirty="0" smtClean="0"/>
+              </a:p>
+              <a:p>
+                <a:pPr>
+                  <a:spcAft>
+                    <a:spcPts val="1200"/>
+                  </a:spcAft>
+                </a:pPr>
+                <a14:m>
+                  <m:oMathPara xmlns:m="http://schemas.openxmlformats.org/officeDocument/2006/math">
+                    <m:oMathParaPr>
+                      <m:jc m:val="centerGroup"/>
+                    </m:oMathParaPr>
+                    <m:oMath xmlns:m="http://schemas.openxmlformats.org/officeDocument/2006/math">
+                      <m:sSub>
+                        <m:sSubPr>
+                          <m:ctrlPr>
+                            <a:rPr lang="en-US" i="1"/>
+                          </m:ctrlPr>
+                        </m:sSubPr>
+                        <m:e>
+                          <m:r>
+                            <a:rPr lang="es-PE" i="1"/>
+                            <m:t>𝑅</m:t>
+                          </m:r>
+                        </m:e>
+                        <m:sub>
+                          <m:r>
+                            <a:rPr lang="es-PE" i="1"/>
+                            <m:t>𝑏</m:t>
+                          </m:r>
+                        </m:sub>
+                      </m:sSub>
+                      <m:r>
+                        <a:rPr lang="es-PE" i="1"/>
+                        <m:t>= </m:t>
+                      </m:r>
+                      <m:sSub>
+                        <m:sSubPr>
+                          <m:ctrlPr>
+                            <a:rPr lang="en-US" i="1"/>
+                          </m:ctrlPr>
+                        </m:sSubPr>
+                        <m:e>
+                          <m:r>
+                            <a:rPr lang="es-PE" i="1"/>
+                            <m:t>𝛽</m:t>
+                          </m:r>
+                        </m:e>
+                        <m:sub>
+                          <m:r>
+                            <a:rPr lang="es-PE" i="1"/>
+                            <m:t>1</m:t>
+                          </m:r>
+                        </m:sub>
+                      </m:sSub>
+                      <m:r>
+                        <a:rPr lang="es-PE" i="1"/>
+                        <m:t>+</m:t>
+                      </m:r>
+                      <m:f>
+                        <m:fPr>
+                          <m:ctrlPr>
+                            <a:rPr lang="en-US" i="1"/>
+                          </m:ctrlPr>
+                        </m:fPr>
+                        <m:num>
+                          <m:r>
+                            <a:rPr lang="es-PE" i="1"/>
+                            <m:t>1</m:t>
+                          </m:r>
+                        </m:num>
+                        <m:den>
+                          <m:r>
+                            <a:rPr lang="es-PE" i="1"/>
+                            <m:t>2</m:t>
+                          </m:r>
+                        </m:den>
+                      </m:f>
+                      <m:sSub>
+                        <m:sSubPr>
+                          <m:ctrlPr>
+                            <a:rPr lang="en-US" i="1"/>
+                          </m:ctrlPr>
+                        </m:sSubPr>
+                        <m:e>
+                          <m:r>
+                            <a:rPr lang="es-PE" i="1"/>
+                            <m:t>𝛿</m:t>
+                          </m:r>
+                        </m:e>
+                        <m:sub>
+                          <m:r>
+                            <a:rPr lang="es-PE" i="1"/>
+                            <m:t>𝑏</m:t>
+                          </m:r>
+                        </m:sub>
+                      </m:sSub>
+                      <m:r>
+                        <a:rPr lang="es-PE" i="1"/>
+                        <m:t>+</m:t>
+                      </m:r>
+                      <m:sSub>
+                        <m:sSubPr>
+                          <m:ctrlPr>
+                            <a:rPr lang="en-US" i="1"/>
+                          </m:ctrlPr>
+                        </m:sSubPr>
+                        <m:e>
+                          <m:r>
+                            <a:rPr lang="es-PE" i="1"/>
+                            <m:t>𝛽</m:t>
+                          </m:r>
+                        </m:e>
+                        <m:sub>
+                          <m:r>
+                            <a:rPr lang="es-PE" i="1"/>
+                            <m:t>2</m:t>
+                          </m:r>
+                        </m:sub>
+                      </m:sSub>
+                      <m:sSub>
+                        <m:sSubPr>
+                          <m:ctrlPr>
+                            <a:rPr lang="en-US" i="1"/>
+                          </m:ctrlPr>
+                        </m:sSubPr>
+                        <m:e>
+                          <m:r>
+                            <a:rPr lang="es-PE" i="1"/>
+                            <m:t>𝑍</m:t>
+                          </m:r>
+                        </m:e>
+                        <m:sub>
+                          <m:r>
+                            <a:rPr lang="es-PE" i="1"/>
+                            <m:t>𝑏</m:t>
+                          </m:r>
+                        </m:sub>
+                      </m:sSub>
+                      <m:r>
+                        <a:rPr lang="es-PE" i="1"/>
+                        <m:t>+</m:t>
+                      </m:r>
+                      <m:r>
+                        <a:rPr lang="es-PE" i="1"/>
+                        <m:t>𝜌</m:t>
+                      </m:r>
+                      <m:sSub>
+                        <m:sSubPr>
+                          <m:ctrlPr>
+                            <a:rPr lang="en-US" i="1"/>
+                          </m:ctrlPr>
+                        </m:sSubPr>
+                        <m:e>
+                          <m:r>
+                            <a:rPr lang="es-PE" i="1"/>
+                            <m:t>𝑃</m:t>
+                          </m:r>
+                        </m:e>
+                        <m:sub>
+                          <m:r>
+                            <a:rPr lang="es-PE" i="1"/>
+                            <m:t>𝑎</m:t>
+                          </m:r>
+                        </m:sub>
+                      </m:sSub>
+                    </m:oMath>
+                  </m:oMathPara>
+                </a14:m>
+                <a:endParaRPr lang="es-ES" sz="2000" dirty="0" smtClean="0"/>
+              </a:p>
+              <a:p>
+                <a:pPr marL="285750" indent="-285750">
+                  <a:spcAft>
+                    <a:spcPts val="1200"/>
+                  </a:spcAft>
+                  <a:buFont typeface="Arial" panose="020B0604020202020204" pitchFamily="34" charset="0"/>
+                  <a:buChar char="•"/>
+                </a:pPr>
+                <a:endParaRPr lang="es-ES" sz="2000" dirty="0" smtClean="0"/>
+              </a:p>
+            </p:txBody>
+          </p:sp>
+        </mc:Choice>
+        <mc:Fallback>
+          <p:sp>
+            <p:nvSpPr>
+              <p:cNvPr id="17" name="CuadroTexto 16"/>
+              <p:cNvSpPr txBox="1">
+                <a:spLocks noRot="1" noChangeAspect="1" noMove="1" noResize="1" noEditPoints="1" noAdjustHandles="1" noChangeArrowheads="1" noChangeShapeType="1" noTextEdit="1"/>
+              </p:cNvSpPr>
+              <p:nvPr/>
+            </p:nvSpPr>
+            <p:spPr>
+              <a:xfrm>
+                <a:off x="2412000" y="1046713"/>
+                <a:ext cx="6075000" cy="5052345"/>
+              </a:xfrm>
+              <a:prstGeom prst="rect">
+                <a:avLst/>
+              </a:prstGeom>
+              <a:blipFill>
+                <a:blip r:embed="rId2"/>
+                <a:stretch>
+                  <a:fillRect l="-904" t="-724" r="-1807"/>
+                </a:stretch>
+              </a:blipFill>
+            </p:spPr>
+            <p:txBody>
+              <a:bodyPr/>
+              <a:lstStyle/>
+              <a:p>
+                <a:r>
+                  <a:rPr lang="en-US">
+                    <a:noFill/>
+                  </a:rPr>
+                  <a:t> </a:t>
+                </a:r>
+              </a:p>
+            </p:txBody>
+          </p:sp>
+        </mc:Fallback>
+      </mc:AlternateContent>
     </p:spTree>
     <p:extLst>
       <p:ext uri="{BB962C8B-B14F-4D97-AF65-F5344CB8AC3E}">
-        <p14:creationId xmlns:p14="http://schemas.microsoft.com/office/powerpoint/2010/main" val="88847383"/>
+        <p14:creationId xmlns:p14="http://schemas.microsoft.com/office/powerpoint/2010/main" val="3066288498"/>
       </p:ext>
     </p:extLst>
   </p:cSld>

--- a/doc/avance-parcial.pptx
+++ b/doc/avance-parcial.pptx
@@ -219,7 +219,7 @@
           <a:p>
             <a:fld id="{BB9346E9-93C1-459F-8777-3C1ED310C911}" type="datetimeFigureOut">
               <a:rPr lang="es-PE" smtClean="0"/>
-              <a:t>23/04/2019</a:t>
+              <a:t>28/04/2019</a:t>
             </a:fld>
             <a:endParaRPr lang="es-PE" dirty="0"/>
           </a:p>
@@ -668,7 +668,7 @@
           <a:p>
             <a:fld id="{0DEFF730-B349-4C0E-AEB7-A7A6ECC56BB4}" type="datetimeFigureOut">
               <a:rPr lang="es-PE" smtClean="0"/>
-              <a:t>23/04/2019</a:t>
+              <a:t>28/04/2019</a:t>
             </a:fld>
             <a:endParaRPr lang="es-PE" dirty="0"/>
           </a:p>
@@ -936,7 +936,7 @@
           <a:p>
             <a:fld id="{0DEFF730-B349-4C0E-AEB7-A7A6ECC56BB4}" type="datetimeFigureOut">
               <a:rPr lang="es-PE" smtClean="0"/>
-              <a:t>23/04/2019</a:t>
+              <a:t>28/04/2019</a:t>
             </a:fld>
             <a:endParaRPr lang="es-PE" dirty="0"/>
           </a:p>
@@ -1114,7 +1114,7 @@
           <a:p>
             <a:fld id="{0DEFF730-B349-4C0E-AEB7-A7A6ECC56BB4}" type="datetimeFigureOut">
               <a:rPr lang="es-PE" smtClean="0"/>
-              <a:t>23/04/2019</a:t>
+              <a:t>28/04/2019</a:t>
             </a:fld>
             <a:endParaRPr lang="es-PE" dirty="0"/>
           </a:p>
@@ -1302,7 +1302,7 @@
           <a:p>
             <a:fld id="{0DEFF730-B349-4C0E-AEB7-A7A6ECC56BB4}" type="datetimeFigureOut">
               <a:rPr lang="es-PE" smtClean="0"/>
-              <a:t>23/04/2019</a:t>
+              <a:t>28/04/2019</a:t>
             </a:fld>
             <a:endParaRPr lang="es-PE" dirty="0"/>
           </a:p>
@@ -1685,7 +1685,7 @@
           <a:p>
             <a:fld id="{B386EE55-916B-457E-BD9C-C9E952A5FBDC}" type="datetimeFigureOut">
               <a:rPr lang="es-PE" smtClean="0"/>
-              <a:t>23/04/2019</a:t>
+              <a:t>28/04/2019</a:t>
             </a:fld>
             <a:endParaRPr lang="es-PE" dirty="0"/>
           </a:p>
@@ -1863,7 +1863,7 @@
           <a:p>
             <a:fld id="{B386EE55-916B-457E-BD9C-C9E952A5FBDC}" type="datetimeFigureOut">
               <a:rPr lang="es-PE" smtClean="0"/>
-              <a:t>23/04/2019</a:t>
+              <a:t>28/04/2019</a:t>
             </a:fld>
             <a:endParaRPr lang="es-PE" dirty="0"/>
           </a:p>
@@ -2117,7 +2117,7 @@
           <a:p>
             <a:fld id="{B386EE55-916B-457E-BD9C-C9E952A5FBDC}" type="datetimeFigureOut">
               <a:rPr lang="es-PE" smtClean="0"/>
-              <a:t>23/04/2019</a:t>
+              <a:t>28/04/2019</a:t>
             </a:fld>
             <a:endParaRPr lang="es-PE" dirty="0"/>
           </a:p>
@@ -2413,7 +2413,7 @@
           <a:p>
             <a:fld id="{B386EE55-916B-457E-BD9C-C9E952A5FBDC}" type="datetimeFigureOut">
               <a:rPr lang="es-PE" smtClean="0"/>
-              <a:t>23/04/2019</a:t>
+              <a:t>28/04/2019</a:t>
             </a:fld>
             <a:endParaRPr lang="es-PE" dirty="0"/>
           </a:p>
@@ -2843,7 +2843,7 @@
           <a:p>
             <a:fld id="{B386EE55-916B-457E-BD9C-C9E952A5FBDC}" type="datetimeFigureOut">
               <a:rPr lang="es-PE" smtClean="0"/>
-              <a:t>23/04/2019</a:t>
+              <a:t>28/04/2019</a:t>
             </a:fld>
             <a:endParaRPr lang="es-PE" dirty="0"/>
           </a:p>
@@ -2969,7 +2969,7 @@
           <a:p>
             <a:fld id="{B386EE55-916B-457E-BD9C-C9E952A5FBDC}" type="datetimeFigureOut">
               <a:rPr lang="es-PE" smtClean="0"/>
-              <a:t>23/04/2019</a:t>
+              <a:t>28/04/2019</a:t>
             </a:fld>
             <a:endParaRPr lang="es-PE" dirty="0"/>
           </a:p>
@@ -3095,7 +3095,7 @@
           <a:p>
             <a:fld id="{0DEFF730-B349-4C0E-AEB7-A7A6ECC56BB4}" type="datetimeFigureOut">
               <a:rPr lang="es-PE" smtClean="0"/>
-              <a:t>23/04/2019</a:t>
+              <a:t>28/04/2019</a:t>
             </a:fld>
             <a:endParaRPr lang="es-PE" dirty="0"/>
           </a:p>
@@ -3198,7 +3198,7 @@
           <a:p>
             <a:fld id="{B386EE55-916B-457E-BD9C-C9E952A5FBDC}" type="datetimeFigureOut">
               <a:rPr lang="es-PE" smtClean="0"/>
-              <a:t>23/04/2019</a:t>
+              <a:t>28/04/2019</a:t>
             </a:fld>
             <a:endParaRPr lang="es-PE" dirty="0"/>
           </a:p>
@@ -3483,7 +3483,7 @@
           <a:p>
             <a:fld id="{B386EE55-916B-457E-BD9C-C9E952A5FBDC}" type="datetimeFigureOut">
               <a:rPr lang="es-PE" smtClean="0"/>
-              <a:t>23/04/2019</a:t>
+              <a:t>28/04/2019</a:t>
             </a:fld>
             <a:endParaRPr lang="es-PE" dirty="0"/>
           </a:p>
@@ -3744,7 +3744,7 @@
           <a:p>
             <a:fld id="{B386EE55-916B-457E-BD9C-C9E952A5FBDC}" type="datetimeFigureOut">
               <a:rPr lang="es-PE" smtClean="0"/>
-              <a:t>23/04/2019</a:t>
+              <a:t>28/04/2019</a:t>
             </a:fld>
             <a:endParaRPr lang="es-PE" dirty="0"/>
           </a:p>
@@ -3922,7 +3922,7 @@
           <a:p>
             <a:fld id="{B386EE55-916B-457E-BD9C-C9E952A5FBDC}" type="datetimeFigureOut">
               <a:rPr lang="es-PE" smtClean="0"/>
-              <a:t>23/04/2019</a:t>
+              <a:t>28/04/2019</a:t>
             </a:fld>
             <a:endParaRPr lang="es-PE" dirty="0"/>
           </a:p>
@@ -4110,7 +4110,7 @@
           <a:p>
             <a:fld id="{B386EE55-916B-457E-BD9C-C9E952A5FBDC}" type="datetimeFigureOut">
               <a:rPr lang="es-PE" smtClean="0"/>
-              <a:t>23/04/2019</a:t>
+              <a:t>28/04/2019</a:t>
             </a:fld>
             <a:endParaRPr lang="es-PE" dirty="0"/>
           </a:p>
@@ -4360,7 +4360,7 @@
           <a:p>
             <a:fld id="{5672C329-FB15-46FD-B671-6C7B203CB9AB}" type="datetimeFigureOut">
               <a:rPr lang="es-PE" smtClean="0"/>
-              <a:t>23/04/2019</a:t>
+              <a:t>28/04/2019</a:t>
             </a:fld>
             <a:endParaRPr lang="es-PE" dirty="0"/>
           </a:p>
@@ -4538,7 +4538,7 @@
           <a:p>
             <a:fld id="{5672C329-FB15-46FD-B671-6C7B203CB9AB}" type="datetimeFigureOut">
               <a:rPr lang="es-PE" smtClean="0"/>
-              <a:t>23/04/2019</a:t>
+              <a:t>28/04/2019</a:t>
             </a:fld>
             <a:endParaRPr lang="es-PE" dirty="0"/>
           </a:p>
@@ -4792,7 +4792,7 @@
           <a:p>
             <a:fld id="{5672C329-FB15-46FD-B671-6C7B203CB9AB}" type="datetimeFigureOut">
               <a:rPr lang="es-PE" smtClean="0"/>
-              <a:t>23/04/2019</a:t>
+              <a:t>28/04/2019</a:t>
             </a:fld>
             <a:endParaRPr lang="es-PE" dirty="0"/>
           </a:p>
@@ -5088,7 +5088,7 @@
           <a:p>
             <a:fld id="{5672C329-FB15-46FD-B671-6C7B203CB9AB}" type="datetimeFigureOut">
               <a:rPr lang="es-PE" smtClean="0"/>
-              <a:t>23/04/2019</a:t>
+              <a:t>28/04/2019</a:t>
             </a:fld>
             <a:endParaRPr lang="es-PE" dirty="0"/>
           </a:p>
@@ -5518,7 +5518,7 @@
           <a:p>
             <a:fld id="{5672C329-FB15-46FD-B671-6C7B203CB9AB}" type="datetimeFigureOut">
               <a:rPr lang="es-PE" smtClean="0"/>
-              <a:t>23/04/2019</a:t>
+              <a:t>28/04/2019</a:t>
             </a:fld>
             <a:endParaRPr lang="es-PE" dirty="0"/>
           </a:p>
@@ -5696,7 +5696,7 @@
           <a:p>
             <a:fld id="{0DEFF730-B349-4C0E-AEB7-A7A6ECC56BB4}" type="datetimeFigureOut">
               <a:rPr lang="es-PE" smtClean="0"/>
-              <a:t>23/04/2019</a:t>
+              <a:t>28/04/2019</a:t>
             </a:fld>
             <a:endParaRPr lang="es-PE" dirty="0"/>
           </a:p>
@@ -5822,7 +5822,7 @@
           <a:p>
             <a:fld id="{5672C329-FB15-46FD-B671-6C7B203CB9AB}" type="datetimeFigureOut">
               <a:rPr lang="es-PE" smtClean="0"/>
-              <a:t>23/04/2019</a:t>
+              <a:t>28/04/2019</a:t>
             </a:fld>
             <a:endParaRPr lang="es-PE" dirty="0"/>
           </a:p>
@@ -5925,7 +5925,7 @@
           <a:p>
             <a:fld id="{5672C329-FB15-46FD-B671-6C7B203CB9AB}" type="datetimeFigureOut">
               <a:rPr lang="es-PE" smtClean="0"/>
-              <a:t>23/04/2019</a:t>
+              <a:t>28/04/2019</a:t>
             </a:fld>
             <a:endParaRPr lang="es-PE" dirty="0"/>
           </a:p>
@@ -6210,7 +6210,7 @@
           <a:p>
             <a:fld id="{5672C329-FB15-46FD-B671-6C7B203CB9AB}" type="datetimeFigureOut">
               <a:rPr lang="es-PE" smtClean="0"/>
-              <a:t>23/04/2019</a:t>
+              <a:t>28/04/2019</a:t>
             </a:fld>
             <a:endParaRPr lang="es-PE" dirty="0"/>
           </a:p>
@@ -6471,7 +6471,7 @@
           <a:p>
             <a:fld id="{5672C329-FB15-46FD-B671-6C7B203CB9AB}" type="datetimeFigureOut">
               <a:rPr lang="es-PE" smtClean="0"/>
-              <a:t>23/04/2019</a:t>
+              <a:t>28/04/2019</a:t>
             </a:fld>
             <a:endParaRPr lang="es-PE" dirty="0"/>
           </a:p>
@@ -6649,7 +6649,7 @@
           <a:p>
             <a:fld id="{5672C329-FB15-46FD-B671-6C7B203CB9AB}" type="datetimeFigureOut">
               <a:rPr lang="es-PE" smtClean="0"/>
-              <a:t>23/04/2019</a:t>
+              <a:t>28/04/2019</a:t>
             </a:fld>
             <a:endParaRPr lang="es-PE" dirty="0"/>
           </a:p>
@@ -6837,7 +6837,7 @@
           <a:p>
             <a:fld id="{5672C329-FB15-46FD-B671-6C7B203CB9AB}" type="datetimeFigureOut">
               <a:rPr lang="es-PE" smtClean="0"/>
-              <a:t>23/04/2019</a:t>
+              <a:t>28/04/2019</a:t>
             </a:fld>
             <a:endParaRPr lang="es-PE" dirty="0"/>
           </a:p>
@@ -7091,7 +7091,7 @@
           <a:p>
             <a:fld id="{0DEFF730-B349-4C0E-AEB7-A7A6ECC56BB4}" type="datetimeFigureOut">
               <a:rPr lang="es-PE" smtClean="0"/>
-              <a:t>23/04/2019</a:t>
+              <a:t>28/04/2019</a:t>
             </a:fld>
             <a:endParaRPr lang="es-PE" dirty="0"/>
           </a:p>
@@ -7387,7 +7387,7 @@
           <a:p>
             <a:fld id="{0DEFF730-B349-4C0E-AEB7-A7A6ECC56BB4}" type="datetimeFigureOut">
               <a:rPr lang="es-PE" smtClean="0"/>
-              <a:t>23/04/2019</a:t>
+              <a:t>28/04/2019</a:t>
             </a:fld>
             <a:endParaRPr lang="es-PE" dirty="0"/>
           </a:p>
@@ -7817,7 +7817,7 @@
           <a:p>
             <a:fld id="{0DEFF730-B349-4C0E-AEB7-A7A6ECC56BB4}" type="datetimeFigureOut">
               <a:rPr lang="es-PE" smtClean="0"/>
-              <a:t>23/04/2019</a:t>
+              <a:t>28/04/2019</a:t>
             </a:fld>
             <a:endParaRPr lang="es-PE" dirty="0"/>
           </a:p>
@@ -7943,7 +7943,7 @@
           <a:p>
             <a:fld id="{0DEFF730-B349-4C0E-AEB7-A7A6ECC56BB4}" type="datetimeFigureOut">
               <a:rPr lang="es-PE" smtClean="0"/>
-              <a:t>23/04/2019</a:t>
+              <a:t>28/04/2019</a:t>
             </a:fld>
             <a:endParaRPr lang="es-PE" dirty="0"/>
           </a:p>
@@ -8046,7 +8046,7 @@
           <a:p>
             <a:fld id="{0DEFF730-B349-4C0E-AEB7-A7A6ECC56BB4}" type="datetimeFigureOut">
               <a:rPr lang="es-PE" smtClean="0"/>
-              <a:t>23/04/2019</a:t>
+              <a:t>28/04/2019</a:t>
             </a:fld>
             <a:endParaRPr lang="es-PE" dirty="0"/>
           </a:p>
@@ -8331,7 +8331,7 @@
           <a:p>
             <a:fld id="{0DEFF730-B349-4C0E-AEB7-A7A6ECC56BB4}" type="datetimeFigureOut">
               <a:rPr lang="es-PE" smtClean="0"/>
-              <a:t>23/04/2019</a:t>
+              <a:t>28/04/2019</a:t>
             </a:fld>
             <a:endParaRPr lang="es-PE" dirty="0"/>
           </a:p>
@@ -8552,7 +8552,7 @@
           <a:p>
             <a:fld id="{0DEFF730-B349-4C0E-AEB7-A7A6ECC56BB4}" type="datetimeFigureOut">
               <a:rPr lang="es-PE" smtClean="0"/>
-              <a:t>23/04/2019</a:t>
+              <a:t>28/04/2019</a:t>
             </a:fld>
             <a:endParaRPr lang="es-PE" dirty="0"/>
           </a:p>
@@ -9072,7 +9072,7 @@
           <a:p>
             <a:fld id="{B386EE55-916B-457E-BD9C-C9E952A5FBDC}" type="datetimeFigureOut">
               <a:rPr lang="es-PE" smtClean="0"/>
-              <a:t>23/04/2019</a:t>
+              <a:t>28/04/2019</a:t>
             </a:fld>
             <a:endParaRPr lang="es-PE" dirty="0"/>
           </a:p>
@@ -9590,7 +9590,7 @@
           <a:p>
             <a:fld id="{5672C329-FB15-46FD-B671-6C7B203CB9AB}" type="datetimeFigureOut">
               <a:rPr lang="es-PE" smtClean="0"/>
-              <a:t>23/04/2019</a:t>
+              <a:t>28/04/2019</a:t>
             </a:fld>
             <a:endParaRPr lang="es-PE" dirty="0"/>
           </a:p>
@@ -10529,8 +10529,8 @@
           </a:p>
         </p:txBody>
       </p:sp>
-      <mc:AlternateContent xmlns:mc="http://schemas.openxmlformats.org/markup-compatibility/2006">
-        <mc:Choice xmlns:a14="http://schemas.microsoft.com/office/drawing/2010/main" Requires="a14">
+      <mc:AlternateContent xmlns:mc="http://schemas.openxmlformats.org/markup-compatibility/2006" xmlns:a14="http://schemas.microsoft.com/office/drawing/2010/main">
+        <mc:Choice Requires="a14">
           <p:sp>
             <p:nvSpPr>
               <p:cNvPr id="2" name="Rectángulo 1"/>
@@ -10552,6 +10552,7 @@
               </a:bodyPr>
               <a:lstStyle/>
               <a:p>
+                <a:pPr/>
                 <a14:m>
                   <m:oMathPara xmlns:m="http://schemas.openxmlformats.org/officeDocument/2006/math">
                     <m:oMathParaPr>
@@ -10561,7 +10562,7 @@
                       <m:sSubSup>
                         <m:sSubSupPr>
                           <m:ctrlPr>
-                            <a:rPr lang="en-US" sz="1400" smtClean="0">
+                            <a:rPr lang="en-US" sz="1400" i="1" smtClean="0">
                               <a:latin typeface="Cambria Math" panose="02040503050406030204" pitchFamily="18" charset="0"/>
                             </a:rPr>
                           </m:ctrlPr>
@@ -10946,6 +10947,7 @@
                 </a:endParaRPr>
               </a:p>
               <a:p>
+                <a:pPr/>
                 <a14:m>
                   <m:oMathPara xmlns:m="http://schemas.openxmlformats.org/officeDocument/2006/math">
                     <m:oMathParaPr>
@@ -11340,7 +11342,7 @@
             </p:txBody>
           </p:sp>
         </mc:Choice>
-        <mc:Fallback>
+        <mc:Fallback xmlns="">
           <p:sp>
             <p:nvSpPr>
               <p:cNvPr id="2" name="Rectángulo 1"/>
@@ -11379,6 +11381,36 @@
           </p:sp>
         </mc:Fallback>
       </mc:AlternateContent>
+      <p:pic>
+        <p:nvPicPr>
+          <p:cNvPr id="7" name="Imagen 6"/>
+          <p:cNvPicPr>
+            <a:picLocks noChangeAspect="1"/>
+          </p:cNvPicPr>
+          <p:nvPr/>
+        </p:nvPicPr>
+        <p:blipFill>
+          <a:blip r:embed="rId3">
+            <a:extLst>
+              <a:ext uri="{28A0092B-C50C-407E-A947-70E740481C1C}">
+                <a14:useLocalDpi xmlns:a14="http://schemas.microsoft.com/office/drawing/2010/main" val="0"/>
+              </a:ext>
+            </a:extLst>
+          </a:blip>
+          <a:stretch>
+            <a:fillRect/>
+          </a:stretch>
+        </p:blipFill>
+        <p:spPr>
+          <a:xfrm>
+            <a:off x="3672000" y="3249000"/>
+            <a:ext cx="3960000" cy="3544949"/>
+          </a:xfrm>
+          <a:prstGeom prst="rect">
+            <a:avLst/>
+          </a:prstGeom>
+        </p:spPr>
+      </p:pic>
     </p:spTree>
     <p:extLst>
       <p:ext uri="{BB962C8B-B14F-4D97-AF65-F5344CB8AC3E}">
@@ -12527,8 +12559,8 @@
           </a:prstGeom>
         </p:spPr>
       </p:pic>
-      <mc:AlternateContent xmlns:mc="http://schemas.openxmlformats.org/markup-compatibility/2006">
-        <mc:Choice xmlns:a14="http://schemas.microsoft.com/office/drawing/2010/main" Requires="a14">
+      <mc:AlternateContent xmlns:mc="http://schemas.openxmlformats.org/markup-compatibility/2006" xmlns:a14="http://schemas.microsoft.com/office/drawing/2010/main">
+        <mc:Choice Requires="a14">
           <p:sp>
             <p:nvSpPr>
               <p:cNvPr id="10" name="CuadroTexto 9"/>
@@ -12551,6 +12583,7 @@
               </a:bodyPr>
               <a:lstStyle/>
               <a:p>
+                <a:pPr/>
                 <a14:m>
                   <m:oMathPara xmlns:m="http://schemas.openxmlformats.org/officeDocument/2006/math">
                     <m:oMathParaPr>
@@ -13046,7 +13079,7 @@
             </p:txBody>
           </p:sp>
         </mc:Choice>
-        <mc:Fallback>
+        <mc:Fallback xmlns="">
           <p:sp>
             <p:nvSpPr>
               <p:cNvPr id="10" name="CuadroTexto 9"/>
@@ -18789,7 +18822,7 @@
       </p:sp>
       <p:pic>
         <p:nvPicPr>
-          <p:cNvPr id="3" name="Imagen 2"/>
+          <p:cNvPr id="8" name="Imagen 7"/>
           <p:cNvPicPr>
             <a:picLocks noChangeAspect="1"/>
           </p:cNvPicPr>
@@ -18797,30 +18830,6 @@
         </p:nvPicPr>
         <p:blipFill>
           <a:blip r:embed="rId2"/>
-          <a:stretch>
-            <a:fillRect/>
-          </a:stretch>
-        </p:blipFill>
-        <p:spPr>
-          <a:xfrm>
-            <a:off x="2878905" y="5589000"/>
-            <a:ext cx="5276190" cy="771429"/>
-          </a:xfrm>
-          <a:prstGeom prst="rect">
-            <a:avLst/>
-          </a:prstGeom>
-        </p:spPr>
-      </p:pic>
-      <p:pic>
-        <p:nvPicPr>
-          <p:cNvPr id="8" name="Imagen 7"/>
-          <p:cNvPicPr>
-            <a:picLocks noChangeAspect="1"/>
-          </p:cNvPicPr>
-          <p:nvPr/>
-        </p:nvPicPr>
-        <p:blipFill>
-          <a:blip r:embed="rId3"/>
           <a:stretch>
             <a:fillRect/>
           </a:stretch>
@@ -23688,21 +23697,7 @@
                 <a:latin typeface="Arial" panose="020B0604020202020204" pitchFamily="34" charset="0"/>
                 <a:cs typeface="Arial" panose="020B0604020202020204" pitchFamily="34" charset="0"/>
               </a:rPr>
-              <a:t>¿Producto homogéneo? </a:t>
-            </a:r>
-            <a:r>
-              <a:rPr lang="es-PE" dirty="0" smtClean="0">
-                <a:latin typeface="Arial" panose="020B0604020202020204" pitchFamily="34" charset="0"/>
-                <a:cs typeface="Arial" panose="020B0604020202020204" pitchFamily="34" charset="0"/>
-              </a:rPr>
-              <a:t>← Calidad </a:t>
-            </a:r>
-            <a:r>
-              <a:rPr lang="es-PE" dirty="0" smtClean="0">
-                <a:latin typeface="Arial" panose="020B0604020202020204" pitchFamily="34" charset="0"/>
-                <a:cs typeface="Arial" panose="020B0604020202020204" pitchFamily="34" charset="0"/>
-              </a:rPr>
-              <a:t>regulada por el Estado</a:t>
+              <a:t>¿Producto homogéneo? ← Calidad regulada por el Estado</a:t>
             </a:r>
           </a:p>
           <a:p>
@@ -24104,14 +24099,7 @@
                 <a:latin typeface="Arial" panose="020B0604020202020204" pitchFamily="34" charset="0"/>
                 <a:cs typeface="Arial" panose="020B0604020202020204" pitchFamily="34" charset="0"/>
               </a:rPr>
-              <a:t>Determinar </a:t>
-            </a:r>
-            <a:r>
-              <a:rPr lang="es-PE" dirty="0" smtClean="0">
-                <a:latin typeface="Arial" panose="020B0604020202020204" pitchFamily="34" charset="0"/>
-                <a:cs typeface="Arial" panose="020B0604020202020204" pitchFamily="34" charset="0"/>
-              </a:rPr>
-              <a:t>el efecto que tiene una adquisición que consolida el mercado minorista en el precio de los combustibles cuando las características observables se mantienen constantes.</a:t>
+              <a:t>Determinar el efecto que tiene una adquisición que consolida el mercado minorista en el precio de los combustibles cuando las características observables se mantienen constantes.</a:t>
             </a:r>
             <a:endParaRPr lang="es-PE" dirty="0">
               <a:latin typeface="Arial" panose="020B0604020202020204" pitchFamily="34" charset="0"/>
@@ -26916,8 +26904,8 @@
           </a:p>
         </p:txBody>
       </p:sp>
-      <mc:AlternateContent xmlns:mc="http://schemas.openxmlformats.org/markup-compatibility/2006">
-        <mc:Choice xmlns:a14="http://schemas.microsoft.com/office/drawing/2010/main" Requires="a14">
+      <mc:AlternateContent xmlns:mc="http://schemas.openxmlformats.org/markup-compatibility/2006" xmlns:a14="http://schemas.microsoft.com/office/drawing/2010/main">
+        <mc:Choice Requires="a14">
           <p:sp>
             <p:nvSpPr>
               <p:cNvPr id="17" name="CuadroTexto 16"/>
@@ -26969,64 +26957,86 @@
                     <m:sSub>
                       <m:sSubPr>
                         <m:ctrlPr>
-                          <a:rPr lang="en-US" i="1"/>
+                          <a:rPr lang="en-US" i="1">
+                            <a:latin typeface="Cambria Math" panose="02040503050406030204" pitchFamily="18" charset="0"/>
+                          </a:rPr>
                         </m:ctrlPr>
                       </m:sSubPr>
                       <m:e>
                         <m:r>
-                          <a:rPr lang="es-PE" i="1"/>
+                          <a:rPr lang="es-PE" i="1">
+                            <a:latin typeface="Cambria Math" panose="02040503050406030204" pitchFamily="18" charset="0"/>
+                          </a:rPr>
                           <m:t>𝑄</m:t>
                         </m:r>
                       </m:e>
                       <m:sub>
                         <m:r>
-                          <a:rPr lang="es-PE" i="1" smtClean="0"/>
+                          <a:rPr lang="es-PE" i="1" smtClean="0">
+                            <a:latin typeface="Cambria Math" panose="02040503050406030204" pitchFamily="18" charset="0"/>
+                          </a:rPr>
                           <m:t>𝑎</m:t>
                         </m:r>
                       </m:sub>
                     </m:sSub>
                     <m:r>
-                      <a:rPr lang="es-PE" i="1"/>
+                      <a:rPr lang="es-PE" i="1">
+                        <a:latin typeface="Cambria Math" panose="02040503050406030204" pitchFamily="18" charset="0"/>
+                      </a:rPr>
                       <m:t>= </m:t>
                     </m:r>
                     <m:sSub>
                       <m:sSubPr>
                         <m:ctrlPr>
-                          <a:rPr lang="en-US" i="1"/>
+                          <a:rPr lang="en-US" i="1">
+                            <a:latin typeface="Cambria Math" panose="02040503050406030204" pitchFamily="18" charset="0"/>
+                          </a:rPr>
                         </m:ctrlPr>
                       </m:sSubPr>
                       <m:e>
                         <m:r>
-                          <a:rPr lang="es-PE" i="1"/>
+                          <a:rPr lang="es-PE" i="1">
+                            <a:latin typeface="Cambria Math" panose="02040503050406030204" pitchFamily="18" charset="0"/>
+                          </a:rPr>
                           <m:t>𝛼</m:t>
                         </m:r>
                       </m:e>
                       <m:sub>
                         <m:r>
-                          <a:rPr lang="es-PE" i="1"/>
+                          <a:rPr lang="es-PE" i="1">
+                            <a:latin typeface="Cambria Math" panose="02040503050406030204" pitchFamily="18" charset="0"/>
+                          </a:rPr>
                           <m:t>1</m:t>
                         </m:r>
                       </m:sub>
                     </m:sSub>
                     <m:r>
-                      <a:rPr lang="es-PE" i="1"/>
+                      <a:rPr lang="es-PE" i="1">
+                        <a:latin typeface="Cambria Math" panose="02040503050406030204" pitchFamily="18" charset="0"/>
+                      </a:rPr>
                       <m:t>−</m:t>
                     </m:r>
                     <m:sSub>
                       <m:sSubPr>
                         <m:ctrlPr>
-                          <a:rPr lang="en-US" i="1"/>
+                          <a:rPr lang="en-US" i="1">
+                            <a:latin typeface="Cambria Math" panose="02040503050406030204" pitchFamily="18" charset="0"/>
+                          </a:rPr>
                         </m:ctrlPr>
                       </m:sSubPr>
                       <m:e>
                         <m:r>
-                          <a:rPr lang="es-PE" i="1"/>
+                          <a:rPr lang="es-PE" i="1">
+                            <a:latin typeface="Cambria Math" panose="02040503050406030204" pitchFamily="18" charset="0"/>
+                          </a:rPr>
                           <m:t>𝛼</m:t>
                         </m:r>
                       </m:e>
                       <m:sub>
                         <m:r>
-                          <a:rPr lang="es-PE" i="1"/>
+                          <a:rPr lang="es-PE" i="1">
+                            <a:latin typeface="Cambria Math" panose="02040503050406030204" pitchFamily="18" charset="0"/>
+                          </a:rPr>
                           <m:t>2</m:t>
                         </m:r>
                       </m:sub>
@@ -27034,41 +27044,55 @@
                     <m:sSub>
                       <m:sSubPr>
                         <m:ctrlPr>
-                          <a:rPr lang="en-US" i="1"/>
+                          <a:rPr lang="en-US" i="1">
+                            <a:latin typeface="Cambria Math" panose="02040503050406030204" pitchFamily="18" charset="0"/>
+                          </a:rPr>
                         </m:ctrlPr>
                       </m:sSubPr>
                       <m:e>
                         <m:r>
-                          <a:rPr lang="es-PE" i="1"/>
+                          <a:rPr lang="es-PE" i="1">
+                            <a:latin typeface="Cambria Math" panose="02040503050406030204" pitchFamily="18" charset="0"/>
+                          </a:rPr>
                           <m:t>𝑃</m:t>
                         </m:r>
                       </m:e>
                       <m:sub>
                         <m:r>
-                          <a:rPr lang="es-PE" i="1"/>
+                          <a:rPr lang="es-PE" i="1">
+                            <a:latin typeface="Cambria Math" panose="02040503050406030204" pitchFamily="18" charset="0"/>
+                          </a:rPr>
                           <m:t>𝑎</m:t>
                         </m:r>
                       </m:sub>
                     </m:sSub>
                     <m:r>
-                      <a:rPr lang="es-PE" i="1"/>
+                      <a:rPr lang="es-PE" i="1">
+                        <a:latin typeface="Cambria Math" panose="02040503050406030204" pitchFamily="18" charset="0"/>
+                      </a:rPr>
                       <m:t>+</m:t>
                     </m:r>
                     <m:sSub>
                       <m:sSubPr>
                         <m:ctrlPr>
-                          <a:rPr lang="en-US" i="1"/>
+                          <a:rPr lang="en-US" i="1">
+                            <a:latin typeface="Cambria Math" panose="02040503050406030204" pitchFamily="18" charset="0"/>
+                          </a:rPr>
                         </m:ctrlPr>
                       </m:sSubPr>
                       <m:e>
                         <m:r>
-                          <a:rPr lang="es-PE" i="1"/>
+                          <a:rPr lang="es-PE" i="1">
+                            <a:latin typeface="Cambria Math" panose="02040503050406030204" pitchFamily="18" charset="0"/>
+                          </a:rPr>
                           <m:t>𝛼</m:t>
                         </m:r>
                       </m:e>
                       <m:sub>
                         <m:r>
-                          <a:rPr lang="es-PE" i="1"/>
+                          <a:rPr lang="es-PE" i="1">
+                            <a:latin typeface="Cambria Math" panose="02040503050406030204" pitchFamily="18" charset="0"/>
+                          </a:rPr>
                           <m:t>3</m:t>
                         </m:r>
                       </m:sub>
@@ -27076,45 +27100,61 @@
                     <m:sSub>
                       <m:sSubPr>
                         <m:ctrlPr>
-                          <a:rPr lang="en-US" i="1"/>
+                          <a:rPr lang="en-US" i="1">
+                            <a:latin typeface="Cambria Math" panose="02040503050406030204" pitchFamily="18" charset="0"/>
+                          </a:rPr>
                         </m:ctrlPr>
                       </m:sSubPr>
                       <m:e>
                         <m:r>
-                          <a:rPr lang="es-PE" i="1"/>
+                          <a:rPr lang="es-PE" i="1">
+                            <a:latin typeface="Cambria Math" panose="02040503050406030204" pitchFamily="18" charset="0"/>
+                          </a:rPr>
                           <m:t>𝑃</m:t>
                         </m:r>
                       </m:e>
                       <m:sub>
                         <m:r>
-                          <a:rPr lang="es-PE" i="1"/>
+                          <a:rPr lang="es-PE" i="1">
+                            <a:latin typeface="Cambria Math" panose="02040503050406030204" pitchFamily="18" charset="0"/>
+                          </a:rPr>
                           <m:t>𝑏</m:t>
                         </m:r>
                       </m:sub>
                     </m:sSub>
                     <m:r>
-                      <a:rPr lang="es-PE" i="1"/>
+                      <a:rPr lang="es-PE" i="1">
+                        <a:latin typeface="Cambria Math" panose="02040503050406030204" pitchFamily="18" charset="0"/>
+                      </a:rPr>
                       <m:t>+</m:t>
                     </m:r>
                     <m:r>
-                      <a:rPr lang="es-PE" i="1"/>
+                      <a:rPr lang="es-PE" i="1">
+                        <a:latin typeface="Cambria Math" panose="02040503050406030204" pitchFamily="18" charset="0"/>
+                      </a:rPr>
                       <m:t>𝜃</m:t>
                     </m:r>
                     <m:sSub>
                       <m:sSubPr>
                         <m:ctrlPr>
-                          <a:rPr lang="en-US" i="1"/>
+                          <a:rPr lang="en-US" i="1">
+                            <a:latin typeface="Cambria Math" panose="02040503050406030204" pitchFamily="18" charset="0"/>
+                          </a:rPr>
                         </m:ctrlPr>
                       </m:sSubPr>
                       <m:e>
                         <m:r>
-                          <a:rPr lang="es-PE" i="1"/>
+                          <a:rPr lang="es-PE" i="1">
+                            <a:latin typeface="Cambria Math" panose="02040503050406030204" pitchFamily="18" charset="0"/>
+                          </a:rPr>
                           <m:t>𝑍</m:t>
                         </m:r>
                       </m:e>
                       <m:sub>
                         <m:r>
-                          <a:rPr lang="es-PE" i="1"/>
+                          <a:rPr lang="es-PE" i="1">
+                            <a:latin typeface="Cambria Math" panose="02040503050406030204" pitchFamily="18" charset="0"/>
+                          </a:rPr>
                           <m:t>𝑎</m:t>
                         </m:r>
                       </m:sub>
@@ -27143,64 +27183,86 @@
                     <m:sSub>
                       <m:sSubPr>
                         <m:ctrlPr>
-                          <a:rPr lang="en-US" i="1"/>
+                          <a:rPr lang="en-US" i="1">
+                            <a:latin typeface="Cambria Math" panose="02040503050406030204" pitchFamily="18" charset="0"/>
+                          </a:rPr>
                         </m:ctrlPr>
                       </m:sSubPr>
                       <m:e>
                         <m:r>
-                          <a:rPr lang="es-PE" i="1"/>
+                          <a:rPr lang="es-PE" i="1">
+                            <a:latin typeface="Cambria Math" panose="02040503050406030204" pitchFamily="18" charset="0"/>
+                          </a:rPr>
                           <m:t>𝐶</m:t>
                         </m:r>
                       </m:e>
                       <m:sub>
                         <m:r>
-                          <a:rPr lang="es-PE" i="1"/>
+                          <a:rPr lang="es-PE" i="1">
+                            <a:latin typeface="Cambria Math" panose="02040503050406030204" pitchFamily="18" charset="0"/>
+                          </a:rPr>
                           <m:t>𝑎</m:t>
                         </m:r>
                       </m:sub>
                     </m:sSub>
                     <m:r>
-                      <a:rPr lang="es-PE" i="1"/>
+                      <a:rPr lang="es-PE" i="1">
+                        <a:latin typeface="Cambria Math" panose="02040503050406030204" pitchFamily="18" charset="0"/>
+                      </a:rPr>
                       <m:t>= </m:t>
                     </m:r>
                     <m:sSub>
                       <m:sSubPr>
                         <m:ctrlPr>
-                          <a:rPr lang="en-US" i="1"/>
+                          <a:rPr lang="en-US" i="1">
+                            <a:latin typeface="Cambria Math" panose="02040503050406030204" pitchFamily="18" charset="0"/>
+                          </a:rPr>
                         </m:ctrlPr>
                       </m:sSubPr>
                       <m:e>
                         <m:r>
-                          <a:rPr lang="es-PE" i="1"/>
+                          <a:rPr lang="es-PE" i="1">
+                            <a:latin typeface="Cambria Math" panose="02040503050406030204" pitchFamily="18" charset="0"/>
+                          </a:rPr>
                           <m:t>𝜙</m:t>
                         </m:r>
                       </m:e>
                       <m:sub>
                         <m:r>
-                          <a:rPr lang="es-PE" i="1"/>
+                          <a:rPr lang="es-PE" i="1">
+                            <a:latin typeface="Cambria Math" panose="02040503050406030204" pitchFamily="18" charset="0"/>
+                          </a:rPr>
                           <m:t>𝑎</m:t>
                         </m:r>
                       </m:sub>
                     </m:sSub>
                     <m:r>
-                      <a:rPr lang="es-PE" i="1"/>
+                      <a:rPr lang="es-PE" i="1">
+                        <a:latin typeface="Cambria Math" panose="02040503050406030204" pitchFamily="18" charset="0"/>
+                      </a:rPr>
                       <m:t>+</m:t>
                     </m:r>
                     <m:sSub>
                       <m:sSubPr>
                         <m:ctrlPr>
-                          <a:rPr lang="en-US" i="1"/>
+                          <a:rPr lang="en-US" i="1">
+                            <a:latin typeface="Cambria Math" panose="02040503050406030204" pitchFamily="18" charset="0"/>
+                          </a:rPr>
                         </m:ctrlPr>
                       </m:sSubPr>
                       <m:e>
                         <m:r>
-                          <a:rPr lang="es-PE" i="1"/>
+                          <a:rPr lang="es-PE" i="1">
+                            <a:latin typeface="Cambria Math" panose="02040503050406030204" pitchFamily="18" charset="0"/>
+                          </a:rPr>
                           <m:t>𝛿</m:t>
                         </m:r>
                       </m:e>
                       <m:sub>
                         <m:r>
-                          <a:rPr lang="es-PE" i="1"/>
+                          <a:rPr lang="es-PE" i="1">
+                            <a:latin typeface="Cambria Math" panose="02040503050406030204" pitchFamily="18" charset="0"/>
+                          </a:rPr>
                           <m:t>𝑎</m:t>
                         </m:r>
                       </m:sub>
@@ -27208,18 +27270,24 @@
                     <m:sSub>
                       <m:sSubPr>
                         <m:ctrlPr>
-                          <a:rPr lang="en-US" i="1"/>
+                          <a:rPr lang="en-US" i="1">
+                            <a:latin typeface="Cambria Math" panose="02040503050406030204" pitchFamily="18" charset="0"/>
+                          </a:rPr>
                         </m:ctrlPr>
                       </m:sSubPr>
                       <m:e>
                         <m:r>
-                          <a:rPr lang="es-PE" i="1"/>
+                          <a:rPr lang="es-PE" i="1">
+                            <a:latin typeface="Cambria Math" panose="02040503050406030204" pitchFamily="18" charset="0"/>
+                          </a:rPr>
                           <m:t>𝑄</m:t>
                         </m:r>
                       </m:e>
                       <m:sub>
                         <m:r>
-                          <a:rPr lang="es-PE" i="1"/>
+                          <a:rPr lang="es-PE" i="1">
+                            <a:latin typeface="Cambria Math" panose="02040503050406030204" pitchFamily="18" charset="0"/>
+                          </a:rPr>
                           <m:t>𝑎</m:t>
                         </m:r>
                       </m:sub>
@@ -27256,18 +27324,24 @@
                       <m:sSub>
                         <m:sSubPr>
                           <m:ctrlPr>
-                            <a:rPr lang="en-US" i="1"/>
+                            <a:rPr lang="en-US" i="1">
+                              <a:latin typeface="Cambria Math" panose="02040503050406030204" pitchFamily="18" charset="0"/>
+                            </a:rPr>
                           </m:ctrlPr>
                         </m:sSubPr>
                         <m:e>
                           <m:r>
-                            <a:rPr lang="es-PE" i="1"/>
+                            <a:rPr lang="es-PE" i="1">
+                              <a:latin typeface="Cambria Math" panose="02040503050406030204" pitchFamily="18" charset="0"/>
+                            </a:rPr>
                             <m:t>𝑃</m:t>
                           </m:r>
                         </m:e>
                         <m:sub>
                           <m:r>
-                            <a:rPr lang="es-PE" i="1"/>
+                            <a:rPr lang="es-PE" i="1">
+                              <a:latin typeface="Cambria Math" panose="02040503050406030204" pitchFamily="18" charset="0"/>
+                            </a:rPr>
                             <m:t>𝑎</m:t>
                           </m:r>
                         </m:sub>
@@ -27276,35 +27350,47 @@
                         <m:rPr>
                           <m:aln/>
                         </m:rPr>
-                        <a:rPr lang="es-PE" i="1"/>
+                        <a:rPr lang="es-PE" i="1">
+                          <a:latin typeface="Cambria Math" panose="02040503050406030204" pitchFamily="18" charset="0"/>
+                        </a:rPr>
                         <m:t>=</m:t>
                       </m:r>
                       <m:r>
-                        <a:rPr lang="es-PE" i="1"/>
+                        <a:rPr lang="es-PE" i="1">
+                          <a:latin typeface="Cambria Math" panose="02040503050406030204" pitchFamily="18" charset="0"/>
+                        </a:rPr>
                         <m:t>𝑅</m:t>
                       </m:r>
                       <m:d>
                         <m:dPr>
                           <m:ctrlPr>
-                            <a:rPr lang="en-US" i="1"/>
+                            <a:rPr lang="en-US" i="1">
+                              <a:latin typeface="Cambria Math" panose="02040503050406030204" pitchFamily="18" charset="0"/>
+                            </a:rPr>
                           </m:ctrlPr>
                         </m:dPr>
                         <m:e>
                           <m:sSub>
                             <m:sSubPr>
                               <m:ctrlPr>
-                                <a:rPr lang="en-US" i="1"/>
+                                <a:rPr lang="en-US" i="1">
+                                  <a:latin typeface="Cambria Math" panose="02040503050406030204" pitchFamily="18" charset="0"/>
+                                </a:rPr>
                               </m:ctrlPr>
                             </m:sSubPr>
                             <m:e>
                               <m:r>
-                                <a:rPr lang="es-PE" i="1"/>
+                                <a:rPr lang="es-PE" i="1">
+                                  <a:latin typeface="Cambria Math" panose="02040503050406030204" pitchFamily="18" charset="0"/>
+                                </a:rPr>
                                 <m:t>𝑃</m:t>
                               </m:r>
                             </m:e>
                             <m:sub>
                               <m:r>
-                                <a:rPr lang="es-PE" i="1"/>
+                                <a:rPr lang="es-PE" i="1">
+                                  <a:latin typeface="Cambria Math" panose="02040503050406030204" pitchFamily="18" charset="0"/>
+                                </a:rPr>
                                 <m:t>𝑏</m:t>
                               </m:r>
                             </m:sub>
@@ -27312,31 +27398,41 @@
                         </m:e>
                       </m:d>
                       <m:r>
-                        <a:rPr lang="es-PE" i="1"/>
+                        <a:rPr lang="es-PE" i="1">
+                          <a:latin typeface="Cambria Math" panose="02040503050406030204" pitchFamily="18" charset="0"/>
+                        </a:rPr>
                         <m:t>=</m:t>
                       </m:r>
                       <m:f>
                         <m:fPr>
                           <m:ctrlPr>
-                            <a:rPr lang="en-US" i="1"/>
+                            <a:rPr lang="en-US" i="1">
+                              <a:latin typeface="Cambria Math" panose="02040503050406030204" pitchFamily="18" charset="0"/>
+                            </a:rPr>
                           </m:ctrlPr>
                         </m:fPr>
                         <m:num>
                           <m:sSub>
                             <m:sSubPr>
                               <m:ctrlPr>
-                                <a:rPr lang="en-US" i="1"/>
+                                <a:rPr lang="en-US" i="1">
+                                  <a:latin typeface="Cambria Math" panose="02040503050406030204" pitchFamily="18" charset="0"/>
+                                </a:rPr>
                               </m:ctrlPr>
                             </m:sSubPr>
                             <m:e>
                               <m:r>
-                                <a:rPr lang="es-PE" i="1"/>
+                                <a:rPr lang="es-PE" i="1">
+                                  <a:latin typeface="Cambria Math" panose="02040503050406030204" pitchFamily="18" charset="0"/>
+                                </a:rPr>
                                 <m:t>𝛼</m:t>
                               </m:r>
                             </m:e>
                             <m:sub>
                               <m:r>
-                                <a:rPr lang="es-PE" i="1"/>
+                                <a:rPr lang="es-PE" i="1">
+                                  <a:latin typeface="Cambria Math" panose="02040503050406030204" pitchFamily="18" charset="0"/>
+                                </a:rPr>
                                 <m:t>1</m:t>
                               </m:r>
                             </m:sub>
@@ -27344,24 +27440,32 @@
                         </m:num>
                         <m:den>
                           <m:r>
-                            <a:rPr lang="es-PE" i="1"/>
+                            <a:rPr lang="es-PE" i="1">
+                              <a:latin typeface="Cambria Math" panose="02040503050406030204" pitchFamily="18" charset="0"/>
+                            </a:rPr>
                             <m:t>2</m:t>
                           </m:r>
                           <m:sSub>
                             <m:sSubPr>
                               <m:ctrlPr>
-                                <a:rPr lang="en-US" i="1"/>
+                                <a:rPr lang="en-US" i="1">
+                                  <a:latin typeface="Cambria Math" panose="02040503050406030204" pitchFamily="18" charset="0"/>
+                                </a:rPr>
                               </m:ctrlPr>
                             </m:sSubPr>
                             <m:e>
                               <m:r>
-                                <a:rPr lang="es-PE" i="1"/>
+                                <a:rPr lang="es-PE" i="1">
+                                  <a:latin typeface="Cambria Math" panose="02040503050406030204" pitchFamily="18" charset="0"/>
+                                </a:rPr>
                                 <m:t>𝛼</m:t>
                               </m:r>
                             </m:e>
                             <m:sub>
                               <m:r>
-                                <a:rPr lang="es-PE" i="1"/>
+                                <a:rPr lang="es-PE" i="1">
+                                  <a:latin typeface="Cambria Math" panose="02040503050406030204" pitchFamily="18" charset="0"/>
+                                </a:rPr>
                                 <m:t>2</m:t>
                               </m:r>
                             </m:sub>
@@ -27369,24 +27473,32 @@
                         </m:den>
                       </m:f>
                       <m:r>
-                        <a:rPr lang="es-PE" i="1"/>
+                        <a:rPr lang="es-PE" i="1">
+                          <a:latin typeface="Cambria Math" panose="02040503050406030204" pitchFamily="18" charset="0"/>
+                        </a:rPr>
                         <m:t>+</m:t>
                       </m:r>
                       <m:f>
                         <m:fPr>
                           <m:ctrlPr>
-                            <a:rPr lang="en-US" i="1"/>
+                            <a:rPr lang="en-US" i="1">
+                              <a:latin typeface="Cambria Math" panose="02040503050406030204" pitchFamily="18" charset="0"/>
+                            </a:rPr>
                           </m:ctrlPr>
                         </m:fPr>
                         <m:num>
                           <m:r>
-                            <a:rPr lang="es-PE" i="1"/>
+                            <a:rPr lang="es-PE" i="1">
+                              <a:latin typeface="Cambria Math" panose="02040503050406030204" pitchFamily="18" charset="0"/>
+                            </a:rPr>
                             <m:t>1</m:t>
                           </m:r>
                         </m:num>
                         <m:den>
                           <m:r>
-                            <a:rPr lang="es-PE" i="1"/>
+                            <a:rPr lang="es-PE" i="1">
+                              <a:latin typeface="Cambria Math" panose="02040503050406030204" pitchFamily="18" charset="0"/>
+                            </a:rPr>
                             <m:t>2</m:t>
                           </m:r>
                         </m:den>
@@ -27394,58 +27506,78 @@
                       <m:sSub>
                         <m:sSubPr>
                           <m:ctrlPr>
-                            <a:rPr lang="en-US" i="1"/>
+                            <a:rPr lang="en-US" i="1">
+                              <a:latin typeface="Cambria Math" panose="02040503050406030204" pitchFamily="18" charset="0"/>
+                            </a:rPr>
                           </m:ctrlPr>
                         </m:sSubPr>
                         <m:e>
                           <m:r>
-                            <a:rPr lang="es-PE" i="1"/>
+                            <a:rPr lang="es-PE" i="1">
+                              <a:latin typeface="Cambria Math" panose="02040503050406030204" pitchFamily="18" charset="0"/>
+                            </a:rPr>
                             <m:t>𝛿</m:t>
                           </m:r>
                         </m:e>
                         <m:sub>
                           <m:r>
-                            <a:rPr lang="es-PE" i="1"/>
+                            <a:rPr lang="es-PE" i="1">
+                              <a:latin typeface="Cambria Math" panose="02040503050406030204" pitchFamily="18" charset="0"/>
+                            </a:rPr>
                             <m:t>𝑎</m:t>
                           </m:r>
                         </m:sub>
                       </m:sSub>
                       <m:r>
-                        <a:rPr lang="es-PE" i="1"/>
+                        <a:rPr lang="es-PE" i="1">
+                          <a:latin typeface="Cambria Math" panose="02040503050406030204" pitchFamily="18" charset="0"/>
+                        </a:rPr>
                         <m:t>+</m:t>
                       </m:r>
                       <m:f>
                         <m:fPr>
                           <m:ctrlPr>
-                            <a:rPr lang="en-US" i="1"/>
+                            <a:rPr lang="en-US" i="1">
+                              <a:latin typeface="Cambria Math" panose="02040503050406030204" pitchFamily="18" charset="0"/>
+                            </a:rPr>
                           </m:ctrlPr>
                         </m:fPr>
                         <m:num>
                           <m:r>
-                            <a:rPr lang="es-PE" i="1"/>
+                            <a:rPr lang="es-PE" i="1">
+                              <a:latin typeface="Cambria Math" panose="02040503050406030204" pitchFamily="18" charset="0"/>
+                            </a:rPr>
                             <m:t>𝜃</m:t>
                           </m:r>
                         </m:num>
                         <m:den>
                           <m:r>
-                            <a:rPr lang="es-PE" i="1"/>
+                            <a:rPr lang="es-PE" i="1">
+                              <a:latin typeface="Cambria Math" panose="02040503050406030204" pitchFamily="18" charset="0"/>
+                            </a:rPr>
                             <m:t>2</m:t>
                           </m:r>
                           <m:sSub>
                             <m:sSubPr>
                               <m:ctrlPr>
-                                <a:rPr lang="en-US" i="1"/>
+                                <a:rPr lang="en-US" i="1">
+                                  <a:latin typeface="Cambria Math" panose="02040503050406030204" pitchFamily="18" charset="0"/>
+                                </a:rPr>
                               </m:ctrlPr>
                             </m:sSubPr>
                             <m:e>
                               <m:r>
-                                <a:rPr lang="es-PE" i="1"/>
+                                <a:rPr lang="es-PE" i="1">
+                                  <a:latin typeface="Cambria Math" panose="02040503050406030204" pitchFamily="18" charset="0"/>
+                                </a:rPr>
                                 <m:t>𝛼</m:t>
                               </m:r>
                             </m:e>
                             <m:sub>
                               <m:r>
-                                <a:rPr lang="es-PE" i="1"/>
+                                <a:rPr lang="es-PE" i="1">
+                                  <a:latin typeface="Cambria Math" panose="02040503050406030204" pitchFamily="18" charset="0"/>
+                                </a:rPr>
                                 <m:t>2</m:t>
                               </m:r>
                             </m:sub>
@@ -27455,48 +27587,64 @@
                       <m:sSub>
                         <m:sSubPr>
                           <m:ctrlPr>
-                            <a:rPr lang="en-US" i="1"/>
+                            <a:rPr lang="en-US" i="1">
+                              <a:latin typeface="Cambria Math" panose="02040503050406030204" pitchFamily="18" charset="0"/>
+                            </a:rPr>
                           </m:ctrlPr>
                         </m:sSubPr>
                         <m:e>
                           <m:r>
-                            <a:rPr lang="es-PE" i="1"/>
+                            <a:rPr lang="es-PE" i="1">
+                              <a:latin typeface="Cambria Math" panose="02040503050406030204" pitchFamily="18" charset="0"/>
+                            </a:rPr>
                             <m:t>𝑍</m:t>
                           </m:r>
                         </m:e>
                         <m:sub>
                           <m:r>
-                            <a:rPr lang="es-PE" i="1"/>
+                            <a:rPr lang="es-PE" i="1">
+                              <a:latin typeface="Cambria Math" panose="02040503050406030204" pitchFamily="18" charset="0"/>
+                            </a:rPr>
                             <m:t>𝑎</m:t>
                           </m:r>
                         </m:sub>
                       </m:sSub>
                       <m:r>
-                        <a:rPr lang="es-PE" i="1"/>
+                        <a:rPr lang="es-PE" i="1">
+                          <a:latin typeface="Cambria Math" panose="02040503050406030204" pitchFamily="18" charset="0"/>
+                        </a:rPr>
                         <m:t>+</m:t>
                       </m:r>
                       <m:f>
                         <m:fPr>
                           <m:ctrlPr>
-                            <a:rPr lang="en-US" i="1"/>
+                            <a:rPr lang="en-US" i="1">
+                              <a:latin typeface="Cambria Math" panose="02040503050406030204" pitchFamily="18" charset="0"/>
+                            </a:rPr>
                           </m:ctrlPr>
                         </m:fPr>
                         <m:num>
                           <m:sSub>
                             <m:sSubPr>
                               <m:ctrlPr>
-                                <a:rPr lang="en-US" i="1"/>
+                                <a:rPr lang="en-US" i="1">
+                                  <a:latin typeface="Cambria Math" panose="02040503050406030204" pitchFamily="18" charset="0"/>
+                                </a:rPr>
                               </m:ctrlPr>
                             </m:sSubPr>
                             <m:e>
                               <m:r>
-                                <a:rPr lang="es-PE" i="1"/>
+                                <a:rPr lang="es-PE" i="1">
+                                  <a:latin typeface="Cambria Math" panose="02040503050406030204" pitchFamily="18" charset="0"/>
+                                </a:rPr>
                                 <m:t>𝛼</m:t>
                               </m:r>
                             </m:e>
                             <m:sub>
                               <m:r>
-                                <a:rPr lang="es-PE" i="1"/>
+                                <a:rPr lang="es-PE" i="1">
+                                  <a:latin typeface="Cambria Math" panose="02040503050406030204" pitchFamily="18" charset="0"/>
+                                </a:rPr>
                                 <m:t>3</m:t>
                               </m:r>
                             </m:sub>
@@ -27504,24 +27652,32 @@
                         </m:num>
                         <m:den>
                           <m:r>
-                            <a:rPr lang="es-PE" i="1"/>
+                            <a:rPr lang="es-PE" i="1">
+                              <a:latin typeface="Cambria Math" panose="02040503050406030204" pitchFamily="18" charset="0"/>
+                            </a:rPr>
                             <m:t>2</m:t>
                           </m:r>
                           <m:sSub>
                             <m:sSubPr>
                               <m:ctrlPr>
-                                <a:rPr lang="en-US" i="1"/>
+                                <a:rPr lang="en-US" i="1">
+                                  <a:latin typeface="Cambria Math" panose="02040503050406030204" pitchFamily="18" charset="0"/>
+                                </a:rPr>
                               </m:ctrlPr>
                             </m:sSubPr>
                             <m:e>
                               <m:r>
-                                <a:rPr lang="es-PE" i="1"/>
+                                <a:rPr lang="es-PE" i="1">
+                                  <a:latin typeface="Cambria Math" panose="02040503050406030204" pitchFamily="18" charset="0"/>
+                                </a:rPr>
                                 <m:t>𝛼</m:t>
                               </m:r>
                             </m:e>
                             <m:sub>
                               <m:r>
-                                <a:rPr lang="es-PE" i="1"/>
+                                <a:rPr lang="es-PE" i="1">
+                                  <a:latin typeface="Cambria Math" panose="02040503050406030204" pitchFamily="18" charset="0"/>
+                                </a:rPr>
                                 <m:t>2</m:t>
                               </m:r>
                             </m:sub>
@@ -27531,18 +27687,24 @@
                       <m:sSub>
                         <m:sSubPr>
                           <m:ctrlPr>
-                            <a:rPr lang="en-US" i="1"/>
+                            <a:rPr lang="en-US" i="1">
+                              <a:latin typeface="Cambria Math" panose="02040503050406030204" pitchFamily="18" charset="0"/>
+                            </a:rPr>
                           </m:ctrlPr>
                         </m:sSubPr>
                         <m:e>
                           <m:r>
-                            <a:rPr lang="es-PE" i="1"/>
+                            <a:rPr lang="es-PE" i="1">
+                              <a:latin typeface="Cambria Math" panose="02040503050406030204" pitchFamily="18" charset="0"/>
+                            </a:rPr>
                             <m:t>𝑃</m:t>
                           </m:r>
                         </m:e>
                         <m:sub>
                           <m:r>
-                            <a:rPr lang="es-PE" i="1"/>
+                            <a:rPr lang="es-PE" i="1">
+                              <a:latin typeface="Cambria Math" panose="02040503050406030204" pitchFamily="18" charset="0"/>
+                            </a:rPr>
                             <m:t>𝑏</m:t>
                           </m:r>
                         </m:sub>
@@ -27583,64 +27745,86 @@
                       <m:sSub>
                         <m:sSubPr>
                           <m:ctrlPr>
-                            <a:rPr lang="en-US" i="1"/>
+                            <a:rPr lang="en-US" i="1">
+                              <a:latin typeface="Cambria Math" panose="02040503050406030204" pitchFamily="18" charset="0"/>
+                            </a:rPr>
                           </m:ctrlPr>
                         </m:sSubPr>
                         <m:e>
                           <m:r>
-                            <a:rPr lang="es-PE" i="1"/>
+                            <a:rPr lang="es-PE" i="1">
+                              <a:latin typeface="Cambria Math" panose="02040503050406030204" pitchFamily="18" charset="0"/>
+                            </a:rPr>
                             <m:t>𝑅</m:t>
                           </m:r>
                         </m:e>
                         <m:sub>
                           <m:r>
-                            <a:rPr lang="es-PE" i="1"/>
+                            <a:rPr lang="es-PE" i="1">
+                              <a:latin typeface="Cambria Math" panose="02040503050406030204" pitchFamily="18" charset="0"/>
+                            </a:rPr>
                             <m:t>𝑎</m:t>
                           </m:r>
                         </m:sub>
                       </m:sSub>
                       <m:r>
-                        <a:rPr lang="es-PE" i="1"/>
+                        <a:rPr lang="es-PE" i="1">
+                          <a:latin typeface="Cambria Math" panose="02040503050406030204" pitchFamily="18" charset="0"/>
+                        </a:rPr>
                         <m:t>=</m:t>
                       </m:r>
                       <m:sSub>
                         <m:sSubPr>
                           <m:ctrlPr>
-                            <a:rPr lang="en-US" i="1"/>
+                            <a:rPr lang="en-US" i="1">
+                              <a:latin typeface="Cambria Math" panose="02040503050406030204" pitchFamily="18" charset="0"/>
+                            </a:rPr>
                           </m:ctrlPr>
                         </m:sSubPr>
                         <m:e>
                           <m:r>
-                            <a:rPr lang="es-PE" i="1"/>
+                            <a:rPr lang="es-PE" i="1">
+                              <a:latin typeface="Cambria Math" panose="02040503050406030204" pitchFamily="18" charset="0"/>
+                            </a:rPr>
                             <m:t>𝛽</m:t>
                           </m:r>
                         </m:e>
                         <m:sub>
                           <m:r>
-                            <a:rPr lang="es-PE" i="1"/>
+                            <a:rPr lang="es-PE" i="1">
+                              <a:latin typeface="Cambria Math" panose="02040503050406030204" pitchFamily="18" charset="0"/>
+                            </a:rPr>
                             <m:t>1</m:t>
                           </m:r>
                         </m:sub>
                       </m:sSub>
                       <m:r>
-                        <a:rPr lang="es-PE" i="1"/>
+                        <a:rPr lang="es-PE" i="1">
+                          <a:latin typeface="Cambria Math" panose="02040503050406030204" pitchFamily="18" charset="0"/>
+                        </a:rPr>
                         <m:t>+</m:t>
                       </m:r>
                       <m:f>
                         <m:fPr>
                           <m:ctrlPr>
-                            <a:rPr lang="en-US" i="1"/>
+                            <a:rPr lang="en-US" i="1">
+                              <a:latin typeface="Cambria Math" panose="02040503050406030204" pitchFamily="18" charset="0"/>
+                            </a:rPr>
                           </m:ctrlPr>
                         </m:fPr>
                         <m:num>
                           <m:r>
-                            <a:rPr lang="es-PE" i="1"/>
+                            <a:rPr lang="es-PE" i="1">
+                              <a:latin typeface="Cambria Math" panose="02040503050406030204" pitchFamily="18" charset="0"/>
+                            </a:rPr>
                             <m:t>1</m:t>
                           </m:r>
                         </m:num>
                         <m:den>
                           <m:r>
-                            <a:rPr lang="es-PE" i="1"/>
+                            <a:rPr lang="es-PE" i="1">
+                              <a:latin typeface="Cambria Math" panose="02040503050406030204" pitchFamily="18" charset="0"/>
+                            </a:rPr>
                             <m:t>2</m:t>
                           </m:r>
                         </m:den>
@@ -27648,41 +27832,55 @@
                       <m:sSub>
                         <m:sSubPr>
                           <m:ctrlPr>
-                            <a:rPr lang="en-US" i="1"/>
+                            <a:rPr lang="en-US" i="1">
+                              <a:latin typeface="Cambria Math" panose="02040503050406030204" pitchFamily="18" charset="0"/>
+                            </a:rPr>
                           </m:ctrlPr>
                         </m:sSubPr>
                         <m:e>
                           <m:r>
-                            <a:rPr lang="es-PE" i="1"/>
+                            <a:rPr lang="es-PE" i="1">
+                              <a:latin typeface="Cambria Math" panose="02040503050406030204" pitchFamily="18" charset="0"/>
+                            </a:rPr>
                             <m:t>𝛿</m:t>
                           </m:r>
                         </m:e>
                         <m:sub>
                           <m:r>
-                            <a:rPr lang="es-PE" i="1"/>
+                            <a:rPr lang="es-PE" i="1">
+                              <a:latin typeface="Cambria Math" panose="02040503050406030204" pitchFamily="18" charset="0"/>
+                            </a:rPr>
                             <m:t>𝑎</m:t>
                           </m:r>
                         </m:sub>
                       </m:sSub>
                       <m:r>
-                        <a:rPr lang="es-PE" i="1"/>
+                        <a:rPr lang="es-PE" i="1">
+                          <a:latin typeface="Cambria Math" panose="02040503050406030204" pitchFamily="18" charset="0"/>
+                        </a:rPr>
                         <m:t>+</m:t>
                       </m:r>
                       <m:sSub>
                         <m:sSubPr>
                           <m:ctrlPr>
-                            <a:rPr lang="en-US" i="1"/>
+                            <a:rPr lang="en-US" i="1">
+                              <a:latin typeface="Cambria Math" panose="02040503050406030204" pitchFamily="18" charset="0"/>
+                            </a:rPr>
                           </m:ctrlPr>
                         </m:sSubPr>
                         <m:e>
                           <m:r>
-                            <a:rPr lang="es-PE" i="1"/>
+                            <a:rPr lang="es-PE" i="1">
+                              <a:latin typeface="Cambria Math" panose="02040503050406030204" pitchFamily="18" charset="0"/>
+                            </a:rPr>
                             <m:t>𝛽</m:t>
                           </m:r>
                         </m:e>
                         <m:sub>
                           <m:r>
-                            <a:rPr lang="es-PE" i="1"/>
+                            <a:rPr lang="es-PE" i="1">
+                              <a:latin typeface="Cambria Math" panose="02040503050406030204" pitchFamily="18" charset="0"/>
+                            </a:rPr>
                             <m:t>2</m:t>
                           </m:r>
                         </m:sub>
@@ -27690,49 +27888,67 @@
                       <m:sSub>
                         <m:sSubPr>
                           <m:ctrlPr>
-                            <a:rPr lang="en-US" i="1"/>
+                            <a:rPr lang="en-US" i="1">
+                              <a:latin typeface="Cambria Math" panose="02040503050406030204" pitchFamily="18" charset="0"/>
+                            </a:rPr>
                           </m:ctrlPr>
                         </m:sSubPr>
                         <m:e>
                           <m:r>
-                            <a:rPr lang="es-PE" i="1"/>
+                            <a:rPr lang="es-PE" i="1">
+                              <a:latin typeface="Cambria Math" panose="02040503050406030204" pitchFamily="18" charset="0"/>
+                            </a:rPr>
                             <m:t>𝑍</m:t>
                           </m:r>
                         </m:e>
                         <m:sub>
                           <m:r>
-                            <a:rPr lang="es-PE" i="1"/>
+                            <a:rPr lang="es-PE" i="1">
+                              <a:latin typeface="Cambria Math" panose="02040503050406030204" pitchFamily="18" charset="0"/>
+                            </a:rPr>
                             <m:t>𝑎</m:t>
                           </m:r>
                         </m:sub>
                       </m:sSub>
                       <m:r>
-                        <a:rPr lang="es-PE" i="1"/>
+                        <a:rPr lang="es-PE" i="1">
+                          <a:latin typeface="Cambria Math" panose="02040503050406030204" pitchFamily="18" charset="0"/>
+                        </a:rPr>
                         <m:t>+</m:t>
                       </m:r>
                       <m:r>
-                        <a:rPr lang="es-PE" i="1"/>
+                        <a:rPr lang="es-PE" i="1">
+                          <a:latin typeface="Cambria Math" panose="02040503050406030204" pitchFamily="18" charset="0"/>
+                        </a:rPr>
                         <m:t>𝜌</m:t>
                       </m:r>
                       <m:sSub>
                         <m:sSubPr>
                           <m:ctrlPr>
-                            <a:rPr lang="en-US" i="1"/>
+                            <a:rPr lang="en-US" i="1">
+                              <a:latin typeface="Cambria Math" panose="02040503050406030204" pitchFamily="18" charset="0"/>
+                            </a:rPr>
                           </m:ctrlPr>
                         </m:sSubPr>
                         <m:e>
                           <m:r>
-                            <a:rPr lang="es-PE" i="1"/>
+                            <a:rPr lang="es-PE" i="1">
+                              <a:latin typeface="Cambria Math" panose="02040503050406030204" pitchFamily="18" charset="0"/>
+                            </a:rPr>
                             <m:t>𝑃</m:t>
                           </m:r>
                         </m:e>
                         <m:sub>
                           <m:r>
-                            <a:rPr lang="es-PE" i="1"/>
+                            <a:rPr lang="es-PE" i="1">
+                              <a:latin typeface="Cambria Math" panose="02040503050406030204" pitchFamily="18" charset="0"/>
+                            </a:rPr>
                             <m:t>𝑏</m:t>
                           </m:r>
                           <m:r>
-                            <a:rPr lang="es-PE" i="1"/>
+                            <a:rPr lang="es-PE" i="1">
+                              <a:latin typeface="Cambria Math" panose="02040503050406030204" pitchFamily="18" charset="0"/>
+                            </a:rPr>
                             <m:t> </m:t>
                           </m:r>
                         </m:sub>
@@ -27757,64 +27973,86 @@
                       <m:sSub>
                         <m:sSubPr>
                           <m:ctrlPr>
-                            <a:rPr lang="en-US" i="1"/>
+                            <a:rPr lang="en-US" i="1">
+                              <a:latin typeface="Cambria Math" panose="02040503050406030204" pitchFamily="18" charset="0"/>
+                            </a:rPr>
                           </m:ctrlPr>
                         </m:sSubPr>
                         <m:e>
                           <m:r>
-                            <a:rPr lang="es-PE" i="1"/>
+                            <a:rPr lang="es-PE" i="1">
+                              <a:latin typeface="Cambria Math" panose="02040503050406030204" pitchFamily="18" charset="0"/>
+                            </a:rPr>
                             <m:t>𝑅</m:t>
                           </m:r>
                         </m:e>
                         <m:sub>
                           <m:r>
-                            <a:rPr lang="es-PE" i="1"/>
+                            <a:rPr lang="es-PE" i="1">
+                              <a:latin typeface="Cambria Math" panose="02040503050406030204" pitchFamily="18" charset="0"/>
+                            </a:rPr>
                             <m:t>𝑏</m:t>
                           </m:r>
                         </m:sub>
                       </m:sSub>
                       <m:r>
-                        <a:rPr lang="es-PE" i="1"/>
+                        <a:rPr lang="es-PE" i="1">
+                          <a:latin typeface="Cambria Math" panose="02040503050406030204" pitchFamily="18" charset="0"/>
+                        </a:rPr>
                         <m:t>= </m:t>
                       </m:r>
                       <m:sSub>
                         <m:sSubPr>
                           <m:ctrlPr>
-                            <a:rPr lang="en-US" i="1"/>
+                            <a:rPr lang="en-US" i="1">
+                              <a:latin typeface="Cambria Math" panose="02040503050406030204" pitchFamily="18" charset="0"/>
+                            </a:rPr>
                           </m:ctrlPr>
                         </m:sSubPr>
                         <m:e>
                           <m:r>
-                            <a:rPr lang="es-PE" i="1"/>
+                            <a:rPr lang="es-PE" i="1">
+                              <a:latin typeface="Cambria Math" panose="02040503050406030204" pitchFamily="18" charset="0"/>
+                            </a:rPr>
                             <m:t>𝛽</m:t>
                           </m:r>
                         </m:e>
                         <m:sub>
                           <m:r>
-                            <a:rPr lang="es-PE" i="1"/>
+                            <a:rPr lang="es-PE" i="1">
+                              <a:latin typeface="Cambria Math" panose="02040503050406030204" pitchFamily="18" charset="0"/>
+                            </a:rPr>
                             <m:t>1</m:t>
                           </m:r>
                         </m:sub>
                       </m:sSub>
                       <m:r>
-                        <a:rPr lang="es-PE" i="1"/>
+                        <a:rPr lang="es-PE" i="1">
+                          <a:latin typeface="Cambria Math" panose="02040503050406030204" pitchFamily="18" charset="0"/>
+                        </a:rPr>
                         <m:t>+</m:t>
                       </m:r>
                       <m:f>
                         <m:fPr>
                           <m:ctrlPr>
-                            <a:rPr lang="en-US" i="1"/>
+                            <a:rPr lang="en-US" i="1">
+                              <a:latin typeface="Cambria Math" panose="02040503050406030204" pitchFamily="18" charset="0"/>
+                            </a:rPr>
                           </m:ctrlPr>
                         </m:fPr>
                         <m:num>
                           <m:r>
-                            <a:rPr lang="es-PE" i="1"/>
+                            <a:rPr lang="es-PE" i="1">
+                              <a:latin typeface="Cambria Math" panose="02040503050406030204" pitchFamily="18" charset="0"/>
+                            </a:rPr>
                             <m:t>1</m:t>
                           </m:r>
                         </m:num>
                         <m:den>
                           <m:r>
-                            <a:rPr lang="es-PE" i="1"/>
+                            <a:rPr lang="es-PE" i="1">
+                              <a:latin typeface="Cambria Math" panose="02040503050406030204" pitchFamily="18" charset="0"/>
+                            </a:rPr>
                             <m:t>2</m:t>
                           </m:r>
                         </m:den>
@@ -27822,41 +28060,55 @@
                       <m:sSub>
                         <m:sSubPr>
                           <m:ctrlPr>
-                            <a:rPr lang="en-US" i="1"/>
+                            <a:rPr lang="en-US" i="1">
+                              <a:latin typeface="Cambria Math" panose="02040503050406030204" pitchFamily="18" charset="0"/>
+                            </a:rPr>
                           </m:ctrlPr>
                         </m:sSubPr>
                         <m:e>
                           <m:r>
-                            <a:rPr lang="es-PE" i="1"/>
+                            <a:rPr lang="es-PE" i="1">
+                              <a:latin typeface="Cambria Math" panose="02040503050406030204" pitchFamily="18" charset="0"/>
+                            </a:rPr>
                             <m:t>𝛿</m:t>
                           </m:r>
                         </m:e>
                         <m:sub>
                           <m:r>
-                            <a:rPr lang="es-PE" i="1"/>
+                            <a:rPr lang="es-PE" i="1">
+                              <a:latin typeface="Cambria Math" panose="02040503050406030204" pitchFamily="18" charset="0"/>
+                            </a:rPr>
                             <m:t>𝑏</m:t>
                           </m:r>
                         </m:sub>
                       </m:sSub>
                       <m:r>
-                        <a:rPr lang="es-PE" i="1"/>
+                        <a:rPr lang="es-PE" i="1">
+                          <a:latin typeface="Cambria Math" panose="02040503050406030204" pitchFamily="18" charset="0"/>
+                        </a:rPr>
                         <m:t>+</m:t>
                       </m:r>
                       <m:sSub>
                         <m:sSubPr>
                           <m:ctrlPr>
-                            <a:rPr lang="en-US" i="1"/>
+                            <a:rPr lang="en-US" i="1">
+                              <a:latin typeface="Cambria Math" panose="02040503050406030204" pitchFamily="18" charset="0"/>
+                            </a:rPr>
                           </m:ctrlPr>
                         </m:sSubPr>
                         <m:e>
                           <m:r>
-                            <a:rPr lang="es-PE" i="1"/>
+                            <a:rPr lang="es-PE" i="1">
+                              <a:latin typeface="Cambria Math" panose="02040503050406030204" pitchFamily="18" charset="0"/>
+                            </a:rPr>
                             <m:t>𝛽</m:t>
                           </m:r>
                         </m:e>
                         <m:sub>
                           <m:r>
-                            <a:rPr lang="es-PE" i="1"/>
+                            <a:rPr lang="es-PE" i="1">
+                              <a:latin typeface="Cambria Math" panose="02040503050406030204" pitchFamily="18" charset="0"/>
+                            </a:rPr>
                             <m:t>2</m:t>
                           </m:r>
                         </m:sub>
@@ -27864,45 +28116,61 @@
                       <m:sSub>
                         <m:sSubPr>
                           <m:ctrlPr>
-                            <a:rPr lang="en-US" i="1"/>
+                            <a:rPr lang="en-US" i="1">
+                              <a:latin typeface="Cambria Math" panose="02040503050406030204" pitchFamily="18" charset="0"/>
+                            </a:rPr>
                           </m:ctrlPr>
                         </m:sSubPr>
                         <m:e>
                           <m:r>
-                            <a:rPr lang="es-PE" i="1"/>
+                            <a:rPr lang="es-PE" i="1">
+                              <a:latin typeface="Cambria Math" panose="02040503050406030204" pitchFamily="18" charset="0"/>
+                            </a:rPr>
                             <m:t>𝑍</m:t>
                           </m:r>
                         </m:e>
                         <m:sub>
                           <m:r>
-                            <a:rPr lang="es-PE" i="1"/>
+                            <a:rPr lang="es-PE" i="1">
+                              <a:latin typeface="Cambria Math" panose="02040503050406030204" pitchFamily="18" charset="0"/>
+                            </a:rPr>
                             <m:t>𝑏</m:t>
                           </m:r>
                         </m:sub>
                       </m:sSub>
                       <m:r>
-                        <a:rPr lang="es-PE" i="1"/>
+                        <a:rPr lang="es-PE" i="1">
+                          <a:latin typeface="Cambria Math" panose="02040503050406030204" pitchFamily="18" charset="0"/>
+                        </a:rPr>
                         <m:t>+</m:t>
                       </m:r>
                       <m:r>
-                        <a:rPr lang="es-PE" i="1"/>
+                        <a:rPr lang="es-PE" i="1">
+                          <a:latin typeface="Cambria Math" panose="02040503050406030204" pitchFamily="18" charset="0"/>
+                        </a:rPr>
                         <m:t>𝜌</m:t>
                       </m:r>
                       <m:sSub>
                         <m:sSubPr>
                           <m:ctrlPr>
-                            <a:rPr lang="en-US" i="1"/>
+                            <a:rPr lang="en-US" i="1">
+                              <a:latin typeface="Cambria Math" panose="02040503050406030204" pitchFamily="18" charset="0"/>
+                            </a:rPr>
                           </m:ctrlPr>
                         </m:sSubPr>
                         <m:e>
                           <m:r>
-                            <a:rPr lang="es-PE" i="1"/>
+                            <a:rPr lang="es-PE" i="1">
+                              <a:latin typeface="Cambria Math" panose="02040503050406030204" pitchFamily="18" charset="0"/>
+                            </a:rPr>
                             <m:t>𝑃</m:t>
                           </m:r>
                         </m:e>
                         <m:sub>
                           <m:r>
-                            <a:rPr lang="es-PE" i="1"/>
+                            <a:rPr lang="es-PE" i="1">
+                              <a:latin typeface="Cambria Math" panose="02040503050406030204" pitchFamily="18" charset="0"/>
+                            </a:rPr>
                             <m:t>𝑎</m:t>
                           </m:r>
                         </m:sub>
@@ -27925,7 +28193,7 @@
             </p:txBody>
           </p:sp>
         </mc:Choice>
-        <mc:Fallback>
+        <mc:Fallback xmlns="">
           <p:sp>
             <p:nvSpPr>
               <p:cNvPr id="17" name="CuadroTexto 16"/>

--- a/doc/avance-parcial.pptx
+++ b/doc/avance-parcial.pptx
@@ -7,7 +7,7 @@
     <p:sldMasterId id="2147483707" r:id="rId3"/>
   </p:sldMasterIdLst>
   <p:notesMasterIdLst>
-    <p:notesMasterId r:id="rId25"/>
+    <p:notesMasterId r:id="rId26"/>
   </p:notesMasterIdLst>
   <p:sldIdLst>
     <p:sldId id="256" r:id="rId4"/>
@@ -30,7 +30,8 @@
     <p:sldId id="320" r:id="rId21"/>
     <p:sldId id="319" r:id="rId22"/>
     <p:sldId id="321" r:id="rId23"/>
-    <p:sldId id="322" r:id="rId24"/>
+    <p:sldId id="327" r:id="rId24"/>
+    <p:sldId id="322" r:id="rId25"/>
   </p:sldIdLst>
   <p:sldSz cx="9144000" cy="6858000" type="screen4x3"/>
   <p:notesSz cx="6858000" cy="9144000"/>
@@ -23009,7 +23010,7 @@
                 <a:latin typeface="Arial" panose="020B0604020202020204" pitchFamily="34" charset="0"/>
                 <a:cs typeface="Arial" panose="020B0604020202020204" pitchFamily="34" charset="0"/>
               </a:rPr>
-              <a:t>Resultados</a:t>
+              <a:t>Resultados - Diésel</a:t>
             </a:r>
             <a:endParaRPr lang="es-ES" sz="2000" b="1" dirty="0">
               <a:solidFill>
@@ -23023,6 +23024,2945 @@
           </a:p>
         </p:txBody>
       </p:sp>
+      <p:graphicFrame>
+        <p:nvGraphicFramePr>
+          <p:cNvPr id="2" name="Tabla 1"/>
+          <p:cNvGraphicFramePr>
+            <a:graphicFrameLocks noGrp="1"/>
+          </p:cNvGraphicFramePr>
+          <p:nvPr>
+            <p:extLst>
+              <p:ext uri="{D42A27DB-BD31-4B8C-83A1-F6EECF244321}">
+                <p14:modId xmlns:p14="http://schemas.microsoft.com/office/powerpoint/2010/main" val="715932284"/>
+              </p:ext>
+            </p:extLst>
+          </p:nvPr>
+        </p:nvGraphicFramePr>
+        <p:xfrm>
+          <a:off x="3177000" y="549000"/>
+          <a:ext cx="4905000" cy="6045535"/>
+        </p:xfrm>
+        <a:graphic>
+          <a:graphicData uri="http://schemas.openxmlformats.org/drawingml/2006/table">
+            <a:tbl>
+              <a:tblPr/>
+              <a:tblGrid>
+                <a:gridCol w="1635000">
+                  <a:extLst>
+                    <a:ext uri="{9D8B030D-6E8A-4147-A177-3AD203B41FA5}">
+                      <a16:colId xmlns:a16="http://schemas.microsoft.com/office/drawing/2014/main" val="4003175817"/>
+                    </a:ext>
+                  </a:extLst>
+                </a:gridCol>
+                <a:gridCol w="1635000">
+                  <a:extLst>
+                    <a:ext uri="{9D8B030D-6E8A-4147-A177-3AD203B41FA5}">
+                      <a16:colId xmlns:a16="http://schemas.microsoft.com/office/drawing/2014/main" val="4285479966"/>
+                    </a:ext>
+                  </a:extLst>
+                </a:gridCol>
+                <a:gridCol w="1635000">
+                  <a:extLst>
+                    <a:ext uri="{9D8B030D-6E8A-4147-A177-3AD203B41FA5}">
+                      <a16:colId xmlns:a16="http://schemas.microsoft.com/office/drawing/2014/main" val="3921481132"/>
+                    </a:ext>
+                  </a:extLst>
+                </a:gridCol>
+              </a:tblGrid>
+              <a:tr h="189694">
+                <a:tc gridSpan="3">
+                  <a:txBody>
+                    <a:bodyPr/>
+                    <a:lstStyle/>
+                    <a:p>
+                      <a:endParaRPr lang="en-US" sz="1050" dirty="0">
+                        <a:effectLst/>
+                      </a:endParaRPr>
+                    </a:p>
+                  </a:txBody>
+                  <a:tcPr marL="30376" marR="30376" marT="15188" marB="15188" anchor="ctr">
+                    <a:lnL>
+                      <a:noFill/>
+                    </a:lnL>
+                    <a:lnR>
+                      <a:noFill/>
+                    </a:lnR>
+                    <a:lnT>
+                      <a:noFill/>
+                    </a:lnT>
+                    <a:lnB w="9525" cap="flat" cmpd="sng" algn="ctr">
+                      <a:solidFill>
+                        <a:srgbClr val="000000"/>
+                      </a:solidFill>
+                      <a:prstDash val="solid"/>
+                      <a:round/>
+                      <a:headEnd type="none" w="med" len="med"/>
+                      <a:tailEnd type="none" w="med" len="med"/>
+                    </a:lnB>
+                  </a:tcPr>
+                </a:tc>
+                <a:tc hMerge="1">
+                  <a:txBody>
+                    <a:bodyPr/>
+                    <a:lstStyle/>
+                    <a:p>
+                      <a:endParaRPr lang="en-US"/>
+                    </a:p>
+                  </a:txBody>
+                  <a:tcPr/>
+                </a:tc>
+                <a:tc hMerge="1">
+                  <a:txBody>
+                    <a:bodyPr/>
+                    <a:lstStyle/>
+                    <a:p>
+                      <a:endParaRPr lang="en-US"/>
+                    </a:p>
+                  </a:txBody>
+                  <a:tcPr/>
+                </a:tc>
+                <a:extLst>
+                  <a:ext uri="{0D108BD9-81ED-4DB2-BD59-A6C34878D82A}">
+                    <a16:rowId xmlns:a16="http://schemas.microsoft.com/office/drawing/2014/main" val="1870645356"/>
+                  </a:ext>
+                </a:extLst>
+              </a:tr>
+              <a:tr h="189694">
+                <a:tc>
+                  <a:txBody>
+                    <a:bodyPr/>
+                    <a:lstStyle/>
+                    <a:p>
+                      <a:pPr algn="l"/>
+                      <a:endParaRPr lang="en-US" sz="1050" dirty="0">
+                        <a:effectLst/>
+                      </a:endParaRPr>
+                    </a:p>
+                  </a:txBody>
+                  <a:tcPr marL="30376" marR="30376" marT="15188" marB="15188" anchor="ctr">
+                    <a:lnL>
+                      <a:noFill/>
+                    </a:lnL>
+                    <a:lnR>
+                      <a:noFill/>
+                    </a:lnR>
+                    <a:lnT w="9525" cap="flat" cmpd="sng" algn="ctr">
+                      <a:solidFill>
+                        <a:srgbClr val="000000"/>
+                      </a:solidFill>
+                      <a:prstDash val="solid"/>
+                      <a:round/>
+                      <a:headEnd type="none" w="med" len="med"/>
+                      <a:tailEnd type="none" w="med" len="med"/>
+                    </a:lnT>
+                    <a:lnB>
+                      <a:noFill/>
+                    </a:lnB>
+                  </a:tcPr>
+                </a:tc>
+                <a:tc gridSpan="2">
+                  <a:txBody>
+                    <a:bodyPr/>
+                    <a:lstStyle/>
+                    <a:p>
+                      <a:r>
+                        <a:rPr lang="es-ES" sz="1200" b="1" dirty="0"/>
+                        <a:t>Precio de venta - Diésel (soles/galón)</a:t>
+                      </a:r>
+                    </a:p>
+                  </a:txBody>
+                  <a:tcPr marL="30376" marR="30376" marT="15188" marB="15188" anchor="ctr">
+                    <a:lnL>
+                      <a:noFill/>
+                    </a:lnL>
+                    <a:lnR>
+                      <a:noFill/>
+                    </a:lnR>
+                    <a:lnT w="9525" cap="flat" cmpd="sng" algn="ctr">
+                      <a:solidFill>
+                        <a:srgbClr val="000000"/>
+                      </a:solidFill>
+                      <a:prstDash val="solid"/>
+                      <a:round/>
+                      <a:headEnd type="none" w="med" len="med"/>
+                      <a:tailEnd type="none" w="med" len="med"/>
+                    </a:lnT>
+                    <a:lnB>
+                      <a:noFill/>
+                    </a:lnB>
+                  </a:tcPr>
+                </a:tc>
+                <a:tc hMerge="1">
+                  <a:txBody>
+                    <a:bodyPr/>
+                    <a:lstStyle/>
+                    <a:p>
+                      <a:endParaRPr lang="en-US"/>
+                    </a:p>
+                  </a:txBody>
+                  <a:tcPr/>
+                </a:tc>
+                <a:extLst>
+                  <a:ext uri="{0D108BD9-81ED-4DB2-BD59-A6C34878D82A}">
+                    <a16:rowId xmlns:a16="http://schemas.microsoft.com/office/drawing/2014/main" val="2699344264"/>
+                  </a:ext>
+                </a:extLst>
+              </a:tr>
+              <a:tr h="189694">
+                <a:tc>
+                  <a:txBody>
+                    <a:bodyPr/>
+                    <a:lstStyle/>
+                    <a:p>
+                      <a:pPr algn="l"/>
+                      <a:endParaRPr lang="en-US" sz="1050">
+                        <a:effectLst/>
+                      </a:endParaRPr>
+                    </a:p>
+                  </a:txBody>
+                  <a:tcPr marL="30376" marR="30376" marT="15188" marB="15188" anchor="ctr">
+                    <a:lnL>
+                      <a:noFill/>
+                    </a:lnL>
+                    <a:lnR>
+                      <a:noFill/>
+                    </a:lnR>
+                    <a:lnT>
+                      <a:noFill/>
+                    </a:lnT>
+                    <a:lnB>
+                      <a:noFill/>
+                    </a:lnB>
+                  </a:tcPr>
+                </a:tc>
+                <a:tc>
+                  <a:txBody>
+                    <a:bodyPr/>
+                    <a:lstStyle/>
+                    <a:p>
+                      <a:pPr algn="ctr"/>
+                      <a:r>
+                        <a:rPr lang="en-US" sz="1050" dirty="0"/>
+                        <a:t>12-17</a:t>
+                      </a:r>
+                    </a:p>
+                  </a:txBody>
+                  <a:tcPr marL="30376" marR="30376" marT="15188" marB="15188" anchor="ctr">
+                    <a:lnL>
+                      <a:noFill/>
+                    </a:lnL>
+                    <a:lnR>
+                      <a:noFill/>
+                    </a:lnR>
+                    <a:lnT>
+                      <a:noFill/>
+                    </a:lnT>
+                    <a:lnB>
+                      <a:noFill/>
+                    </a:lnB>
+                  </a:tcPr>
+                </a:tc>
+                <a:tc>
+                  <a:txBody>
+                    <a:bodyPr/>
+                    <a:lstStyle/>
+                    <a:p>
+                      <a:pPr algn="ctr"/>
+                      <a:r>
+                        <a:rPr lang="en-US" sz="1050" dirty="0"/>
+                        <a:t>03-18</a:t>
+                      </a:r>
+                    </a:p>
+                  </a:txBody>
+                  <a:tcPr marL="30376" marR="30376" marT="15188" marB="15188" anchor="ctr">
+                    <a:lnL>
+                      <a:noFill/>
+                    </a:lnL>
+                    <a:lnR>
+                      <a:noFill/>
+                    </a:lnR>
+                    <a:lnT>
+                      <a:noFill/>
+                    </a:lnT>
+                    <a:lnB>
+                      <a:noFill/>
+                    </a:lnB>
+                  </a:tcPr>
+                </a:tc>
+                <a:extLst>
+                  <a:ext uri="{0D108BD9-81ED-4DB2-BD59-A6C34878D82A}">
+                    <a16:rowId xmlns:a16="http://schemas.microsoft.com/office/drawing/2014/main" val="230108574"/>
+                  </a:ext>
+                </a:extLst>
+              </a:tr>
+              <a:tr h="189694">
+                <a:tc gridSpan="3">
+                  <a:txBody>
+                    <a:bodyPr/>
+                    <a:lstStyle/>
+                    <a:p>
+                      <a:endParaRPr lang="en-US" sz="1050" dirty="0">
+                        <a:effectLst/>
+                      </a:endParaRPr>
+                    </a:p>
+                  </a:txBody>
+                  <a:tcPr marL="30376" marR="30376" marT="15188" marB="15188" anchor="ctr">
+                    <a:lnL>
+                      <a:noFill/>
+                    </a:lnL>
+                    <a:lnR>
+                      <a:noFill/>
+                    </a:lnR>
+                    <a:lnT>
+                      <a:noFill/>
+                    </a:lnT>
+                    <a:lnB w="9525" cap="flat" cmpd="sng" algn="ctr">
+                      <a:solidFill>
+                        <a:srgbClr val="000000"/>
+                      </a:solidFill>
+                      <a:prstDash val="solid"/>
+                      <a:round/>
+                      <a:headEnd type="none" w="med" len="med"/>
+                      <a:tailEnd type="none" w="med" len="med"/>
+                    </a:lnB>
+                  </a:tcPr>
+                </a:tc>
+                <a:tc hMerge="1">
+                  <a:txBody>
+                    <a:bodyPr/>
+                    <a:lstStyle/>
+                    <a:p>
+                      <a:endParaRPr lang="en-US"/>
+                    </a:p>
+                  </a:txBody>
+                  <a:tcPr/>
+                </a:tc>
+                <a:tc hMerge="1">
+                  <a:txBody>
+                    <a:bodyPr/>
+                    <a:lstStyle/>
+                    <a:p>
+                      <a:endParaRPr lang="en-US"/>
+                    </a:p>
+                  </a:txBody>
+                  <a:tcPr/>
+                </a:tc>
+                <a:extLst>
+                  <a:ext uri="{0D108BD9-81ED-4DB2-BD59-A6C34878D82A}">
+                    <a16:rowId xmlns:a16="http://schemas.microsoft.com/office/drawing/2014/main" val="155503874"/>
+                  </a:ext>
+                </a:extLst>
+              </a:tr>
+              <a:tr h="196259">
+                <a:tc>
+                  <a:txBody>
+                    <a:bodyPr/>
+                    <a:lstStyle/>
+                    <a:p>
+                      <a:pPr algn="l"/>
+                      <a:r>
+                        <a:rPr lang="en-US" sz="1050" dirty="0" err="1">
+                          <a:effectLst/>
+                        </a:rPr>
+                        <a:t>Abanderada</a:t>
+                      </a:r>
+                      <a:r>
+                        <a:rPr lang="en-US" sz="1050" dirty="0">
+                          <a:effectLst/>
+                        </a:rPr>
+                        <a:t> </a:t>
+                      </a:r>
+                      <a:r>
+                        <a:rPr lang="en-US" sz="1050" dirty="0" err="1">
+                          <a:effectLst/>
+                        </a:rPr>
+                        <a:t>Petroperu</a:t>
+                      </a:r>
+                      <a:endParaRPr lang="en-US" sz="1050" dirty="0">
+                        <a:effectLst/>
+                      </a:endParaRPr>
+                    </a:p>
+                  </a:txBody>
+                  <a:tcPr marL="30376" marR="30376" marT="15188" marB="15188" anchor="ctr">
+                    <a:lnL>
+                      <a:noFill/>
+                    </a:lnL>
+                    <a:lnR>
+                      <a:noFill/>
+                    </a:lnR>
+                    <a:lnT w="9525" cap="flat" cmpd="sng" algn="ctr">
+                      <a:solidFill>
+                        <a:srgbClr val="000000"/>
+                      </a:solidFill>
+                      <a:prstDash val="solid"/>
+                      <a:round/>
+                      <a:headEnd type="none" w="med" len="med"/>
+                      <a:tailEnd type="none" w="med" len="med"/>
+                    </a:lnT>
+                    <a:lnB>
+                      <a:noFill/>
+                    </a:lnB>
+                  </a:tcPr>
+                </a:tc>
+                <a:tc>
+                  <a:txBody>
+                    <a:bodyPr/>
+                    <a:lstStyle/>
+                    <a:p>
+                      <a:r>
+                        <a:rPr lang="en-US" sz="1050" dirty="0"/>
+                        <a:t>0.027 (0.083)</a:t>
+                      </a:r>
+                    </a:p>
+                  </a:txBody>
+                  <a:tcPr marL="30376" marR="30376" marT="15188" marB="15188" anchor="ctr">
+                    <a:lnL>
+                      <a:noFill/>
+                    </a:lnL>
+                    <a:lnR>
+                      <a:noFill/>
+                    </a:lnR>
+                    <a:lnT w="9525" cap="flat" cmpd="sng" algn="ctr">
+                      <a:solidFill>
+                        <a:srgbClr val="000000"/>
+                      </a:solidFill>
+                      <a:prstDash val="solid"/>
+                      <a:round/>
+                      <a:headEnd type="none" w="med" len="med"/>
+                      <a:tailEnd type="none" w="med" len="med"/>
+                    </a:lnT>
+                    <a:lnB>
+                      <a:noFill/>
+                    </a:lnB>
+                  </a:tcPr>
+                </a:tc>
+                <a:tc>
+                  <a:txBody>
+                    <a:bodyPr/>
+                    <a:lstStyle/>
+                    <a:p>
+                      <a:r>
+                        <a:rPr lang="en-US" sz="1050"/>
+                        <a:t>0.094 (0.073)</a:t>
+                      </a:r>
+                    </a:p>
+                  </a:txBody>
+                  <a:tcPr marL="30376" marR="30376" marT="15188" marB="15188" anchor="ctr">
+                    <a:lnL>
+                      <a:noFill/>
+                    </a:lnL>
+                    <a:lnR>
+                      <a:noFill/>
+                    </a:lnR>
+                    <a:lnT w="9525" cap="flat" cmpd="sng" algn="ctr">
+                      <a:solidFill>
+                        <a:srgbClr val="000000"/>
+                      </a:solidFill>
+                      <a:prstDash val="solid"/>
+                      <a:round/>
+                      <a:headEnd type="none" w="med" len="med"/>
+                      <a:tailEnd type="none" w="med" len="med"/>
+                    </a:lnT>
+                    <a:lnB>
+                      <a:noFill/>
+                    </a:lnB>
+                  </a:tcPr>
+                </a:tc>
+                <a:extLst>
+                  <a:ext uri="{0D108BD9-81ED-4DB2-BD59-A6C34878D82A}">
+                    <a16:rowId xmlns:a16="http://schemas.microsoft.com/office/drawing/2014/main" val="2507642289"/>
+                  </a:ext>
+                </a:extLst>
+              </a:tr>
+              <a:tr h="189694">
+                <a:tc>
+                  <a:txBody>
+                    <a:bodyPr/>
+                    <a:lstStyle/>
+                    <a:p>
+                      <a:pPr algn="l"/>
+                      <a:r>
+                        <a:rPr lang="en-US" sz="1050" b="1" dirty="0" err="1">
+                          <a:effectLst/>
+                        </a:rPr>
+                        <a:t>Abanderada</a:t>
+                      </a:r>
+                      <a:r>
+                        <a:rPr lang="en-US" sz="1050" b="1" dirty="0">
+                          <a:effectLst/>
+                        </a:rPr>
+                        <a:t> Pecsa</a:t>
+                      </a:r>
+                    </a:p>
+                  </a:txBody>
+                  <a:tcPr marL="30376" marR="30376" marT="15188" marB="15188" anchor="ctr">
+                    <a:lnL>
+                      <a:noFill/>
+                    </a:lnL>
+                    <a:lnR>
+                      <a:noFill/>
+                    </a:lnR>
+                    <a:lnT>
+                      <a:noFill/>
+                    </a:lnT>
+                    <a:lnB>
+                      <a:noFill/>
+                    </a:lnB>
+                  </a:tcPr>
+                </a:tc>
+                <a:tc>
+                  <a:txBody>
+                    <a:bodyPr/>
+                    <a:lstStyle/>
+                    <a:p>
+                      <a:r>
+                        <a:rPr lang="en-US" sz="1050" b="1" dirty="0"/>
+                        <a:t>0.255</a:t>
+                      </a:r>
+                      <a:r>
+                        <a:rPr lang="en-US" sz="1050" b="1" baseline="30000" dirty="0"/>
+                        <a:t>***</a:t>
+                      </a:r>
+                      <a:r>
+                        <a:rPr lang="en-US" sz="1050" b="1" dirty="0"/>
+                        <a:t> (0.095)</a:t>
+                      </a:r>
+                    </a:p>
+                  </a:txBody>
+                  <a:tcPr marL="30376" marR="30376" marT="15188" marB="15188" anchor="ctr">
+                    <a:lnL>
+                      <a:noFill/>
+                    </a:lnL>
+                    <a:lnR>
+                      <a:noFill/>
+                    </a:lnR>
+                    <a:lnT>
+                      <a:noFill/>
+                    </a:lnT>
+                    <a:lnB>
+                      <a:noFill/>
+                    </a:lnB>
+                  </a:tcPr>
+                </a:tc>
+                <a:tc>
+                  <a:txBody>
+                    <a:bodyPr/>
+                    <a:lstStyle/>
+                    <a:p>
+                      <a:r>
+                        <a:rPr lang="en-US" sz="1050" b="1" dirty="0"/>
+                        <a:t>0.162</a:t>
+                      </a:r>
+                      <a:r>
+                        <a:rPr lang="en-US" sz="1050" b="1" baseline="30000" dirty="0"/>
+                        <a:t>*</a:t>
+                      </a:r>
+                      <a:r>
+                        <a:rPr lang="en-US" sz="1050" b="1" dirty="0"/>
+                        <a:t> (0.084)</a:t>
+                      </a:r>
+                    </a:p>
+                  </a:txBody>
+                  <a:tcPr marL="30376" marR="30376" marT="15188" marB="15188" anchor="ctr">
+                    <a:lnL>
+                      <a:noFill/>
+                    </a:lnL>
+                    <a:lnR>
+                      <a:noFill/>
+                    </a:lnR>
+                    <a:lnT>
+                      <a:noFill/>
+                    </a:lnT>
+                    <a:lnB>
+                      <a:noFill/>
+                    </a:lnB>
+                  </a:tcPr>
+                </a:tc>
+                <a:extLst>
+                  <a:ext uri="{0D108BD9-81ED-4DB2-BD59-A6C34878D82A}">
+                    <a16:rowId xmlns:a16="http://schemas.microsoft.com/office/drawing/2014/main" val="2458311688"/>
+                  </a:ext>
+                </a:extLst>
+              </a:tr>
+              <a:tr h="189694">
+                <a:tc>
+                  <a:txBody>
+                    <a:bodyPr/>
+                    <a:lstStyle/>
+                    <a:p>
+                      <a:pPr algn="l"/>
+                      <a:r>
+                        <a:rPr lang="en-US" sz="1050" b="1" dirty="0" err="1">
+                          <a:effectLst/>
+                        </a:rPr>
+                        <a:t>Abanderada</a:t>
+                      </a:r>
+                      <a:r>
+                        <a:rPr lang="en-US" sz="1050" b="1" dirty="0">
+                          <a:effectLst/>
+                        </a:rPr>
+                        <a:t> Primax</a:t>
+                      </a:r>
+                    </a:p>
+                  </a:txBody>
+                  <a:tcPr marL="30376" marR="30376" marT="15188" marB="15188" anchor="ctr">
+                    <a:lnL>
+                      <a:noFill/>
+                    </a:lnL>
+                    <a:lnR>
+                      <a:noFill/>
+                    </a:lnR>
+                    <a:lnT>
+                      <a:noFill/>
+                    </a:lnT>
+                    <a:lnB>
+                      <a:noFill/>
+                    </a:lnB>
+                  </a:tcPr>
+                </a:tc>
+                <a:tc>
+                  <a:txBody>
+                    <a:bodyPr/>
+                    <a:lstStyle/>
+                    <a:p>
+                      <a:r>
+                        <a:rPr lang="en-US" sz="1050" b="1" dirty="0"/>
+                        <a:t>0.389</a:t>
+                      </a:r>
+                      <a:r>
+                        <a:rPr lang="en-US" sz="1050" b="1" baseline="30000" dirty="0"/>
+                        <a:t>***</a:t>
+                      </a:r>
+                      <a:r>
+                        <a:rPr lang="en-US" sz="1050" b="1" dirty="0"/>
+                        <a:t> (0.072)</a:t>
+                      </a:r>
+                    </a:p>
+                  </a:txBody>
+                  <a:tcPr marL="30376" marR="30376" marT="15188" marB="15188" anchor="ctr">
+                    <a:lnL>
+                      <a:noFill/>
+                    </a:lnL>
+                    <a:lnR>
+                      <a:noFill/>
+                    </a:lnR>
+                    <a:lnT>
+                      <a:noFill/>
+                    </a:lnT>
+                    <a:lnB>
+                      <a:noFill/>
+                    </a:lnB>
+                  </a:tcPr>
+                </a:tc>
+                <a:tc>
+                  <a:txBody>
+                    <a:bodyPr/>
+                    <a:lstStyle/>
+                    <a:p>
+                      <a:r>
+                        <a:rPr lang="en-US" sz="1050" b="1"/>
+                        <a:t>0.341</a:t>
+                      </a:r>
+                      <a:r>
+                        <a:rPr lang="en-US" sz="1050" b="1" baseline="30000"/>
+                        <a:t>***</a:t>
+                      </a:r>
+                      <a:r>
+                        <a:rPr lang="en-US" sz="1050" b="1"/>
+                        <a:t> (0.063)</a:t>
+                      </a:r>
+                    </a:p>
+                  </a:txBody>
+                  <a:tcPr marL="30376" marR="30376" marT="15188" marB="15188" anchor="ctr">
+                    <a:lnL>
+                      <a:noFill/>
+                    </a:lnL>
+                    <a:lnR>
+                      <a:noFill/>
+                    </a:lnR>
+                    <a:lnT>
+                      <a:noFill/>
+                    </a:lnT>
+                    <a:lnB>
+                      <a:noFill/>
+                    </a:lnB>
+                  </a:tcPr>
+                </a:tc>
+                <a:extLst>
+                  <a:ext uri="{0D108BD9-81ED-4DB2-BD59-A6C34878D82A}">
+                    <a16:rowId xmlns:a16="http://schemas.microsoft.com/office/drawing/2014/main" val="1391850280"/>
+                  </a:ext>
+                </a:extLst>
+              </a:tr>
+              <a:tr h="189694">
+                <a:tc>
+                  <a:txBody>
+                    <a:bodyPr/>
+                    <a:lstStyle/>
+                    <a:p>
+                      <a:pPr algn="l"/>
+                      <a:r>
+                        <a:rPr lang="en-US" sz="1050" b="1">
+                          <a:effectLst/>
+                        </a:rPr>
+                        <a:t>Abanderada Repsol</a:t>
+                      </a:r>
+                    </a:p>
+                  </a:txBody>
+                  <a:tcPr marL="30376" marR="30376" marT="15188" marB="15188" anchor="ctr">
+                    <a:lnL>
+                      <a:noFill/>
+                    </a:lnL>
+                    <a:lnR>
+                      <a:noFill/>
+                    </a:lnR>
+                    <a:lnT>
+                      <a:noFill/>
+                    </a:lnT>
+                    <a:lnB>
+                      <a:noFill/>
+                    </a:lnB>
+                  </a:tcPr>
+                </a:tc>
+                <a:tc>
+                  <a:txBody>
+                    <a:bodyPr/>
+                    <a:lstStyle/>
+                    <a:p>
+                      <a:r>
+                        <a:rPr lang="en-US" sz="1050" b="1" dirty="0"/>
+                        <a:t>0.381</a:t>
+                      </a:r>
+                      <a:r>
+                        <a:rPr lang="en-US" sz="1050" b="1" baseline="30000" dirty="0"/>
+                        <a:t>***</a:t>
+                      </a:r>
+                      <a:r>
+                        <a:rPr lang="en-US" sz="1050" b="1" dirty="0"/>
+                        <a:t> (0.078)</a:t>
+                      </a:r>
+                    </a:p>
+                  </a:txBody>
+                  <a:tcPr marL="30376" marR="30376" marT="15188" marB="15188" anchor="ctr">
+                    <a:lnL>
+                      <a:noFill/>
+                    </a:lnL>
+                    <a:lnR>
+                      <a:noFill/>
+                    </a:lnR>
+                    <a:lnT>
+                      <a:noFill/>
+                    </a:lnT>
+                    <a:lnB>
+                      <a:noFill/>
+                    </a:lnB>
+                  </a:tcPr>
+                </a:tc>
+                <a:tc>
+                  <a:txBody>
+                    <a:bodyPr/>
+                    <a:lstStyle/>
+                    <a:p>
+                      <a:r>
+                        <a:rPr lang="en-US" sz="1050" b="1" dirty="0"/>
+                        <a:t>0.303</a:t>
+                      </a:r>
+                      <a:r>
+                        <a:rPr lang="en-US" sz="1050" b="1" baseline="30000" dirty="0"/>
+                        <a:t>***</a:t>
+                      </a:r>
+                      <a:r>
+                        <a:rPr lang="en-US" sz="1050" b="1" dirty="0"/>
+                        <a:t> (0.069)</a:t>
+                      </a:r>
+                    </a:p>
+                  </a:txBody>
+                  <a:tcPr marL="30376" marR="30376" marT="15188" marB="15188" anchor="ctr">
+                    <a:lnL>
+                      <a:noFill/>
+                    </a:lnL>
+                    <a:lnR>
+                      <a:noFill/>
+                    </a:lnR>
+                    <a:lnT>
+                      <a:noFill/>
+                    </a:lnT>
+                    <a:lnB>
+                      <a:noFill/>
+                    </a:lnB>
+                  </a:tcPr>
+                </a:tc>
+                <a:extLst>
+                  <a:ext uri="{0D108BD9-81ED-4DB2-BD59-A6C34878D82A}">
+                    <a16:rowId xmlns:a16="http://schemas.microsoft.com/office/drawing/2014/main" val="1710274530"/>
+                  </a:ext>
+                </a:extLst>
+              </a:tr>
+              <a:tr h="189694">
+                <a:tc>
+                  <a:txBody>
+                    <a:bodyPr/>
+                    <a:lstStyle/>
+                    <a:p>
+                      <a:pPr algn="l"/>
+                      <a:r>
+                        <a:rPr lang="en-US" sz="1050" dirty="0">
+                          <a:effectLst/>
+                        </a:rPr>
+                        <a:t>Propia Pecsa</a:t>
+                      </a:r>
+                    </a:p>
+                  </a:txBody>
+                  <a:tcPr marL="30376" marR="30376" marT="15188" marB="15188" anchor="ctr">
+                    <a:lnL>
+                      <a:noFill/>
+                    </a:lnL>
+                    <a:lnR>
+                      <a:noFill/>
+                    </a:lnR>
+                    <a:lnT>
+                      <a:noFill/>
+                    </a:lnT>
+                    <a:lnB>
+                      <a:noFill/>
+                    </a:lnB>
+                  </a:tcPr>
+                </a:tc>
+                <a:tc>
+                  <a:txBody>
+                    <a:bodyPr/>
+                    <a:lstStyle/>
+                    <a:p>
+                      <a:r>
+                        <a:rPr lang="en-US" sz="1050"/>
+                        <a:t>0.142 (0.104)</a:t>
+                      </a:r>
+                    </a:p>
+                  </a:txBody>
+                  <a:tcPr marL="30376" marR="30376" marT="15188" marB="15188" anchor="ctr">
+                    <a:lnL>
+                      <a:noFill/>
+                    </a:lnL>
+                    <a:lnR>
+                      <a:noFill/>
+                    </a:lnR>
+                    <a:lnT>
+                      <a:noFill/>
+                    </a:lnT>
+                    <a:lnB>
+                      <a:noFill/>
+                    </a:lnB>
+                  </a:tcPr>
+                </a:tc>
+                <a:tc>
+                  <a:txBody>
+                    <a:bodyPr/>
+                    <a:lstStyle/>
+                    <a:p>
+                      <a:r>
+                        <a:rPr lang="en-US" sz="1050"/>
+                        <a:t>0.006 (0.092)</a:t>
+                      </a:r>
+                    </a:p>
+                  </a:txBody>
+                  <a:tcPr marL="30376" marR="30376" marT="15188" marB="15188" anchor="ctr">
+                    <a:lnL>
+                      <a:noFill/>
+                    </a:lnL>
+                    <a:lnR>
+                      <a:noFill/>
+                    </a:lnR>
+                    <a:lnT>
+                      <a:noFill/>
+                    </a:lnT>
+                    <a:lnB>
+                      <a:noFill/>
+                    </a:lnB>
+                  </a:tcPr>
+                </a:tc>
+                <a:extLst>
+                  <a:ext uri="{0D108BD9-81ED-4DB2-BD59-A6C34878D82A}">
+                    <a16:rowId xmlns:a16="http://schemas.microsoft.com/office/drawing/2014/main" val="1355652010"/>
+                  </a:ext>
+                </a:extLst>
+              </a:tr>
+              <a:tr h="189694">
+                <a:tc>
+                  <a:txBody>
+                    <a:bodyPr/>
+                    <a:lstStyle/>
+                    <a:p>
+                      <a:pPr algn="l"/>
+                      <a:r>
+                        <a:rPr lang="en-US" sz="1050" b="1" dirty="0">
+                          <a:effectLst/>
+                        </a:rPr>
+                        <a:t>Propia Primax</a:t>
+                      </a:r>
+                    </a:p>
+                  </a:txBody>
+                  <a:tcPr marL="30376" marR="30376" marT="15188" marB="15188" anchor="ctr">
+                    <a:lnL>
+                      <a:noFill/>
+                    </a:lnL>
+                    <a:lnR>
+                      <a:noFill/>
+                    </a:lnR>
+                    <a:lnT>
+                      <a:noFill/>
+                    </a:lnT>
+                    <a:lnB>
+                      <a:noFill/>
+                    </a:lnB>
+                  </a:tcPr>
+                </a:tc>
+                <a:tc>
+                  <a:txBody>
+                    <a:bodyPr/>
+                    <a:lstStyle/>
+                    <a:p>
+                      <a:r>
+                        <a:rPr lang="en-US" sz="1050" b="1" dirty="0"/>
+                        <a:t>0.604</a:t>
+                      </a:r>
+                      <a:r>
+                        <a:rPr lang="en-US" sz="1050" b="1" baseline="30000" dirty="0"/>
+                        <a:t>***</a:t>
+                      </a:r>
+                      <a:r>
+                        <a:rPr lang="en-US" sz="1050" b="1" dirty="0"/>
+                        <a:t> (0.092)</a:t>
+                      </a:r>
+                    </a:p>
+                  </a:txBody>
+                  <a:tcPr marL="30376" marR="30376" marT="15188" marB="15188" anchor="ctr">
+                    <a:lnL>
+                      <a:noFill/>
+                    </a:lnL>
+                    <a:lnR>
+                      <a:noFill/>
+                    </a:lnR>
+                    <a:lnT>
+                      <a:noFill/>
+                    </a:lnT>
+                    <a:lnB>
+                      <a:noFill/>
+                    </a:lnB>
+                  </a:tcPr>
+                </a:tc>
+                <a:tc>
+                  <a:txBody>
+                    <a:bodyPr/>
+                    <a:lstStyle/>
+                    <a:p>
+                      <a:r>
+                        <a:rPr lang="en-US" sz="1050" b="1" dirty="0"/>
+                        <a:t>0.618</a:t>
+                      </a:r>
+                      <a:r>
+                        <a:rPr lang="en-US" sz="1050" b="1" baseline="30000" dirty="0"/>
+                        <a:t>***</a:t>
+                      </a:r>
+                      <a:r>
+                        <a:rPr lang="en-US" sz="1050" b="1" dirty="0"/>
+                        <a:t> (0.082)</a:t>
+                      </a:r>
+                    </a:p>
+                  </a:txBody>
+                  <a:tcPr marL="30376" marR="30376" marT="15188" marB="15188" anchor="ctr">
+                    <a:lnL>
+                      <a:noFill/>
+                    </a:lnL>
+                    <a:lnR>
+                      <a:noFill/>
+                    </a:lnR>
+                    <a:lnT>
+                      <a:noFill/>
+                    </a:lnT>
+                    <a:lnB>
+                      <a:noFill/>
+                    </a:lnB>
+                  </a:tcPr>
+                </a:tc>
+                <a:extLst>
+                  <a:ext uri="{0D108BD9-81ED-4DB2-BD59-A6C34878D82A}">
+                    <a16:rowId xmlns:a16="http://schemas.microsoft.com/office/drawing/2014/main" val="3334269248"/>
+                  </a:ext>
+                </a:extLst>
+              </a:tr>
+              <a:tr h="189694">
+                <a:tc>
+                  <a:txBody>
+                    <a:bodyPr/>
+                    <a:lstStyle/>
+                    <a:p>
+                      <a:pPr algn="l"/>
+                      <a:r>
+                        <a:rPr lang="en-US" sz="1050" b="1" dirty="0">
+                          <a:effectLst/>
+                        </a:rPr>
+                        <a:t>Propia Repsol</a:t>
+                      </a:r>
+                    </a:p>
+                  </a:txBody>
+                  <a:tcPr marL="30376" marR="30376" marT="15188" marB="15188" anchor="ctr">
+                    <a:lnL>
+                      <a:noFill/>
+                    </a:lnL>
+                    <a:lnR>
+                      <a:noFill/>
+                    </a:lnR>
+                    <a:lnT>
+                      <a:noFill/>
+                    </a:lnT>
+                    <a:lnB>
+                      <a:noFill/>
+                    </a:lnB>
+                  </a:tcPr>
+                </a:tc>
+                <a:tc>
+                  <a:txBody>
+                    <a:bodyPr/>
+                    <a:lstStyle/>
+                    <a:p>
+                      <a:r>
+                        <a:rPr lang="en-US" sz="1050" b="1"/>
+                        <a:t>0.402</a:t>
+                      </a:r>
+                      <a:r>
+                        <a:rPr lang="en-US" sz="1050" b="1" baseline="30000"/>
+                        <a:t>***</a:t>
+                      </a:r>
+                      <a:r>
+                        <a:rPr lang="en-US" sz="1050" b="1"/>
+                        <a:t> (0.081)</a:t>
+                      </a:r>
+                    </a:p>
+                  </a:txBody>
+                  <a:tcPr marL="30376" marR="30376" marT="15188" marB="15188" anchor="ctr">
+                    <a:lnL>
+                      <a:noFill/>
+                    </a:lnL>
+                    <a:lnR>
+                      <a:noFill/>
+                    </a:lnR>
+                    <a:lnT>
+                      <a:noFill/>
+                    </a:lnT>
+                    <a:lnB>
+                      <a:noFill/>
+                    </a:lnB>
+                  </a:tcPr>
+                </a:tc>
+                <a:tc>
+                  <a:txBody>
+                    <a:bodyPr/>
+                    <a:lstStyle/>
+                    <a:p>
+                      <a:r>
+                        <a:rPr lang="en-US" sz="1050" b="1" dirty="0"/>
+                        <a:t>0.405</a:t>
+                      </a:r>
+                      <a:r>
+                        <a:rPr lang="en-US" sz="1050" b="1" baseline="30000" dirty="0"/>
+                        <a:t>***</a:t>
+                      </a:r>
+                      <a:r>
+                        <a:rPr lang="en-US" sz="1050" b="1" dirty="0"/>
+                        <a:t> (0.072)</a:t>
+                      </a:r>
+                    </a:p>
+                  </a:txBody>
+                  <a:tcPr marL="30376" marR="30376" marT="15188" marB="15188" anchor="ctr">
+                    <a:lnL>
+                      <a:noFill/>
+                    </a:lnL>
+                    <a:lnR>
+                      <a:noFill/>
+                    </a:lnR>
+                    <a:lnT>
+                      <a:noFill/>
+                    </a:lnT>
+                    <a:lnB>
+                      <a:noFill/>
+                    </a:lnB>
+                  </a:tcPr>
+                </a:tc>
+                <a:extLst>
+                  <a:ext uri="{0D108BD9-81ED-4DB2-BD59-A6C34878D82A}">
+                    <a16:rowId xmlns:a16="http://schemas.microsoft.com/office/drawing/2014/main" val="3031256625"/>
+                  </a:ext>
+                </a:extLst>
+              </a:tr>
+              <a:tr h="189694">
+                <a:tc>
+                  <a:txBody>
+                    <a:bodyPr/>
+                    <a:lstStyle/>
+                    <a:p>
+                      <a:pPr algn="l"/>
+                      <a:r>
+                        <a:rPr lang="en-US" sz="1050">
+                          <a:effectLst/>
+                        </a:rPr>
+                        <a:t>SC</a:t>
+                      </a:r>
+                    </a:p>
+                  </a:txBody>
+                  <a:tcPr marL="30376" marR="30376" marT="15188" marB="15188" anchor="ctr">
+                    <a:lnL>
+                      <a:noFill/>
+                    </a:lnL>
+                    <a:lnR>
+                      <a:noFill/>
+                    </a:lnR>
+                    <a:lnT>
+                      <a:noFill/>
+                    </a:lnT>
+                    <a:lnB>
+                      <a:noFill/>
+                    </a:lnB>
+                  </a:tcPr>
+                </a:tc>
+                <a:tc>
+                  <a:txBody>
+                    <a:bodyPr/>
+                    <a:lstStyle/>
+                    <a:p>
+                      <a:r>
+                        <a:rPr lang="en-US" sz="1050"/>
+                        <a:t>0.080 (0.162)</a:t>
+                      </a:r>
+                    </a:p>
+                  </a:txBody>
+                  <a:tcPr marL="30376" marR="30376" marT="15188" marB="15188" anchor="ctr">
+                    <a:lnL>
+                      <a:noFill/>
+                    </a:lnL>
+                    <a:lnR>
+                      <a:noFill/>
+                    </a:lnR>
+                    <a:lnT>
+                      <a:noFill/>
+                    </a:lnT>
+                    <a:lnB>
+                      <a:noFill/>
+                    </a:lnB>
+                  </a:tcPr>
+                </a:tc>
+                <a:tc>
+                  <a:txBody>
+                    <a:bodyPr/>
+                    <a:lstStyle/>
+                    <a:p>
+                      <a:r>
+                        <a:rPr lang="en-US" sz="1050"/>
+                        <a:t>-0.061 (0.086)</a:t>
+                      </a:r>
+                    </a:p>
+                  </a:txBody>
+                  <a:tcPr marL="30376" marR="30376" marT="15188" marB="15188" anchor="ctr">
+                    <a:lnL>
+                      <a:noFill/>
+                    </a:lnL>
+                    <a:lnR>
+                      <a:noFill/>
+                    </a:lnR>
+                    <a:lnT>
+                      <a:noFill/>
+                    </a:lnT>
+                    <a:lnB>
+                      <a:noFill/>
+                    </a:lnB>
+                  </a:tcPr>
+                </a:tc>
+                <a:extLst>
+                  <a:ext uri="{0D108BD9-81ED-4DB2-BD59-A6C34878D82A}">
+                    <a16:rowId xmlns:a16="http://schemas.microsoft.com/office/drawing/2014/main" val="2448249486"/>
+                  </a:ext>
+                </a:extLst>
+              </a:tr>
+              <a:tr h="189694">
+                <a:tc>
+                  <a:txBody>
+                    <a:bodyPr/>
+                    <a:lstStyle/>
+                    <a:p>
+                      <a:pPr algn="l"/>
+                      <a:r>
+                        <a:rPr lang="en-US" sz="1050">
+                          <a:effectLst/>
+                        </a:rPr>
+                        <a:t>DPROM</a:t>
+                      </a:r>
+                    </a:p>
+                  </a:txBody>
+                  <a:tcPr marL="30376" marR="30376" marT="15188" marB="15188" anchor="ctr">
+                    <a:lnL>
+                      <a:noFill/>
+                    </a:lnL>
+                    <a:lnR>
+                      <a:noFill/>
+                    </a:lnR>
+                    <a:lnT>
+                      <a:noFill/>
+                    </a:lnT>
+                    <a:lnB>
+                      <a:noFill/>
+                    </a:lnB>
+                  </a:tcPr>
+                </a:tc>
+                <a:tc>
+                  <a:txBody>
+                    <a:bodyPr/>
+                    <a:lstStyle/>
+                    <a:p>
+                      <a:r>
+                        <a:rPr lang="en-US" sz="1050" dirty="0"/>
+                        <a:t>0.162 (0.166)</a:t>
+                      </a:r>
+                    </a:p>
+                  </a:txBody>
+                  <a:tcPr marL="30376" marR="30376" marT="15188" marB="15188" anchor="ctr">
+                    <a:lnL>
+                      <a:noFill/>
+                    </a:lnL>
+                    <a:lnR>
+                      <a:noFill/>
+                    </a:lnR>
+                    <a:lnT>
+                      <a:noFill/>
+                    </a:lnT>
+                    <a:lnB>
+                      <a:noFill/>
+                    </a:lnB>
+                  </a:tcPr>
+                </a:tc>
+                <a:tc>
+                  <a:txBody>
+                    <a:bodyPr/>
+                    <a:lstStyle/>
+                    <a:p>
+                      <a:r>
+                        <a:rPr lang="en-US" sz="1050"/>
+                        <a:t>0.189 (0.148)</a:t>
+                      </a:r>
+                    </a:p>
+                  </a:txBody>
+                  <a:tcPr marL="30376" marR="30376" marT="15188" marB="15188" anchor="ctr">
+                    <a:lnL>
+                      <a:noFill/>
+                    </a:lnL>
+                    <a:lnR>
+                      <a:noFill/>
+                    </a:lnR>
+                    <a:lnT>
+                      <a:noFill/>
+                    </a:lnT>
+                    <a:lnB>
+                      <a:noFill/>
+                    </a:lnB>
+                  </a:tcPr>
+                </a:tc>
+                <a:extLst>
+                  <a:ext uri="{0D108BD9-81ED-4DB2-BD59-A6C34878D82A}">
+                    <a16:rowId xmlns:a16="http://schemas.microsoft.com/office/drawing/2014/main" val="3291359018"/>
+                  </a:ext>
+                </a:extLst>
+              </a:tr>
+              <a:tr h="189694">
+                <a:tc>
+                  <a:txBody>
+                    <a:bodyPr/>
+                    <a:lstStyle/>
+                    <a:p>
+                      <a:pPr algn="l"/>
+                      <a:r>
+                        <a:rPr lang="en-US" sz="1050">
+                          <a:effectLst/>
+                        </a:rPr>
+                        <a:t>DMIN</a:t>
+                      </a:r>
+                    </a:p>
+                  </a:txBody>
+                  <a:tcPr marL="30376" marR="30376" marT="15188" marB="15188" anchor="ctr">
+                    <a:lnL>
+                      <a:noFill/>
+                    </a:lnL>
+                    <a:lnR>
+                      <a:noFill/>
+                    </a:lnR>
+                    <a:lnT>
+                      <a:noFill/>
+                    </a:lnT>
+                    <a:lnB>
+                      <a:noFill/>
+                    </a:lnB>
+                  </a:tcPr>
+                </a:tc>
+                <a:tc>
+                  <a:txBody>
+                    <a:bodyPr/>
+                    <a:lstStyle/>
+                    <a:p>
+                      <a:r>
+                        <a:rPr lang="en-US" sz="1050" dirty="0"/>
+                        <a:t>-0.021 (0.069)</a:t>
+                      </a:r>
+                    </a:p>
+                  </a:txBody>
+                  <a:tcPr marL="30376" marR="30376" marT="15188" marB="15188" anchor="ctr">
+                    <a:lnL>
+                      <a:noFill/>
+                    </a:lnL>
+                    <a:lnR>
+                      <a:noFill/>
+                    </a:lnR>
+                    <a:lnT>
+                      <a:noFill/>
+                    </a:lnT>
+                    <a:lnB>
+                      <a:noFill/>
+                    </a:lnB>
+                  </a:tcPr>
+                </a:tc>
+                <a:tc>
+                  <a:txBody>
+                    <a:bodyPr/>
+                    <a:lstStyle/>
+                    <a:p>
+                      <a:r>
+                        <a:rPr lang="en-US" sz="1050"/>
+                        <a:t>-0.085 (0.061)</a:t>
+                      </a:r>
+                    </a:p>
+                  </a:txBody>
+                  <a:tcPr marL="30376" marR="30376" marT="15188" marB="15188" anchor="ctr">
+                    <a:lnL>
+                      <a:noFill/>
+                    </a:lnL>
+                    <a:lnR>
+                      <a:noFill/>
+                    </a:lnR>
+                    <a:lnT>
+                      <a:noFill/>
+                    </a:lnT>
+                    <a:lnB>
+                      <a:noFill/>
+                    </a:lnB>
+                  </a:tcPr>
+                </a:tc>
+                <a:extLst>
+                  <a:ext uri="{0D108BD9-81ED-4DB2-BD59-A6C34878D82A}">
+                    <a16:rowId xmlns:a16="http://schemas.microsoft.com/office/drawing/2014/main" val="59939575"/>
+                  </a:ext>
+                </a:extLst>
+              </a:tr>
+              <a:tr h="189694">
+                <a:tc>
+                  <a:txBody>
+                    <a:bodyPr/>
+                    <a:lstStyle/>
+                    <a:p>
+                      <a:pPr algn="l"/>
+                      <a:r>
+                        <a:rPr lang="en-US" sz="1050" b="1" dirty="0">
+                          <a:effectLst/>
+                        </a:rPr>
+                        <a:t>NCERC</a:t>
+                      </a:r>
+                    </a:p>
+                  </a:txBody>
+                  <a:tcPr marL="30376" marR="30376" marT="15188" marB="15188" anchor="ctr">
+                    <a:lnL>
+                      <a:noFill/>
+                    </a:lnL>
+                    <a:lnR>
+                      <a:noFill/>
+                    </a:lnR>
+                    <a:lnT>
+                      <a:noFill/>
+                    </a:lnT>
+                    <a:lnB>
+                      <a:noFill/>
+                    </a:lnB>
+                  </a:tcPr>
+                </a:tc>
+                <a:tc>
+                  <a:txBody>
+                    <a:bodyPr/>
+                    <a:lstStyle/>
+                    <a:p>
+                      <a:r>
+                        <a:rPr lang="en-US" sz="1050" b="1" dirty="0"/>
+                        <a:t>-0.010</a:t>
+                      </a:r>
+                      <a:r>
+                        <a:rPr lang="en-US" sz="1050" b="1" baseline="30000" dirty="0"/>
+                        <a:t>**</a:t>
+                      </a:r>
+                      <a:r>
+                        <a:rPr lang="en-US" sz="1050" b="1" dirty="0"/>
+                        <a:t> (0.004)</a:t>
+                      </a:r>
+                    </a:p>
+                  </a:txBody>
+                  <a:tcPr marL="30376" marR="30376" marT="15188" marB="15188" anchor="ctr">
+                    <a:lnL>
+                      <a:noFill/>
+                    </a:lnL>
+                    <a:lnR>
+                      <a:noFill/>
+                    </a:lnR>
+                    <a:lnT>
+                      <a:noFill/>
+                    </a:lnT>
+                    <a:lnB>
+                      <a:noFill/>
+                    </a:lnB>
+                  </a:tcPr>
+                </a:tc>
+                <a:tc>
+                  <a:txBody>
+                    <a:bodyPr/>
+                    <a:lstStyle/>
+                    <a:p>
+                      <a:r>
+                        <a:rPr lang="en-US" sz="1050" b="1" dirty="0"/>
+                        <a:t>-0.014</a:t>
+                      </a:r>
+                      <a:r>
+                        <a:rPr lang="en-US" sz="1050" b="1" baseline="30000" dirty="0"/>
+                        <a:t>***</a:t>
+                      </a:r>
+                      <a:r>
+                        <a:rPr lang="en-US" sz="1050" b="1" dirty="0"/>
+                        <a:t> (0.003)</a:t>
+                      </a:r>
+                    </a:p>
+                  </a:txBody>
+                  <a:tcPr marL="30376" marR="30376" marT="15188" marB="15188" anchor="ctr">
+                    <a:lnL>
+                      <a:noFill/>
+                    </a:lnL>
+                    <a:lnR>
+                      <a:noFill/>
+                    </a:lnR>
+                    <a:lnT>
+                      <a:noFill/>
+                    </a:lnT>
+                    <a:lnB>
+                      <a:noFill/>
+                    </a:lnB>
+                  </a:tcPr>
+                </a:tc>
+                <a:extLst>
+                  <a:ext uri="{0D108BD9-81ED-4DB2-BD59-A6C34878D82A}">
+                    <a16:rowId xmlns:a16="http://schemas.microsoft.com/office/drawing/2014/main" val="2683656051"/>
+                  </a:ext>
+                </a:extLst>
+              </a:tr>
+              <a:tr h="189694">
+                <a:tc>
+                  <a:txBody>
+                    <a:bodyPr/>
+                    <a:lstStyle/>
+                    <a:p>
+                      <a:pPr algn="l"/>
+                      <a:r>
+                        <a:rPr lang="en-US" sz="1050">
+                          <a:effectLst/>
+                        </a:rPr>
+                        <a:t>MECANICO</a:t>
+                      </a:r>
+                    </a:p>
+                  </a:txBody>
+                  <a:tcPr marL="30376" marR="30376" marT="15188" marB="15188" anchor="ctr">
+                    <a:lnL>
+                      <a:noFill/>
+                    </a:lnL>
+                    <a:lnR>
+                      <a:noFill/>
+                    </a:lnR>
+                    <a:lnT>
+                      <a:noFill/>
+                    </a:lnT>
+                    <a:lnB>
+                      <a:noFill/>
+                    </a:lnB>
+                  </a:tcPr>
+                </a:tc>
+                <a:tc>
+                  <a:txBody>
+                    <a:bodyPr/>
+                    <a:lstStyle/>
+                    <a:p>
+                      <a:r>
+                        <a:rPr lang="en-US" sz="1050" dirty="0"/>
+                        <a:t>0.047 (0.063)</a:t>
+                      </a:r>
+                    </a:p>
+                  </a:txBody>
+                  <a:tcPr marL="30376" marR="30376" marT="15188" marB="15188" anchor="ctr">
+                    <a:lnL>
+                      <a:noFill/>
+                    </a:lnL>
+                    <a:lnR>
+                      <a:noFill/>
+                    </a:lnR>
+                    <a:lnT>
+                      <a:noFill/>
+                    </a:lnT>
+                    <a:lnB>
+                      <a:noFill/>
+                    </a:lnB>
+                  </a:tcPr>
+                </a:tc>
+                <a:tc>
+                  <a:txBody>
+                    <a:bodyPr/>
+                    <a:lstStyle/>
+                    <a:p>
+                      <a:r>
+                        <a:rPr lang="en-US" sz="1050"/>
+                        <a:t>0.074 (0.056)</a:t>
+                      </a:r>
+                    </a:p>
+                  </a:txBody>
+                  <a:tcPr marL="30376" marR="30376" marT="15188" marB="15188" anchor="ctr">
+                    <a:lnL>
+                      <a:noFill/>
+                    </a:lnL>
+                    <a:lnR>
+                      <a:noFill/>
+                    </a:lnR>
+                    <a:lnT>
+                      <a:noFill/>
+                    </a:lnT>
+                    <a:lnB>
+                      <a:noFill/>
+                    </a:lnB>
+                  </a:tcPr>
+                </a:tc>
+                <a:extLst>
+                  <a:ext uri="{0D108BD9-81ED-4DB2-BD59-A6C34878D82A}">
+                    <a16:rowId xmlns:a16="http://schemas.microsoft.com/office/drawing/2014/main" val="4252995770"/>
+                  </a:ext>
+                </a:extLst>
+              </a:tr>
+              <a:tr h="189694">
+                <a:tc>
+                  <a:txBody>
+                    <a:bodyPr/>
+                    <a:lstStyle/>
+                    <a:p>
+                      <a:pPr algn="l"/>
+                      <a:r>
+                        <a:rPr lang="en-US" sz="1050">
+                          <a:effectLst/>
+                        </a:rPr>
+                        <a:t>LAVADO</a:t>
+                      </a:r>
+                    </a:p>
+                  </a:txBody>
+                  <a:tcPr marL="30376" marR="30376" marT="15188" marB="15188" anchor="ctr">
+                    <a:lnL>
+                      <a:noFill/>
+                    </a:lnL>
+                    <a:lnR>
+                      <a:noFill/>
+                    </a:lnR>
+                    <a:lnT>
+                      <a:noFill/>
+                    </a:lnT>
+                    <a:lnB>
+                      <a:noFill/>
+                    </a:lnB>
+                  </a:tcPr>
+                </a:tc>
+                <a:tc>
+                  <a:txBody>
+                    <a:bodyPr/>
+                    <a:lstStyle/>
+                    <a:p>
+                      <a:r>
+                        <a:rPr lang="en-US" sz="1050" dirty="0"/>
+                        <a:t>-0.099 (0.074)</a:t>
+                      </a:r>
+                    </a:p>
+                  </a:txBody>
+                  <a:tcPr marL="30376" marR="30376" marT="15188" marB="15188" anchor="ctr">
+                    <a:lnL>
+                      <a:noFill/>
+                    </a:lnL>
+                    <a:lnR>
+                      <a:noFill/>
+                    </a:lnR>
+                    <a:lnT>
+                      <a:noFill/>
+                    </a:lnT>
+                    <a:lnB>
+                      <a:noFill/>
+                    </a:lnB>
+                  </a:tcPr>
+                </a:tc>
+                <a:tc>
+                  <a:txBody>
+                    <a:bodyPr/>
+                    <a:lstStyle/>
+                    <a:p>
+                      <a:r>
+                        <a:rPr lang="en-US" sz="1050"/>
+                        <a:t>-0.066 (0.066)</a:t>
+                      </a:r>
+                    </a:p>
+                  </a:txBody>
+                  <a:tcPr marL="30376" marR="30376" marT="15188" marB="15188" anchor="ctr">
+                    <a:lnL>
+                      <a:noFill/>
+                    </a:lnL>
+                    <a:lnR>
+                      <a:noFill/>
+                    </a:lnR>
+                    <a:lnT>
+                      <a:noFill/>
+                    </a:lnT>
+                    <a:lnB>
+                      <a:noFill/>
+                    </a:lnB>
+                  </a:tcPr>
+                </a:tc>
+                <a:extLst>
+                  <a:ext uri="{0D108BD9-81ED-4DB2-BD59-A6C34878D82A}">
+                    <a16:rowId xmlns:a16="http://schemas.microsoft.com/office/drawing/2014/main" val="2371618671"/>
+                  </a:ext>
+                </a:extLst>
+              </a:tr>
+              <a:tr h="189694">
+                <a:tc>
+                  <a:txBody>
+                    <a:bodyPr/>
+                    <a:lstStyle/>
+                    <a:p>
+                      <a:pPr algn="l"/>
+                      <a:r>
+                        <a:rPr lang="en-US" sz="1050">
+                          <a:effectLst/>
+                        </a:rPr>
+                        <a:t>CAJERO</a:t>
+                      </a:r>
+                    </a:p>
+                  </a:txBody>
+                  <a:tcPr marL="30376" marR="30376" marT="15188" marB="15188" anchor="ctr">
+                    <a:lnL>
+                      <a:noFill/>
+                    </a:lnL>
+                    <a:lnR>
+                      <a:noFill/>
+                    </a:lnR>
+                    <a:lnT>
+                      <a:noFill/>
+                    </a:lnT>
+                    <a:lnB>
+                      <a:noFill/>
+                    </a:lnB>
+                  </a:tcPr>
+                </a:tc>
+                <a:tc>
+                  <a:txBody>
+                    <a:bodyPr/>
+                    <a:lstStyle/>
+                    <a:p>
+                      <a:r>
+                        <a:rPr lang="en-US" sz="1050" dirty="0"/>
+                        <a:t>0.125</a:t>
+                      </a:r>
+                      <a:r>
+                        <a:rPr lang="en-US" sz="1050" baseline="30000" dirty="0"/>
+                        <a:t>**</a:t>
+                      </a:r>
+                      <a:r>
+                        <a:rPr lang="en-US" sz="1050" dirty="0"/>
+                        <a:t> (0.053)</a:t>
+                      </a:r>
+                    </a:p>
+                  </a:txBody>
+                  <a:tcPr marL="30376" marR="30376" marT="15188" marB="15188" anchor="ctr">
+                    <a:lnL>
+                      <a:noFill/>
+                    </a:lnL>
+                    <a:lnR>
+                      <a:noFill/>
+                    </a:lnR>
+                    <a:lnT>
+                      <a:noFill/>
+                    </a:lnT>
+                    <a:lnB>
+                      <a:noFill/>
+                    </a:lnB>
+                  </a:tcPr>
+                </a:tc>
+                <a:tc>
+                  <a:txBody>
+                    <a:bodyPr/>
+                    <a:lstStyle/>
+                    <a:p>
+                      <a:r>
+                        <a:rPr lang="en-US" sz="1050"/>
+                        <a:t>0.073 (0.047)</a:t>
+                      </a:r>
+                    </a:p>
+                  </a:txBody>
+                  <a:tcPr marL="30376" marR="30376" marT="15188" marB="15188" anchor="ctr">
+                    <a:lnL>
+                      <a:noFill/>
+                    </a:lnL>
+                    <a:lnR>
+                      <a:noFill/>
+                    </a:lnR>
+                    <a:lnT>
+                      <a:noFill/>
+                    </a:lnT>
+                    <a:lnB>
+                      <a:noFill/>
+                    </a:lnB>
+                  </a:tcPr>
+                </a:tc>
+                <a:extLst>
+                  <a:ext uri="{0D108BD9-81ED-4DB2-BD59-A6C34878D82A}">
+                    <a16:rowId xmlns:a16="http://schemas.microsoft.com/office/drawing/2014/main" val="2390159604"/>
+                  </a:ext>
+                </a:extLst>
+              </a:tr>
+              <a:tr h="189694">
+                <a:tc>
+                  <a:txBody>
+                    <a:bodyPr/>
+                    <a:lstStyle/>
+                    <a:p>
+                      <a:pPr algn="l"/>
+                      <a:r>
+                        <a:rPr lang="en-US" sz="1050">
+                          <a:effectLst/>
+                        </a:rPr>
+                        <a:t>GNV</a:t>
+                      </a:r>
+                    </a:p>
+                  </a:txBody>
+                  <a:tcPr marL="30376" marR="30376" marT="15188" marB="15188" anchor="ctr">
+                    <a:lnL>
+                      <a:noFill/>
+                    </a:lnL>
+                    <a:lnR>
+                      <a:noFill/>
+                    </a:lnR>
+                    <a:lnT>
+                      <a:noFill/>
+                    </a:lnT>
+                    <a:lnB>
+                      <a:noFill/>
+                    </a:lnB>
+                  </a:tcPr>
+                </a:tc>
+                <a:tc>
+                  <a:txBody>
+                    <a:bodyPr/>
+                    <a:lstStyle/>
+                    <a:p>
+                      <a:r>
+                        <a:rPr lang="en-US" sz="1050" dirty="0"/>
+                        <a:t>-0.042 (0.054)</a:t>
+                      </a:r>
+                    </a:p>
+                  </a:txBody>
+                  <a:tcPr marL="30376" marR="30376" marT="15188" marB="15188" anchor="ctr">
+                    <a:lnL>
+                      <a:noFill/>
+                    </a:lnL>
+                    <a:lnR>
+                      <a:noFill/>
+                    </a:lnR>
+                    <a:lnT>
+                      <a:noFill/>
+                    </a:lnT>
+                    <a:lnB>
+                      <a:noFill/>
+                    </a:lnB>
+                  </a:tcPr>
+                </a:tc>
+                <a:tc>
+                  <a:txBody>
+                    <a:bodyPr/>
+                    <a:lstStyle/>
+                    <a:p>
+                      <a:r>
+                        <a:rPr lang="en-US" sz="1050"/>
+                        <a:t>-0.074 (0.048)</a:t>
+                      </a:r>
+                    </a:p>
+                  </a:txBody>
+                  <a:tcPr marL="30376" marR="30376" marT="15188" marB="15188" anchor="ctr">
+                    <a:lnL>
+                      <a:noFill/>
+                    </a:lnL>
+                    <a:lnR>
+                      <a:noFill/>
+                    </a:lnR>
+                    <a:lnT>
+                      <a:noFill/>
+                    </a:lnT>
+                    <a:lnB>
+                      <a:noFill/>
+                    </a:lnB>
+                  </a:tcPr>
+                </a:tc>
+                <a:extLst>
+                  <a:ext uri="{0D108BD9-81ED-4DB2-BD59-A6C34878D82A}">
+                    <a16:rowId xmlns:a16="http://schemas.microsoft.com/office/drawing/2014/main" val="1503753419"/>
+                  </a:ext>
+                </a:extLst>
+              </a:tr>
+              <a:tr h="189694">
+                <a:tc>
+                  <a:txBody>
+                    <a:bodyPr/>
+                    <a:lstStyle/>
+                    <a:p>
+                      <a:pPr algn="l"/>
+                      <a:r>
+                        <a:rPr lang="en-US" sz="1050">
+                          <a:effectLst/>
+                        </a:rPr>
+                        <a:t>GLP</a:t>
+                      </a:r>
+                    </a:p>
+                  </a:txBody>
+                  <a:tcPr marL="30376" marR="30376" marT="15188" marB="15188" anchor="ctr">
+                    <a:lnL>
+                      <a:noFill/>
+                    </a:lnL>
+                    <a:lnR>
+                      <a:noFill/>
+                    </a:lnR>
+                    <a:lnT>
+                      <a:noFill/>
+                    </a:lnT>
+                    <a:lnB>
+                      <a:noFill/>
+                    </a:lnB>
+                  </a:tcPr>
+                </a:tc>
+                <a:tc>
+                  <a:txBody>
+                    <a:bodyPr/>
+                    <a:lstStyle/>
+                    <a:p>
+                      <a:r>
+                        <a:rPr lang="en-US" sz="1050" dirty="0"/>
+                        <a:t>-0.019 (0.053)</a:t>
+                      </a:r>
+                    </a:p>
+                  </a:txBody>
+                  <a:tcPr marL="30376" marR="30376" marT="15188" marB="15188" anchor="ctr">
+                    <a:lnL>
+                      <a:noFill/>
+                    </a:lnL>
+                    <a:lnR>
+                      <a:noFill/>
+                    </a:lnR>
+                    <a:lnT>
+                      <a:noFill/>
+                    </a:lnT>
+                    <a:lnB>
+                      <a:noFill/>
+                    </a:lnB>
+                  </a:tcPr>
+                </a:tc>
+                <a:tc>
+                  <a:txBody>
+                    <a:bodyPr/>
+                    <a:lstStyle/>
+                    <a:p>
+                      <a:r>
+                        <a:rPr lang="en-US" sz="1050" dirty="0"/>
+                        <a:t>-0.028 (0.047)</a:t>
+                      </a:r>
+                    </a:p>
+                  </a:txBody>
+                  <a:tcPr marL="30376" marR="30376" marT="15188" marB="15188" anchor="ctr">
+                    <a:lnL>
+                      <a:noFill/>
+                    </a:lnL>
+                    <a:lnR>
+                      <a:noFill/>
+                    </a:lnR>
+                    <a:lnT>
+                      <a:noFill/>
+                    </a:lnT>
+                    <a:lnB>
+                      <a:noFill/>
+                    </a:lnB>
+                  </a:tcPr>
+                </a:tc>
+                <a:extLst>
+                  <a:ext uri="{0D108BD9-81ED-4DB2-BD59-A6C34878D82A}">
+                    <a16:rowId xmlns:a16="http://schemas.microsoft.com/office/drawing/2014/main" val="1578216302"/>
+                  </a:ext>
+                </a:extLst>
+              </a:tr>
+              <a:tr h="189694">
+                <a:tc>
+                  <a:txBody>
+                    <a:bodyPr/>
+                    <a:lstStyle/>
+                    <a:p>
+                      <a:pPr algn="l"/>
+                      <a:r>
+                        <a:rPr lang="en-US" sz="1050" b="1" dirty="0">
+                          <a:effectLst/>
+                        </a:rPr>
+                        <a:t>INGRESO</a:t>
+                      </a:r>
+                    </a:p>
+                  </a:txBody>
+                  <a:tcPr marL="30376" marR="30376" marT="15188" marB="15188" anchor="ctr">
+                    <a:lnL>
+                      <a:noFill/>
+                    </a:lnL>
+                    <a:lnR>
+                      <a:noFill/>
+                    </a:lnR>
+                    <a:lnT>
+                      <a:noFill/>
+                    </a:lnT>
+                    <a:lnB>
+                      <a:noFill/>
+                    </a:lnB>
+                  </a:tcPr>
+                </a:tc>
+                <a:tc>
+                  <a:txBody>
+                    <a:bodyPr/>
+                    <a:lstStyle/>
+                    <a:p>
+                      <a:r>
+                        <a:rPr lang="en-US" sz="1050" b="1" dirty="0"/>
+                        <a:t>1.104</a:t>
+                      </a:r>
+                      <a:r>
+                        <a:rPr lang="en-US" sz="1050" b="1" baseline="30000" dirty="0"/>
+                        <a:t>***</a:t>
+                      </a:r>
+                      <a:r>
+                        <a:rPr lang="en-US" sz="1050" b="1" dirty="0"/>
+                        <a:t> (0.169)</a:t>
+                      </a:r>
+                    </a:p>
+                  </a:txBody>
+                  <a:tcPr marL="30376" marR="30376" marT="15188" marB="15188" anchor="ctr">
+                    <a:lnL>
+                      <a:noFill/>
+                    </a:lnL>
+                    <a:lnR>
+                      <a:noFill/>
+                    </a:lnR>
+                    <a:lnT>
+                      <a:noFill/>
+                    </a:lnT>
+                    <a:lnB>
+                      <a:noFill/>
+                    </a:lnB>
+                  </a:tcPr>
+                </a:tc>
+                <a:tc>
+                  <a:txBody>
+                    <a:bodyPr/>
+                    <a:lstStyle/>
+                    <a:p>
+                      <a:r>
+                        <a:rPr lang="en-US" sz="1050" b="1" dirty="0"/>
+                        <a:t>1.167</a:t>
+                      </a:r>
+                      <a:r>
+                        <a:rPr lang="en-US" sz="1050" b="1" baseline="30000" dirty="0"/>
+                        <a:t>***</a:t>
+                      </a:r>
+                      <a:r>
+                        <a:rPr lang="en-US" sz="1050" b="1" dirty="0"/>
+                        <a:t> (0.153)</a:t>
+                      </a:r>
+                    </a:p>
+                  </a:txBody>
+                  <a:tcPr marL="30376" marR="30376" marT="15188" marB="15188" anchor="ctr">
+                    <a:lnL>
+                      <a:noFill/>
+                    </a:lnL>
+                    <a:lnR>
+                      <a:noFill/>
+                    </a:lnR>
+                    <a:lnT>
+                      <a:noFill/>
+                    </a:lnT>
+                    <a:lnB>
+                      <a:noFill/>
+                    </a:lnB>
+                  </a:tcPr>
+                </a:tc>
+                <a:extLst>
+                  <a:ext uri="{0D108BD9-81ED-4DB2-BD59-A6C34878D82A}">
+                    <a16:rowId xmlns:a16="http://schemas.microsoft.com/office/drawing/2014/main" val="3846516223"/>
+                  </a:ext>
+                </a:extLst>
+              </a:tr>
+              <a:tr h="189694">
+                <a:tc>
+                  <a:txBody>
+                    <a:bodyPr/>
+                    <a:lstStyle/>
+                    <a:p>
+                      <a:pPr algn="l"/>
+                      <a:r>
+                        <a:rPr lang="en-US" sz="1050">
+                          <a:effectLst/>
+                        </a:rPr>
+                        <a:t>DENPOB</a:t>
+                      </a:r>
+                    </a:p>
+                  </a:txBody>
+                  <a:tcPr marL="30376" marR="30376" marT="15188" marB="15188" anchor="ctr">
+                    <a:lnL>
+                      <a:noFill/>
+                    </a:lnL>
+                    <a:lnR>
+                      <a:noFill/>
+                    </a:lnR>
+                    <a:lnT>
+                      <a:noFill/>
+                    </a:lnT>
+                    <a:lnB>
+                      <a:noFill/>
+                    </a:lnB>
+                  </a:tcPr>
+                </a:tc>
+                <a:tc>
+                  <a:txBody>
+                    <a:bodyPr/>
+                    <a:lstStyle/>
+                    <a:p>
+                      <a:r>
+                        <a:rPr lang="en-US" sz="1050"/>
+                        <a:t>-0.058 (0.045)</a:t>
+                      </a:r>
+                    </a:p>
+                  </a:txBody>
+                  <a:tcPr marL="30376" marR="30376" marT="15188" marB="15188" anchor="ctr">
+                    <a:lnL>
+                      <a:noFill/>
+                    </a:lnL>
+                    <a:lnR>
+                      <a:noFill/>
+                    </a:lnR>
+                    <a:lnT>
+                      <a:noFill/>
+                    </a:lnT>
+                    <a:lnB>
+                      <a:noFill/>
+                    </a:lnB>
+                  </a:tcPr>
+                </a:tc>
+                <a:tc>
+                  <a:txBody>
+                    <a:bodyPr/>
+                    <a:lstStyle/>
+                    <a:p>
+                      <a:r>
+                        <a:rPr lang="en-US" sz="1050" dirty="0"/>
+                        <a:t>-0.065</a:t>
+                      </a:r>
+                      <a:r>
+                        <a:rPr lang="en-US" sz="1050" baseline="30000" dirty="0"/>
+                        <a:t>*</a:t>
+                      </a:r>
+                      <a:r>
+                        <a:rPr lang="en-US" sz="1050" dirty="0"/>
+                        <a:t> (0.040)</a:t>
+                      </a:r>
+                    </a:p>
+                  </a:txBody>
+                  <a:tcPr marL="30376" marR="30376" marT="15188" marB="15188" anchor="ctr">
+                    <a:lnL>
+                      <a:noFill/>
+                    </a:lnL>
+                    <a:lnR>
+                      <a:noFill/>
+                    </a:lnR>
+                    <a:lnT>
+                      <a:noFill/>
+                    </a:lnT>
+                    <a:lnB>
+                      <a:noFill/>
+                    </a:lnB>
+                  </a:tcPr>
+                </a:tc>
+                <a:extLst>
+                  <a:ext uri="{0D108BD9-81ED-4DB2-BD59-A6C34878D82A}">
+                    <a16:rowId xmlns:a16="http://schemas.microsoft.com/office/drawing/2014/main" val="3226205347"/>
+                  </a:ext>
+                </a:extLst>
+              </a:tr>
+              <a:tr h="189694">
+                <a:tc>
+                  <a:txBody>
+                    <a:bodyPr/>
+                    <a:lstStyle/>
+                    <a:p>
+                      <a:pPr algn="l"/>
+                      <a:r>
+                        <a:rPr lang="en-US" sz="1050">
+                          <a:effectLst/>
+                        </a:rPr>
+                        <a:t>LOGVIAJES</a:t>
+                      </a:r>
+                    </a:p>
+                  </a:txBody>
+                  <a:tcPr marL="30376" marR="30376" marT="15188" marB="15188" anchor="ctr">
+                    <a:lnL>
+                      <a:noFill/>
+                    </a:lnL>
+                    <a:lnR>
+                      <a:noFill/>
+                    </a:lnR>
+                    <a:lnT>
+                      <a:noFill/>
+                    </a:lnT>
+                    <a:lnB>
+                      <a:noFill/>
+                    </a:lnB>
+                  </a:tcPr>
+                </a:tc>
+                <a:tc>
+                  <a:txBody>
+                    <a:bodyPr/>
+                    <a:lstStyle/>
+                    <a:p>
+                      <a:r>
+                        <a:rPr lang="en-US" sz="1050" dirty="0"/>
+                        <a:t>0.060 (0.045)</a:t>
+                      </a:r>
+                    </a:p>
+                  </a:txBody>
+                  <a:tcPr marL="30376" marR="30376" marT="15188" marB="15188" anchor="ctr">
+                    <a:lnL>
+                      <a:noFill/>
+                    </a:lnL>
+                    <a:lnR>
+                      <a:noFill/>
+                    </a:lnR>
+                    <a:lnT>
+                      <a:noFill/>
+                    </a:lnT>
+                    <a:lnB>
+                      <a:noFill/>
+                    </a:lnB>
+                  </a:tcPr>
+                </a:tc>
+                <a:tc>
+                  <a:txBody>
+                    <a:bodyPr/>
+                    <a:lstStyle/>
+                    <a:p>
+                      <a:r>
+                        <a:rPr lang="en-US" sz="1050" dirty="0"/>
+                        <a:t>0.079</a:t>
+                      </a:r>
+                      <a:r>
+                        <a:rPr lang="en-US" sz="1050" baseline="30000" dirty="0"/>
+                        <a:t>**</a:t>
+                      </a:r>
+                      <a:r>
+                        <a:rPr lang="en-US" sz="1050" dirty="0"/>
+                        <a:t> (0.040)</a:t>
+                      </a:r>
+                    </a:p>
+                  </a:txBody>
+                  <a:tcPr marL="30376" marR="30376" marT="15188" marB="15188" anchor="ctr">
+                    <a:lnL>
+                      <a:noFill/>
+                    </a:lnL>
+                    <a:lnR>
+                      <a:noFill/>
+                    </a:lnR>
+                    <a:lnT>
+                      <a:noFill/>
+                    </a:lnT>
+                    <a:lnB>
+                      <a:noFill/>
+                    </a:lnB>
+                  </a:tcPr>
+                </a:tc>
+                <a:extLst>
+                  <a:ext uri="{0D108BD9-81ED-4DB2-BD59-A6C34878D82A}">
+                    <a16:rowId xmlns:a16="http://schemas.microsoft.com/office/drawing/2014/main" val="2710679071"/>
+                  </a:ext>
+                </a:extLst>
+              </a:tr>
+              <a:tr h="189694">
+                <a:tc>
+                  <a:txBody>
+                    <a:bodyPr/>
+                    <a:lstStyle/>
+                    <a:p>
+                      <a:pPr algn="l"/>
+                      <a:r>
+                        <a:rPr lang="en-US" sz="1050" dirty="0">
+                          <a:effectLst/>
+                        </a:rPr>
+                        <a:t>Constant</a:t>
+                      </a:r>
+                    </a:p>
+                  </a:txBody>
+                  <a:tcPr marL="30376" marR="30376" marT="15188" marB="15188" anchor="ctr">
+                    <a:lnL>
+                      <a:noFill/>
+                    </a:lnL>
+                    <a:lnR>
+                      <a:noFill/>
+                    </a:lnR>
+                    <a:lnT>
+                      <a:noFill/>
+                    </a:lnT>
+                    <a:lnB>
+                      <a:noFill/>
+                    </a:lnB>
+                  </a:tcPr>
+                </a:tc>
+                <a:tc>
+                  <a:txBody>
+                    <a:bodyPr/>
+                    <a:lstStyle/>
+                    <a:p>
+                      <a:r>
+                        <a:rPr lang="en-US" sz="1050"/>
+                        <a:t>8.733</a:t>
+                      </a:r>
+                      <a:r>
+                        <a:rPr lang="en-US" sz="1050" baseline="30000"/>
+                        <a:t>***</a:t>
+                      </a:r>
+                      <a:r>
+                        <a:rPr lang="en-US" sz="1050"/>
+                        <a:t> (0.833)</a:t>
+                      </a:r>
+                    </a:p>
+                  </a:txBody>
+                  <a:tcPr marL="30376" marR="30376" marT="15188" marB="15188" anchor="ctr">
+                    <a:lnL>
+                      <a:noFill/>
+                    </a:lnL>
+                    <a:lnR>
+                      <a:noFill/>
+                    </a:lnR>
+                    <a:lnT>
+                      <a:noFill/>
+                    </a:lnT>
+                    <a:lnB>
+                      <a:noFill/>
+                    </a:lnB>
+                  </a:tcPr>
+                </a:tc>
+                <a:tc>
+                  <a:txBody>
+                    <a:bodyPr/>
+                    <a:lstStyle/>
+                    <a:p>
+                      <a:r>
+                        <a:rPr lang="en-US" sz="1050"/>
+                        <a:t>8.677</a:t>
+                      </a:r>
+                      <a:r>
+                        <a:rPr lang="en-US" sz="1050" baseline="30000"/>
+                        <a:t>***</a:t>
+                      </a:r>
+                      <a:r>
+                        <a:rPr lang="en-US" sz="1050"/>
+                        <a:t> (0.740)</a:t>
+                      </a:r>
+                    </a:p>
+                  </a:txBody>
+                  <a:tcPr marL="30376" marR="30376" marT="15188" marB="15188" anchor="ctr">
+                    <a:lnL>
+                      <a:noFill/>
+                    </a:lnL>
+                    <a:lnR>
+                      <a:noFill/>
+                    </a:lnR>
+                    <a:lnT>
+                      <a:noFill/>
+                    </a:lnT>
+                    <a:lnB>
+                      <a:noFill/>
+                    </a:lnB>
+                  </a:tcPr>
+                </a:tc>
+                <a:extLst>
+                  <a:ext uri="{0D108BD9-81ED-4DB2-BD59-A6C34878D82A}">
+                    <a16:rowId xmlns:a16="http://schemas.microsoft.com/office/drawing/2014/main" val="707000902"/>
+                  </a:ext>
+                </a:extLst>
+              </a:tr>
+              <a:tr h="189694">
+                <a:tc gridSpan="3">
+                  <a:txBody>
+                    <a:bodyPr/>
+                    <a:lstStyle/>
+                    <a:p>
+                      <a:endParaRPr lang="en-US" sz="1050" dirty="0">
+                        <a:effectLst/>
+                      </a:endParaRPr>
+                    </a:p>
+                  </a:txBody>
+                  <a:tcPr marL="30376" marR="30376" marT="15188" marB="15188" anchor="ctr">
+                    <a:lnL>
+                      <a:noFill/>
+                    </a:lnL>
+                    <a:lnR>
+                      <a:noFill/>
+                    </a:lnR>
+                    <a:lnT>
+                      <a:noFill/>
+                    </a:lnT>
+                    <a:lnB w="9525" cap="flat" cmpd="sng" algn="ctr">
+                      <a:solidFill>
+                        <a:srgbClr val="000000"/>
+                      </a:solidFill>
+                      <a:prstDash val="solid"/>
+                      <a:round/>
+                      <a:headEnd type="none" w="med" len="med"/>
+                      <a:tailEnd type="none" w="med" len="med"/>
+                    </a:lnB>
+                  </a:tcPr>
+                </a:tc>
+                <a:tc hMerge="1">
+                  <a:txBody>
+                    <a:bodyPr/>
+                    <a:lstStyle/>
+                    <a:p>
+                      <a:endParaRPr lang="en-US"/>
+                    </a:p>
+                  </a:txBody>
+                  <a:tcPr/>
+                </a:tc>
+                <a:tc hMerge="1">
+                  <a:txBody>
+                    <a:bodyPr/>
+                    <a:lstStyle/>
+                    <a:p>
+                      <a:endParaRPr lang="en-US"/>
+                    </a:p>
+                  </a:txBody>
+                  <a:tcPr/>
+                </a:tc>
+                <a:extLst>
+                  <a:ext uri="{0D108BD9-81ED-4DB2-BD59-A6C34878D82A}">
+                    <a16:rowId xmlns:a16="http://schemas.microsoft.com/office/drawing/2014/main" val="3894909431"/>
+                  </a:ext>
+                </a:extLst>
+              </a:tr>
+              <a:tr h="189694">
+                <a:tc>
+                  <a:txBody>
+                    <a:bodyPr/>
+                    <a:lstStyle/>
+                    <a:p>
+                      <a:pPr algn="l"/>
+                      <a:r>
+                        <a:rPr lang="en-US" sz="1050" dirty="0" err="1" smtClean="0">
+                          <a:effectLst/>
+                        </a:rPr>
+                        <a:t>Observaciones</a:t>
+                      </a:r>
+                      <a:endParaRPr lang="en-US" sz="1050" dirty="0">
+                        <a:effectLst/>
+                      </a:endParaRPr>
+                    </a:p>
+                  </a:txBody>
+                  <a:tcPr marL="30376" marR="30376" marT="15188" marB="15188" anchor="ctr">
+                    <a:lnL>
+                      <a:noFill/>
+                    </a:lnL>
+                    <a:lnR>
+                      <a:noFill/>
+                    </a:lnR>
+                    <a:lnT w="9525" cap="flat" cmpd="sng" algn="ctr">
+                      <a:solidFill>
+                        <a:srgbClr val="000000"/>
+                      </a:solidFill>
+                      <a:prstDash val="solid"/>
+                      <a:round/>
+                      <a:headEnd type="none" w="med" len="med"/>
+                      <a:tailEnd type="none" w="med" len="med"/>
+                    </a:lnT>
+                    <a:lnB>
+                      <a:noFill/>
+                    </a:lnB>
+                  </a:tcPr>
+                </a:tc>
+                <a:tc>
+                  <a:txBody>
+                    <a:bodyPr/>
+                    <a:lstStyle/>
+                    <a:p>
+                      <a:r>
+                        <a:rPr lang="en-US" sz="1050"/>
+                        <a:t>433</a:t>
+                      </a:r>
+                    </a:p>
+                  </a:txBody>
+                  <a:tcPr marL="30376" marR="30376" marT="15188" marB="15188" anchor="ctr">
+                    <a:lnL>
+                      <a:noFill/>
+                    </a:lnL>
+                    <a:lnR>
+                      <a:noFill/>
+                    </a:lnR>
+                    <a:lnT w="9525" cap="flat" cmpd="sng" algn="ctr">
+                      <a:solidFill>
+                        <a:srgbClr val="000000"/>
+                      </a:solidFill>
+                      <a:prstDash val="solid"/>
+                      <a:round/>
+                      <a:headEnd type="none" w="med" len="med"/>
+                      <a:tailEnd type="none" w="med" len="med"/>
+                    </a:lnT>
+                    <a:lnB>
+                      <a:noFill/>
+                    </a:lnB>
+                  </a:tcPr>
+                </a:tc>
+                <a:tc>
+                  <a:txBody>
+                    <a:bodyPr/>
+                    <a:lstStyle/>
+                    <a:p>
+                      <a:r>
+                        <a:rPr lang="en-US" sz="1050"/>
+                        <a:t>434</a:t>
+                      </a:r>
+                    </a:p>
+                  </a:txBody>
+                  <a:tcPr marL="30376" marR="30376" marT="15188" marB="15188" anchor="ctr">
+                    <a:lnL>
+                      <a:noFill/>
+                    </a:lnL>
+                    <a:lnR>
+                      <a:noFill/>
+                    </a:lnR>
+                    <a:lnT w="9525" cap="flat" cmpd="sng" algn="ctr">
+                      <a:solidFill>
+                        <a:srgbClr val="000000"/>
+                      </a:solidFill>
+                      <a:prstDash val="solid"/>
+                      <a:round/>
+                      <a:headEnd type="none" w="med" len="med"/>
+                      <a:tailEnd type="none" w="med" len="med"/>
+                    </a:lnT>
+                    <a:lnB>
+                      <a:noFill/>
+                    </a:lnB>
+                  </a:tcPr>
+                </a:tc>
+                <a:extLst>
+                  <a:ext uri="{0D108BD9-81ED-4DB2-BD59-A6C34878D82A}">
+                    <a16:rowId xmlns:a16="http://schemas.microsoft.com/office/drawing/2014/main" val="3869116307"/>
+                  </a:ext>
+                </a:extLst>
+              </a:tr>
+              <a:tr h="189694">
+                <a:tc>
+                  <a:txBody>
+                    <a:bodyPr/>
+                    <a:lstStyle/>
+                    <a:p>
+                      <a:pPr algn="l"/>
+                      <a:r>
+                        <a:rPr lang="en-US" sz="1050">
+                          <a:effectLst/>
+                        </a:rPr>
+                        <a:t>R</a:t>
+                      </a:r>
+                      <a:r>
+                        <a:rPr lang="en-US" sz="1050" baseline="30000">
+                          <a:effectLst/>
+                        </a:rPr>
+                        <a:t>2</a:t>
+                      </a:r>
+                      <a:endParaRPr lang="en-US" sz="1050">
+                        <a:effectLst/>
+                      </a:endParaRPr>
+                    </a:p>
+                  </a:txBody>
+                  <a:tcPr marL="30376" marR="30376" marT="15188" marB="15188" anchor="ctr">
+                    <a:lnL>
+                      <a:noFill/>
+                    </a:lnL>
+                    <a:lnR>
+                      <a:noFill/>
+                    </a:lnR>
+                    <a:lnT>
+                      <a:noFill/>
+                    </a:lnT>
+                    <a:lnB>
+                      <a:noFill/>
+                    </a:lnB>
+                  </a:tcPr>
+                </a:tc>
+                <a:tc>
+                  <a:txBody>
+                    <a:bodyPr/>
+                    <a:lstStyle/>
+                    <a:p>
+                      <a:r>
+                        <a:rPr lang="en-US" sz="1050"/>
+                        <a:t>0.423</a:t>
+                      </a:r>
+                    </a:p>
+                  </a:txBody>
+                  <a:tcPr marL="30376" marR="30376" marT="15188" marB="15188" anchor="ctr">
+                    <a:lnL>
+                      <a:noFill/>
+                    </a:lnL>
+                    <a:lnR>
+                      <a:noFill/>
+                    </a:lnR>
+                    <a:lnT>
+                      <a:noFill/>
+                    </a:lnT>
+                    <a:lnB>
+                      <a:noFill/>
+                    </a:lnB>
+                  </a:tcPr>
+                </a:tc>
+                <a:tc>
+                  <a:txBody>
+                    <a:bodyPr/>
+                    <a:lstStyle/>
+                    <a:p>
+                      <a:r>
+                        <a:rPr lang="en-US" sz="1050"/>
+                        <a:t>0.466</a:t>
+                      </a:r>
+                    </a:p>
+                  </a:txBody>
+                  <a:tcPr marL="30376" marR="30376" marT="15188" marB="15188" anchor="ctr">
+                    <a:lnL>
+                      <a:noFill/>
+                    </a:lnL>
+                    <a:lnR>
+                      <a:noFill/>
+                    </a:lnR>
+                    <a:lnT>
+                      <a:noFill/>
+                    </a:lnT>
+                    <a:lnB>
+                      <a:noFill/>
+                    </a:lnB>
+                  </a:tcPr>
+                </a:tc>
+                <a:extLst>
+                  <a:ext uri="{0D108BD9-81ED-4DB2-BD59-A6C34878D82A}">
+                    <a16:rowId xmlns:a16="http://schemas.microsoft.com/office/drawing/2014/main" val="3382368612"/>
+                  </a:ext>
+                </a:extLst>
+              </a:tr>
+              <a:tr h="189694">
+                <a:tc>
+                  <a:txBody>
+                    <a:bodyPr/>
+                    <a:lstStyle/>
+                    <a:p>
+                      <a:pPr algn="l"/>
+                      <a:r>
+                        <a:rPr lang="en-US" sz="1050" dirty="0" smtClean="0">
+                          <a:effectLst/>
+                        </a:rPr>
+                        <a:t>R</a:t>
+                      </a:r>
+                      <a:r>
+                        <a:rPr lang="en-US" sz="1050" baseline="30000" dirty="0" smtClean="0">
+                          <a:effectLst/>
+                        </a:rPr>
+                        <a:t>2 </a:t>
+                      </a:r>
+                      <a:r>
+                        <a:rPr lang="en-US" sz="1050" baseline="0" dirty="0" err="1" smtClean="0">
+                          <a:effectLst/>
+                        </a:rPr>
+                        <a:t>Ajustado</a:t>
+                      </a:r>
+                      <a:endParaRPr lang="en-US" sz="1050" dirty="0">
+                        <a:effectLst/>
+                      </a:endParaRPr>
+                    </a:p>
+                  </a:txBody>
+                  <a:tcPr marL="30376" marR="30376" marT="15188" marB="15188" anchor="ctr">
+                    <a:lnL>
+                      <a:noFill/>
+                    </a:lnL>
+                    <a:lnR>
+                      <a:noFill/>
+                    </a:lnR>
+                    <a:lnT>
+                      <a:noFill/>
+                    </a:lnT>
+                    <a:lnB>
+                      <a:noFill/>
+                    </a:lnB>
+                  </a:tcPr>
+                </a:tc>
+                <a:tc>
+                  <a:txBody>
+                    <a:bodyPr/>
+                    <a:lstStyle/>
+                    <a:p>
+                      <a:r>
+                        <a:rPr lang="en-US" sz="1050"/>
+                        <a:t>0.396</a:t>
+                      </a:r>
+                    </a:p>
+                  </a:txBody>
+                  <a:tcPr marL="30376" marR="30376" marT="15188" marB="15188" anchor="ctr">
+                    <a:lnL>
+                      <a:noFill/>
+                    </a:lnL>
+                    <a:lnR>
+                      <a:noFill/>
+                    </a:lnR>
+                    <a:lnT>
+                      <a:noFill/>
+                    </a:lnT>
+                    <a:lnB>
+                      <a:noFill/>
+                    </a:lnB>
+                  </a:tcPr>
+                </a:tc>
+                <a:tc>
+                  <a:txBody>
+                    <a:bodyPr/>
+                    <a:lstStyle/>
+                    <a:p>
+                      <a:r>
+                        <a:rPr lang="en-US" sz="1050"/>
+                        <a:t>0.441</a:t>
+                      </a:r>
+                    </a:p>
+                  </a:txBody>
+                  <a:tcPr marL="30376" marR="30376" marT="15188" marB="15188" anchor="ctr">
+                    <a:lnL>
+                      <a:noFill/>
+                    </a:lnL>
+                    <a:lnR>
+                      <a:noFill/>
+                    </a:lnR>
+                    <a:lnT>
+                      <a:noFill/>
+                    </a:lnT>
+                    <a:lnB>
+                      <a:noFill/>
+                    </a:lnB>
+                  </a:tcPr>
+                </a:tc>
+                <a:extLst>
+                  <a:ext uri="{0D108BD9-81ED-4DB2-BD59-A6C34878D82A}">
+                    <a16:rowId xmlns:a16="http://schemas.microsoft.com/office/drawing/2014/main" val="525036353"/>
+                  </a:ext>
+                </a:extLst>
+              </a:tr>
+              <a:tr h="304932">
+                <a:tc>
+                  <a:txBody>
+                    <a:bodyPr/>
+                    <a:lstStyle/>
+                    <a:p>
+                      <a:pPr algn="l"/>
+                      <a:r>
+                        <a:rPr lang="en-US" sz="1050" dirty="0">
+                          <a:effectLst/>
+                        </a:rPr>
+                        <a:t>F Statistic</a:t>
+                      </a:r>
+                    </a:p>
+                  </a:txBody>
+                  <a:tcPr marL="30376" marR="30376" marT="15188" marB="15188" anchor="ctr">
+                    <a:lnL>
+                      <a:noFill/>
+                    </a:lnL>
+                    <a:lnR>
+                      <a:noFill/>
+                    </a:lnR>
+                    <a:lnT>
+                      <a:noFill/>
+                    </a:lnT>
+                    <a:lnB>
+                      <a:noFill/>
+                    </a:lnB>
+                  </a:tcPr>
+                </a:tc>
+                <a:tc>
+                  <a:txBody>
+                    <a:bodyPr/>
+                    <a:lstStyle/>
+                    <a:p>
+                      <a:r>
+                        <a:rPr lang="en-US" sz="1050"/>
+                        <a:t>15.935</a:t>
+                      </a:r>
+                      <a:r>
+                        <a:rPr lang="en-US" sz="1050" baseline="30000"/>
+                        <a:t>***</a:t>
+                      </a:r>
+                      <a:r>
+                        <a:rPr lang="en-US" sz="1050"/>
+                        <a:t> (df = 19; 413)</a:t>
+                      </a:r>
+                    </a:p>
+                  </a:txBody>
+                  <a:tcPr marL="30376" marR="30376" marT="15188" marB="15188" anchor="ctr">
+                    <a:lnL>
+                      <a:noFill/>
+                    </a:lnL>
+                    <a:lnR>
+                      <a:noFill/>
+                    </a:lnR>
+                    <a:lnT>
+                      <a:noFill/>
+                    </a:lnT>
+                    <a:lnB>
+                      <a:noFill/>
+                    </a:lnB>
+                  </a:tcPr>
+                </a:tc>
+                <a:tc>
+                  <a:txBody>
+                    <a:bodyPr/>
+                    <a:lstStyle/>
+                    <a:p>
+                      <a:r>
+                        <a:rPr lang="en-US" sz="1050"/>
+                        <a:t>18.999</a:t>
+                      </a:r>
+                      <a:r>
+                        <a:rPr lang="en-US" sz="1050" baseline="30000"/>
+                        <a:t>***</a:t>
+                      </a:r>
+                      <a:r>
+                        <a:rPr lang="en-US" sz="1050"/>
+                        <a:t> (df = 19; 414)</a:t>
+                      </a:r>
+                    </a:p>
+                  </a:txBody>
+                  <a:tcPr marL="30376" marR="30376" marT="15188" marB="15188" anchor="ctr">
+                    <a:lnL>
+                      <a:noFill/>
+                    </a:lnL>
+                    <a:lnR>
+                      <a:noFill/>
+                    </a:lnR>
+                    <a:lnT>
+                      <a:noFill/>
+                    </a:lnT>
+                    <a:lnB>
+                      <a:noFill/>
+                    </a:lnB>
+                  </a:tcPr>
+                </a:tc>
+                <a:extLst>
+                  <a:ext uri="{0D108BD9-81ED-4DB2-BD59-A6C34878D82A}">
+                    <a16:rowId xmlns:a16="http://schemas.microsoft.com/office/drawing/2014/main" val="961052173"/>
+                  </a:ext>
+                </a:extLst>
+              </a:tr>
+              <a:tr h="189694">
+                <a:tc gridSpan="3">
+                  <a:txBody>
+                    <a:bodyPr/>
+                    <a:lstStyle/>
+                    <a:p>
+                      <a:endParaRPr lang="en-US" sz="1050" dirty="0">
+                        <a:effectLst/>
+                      </a:endParaRPr>
+                    </a:p>
+                  </a:txBody>
+                  <a:tcPr marL="30376" marR="30376" marT="15188" marB="15188" anchor="ctr">
+                    <a:lnL>
+                      <a:noFill/>
+                    </a:lnL>
+                    <a:lnR>
+                      <a:noFill/>
+                    </a:lnR>
+                    <a:lnT>
+                      <a:noFill/>
+                    </a:lnT>
+                    <a:lnB w="9525" cap="flat" cmpd="sng" algn="ctr">
+                      <a:solidFill>
+                        <a:srgbClr val="000000"/>
+                      </a:solidFill>
+                      <a:prstDash val="solid"/>
+                      <a:round/>
+                      <a:headEnd type="none" w="med" len="med"/>
+                      <a:tailEnd type="none" w="med" len="med"/>
+                    </a:lnB>
+                  </a:tcPr>
+                </a:tc>
+                <a:tc hMerge="1">
+                  <a:txBody>
+                    <a:bodyPr/>
+                    <a:lstStyle/>
+                    <a:p>
+                      <a:endParaRPr lang="en-US"/>
+                    </a:p>
+                  </a:txBody>
+                  <a:tcPr/>
+                </a:tc>
+                <a:tc hMerge="1">
+                  <a:txBody>
+                    <a:bodyPr/>
+                    <a:lstStyle/>
+                    <a:p>
+                      <a:endParaRPr lang="en-US"/>
+                    </a:p>
+                  </a:txBody>
+                  <a:tcPr/>
+                </a:tc>
+                <a:extLst>
+                  <a:ext uri="{0D108BD9-81ED-4DB2-BD59-A6C34878D82A}">
+                    <a16:rowId xmlns:a16="http://schemas.microsoft.com/office/drawing/2014/main" val="2853086605"/>
+                  </a:ext>
+                </a:extLst>
+              </a:tr>
+              <a:tr h="189694">
+                <a:tc>
+                  <a:txBody>
+                    <a:bodyPr/>
+                    <a:lstStyle/>
+                    <a:p>
+                      <a:pPr algn="l"/>
+                      <a:r>
+                        <a:rPr lang="en-US" sz="1050" i="1" dirty="0" smtClean="0">
+                          <a:effectLst/>
+                        </a:rPr>
+                        <a:t>Nota:</a:t>
+                      </a:r>
+                      <a:endParaRPr lang="en-US" sz="1050" dirty="0">
+                        <a:effectLst/>
+                      </a:endParaRPr>
+                    </a:p>
+                  </a:txBody>
+                  <a:tcPr marL="30376" marR="30376" marT="15188" marB="15188" anchor="ctr">
+                    <a:lnL>
+                      <a:noFill/>
+                    </a:lnL>
+                    <a:lnR>
+                      <a:noFill/>
+                    </a:lnR>
+                    <a:lnT w="9525" cap="flat" cmpd="sng" algn="ctr">
+                      <a:solidFill>
+                        <a:srgbClr val="000000"/>
+                      </a:solidFill>
+                      <a:prstDash val="solid"/>
+                      <a:round/>
+                      <a:headEnd type="none" w="med" len="med"/>
+                      <a:tailEnd type="none" w="med" len="med"/>
+                    </a:lnT>
+                    <a:lnB>
+                      <a:noFill/>
+                    </a:lnB>
+                  </a:tcPr>
+                </a:tc>
+                <a:tc gridSpan="2">
+                  <a:txBody>
+                    <a:bodyPr/>
+                    <a:lstStyle/>
+                    <a:p>
+                      <a:pPr algn="r"/>
+                      <a:r>
+                        <a:rPr lang="en-US" sz="1050" baseline="30000" dirty="0">
+                          <a:effectLst/>
+                        </a:rPr>
+                        <a:t>*</a:t>
+                      </a:r>
+                      <a:r>
+                        <a:rPr lang="en-US" sz="1050" dirty="0">
+                          <a:effectLst/>
+                        </a:rPr>
+                        <a:t>p&lt;0.1; </a:t>
+                      </a:r>
+                      <a:r>
+                        <a:rPr lang="en-US" sz="1050" baseline="30000" dirty="0">
+                          <a:effectLst/>
+                        </a:rPr>
+                        <a:t>**</a:t>
+                      </a:r>
+                      <a:r>
+                        <a:rPr lang="en-US" sz="1050" dirty="0">
+                          <a:effectLst/>
+                        </a:rPr>
+                        <a:t>p&lt;0.05; </a:t>
+                      </a:r>
+                      <a:r>
+                        <a:rPr lang="en-US" sz="1050" baseline="30000" dirty="0">
+                          <a:effectLst/>
+                        </a:rPr>
+                        <a:t>***</a:t>
+                      </a:r>
+                      <a:r>
+                        <a:rPr lang="en-US" sz="1050" dirty="0">
+                          <a:effectLst/>
+                        </a:rPr>
+                        <a:t>p&lt;0.01</a:t>
+                      </a:r>
+                    </a:p>
+                  </a:txBody>
+                  <a:tcPr marL="30376" marR="30376" marT="15188" marB="15188" anchor="ctr">
+                    <a:lnL>
+                      <a:noFill/>
+                    </a:lnL>
+                    <a:lnR>
+                      <a:noFill/>
+                    </a:lnR>
+                    <a:lnT w="9525" cap="flat" cmpd="sng" algn="ctr">
+                      <a:solidFill>
+                        <a:srgbClr val="000000"/>
+                      </a:solidFill>
+                      <a:prstDash val="solid"/>
+                      <a:round/>
+                      <a:headEnd type="none" w="med" len="med"/>
+                      <a:tailEnd type="none" w="med" len="med"/>
+                    </a:lnT>
+                    <a:lnB>
+                      <a:noFill/>
+                    </a:lnB>
+                  </a:tcPr>
+                </a:tc>
+                <a:tc hMerge="1">
+                  <a:txBody>
+                    <a:bodyPr/>
+                    <a:lstStyle/>
+                    <a:p>
+                      <a:endParaRPr lang="en-US"/>
+                    </a:p>
+                  </a:txBody>
+                  <a:tcPr/>
+                </a:tc>
+                <a:extLst>
+                  <a:ext uri="{0D108BD9-81ED-4DB2-BD59-A6C34878D82A}">
+                    <a16:rowId xmlns:a16="http://schemas.microsoft.com/office/drawing/2014/main" val="2954279101"/>
+                  </a:ext>
+                </a:extLst>
+              </a:tr>
+            </a:tbl>
+          </a:graphicData>
+        </a:graphic>
+      </p:graphicFrame>
     </p:spTree>
     <p:extLst>
       <p:ext uri="{BB962C8B-B14F-4D97-AF65-F5344CB8AC3E}">
@@ -23299,7 +26239,7 @@
                 <a:latin typeface="Arial" panose="020B0604020202020204" pitchFamily="34" charset="0"/>
                 <a:cs typeface="Arial" panose="020B0604020202020204" pitchFamily="34" charset="0"/>
               </a:rPr>
-              <a:t>Próximos Pasos</a:t>
+              <a:t>Resultados - Diésel</a:t>
             </a:r>
             <a:endParaRPr lang="es-ES" sz="2000" b="1" dirty="0">
               <a:solidFill>
@@ -23313,6 +26253,3942 @@
           </a:p>
         </p:txBody>
       </p:sp>
+      <p:graphicFrame>
+        <p:nvGraphicFramePr>
+          <p:cNvPr id="5" name="Tabla 4"/>
+          <p:cNvGraphicFramePr>
+            <a:graphicFrameLocks noGrp="1"/>
+          </p:cNvGraphicFramePr>
+          <p:nvPr>
+            <p:extLst>
+              <p:ext uri="{D42A27DB-BD31-4B8C-83A1-F6EECF244321}">
+                <p14:modId xmlns:p14="http://schemas.microsoft.com/office/powerpoint/2010/main" val="2761664076"/>
+              </p:ext>
+            </p:extLst>
+          </p:nvPr>
+        </p:nvGraphicFramePr>
+        <p:xfrm>
+          <a:off x="3087000" y="774000"/>
+          <a:ext cx="4876158" cy="5298120"/>
+        </p:xfrm>
+        <a:graphic>
+          <a:graphicData uri="http://schemas.openxmlformats.org/drawingml/2006/table">
+            <a:tbl>
+              <a:tblPr/>
+              <a:tblGrid>
+                <a:gridCol w="1625386">
+                  <a:extLst>
+                    <a:ext uri="{9D8B030D-6E8A-4147-A177-3AD203B41FA5}">
+                      <a16:colId xmlns:a16="http://schemas.microsoft.com/office/drawing/2014/main" val="360809722"/>
+                    </a:ext>
+                  </a:extLst>
+                </a:gridCol>
+                <a:gridCol w="1625386">
+                  <a:extLst>
+                    <a:ext uri="{9D8B030D-6E8A-4147-A177-3AD203B41FA5}">
+                      <a16:colId xmlns:a16="http://schemas.microsoft.com/office/drawing/2014/main" val="1098075407"/>
+                    </a:ext>
+                  </a:extLst>
+                </a:gridCol>
+                <a:gridCol w="1625386">
+                  <a:extLst>
+                    <a:ext uri="{9D8B030D-6E8A-4147-A177-3AD203B41FA5}">
+                      <a16:colId xmlns:a16="http://schemas.microsoft.com/office/drawing/2014/main" val="1973081734"/>
+                    </a:ext>
+                  </a:extLst>
+                </a:gridCol>
+              </a:tblGrid>
+              <a:tr h="141436">
+                <a:tc>
+                  <a:txBody>
+                    <a:bodyPr/>
+                    <a:lstStyle/>
+                    <a:p>
+                      <a:pPr algn="l"/>
+                      <a:endParaRPr lang="en-US" sz="1050" dirty="0">
+                        <a:effectLst/>
+                      </a:endParaRPr>
+                    </a:p>
+                  </a:txBody>
+                  <a:tcPr marL="35359" marR="35359" marT="17680" marB="17680" anchor="ctr">
+                    <a:lnL>
+                      <a:noFill/>
+                    </a:lnL>
+                    <a:lnR>
+                      <a:noFill/>
+                    </a:lnR>
+                    <a:lnT w="9525" cap="flat" cmpd="sng" algn="ctr">
+                      <a:solidFill>
+                        <a:srgbClr val="000000"/>
+                      </a:solidFill>
+                      <a:prstDash val="solid"/>
+                      <a:round/>
+                      <a:headEnd type="none" w="med" len="med"/>
+                      <a:tailEnd type="none" w="med" len="med"/>
+                    </a:lnT>
+                    <a:lnB>
+                      <a:noFill/>
+                    </a:lnB>
+                  </a:tcPr>
+                </a:tc>
+                <a:tc gridSpan="2">
+                  <a:txBody>
+                    <a:bodyPr/>
+                    <a:lstStyle/>
+                    <a:p>
+                      <a:r>
+                        <a:rPr lang="es-ES" sz="1200" b="1" dirty="0"/>
+                        <a:t>Precio de venta - Gasohol 90 (soles/galón)</a:t>
+                      </a:r>
+                    </a:p>
+                  </a:txBody>
+                  <a:tcPr marL="35359" marR="35359" marT="17680" marB="17680" anchor="ctr">
+                    <a:lnL>
+                      <a:noFill/>
+                    </a:lnL>
+                    <a:lnR>
+                      <a:noFill/>
+                    </a:lnR>
+                    <a:lnT w="9525" cap="flat" cmpd="sng" algn="ctr">
+                      <a:solidFill>
+                        <a:srgbClr val="000000"/>
+                      </a:solidFill>
+                      <a:prstDash val="solid"/>
+                      <a:round/>
+                      <a:headEnd type="none" w="med" len="med"/>
+                      <a:tailEnd type="none" w="med" len="med"/>
+                    </a:lnT>
+                    <a:lnB>
+                      <a:noFill/>
+                    </a:lnB>
+                  </a:tcPr>
+                </a:tc>
+                <a:tc hMerge="1">
+                  <a:txBody>
+                    <a:bodyPr/>
+                    <a:lstStyle/>
+                    <a:p>
+                      <a:endParaRPr lang="en-US"/>
+                    </a:p>
+                  </a:txBody>
+                  <a:tcPr/>
+                </a:tc>
+                <a:extLst>
+                  <a:ext uri="{0D108BD9-81ED-4DB2-BD59-A6C34878D82A}">
+                    <a16:rowId xmlns:a16="http://schemas.microsoft.com/office/drawing/2014/main" val="2234980588"/>
+                  </a:ext>
+                </a:extLst>
+              </a:tr>
+              <a:tr h="141436">
+                <a:tc>
+                  <a:txBody>
+                    <a:bodyPr/>
+                    <a:lstStyle/>
+                    <a:p>
+                      <a:pPr algn="l"/>
+                      <a:endParaRPr lang="en-US" sz="1050">
+                        <a:effectLst/>
+                      </a:endParaRPr>
+                    </a:p>
+                  </a:txBody>
+                  <a:tcPr marL="35359" marR="35359" marT="17680" marB="17680" anchor="ctr">
+                    <a:lnL>
+                      <a:noFill/>
+                    </a:lnL>
+                    <a:lnR>
+                      <a:noFill/>
+                    </a:lnR>
+                    <a:lnT>
+                      <a:noFill/>
+                    </a:lnT>
+                    <a:lnB w="12700" cap="flat" cmpd="sng" algn="ctr">
+                      <a:solidFill>
+                        <a:schemeClr val="tx1"/>
+                      </a:solidFill>
+                      <a:prstDash val="solid"/>
+                      <a:round/>
+                      <a:headEnd type="none" w="med" len="med"/>
+                      <a:tailEnd type="none" w="med" len="med"/>
+                    </a:lnB>
+                  </a:tcPr>
+                </a:tc>
+                <a:tc>
+                  <a:txBody>
+                    <a:bodyPr/>
+                    <a:lstStyle/>
+                    <a:p>
+                      <a:r>
+                        <a:rPr lang="en-US" sz="1050"/>
+                        <a:t>12-17</a:t>
+                      </a:r>
+                    </a:p>
+                  </a:txBody>
+                  <a:tcPr marL="35359" marR="35359" marT="17680" marB="17680" anchor="ctr">
+                    <a:lnL>
+                      <a:noFill/>
+                    </a:lnL>
+                    <a:lnR>
+                      <a:noFill/>
+                    </a:lnR>
+                    <a:lnT>
+                      <a:noFill/>
+                    </a:lnT>
+                    <a:lnB w="12700" cap="flat" cmpd="sng" algn="ctr">
+                      <a:solidFill>
+                        <a:schemeClr val="tx1"/>
+                      </a:solidFill>
+                      <a:prstDash val="solid"/>
+                      <a:round/>
+                      <a:headEnd type="none" w="med" len="med"/>
+                      <a:tailEnd type="none" w="med" len="med"/>
+                    </a:lnB>
+                  </a:tcPr>
+                </a:tc>
+                <a:tc>
+                  <a:txBody>
+                    <a:bodyPr/>
+                    <a:lstStyle/>
+                    <a:p>
+                      <a:r>
+                        <a:rPr lang="en-US" sz="1050"/>
+                        <a:t>03-18</a:t>
+                      </a:r>
+                    </a:p>
+                  </a:txBody>
+                  <a:tcPr marL="35359" marR="35359" marT="17680" marB="17680" anchor="ctr">
+                    <a:lnL>
+                      <a:noFill/>
+                    </a:lnL>
+                    <a:lnR>
+                      <a:noFill/>
+                    </a:lnR>
+                    <a:lnT>
+                      <a:noFill/>
+                    </a:lnT>
+                    <a:lnB w="12700" cap="flat" cmpd="sng" algn="ctr">
+                      <a:solidFill>
+                        <a:schemeClr val="tx1"/>
+                      </a:solidFill>
+                      <a:prstDash val="solid"/>
+                      <a:round/>
+                      <a:headEnd type="none" w="med" len="med"/>
+                      <a:tailEnd type="none" w="med" len="med"/>
+                    </a:lnB>
+                  </a:tcPr>
+                </a:tc>
+                <a:extLst>
+                  <a:ext uri="{0D108BD9-81ED-4DB2-BD59-A6C34878D82A}">
+                    <a16:rowId xmlns:a16="http://schemas.microsoft.com/office/drawing/2014/main" val="2773887196"/>
+                  </a:ext>
+                </a:extLst>
+              </a:tr>
+              <a:tr h="141436">
+                <a:tc>
+                  <a:txBody>
+                    <a:bodyPr/>
+                    <a:lstStyle/>
+                    <a:p>
+                      <a:pPr algn="l"/>
+                      <a:r>
+                        <a:rPr lang="en-US" sz="1050" dirty="0" err="1">
+                          <a:effectLst/>
+                        </a:rPr>
+                        <a:t>Abanderada</a:t>
+                      </a:r>
+                      <a:r>
+                        <a:rPr lang="en-US" sz="1050" dirty="0">
+                          <a:effectLst/>
+                        </a:rPr>
+                        <a:t> </a:t>
+                      </a:r>
+                      <a:r>
+                        <a:rPr lang="en-US" sz="1050" dirty="0" err="1">
+                          <a:effectLst/>
+                        </a:rPr>
+                        <a:t>Petroperu</a:t>
+                      </a:r>
+                      <a:endParaRPr lang="en-US" sz="1050" dirty="0">
+                        <a:effectLst/>
+                      </a:endParaRPr>
+                    </a:p>
+                  </a:txBody>
+                  <a:tcPr marL="35359" marR="35359" marT="17680" marB="17680" anchor="ctr">
+                    <a:lnL>
+                      <a:noFill/>
+                    </a:lnL>
+                    <a:lnR>
+                      <a:noFill/>
+                    </a:lnR>
+                    <a:lnT w="12700" cap="flat" cmpd="sng" algn="ctr">
+                      <a:solidFill>
+                        <a:schemeClr val="tx1"/>
+                      </a:solidFill>
+                      <a:prstDash val="solid"/>
+                      <a:round/>
+                      <a:headEnd type="none" w="med" len="med"/>
+                      <a:tailEnd type="none" w="med" len="med"/>
+                    </a:lnT>
+                    <a:lnB>
+                      <a:noFill/>
+                    </a:lnB>
+                    <a:lnTlToBr w="12700" cmpd="sng">
+                      <a:noFill/>
+                      <a:prstDash val="solid"/>
+                    </a:lnTlToBr>
+                    <a:lnBlToTr w="12700" cmpd="sng">
+                      <a:noFill/>
+                      <a:prstDash val="solid"/>
+                    </a:lnBlToTr>
+                  </a:tcPr>
+                </a:tc>
+                <a:tc>
+                  <a:txBody>
+                    <a:bodyPr/>
+                    <a:lstStyle/>
+                    <a:p>
+                      <a:r>
+                        <a:rPr lang="en-US" sz="1050" dirty="0"/>
+                        <a:t>0.079 (0.098)</a:t>
+                      </a:r>
+                    </a:p>
+                  </a:txBody>
+                  <a:tcPr marL="35359" marR="35359" marT="17680" marB="17680" anchor="ctr">
+                    <a:lnL>
+                      <a:noFill/>
+                    </a:lnL>
+                    <a:lnR>
+                      <a:noFill/>
+                    </a:lnR>
+                    <a:lnT w="12700" cap="flat" cmpd="sng" algn="ctr">
+                      <a:solidFill>
+                        <a:schemeClr val="tx1"/>
+                      </a:solidFill>
+                      <a:prstDash val="solid"/>
+                      <a:round/>
+                      <a:headEnd type="none" w="med" len="med"/>
+                      <a:tailEnd type="none" w="med" len="med"/>
+                    </a:lnT>
+                    <a:lnB>
+                      <a:noFill/>
+                    </a:lnB>
+                    <a:lnTlToBr w="12700" cmpd="sng">
+                      <a:noFill/>
+                      <a:prstDash val="solid"/>
+                    </a:lnTlToBr>
+                    <a:lnBlToTr w="12700" cmpd="sng">
+                      <a:noFill/>
+                      <a:prstDash val="solid"/>
+                    </a:lnBlToTr>
+                  </a:tcPr>
+                </a:tc>
+                <a:tc>
+                  <a:txBody>
+                    <a:bodyPr/>
+                    <a:lstStyle/>
+                    <a:p>
+                      <a:r>
+                        <a:rPr lang="en-US" sz="1050" dirty="0"/>
+                        <a:t>0.024 (0.090)</a:t>
+                      </a:r>
+                    </a:p>
+                  </a:txBody>
+                  <a:tcPr marL="35359" marR="35359" marT="17680" marB="17680" anchor="ctr">
+                    <a:lnL>
+                      <a:noFill/>
+                    </a:lnL>
+                    <a:lnR>
+                      <a:noFill/>
+                    </a:lnR>
+                    <a:lnT w="12700" cap="flat" cmpd="sng" algn="ctr">
+                      <a:solidFill>
+                        <a:schemeClr val="tx1"/>
+                      </a:solidFill>
+                      <a:prstDash val="solid"/>
+                      <a:round/>
+                      <a:headEnd type="none" w="med" len="med"/>
+                      <a:tailEnd type="none" w="med" len="med"/>
+                    </a:lnT>
+                    <a:lnB>
+                      <a:noFill/>
+                    </a:lnB>
+                    <a:lnTlToBr w="12700" cmpd="sng">
+                      <a:noFill/>
+                      <a:prstDash val="solid"/>
+                    </a:lnTlToBr>
+                    <a:lnBlToTr w="12700" cmpd="sng">
+                      <a:noFill/>
+                      <a:prstDash val="solid"/>
+                    </a:lnBlToTr>
+                  </a:tcPr>
+                </a:tc>
+                <a:extLst>
+                  <a:ext uri="{0D108BD9-81ED-4DB2-BD59-A6C34878D82A}">
+                    <a16:rowId xmlns:a16="http://schemas.microsoft.com/office/drawing/2014/main" val="68703395"/>
+                  </a:ext>
+                </a:extLst>
+              </a:tr>
+              <a:tr h="141436">
+                <a:tc>
+                  <a:txBody>
+                    <a:bodyPr/>
+                    <a:lstStyle/>
+                    <a:p>
+                      <a:pPr algn="l"/>
+                      <a:r>
+                        <a:rPr lang="en-US" sz="1050" b="1" dirty="0" err="1">
+                          <a:effectLst/>
+                        </a:rPr>
+                        <a:t>Abanderada</a:t>
+                      </a:r>
+                      <a:r>
+                        <a:rPr lang="en-US" sz="1050" b="1" dirty="0">
+                          <a:effectLst/>
+                        </a:rPr>
+                        <a:t> Pecsa</a:t>
+                      </a:r>
+                    </a:p>
+                  </a:txBody>
+                  <a:tcPr marL="35359" marR="35359" marT="17680" marB="17680" anchor="ctr">
+                    <a:lnL>
+                      <a:noFill/>
+                    </a:lnL>
+                    <a:lnR>
+                      <a:noFill/>
+                    </a:lnR>
+                    <a:lnT>
+                      <a:noFill/>
+                    </a:lnT>
+                    <a:lnB>
+                      <a:noFill/>
+                    </a:lnB>
+                  </a:tcPr>
+                </a:tc>
+                <a:tc>
+                  <a:txBody>
+                    <a:bodyPr/>
+                    <a:lstStyle/>
+                    <a:p>
+                      <a:r>
+                        <a:rPr lang="en-US" sz="1050" b="1" dirty="0"/>
+                        <a:t>0.307</a:t>
+                      </a:r>
+                      <a:r>
+                        <a:rPr lang="en-US" sz="1050" b="1" baseline="30000" dirty="0"/>
+                        <a:t>***</a:t>
+                      </a:r>
+                      <a:r>
+                        <a:rPr lang="en-US" sz="1050" b="1" dirty="0"/>
+                        <a:t> (0.112)</a:t>
+                      </a:r>
+                    </a:p>
+                  </a:txBody>
+                  <a:tcPr marL="35359" marR="35359" marT="17680" marB="17680" anchor="ctr">
+                    <a:lnL>
+                      <a:noFill/>
+                    </a:lnL>
+                    <a:lnR>
+                      <a:noFill/>
+                    </a:lnR>
+                    <a:lnT>
+                      <a:noFill/>
+                    </a:lnT>
+                    <a:lnB>
+                      <a:noFill/>
+                    </a:lnB>
+                  </a:tcPr>
+                </a:tc>
+                <a:tc>
+                  <a:txBody>
+                    <a:bodyPr/>
+                    <a:lstStyle/>
+                    <a:p>
+                      <a:r>
+                        <a:rPr lang="en-US" sz="1050" b="1"/>
+                        <a:t>0.236</a:t>
+                      </a:r>
+                      <a:r>
+                        <a:rPr lang="en-US" sz="1050" b="1" baseline="30000"/>
+                        <a:t>**</a:t>
+                      </a:r>
+                      <a:r>
+                        <a:rPr lang="en-US" sz="1050" b="1"/>
+                        <a:t> (0.104)</a:t>
+                      </a:r>
+                    </a:p>
+                  </a:txBody>
+                  <a:tcPr marL="35359" marR="35359" marT="17680" marB="17680" anchor="ctr">
+                    <a:lnL>
+                      <a:noFill/>
+                    </a:lnL>
+                    <a:lnR>
+                      <a:noFill/>
+                    </a:lnR>
+                    <a:lnT>
+                      <a:noFill/>
+                    </a:lnT>
+                    <a:lnB>
+                      <a:noFill/>
+                    </a:lnB>
+                  </a:tcPr>
+                </a:tc>
+                <a:extLst>
+                  <a:ext uri="{0D108BD9-81ED-4DB2-BD59-A6C34878D82A}">
+                    <a16:rowId xmlns:a16="http://schemas.microsoft.com/office/drawing/2014/main" val="1388399556"/>
+                  </a:ext>
+                </a:extLst>
+              </a:tr>
+              <a:tr h="141436">
+                <a:tc>
+                  <a:txBody>
+                    <a:bodyPr/>
+                    <a:lstStyle/>
+                    <a:p>
+                      <a:pPr algn="l"/>
+                      <a:r>
+                        <a:rPr lang="en-US" sz="1050" b="1">
+                          <a:effectLst/>
+                        </a:rPr>
+                        <a:t>Abanderada Primax</a:t>
+                      </a:r>
+                    </a:p>
+                  </a:txBody>
+                  <a:tcPr marL="35359" marR="35359" marT="17680" marB="17680" anchor="ctr">
+                    <a:lnL>
+                      <a:noFill/>
+                    </a:lnL>
+                    <a:lnR>
+                      <a:noFill/>
+                    </a:lnR>
+                    <a:lnT>
+                      <a:noFill/>
+                    </a:lnT>
+                    <a:lnB>
+                      <a:noFill/>
+                    </a:lnB>
+                  </a:tcPr>
+                </a:tc>
+                <a:tc>
+                  <a:txBody>
+                    <a:bodyPr/>
+                    <a:lstStyle/>
+                    <a:p>
+                      <a:r>
+                        <a:rPr lang="en-US" sz="1050" b="1" dirty="0"/>
+                        <a:t>0.582</a:t>
+                      </a:r>
+                      <a:r>
+                        <a:rPr lang="en-US" sz="1050" b="1" baseline="30000" dirty="0"/>
+                        <a:t>***</a:t>
+                      </a:r>
+                      <a:r>
+                        <a:rPr lang="en-US" sz="1050" b="1" dirty="0"/>
+                        <a:t> (0.084)</a:t>
+                      </a:r>
+                    </a:p>
+                  </a:txBody>
+                  <a:tcPr marL="35359" marR="35359" marT="17680" marB="17680" anchor="ctr">
+                    <a:lnL>
+                      <a:noFill/>
+                    </a:lnL>
+                    <a:lnR>
+                      <a:noFill/>
+                    </a:lnR>
+                    <a:lnT>
+                      <a:noFill/>
+                    </a:lnT>
+                    <a:lnB>
+                      <a:noFill/>
+                    </a:lnB>
+                  </a:tcPr>
+                </a:tc>
+                <a:tc>
+                  <a:txBody>
+                    <a:bodyPr/>
+                    <a:lstStyle/>
+                    <a:p>
+                      <a:r>
+                        <a:rPr lang="en-US" sz="1050" b="1" dirty="0"/>
+                        <a:t>0.450</a:t>
+                      </a:r>
+                      <a:r>
+                        <a:rPr lang="en-US" sz="1050" b="1" baseline="30000" dirty="0"/>
+                        <a:t>***</a:t>
+                      </a:r>
+                      <a:r>
+                        <a:rPr lang="en-US" sz="1050" b="1" dirty="0"/>
+                        <a:t> (0.078)</a:t>
+                      </a:r>
+                    </a:p>
+                  </a:txBody>
+                  <a:tcPr marL="35359" marR="35359" marT="17680" marB="17680" anchor="ctr">
+                    <a:lnL>
+                      <a:noFill/>
+                    </a:lnL>
+                    <a:lnR>
+                      <a:noFill/>
+                    </a:lnR>
+                    <a:lnT>
+                      <a:noFill/>
+                    </a:lnT>
+                    <a:lnB>
+                      <a:noFill/>
+                    </a:lnB>
+                  </a:tcPr>
+                </a:tc>
+                <a:extLst>
+                  <a:ext uri="{0D108BD9-81ED-4DB2-BD59-A6C34878D82A}">
+                    <a16:rowId xmlns:a16="http://schemas.microsoft.com/office/drawing/2014/main" val="3720379741"/>
+                  </a:ext>
+                </a:extLst>
+              </a:tr>
+              <a:tr h="141436">
+                <a:tc>
+                  <a:txBody>
+                    <a:bodyPr/>
+                    <a:lstStyle/>
+                    <a:p>
+                      <a:pPr algn="l"/>
+                      <a:r>
+                        <a:rPr lang="en-US" sz="1050" b="1">
+                          <a:effectLst/>
+                        </a:rPr>
+                        <a:t>Abanderada Repsol</a:t>
+                      </a:r>
+                    </a:p>
+                  </a:txBody>
+                  <a:tcPr marL="35359" marR="35359" marT="17680" marB="17680" anchor="ctr">
+                    <a:lnL>
+                      <a:noFill/>
+                    </a:lnL>
+                    <a:lnR>
+                      <a:noFill/>
+                    </a:lnR>
+                    <a:lnT>
+                      <a:noFill/>
+                    </a:lnT>
+                    <a:lnB>
+                      <a:noFill/>
+                    </a:lnB>
+                  </a:tcPr>
+                </a:tc>
+                <a:tc>
+                  <a:txBody>
+                    <a:bodyPr/>
+                    <a:lstStyle/>
+                    <a:p>
+                      <a:r>
+                        <a:rPr lang="en-US" sz="1050" b="1"/>
+                        <a:t>0.331</a:t>
+                      </a:r>
+                      <a:r>
+                        <a:rPr lang="en-US" sz="1050" b="1" baseline="30000"/>
+                        <a:t>***</a:t>
+                      </a:r>
+                      <a:r>
+                        <a:rPr lang="en-US" sz="1050" b="1"/>
+                        <a:t> (0.093)</a:t>
+                      </a:r>
+                    </a:p>
+                  </a:txBody>
+                  <a:tcPr marL="35359" marR="35359" marT="17680" marB="17680" anchor="ctr">
+                    <a:lnL>
+                      <a:noFill/>
+                    </a:lnL>
+                    <a:lnR>
+                      <a:noFill/>
+                    </a:lnR>
+                    <a:lnT>
+                      <a:noFill/>
+                    </a:lnT>
+                    <a:lnB>
+                      <a:noFill/>
+                    </a:lnB>
+                  </a:tcPr>
+                </a:tc>
+                <a:tc>
+                  <a:txBody>
+                    <a:bodyPr/>
+                    <a:lstStyle/>
+                    <a:p>
+                      <a:r>
+                        <a:rPr lang="en-US" sz="1050" b="1" dirty="0"/>
+                        <a:t>0.309</a:t>
+                      </a:r>
+                      <a:r>
+                        <a:rPr lang="en-US" sz="1050" b="1" baseline="30000" dirty="0"/>
+                        <a:t>***</a:t>
+                      </a:r>
+                      <a:r>
+                        <a:rPr lang="en-US" sz="1050" b="1" dirty="0"/>
+                        <a:t> (0.085)</a:t>
+                      </a:r>
+                    </a:p>
+                  </a:txBody>
+                  <a:tcPr marL="35359" marR="35359" marT="17680" marB="17680" anchor="ctr">
+                    <a:lnL>
+                      <a:noFill/>
+                    </a:lnL>
+                    <a:lnR>
+                      <a:noFill/>
+                    </a:lnR>
+                    <a:lnT>
+                      <a:noFill/>
+                    </a:lnT>
+                    <a:lnB>
+                      <a:noFill/>
+                    </a:lnB>
+                  </a:tcPr>
+                </a:tc>
+                <a:extLst>
+                  <a:ext uri="{0D108BD9-81ED-4DB2-BD59-A6C34878D82A}">
+                    <a16:rowId xmlns:a16="http://schemas.microsoft.com/office/drawing/2014/main" val="3516126470"/>
+                  </a:ext>
+                </a:extLst>
+              </a:tr>
+              <a:tr h="141436">
+                <a:tc>
+                  <a:txBody>
+                    <a:bodyPr/>
+                    <a:lstStyle/>
+                    <a:p>
+                      <a:pPr algn="l"/>
+                      <a:r>
+                        <a:rPr lang="en-US" sz="1050">
+                          <a:effectLst/>
+                        </a:rPr>
+                        <a:t>Propia Pecsa</a:t>
+                      </a:r>
+                    </a:p>
+                  </a:txBody>
+                  <a:tcPr marL="35359" marR="35359" marT="17680" marB="17680" anchor="ctr">
+                    <a:lnL>
+                      <a:noFill/>
+                    </a:lnL>
+                    <a:lnR>
+                      <a:noFill/>
+                    </a:lnR>
+                    <a:lnT>
+                      <a:noFill/>
+                    </a:lnT>
+                    <a:lnB>
+                      <a:noFill/>
+                    </a:lnB>
+                  </a:tcPr>
+                </a:tc>
+                <a:tc>
+                  <a:txBody>
+                    <a:bodyPr/>
+                    <a:lstStyle/>
+                    <a:p>
+                      <a:r>
+                        <a:rPr lang="en-US" sz="1050"/>
+                        <a:t>0.080 (0.122)</a:t>
+                      </a:r>
+                    </a:p>
+                  </a:txBody>
+                  <a:tcPr marL="35359" marR="35359" marT="17680" marB="17680" anchor="ctr">
+                    <a:lnL>
+                      <a:noFill/>
+                    </a:lnL>
+                    <a:lnR>
+                      <a:noFill/>
+                    </a:lnR>
+                    <a:lnT>
+                      <a:noFill/>
+                    </a:lnT>
+                    <a:lnB>
+                      <a:noFill/>
+                    </a:lnB>
+                  </a:tcPr>
+                </a:tc>
+                <a:tc>
+                  <a:txBody>
+                    <a:bodyPr/>
+                    <a:lstStyle/>
+                    <a:p>
+                      <a:r>
+                        <a:rPr lang="en-US" sz="1050" dirty="0"/>
+                        <a:t>0.158 (0.113)</a:t>
+                      </a:r>
+                    </a:p>
+                  </a:txBody>
+                  <a:tcPr marL="35359" marR="35359" marT="17680" marB="17680" anchor="ctr">
+                    <a:lnL>
+                      <a:noFill/>
+                    </a:lnL>
+                    <a:lnR>
+                      <a:noFill/>
+                    </a:lnR>
+                    <a:lnT>
+                      <a:noFill/>
+                    </a:lnT>
+                    <a:lnB>
+                      <a:noFill/>
+                    </a:lnB>
+                  </a:tcPr>
+                </a:tc>
+                <a:extLst>
+                  <a:ext uri="{0D108BD9-81ED-4DB2-BD59-A6C34878D82A}">
+                    <a16:rowId xmlns:a16="http://schemas.microsoft.com/office/drawing/2014/main" val="1520235946"/>
+                  </a:ext>
+                </a:extLst>
+              </a:tr>
+              <a:tr h="141436">
+                <a:tc>
+                  <a:txBody>
+                    <a:bodyPr/>
+                    <a:lstStyle/>
+                    <a:p>
+                      <a:pPr algn="l"/>
+                      <a:r>
+                        <a:rPr lang="en-US" sz="1050" b="1" dirty="0">
+                          <a:effectLst/>
+                        </a:rPr>
+                        <a:t>Propia Primax</a:t>
+                      </a:r>
+                    </a:p>
+                  </a:txBody>
+                  <a:tcPr marL="35359" marR="35359" marT="17680" marB="17680" anchor="ctr">
+                    <a:lnL>
+                      <a:noFill/>
+                    </a:lnL>
+                    <a:lnR>
+                      <a:noFill/>
+                    </a:lnR>
+                    <a:lnT>
+                      <a:noFill/>
+                    </a:lnT>
+                    <a:lnB>
+                      <a:noFill/>
+                    </a:lnB>
+                  </a:tcPr>
+                </a:tc>
+                <a:tc>
+                  <a:txBody>
+                    <a:bodyPr/>
+                    <a:lstStyle/>
+                    <a:p>
+                      <a:r>
+                        <a:rPr lang="en-US" sz="1050" b="1" dirty="0"/>
+                        <a:t>0.297</a:t>
+                      </a:r>
+                      <a:r>
+                        <a:rPr lang="en-US" sz="1050" b="1" baseline="30000" dirty="0"/>
+                        <a:t>***</a:t>
+                      </a:r>
+                      <a:r>
+                        <a:rPr lang="en-US" sz="1050" b="1" dirty="0"/>
+                        <a:t> (0.109)</a:t>
+                      </a:r>
+                    </a:p>
+                  </a:txBody>
+                  <a:tcPr marL="35359" marR="35359" marT="17680" marB="17680" anchor="ctr">
+                    <a:lnL>
+                      <a:noFill/>
+                    </a:lnL>
+                    <a:lnR>
+                      <a:noFill/>
+                    </a:lnR>
+                    <a:lnT>
+                      <a:noFill/>
+                    </a:lnT>
+                    <a:lnB>
+                      <a:noFill/>
+                    </a:lnB>
+                  </a:tcPr>
+                </a:tc>
+                <a:tc>
+                  <a:txBody>
+                    <a:bodyPr/>
+                    <a:lstStyle/>
+                    <a:p>
+                      <a:r>
+                        <a:rPr lang="en-US" sz="1050" b="1" dirty="0"/>
+                        <a:t>0.311</a:t>
+                      </a:r>
+                      <a:r>
+                        <a:rPr lang="en-US" sz="1050" b="1" baseline="30000" dirty="0"/>
+                        <a:t>***</a:t>
+                      </a:r>
+                      <a:r>
+                        <a:rPr lang="en-US" sz="1050" b="1" dirty="0"/>
+                        <a:t> (0.101)</a:t>
+                      </a:r>
+                    </a:p>
+                  </a:txBody>
+                  <a:tcPr marL="35359" marR="35359" marT="17680" marB="17680" anchor="ctr">
+                    <a:lnL>
+                      <a:noFill/>
+                    </a:lnL>
+                    <a:lnR>
+                      <a:noFill/>
+                    </a:lnR>
+                    <a:lnT>
+                      <a:noFill/>
+                    </a:lnT>
+                    <a:lnB>
+                      <a:noFill/>
+                    </a:lnB>
+                  </a:tcPr>
+                </a:tc>
+                <a:extLst>
+                  <a:ext uri="{0D108BD9-81ED-4DB2-BD59-A6C34878D82A}">
+                    <a16:rowId xmlns:a16="http://schemas.microsoft.com/office/drawing/2014/main" val="4085181515"/>
+                  </a:ext>
+                </a:extLst>
+              </a:tr>
+              <a:tr h="141436">
+                <a:tc>
+                  <a:txBody>
+                    <a:bodyPr/>
+                    <a:lstStyle/>
+                    <a:p>
+                      <a:pPr algn="l"/>
+                      <a:r>
+                        <a:rPr lang="en-US" sz="1050" b="1" dirty="0">
+                          <a:effectLst/>
+                        </a:rPr>
+                        <a:t>Propia Repsol</a:t>
+                      </a:r>
+                    </a:p>
+                  </a:txBody>
+                  <a:tcPr marL="35359" marR="35359" marT="17680" marB="17680" anchor="ctr">
+                    <a:lnL>
+                      <a:noFill/>
+                    </a:lnL>
+                    <a:lnR>
+                      <a:noFill/>
+                    </a:lnR>
+                    <a:lnT>
+                      <a:noFill/>
+                    </a:lnT>
+                    <a:lnB>
+                      <a:noFill/>
+                    </a:lnB>
+                  </a:tcPr>
+                </a:tc>
+                <a:tc>
+                  <a:txBody>
+                    <a:bodyPr/>
+                    <a:lstStyle/>
+                    <a:p>
+                      <a:r>
+                        <a:rPr lang="en-US" sz="1050" b="1" dirty="0"/>
+                        <a:t>0.273</a:t>
+                      </a:r>
+                      <a:r>
+                        <a:rPr lang="en-US" sz="1050" b="1" baseline="30000" dirty="0"/>
+                        <a:t>***</a:t>
+                      </a:r>
+                      <a:r>
+                        <a:rPr lang="en-US" sz="1050" b="1" dirty="0"/>
+                        <a:t> (0.096)</a:t>
+                      </a:r>
+                    </a:p>
+                  </a:txBody>
+                  <a:tcPr marL="35359" marR="35359" marT="17680" marB="17680" anchor="ctr">
+                    <a:lnL>
+                      <a:noFill/>
+                    </a:lnL>
+                    <a:lnR>
+                      <a:noFill/>
+                    </a:lnR>
+                    <a:lnT>
+                      <a:noFill/>
+                    </a:lnT>
+                    <a:lnB>
+                      <a:noFill/>
+                    </a:lnB>
+                  </a:tcPr>
+                </a:tc>
+                <a:tc>
+                  <a:txBody>
+                    <a:bodyPr/>
+                    <a:lstStyle/>
+                    <a:p>
+                      <a:r>
+                        <a:rPr lang="en-US" sz="1050" b="1" dirty="0"/>
+                        <a:t>0.169</a:t>
+                      </a:r>
+                      <a:r>
+                        <a:rPr lang="en-US" sz="1050" b="1" baseline="30000" dirty="0"/>
+                        <a:t>*</a:t>
+                      </a:r>
+                      <a:r>
+                        <a:rPr lang="en-US" sz="1050" b="1" dirty="0"/>
+                        <a:t> (0.089)</a:t>
+                      </a:r>
+                    </a:p>
+                  </a:txBody>
+                  <a:tcPr marL="35359" marR="35359" marT="17680" marB="17680" anchor="ctr">
+                    <a:lnL>
+                      <a:noFill/>
+                    </a:lnL>
+                    <a:lnR>
+                      <a:noFill/>
+                    </a:lnR>
+                    <a:lnT>
+                      <a:noFill/>
+                    </a:lnT>
+                    <a:lnB>
+                      <a:noFill/>
+                    </a:lnB>
+                  </a:tcPr>
+                </a:tc>
+                <a:extLst>
+                  <a:ext uri="{0D108BD9-81ED-4DB2-BD59-A6C34878D82A}">
+                    <a16:rowId xmlns:a16="http://schemas.microsoft.com/office/drawing/2014/main" val="3385047819"/>
+                  </a:ext>
+                </a:extLst>
+              </a:tr>
+              <a:tr h="141436">
+                <a:tc>
+                  <a:txBody>
+                    <a:bodyPr/>
+                    <a:lstStyle/>
+                    <a:p>
+                      <a:pPr algn="l"/>
+                      <a:r>
+                        <a:rPr lang="en-US" sz="1050">
+                          <a:effectLst/>
+                        </a:rPr>
+                        <a:t>SC</a:t>
+                      </a:r>
+                    </a:p>
+                  </a:txBody>
+                  <a:tcPr marL="35359" marR="35359" marT="17680" marB="17680" anchor="ctr">
+                    <a:lnL>
+                      <a:noFill/>
+                    </a:lnL>
+                    <a:lnR>
+                      <a:noFill/>
+                    </a:lnR>
+                    <a:lnT>
+                      <a:noFill/>
+                    </a:lnT>
+                    <a:lnB>
+                      <a:noFill/>
+                    </a:lnB>
+                  </a:tcPr>
+                </a:tc>
+                <a:tc>
+                  <a:txBody>
+                    <a:bodyPr/>
+                    <a:lstStyle/>
+                    <a:p>
+                      <a:r>
+                        <a:rPr lang="en-US" sz="1050" dirty="0"/>
+                        <a:t>0.117 (0.191)</a:t>
+                      </a:r>
+                    </a:p>
+                  </a:txBody>
+                  <a:tcPr marL="35359" marR="35359" marT="17680" marB="17680" anchor="ctr">
+                    <a:lnL>
+                      <a:noFill/>
+                    </a:lnL>
+                    <a:lnR>
+                      <a:noFill/>
+                    </a:lnR>
+                    <a:lnT>
+                      <a:noFill/>
+                    </a:lnT>
+                    <a:lnB>
+                      <a:noFill/>
+                    </a:lnB>
+                  </a:tcPr>
+                </a:tc>
+                <a:tc>
+                  <a:txBody>
+                    <a:bodyPr/>
+                    <a:lstStyle/>
+                    <a:p>
+                      <a:r>
+                        <a:rPr lang="en-US" sz="1050"/>
+                        <a:t>-0.099 (0.106)</a:t>
+                      </a:r>
+                    </a:p>
+                  </a:txBody>
+                  <a:tcPr marL="35359" marR="35359" marT="17680" marB="17680" anchor="ctr">
+                    <a:lnL>
+                      <a:noFill/>
+                    </a:lnL>
+                    <a:lnR>
+                      <a:noFill/>
+                    </a:lnR>
+                    <a:lnT>
+                      <a:noFill/>
+                    </a:lnT>
+                    <a:lnB>
+                      <a:noFill/>
+                    </a:lnB>
+                  </a:tcPr>
+                </a:tc>
+                <a:extLst>
+                  <a:ext uri="{0D108BD9-81ED-4DB2-BD59-A6C34878D82A}">
+                    <a16:rowId xmlns:a16="http://schemas.microsoft.com/office/drawing/2014/main" val="3790144606"/>
+                  </a:ext>
+                </a:extLst>
+              </a:tr>
+              <a:tr h="141436">
+                <a:tc>
+                  <a:txBody>
+                    <a:bodyPr/>
+                    <a:lstStyle/>
+                    <a:p>
+                      <a:pPr algn="l"/>
+                      <a:r>
+                        <a:rPr lang="en-US" sz="1050">
+                          <a:effectLst/>
+                        </a:rPr>
+                        <a:t>DPROM</a:t>
+                      </a:r>
+                    </a:p>
+                  </a:txBody>
+                  <a:tcPr marL="35359" marR="35359" marT="17680" marB="17680" anchor="ctr">
+                    <a:lnL>
+                      <a:noFill/>
+                    </a:lnL>
+                    <a:lnR>
+                      <a:noFill/>
+                    </a:lnR>
+                    <a:lnT>
+                      <a:noFill/>
+                    </a:lnT>
+                    <a:lnB>
+                      <a:noFill/>
+                    </a:lnB>
+                  </a:tcPr>
+                </a:tc>
+                <a:tc>
+                  <a:txBody>
+                    <a:bodyPr/>
+                    <a:lstStyle/>
+                    <a:p>
+                      <a:r>
+                        <a:rPr lang="en-US" sz="1050"/>
+                        <a:t>-0.175 (0.196)</a:t>
+                      </a:r>
+                    </a:p>
+                  </a:txBody>
+                  <a:tcPr marL="35359" marR="35359" marT="17680" marB="17680" anchor="ctr">
+                    <a:lnL>
+                      <a:noFill/>
+                    </a:lnL>
+                    <a:lnR>
+                      <a:noFill/>
+                    </a:lnR>
+                    <a:lnT>
+                      <a:noFill/>
+                    </a:lnT>
+                    <a:lnB>
+                      <a:noFill/>
+                    </a:lnB>
+                  </a:tcPr>
+                </a:tc>
+                <a:tc>
+                  <a:txBody>
+                    <a:bodyPr/>
+                    <a:lstStyle/>
+                    <a:p>
+                      <a:r>
+                        <a:rPr lang="en-US" sz="1050"/>
+                        <a:t>-0.124 (0.182)</a:t>
+                      </a:r>
+                    </a:p>
+                  </a:txBody>
+                  <a:tcPr marL="35359" marR="35359" marT="17680" marB="17680" anchor="ctr">
+                    <a:lnL>
+                      <a:noFill/>
+                    </a:lnL>
+                    <a:lnR>
+                      <a:noFill/>
+                    </a:lnR>
+                    <a:lnT>
+                      <a:noFill/>
+                    </a:lnT>
+                    <a:lnB>
+                      <a:noFill/>
+                    </a:lnB>
+                  </a:tcPr>
+                </a:tc>
+                <a:extLst>
+                  <a:ext uri="{0D108BD9-81ED-4DB2-BD59-A6C34878D82A}">
+                    <a16:rowId xmlns:a16="http://schemas.microsoft.com/office/drawing/2014/main" val="3218295478"/>
+                  </a:ext>
+                </a:extLst>
+              </a:tr>
+              <a:tr h="141436">
+                <a:tc>
+                  <a:txBody>
+                    <a:bodyPr/>
+                    <a:lstStyle/>
+                    <a:p>
+                      <a:pPr algn="l"/>
+                      <a:r>
+                        <a:rPr lang="en-US" sz="1050">
+                          <a:effectLst/>
+                        </a:rPr>
+                        <a:t>DMIN</a:t>
+                      </a:r>
+                    </a:p>
+                  </a:txBody>
+                  <a:tcPr marL="35359" marR="35359" marT="17680" marB="17680" anchor="ctr">
+                    <a:lnL>
+                      <a:noFill/>
+                    </a:lnL>
+                    <a:lnR>
+                      <a:noFill/>
+                    </a:lnR>
+                    <a:lnT>
+                      <a:noFill/>
+                    </a:lnT>
+                    <a:lnB>
+                      <a:noFill/>
+                    </a:lnB>
+                  </a:tcPr>
+                </a:tc>
+                <a:tc>
+                  <a:txBody>
+                    <a:bodyPr/>
+                    <a:lstStyle/>
+                    <a:p>
+                      <a:r>
+                        <a:rPr lang="en-US" sz="1050"/>
+                        <a:t>0.053 (0.081)</a:t>
+                      </a:r>
+                    </a:p>
+                  </a:txBody>
+                  <a:tcPr marL="35359" marR="35359" marT="17680" marB="17680" anchor="ctr">
+                    <a:lnL>
+                      <a:noFill/>
+                    </a:lnL>
+                    <a:lnR>
+                      <a:noFill/>
+                    </a:lnR>
+                    <a:lnT>
+                      <a:noFill/>
+                    </a:lnT>
+                    <a:lnB>
+                      <a:noFill/>
+                    </a:lnB>
+                  </a:tcPr>
+                </a:tc>
+                <a:tc>
+                  <a:txBody>
+                    <a:bodyPr/>
+                    <a:lstStyle/>
+                    <a:p>
+                      <a:r>
+                        <a:rPr lang="en-US" sz="1050"/>
+                        <a:t>0.029 (0.075)</a:t>
+                      </a:r>
+                    </a:p>
+                  </a:txBody>
+                  <a:tcPr marL="35359" marR="35359" marT="17680" marB="17680" anchor="ctr">
+                    <a:lnL>
+                      <a:noFill/>
+                    </a:lnL>
+                    <a:lnR>
+                      <a:noFill/>
+                    </a:lnR>
+                    <a:lnT>
+                      <a:noFill/>
+                    </a:lnT>
+                    <a:lnB>
+                      <a:noFill/>
+                    </a:lnB>
+                  </a:tcPr>
+                </a:tc>
+                <a:extLst>
+                  <a:ext uri="{0D108BD9-81ED-4DB2-BD59-A6C34878D82A}">
+                    <a16:rowId xmlns:a16="http://schemas.microsoft.com/office/drawing/2014/main" val="481797085"/>
+                  </a:ext>
+                </a:extLst>
+              </a:tr>
+              <a:tr h="141436">
+                <a:tc>
+                  <a:txBody>
+                    <a:bodyPr/>
+                    <a:lstStyle/>
+                    <a:p>
+                      <a:pPr algn="l"/>
+                      <a:r>
+                        <a:rPr lang="en-US" sz="1050" b="1" dirty="0">
+                          <a:effectLst/>
+                        </a:rPr>
+                        <a:t>NCERC</a:t>
+                      </a:r>
+                    </a:p>
+                  </a:txBody>
+                  <a:tcPr marL="35359" marR="35359" marT="17680" marB="17680" anchor="ctr">
+                    <a:lnL>
+                      <a:noFill/>
+                    </a:lnL>
+                    <a:lnR>
+                      <a:noFill/>
+                    </a:lnR>
+                    <a:lnT>
+                      <a:noFill/>
+                    </a:lnT>
+                    <a:lnB>
+                      <a:noFill/>
+                    </a:lnB>
+                  </a:tcPr>
+                </a:tc>
+                <a:tc>
+                  <a:txBody>
+                    <a:bodyPr/>
+                    <a:lstStyle/>
+                    <a:p>
+                      <a:r>
+                        <a:rPr lang="en-US" sz="1050" b="1" dirty="0"/>
+                        <a:t>-0.030</a:t>
+                      </a:r>
+                      <a:r>
+                        <a:rPr lang="en-US" sz="1050" b="1" baseline="30000" dirty="0"/>
+                        <a:t>***</a:t>
+                      </a:r>
+                      <a:r>
+                        <a:rPr lang="en-US" sz="1050" b="1" dirty="0"/>
+                        <a:t> (0.005)</a:t>
+                      </a:r>
+                    </a:p>
+                  </a:txBody>
+                  <a:tcPr marL="35359" marR="35359" marT="17680" marB="17680" anchor="ctr">
+                    <a:lnL>
+                      <a:noFill/>
+                    </a:lnL>
+                    <a:lnR>
+                      <a:noFill/>
+                    </a:lnR>
+                    <a:lnT>
+                      <a:noFill/>
+                    </a:lnT>
+                    <a:lnB>
+                      <a:noFill/>
+                    </a:lnB>
+                  </a:tcPr>
+                </a:tc>
+                <a:tc>
+                  <a:txBody>
+                    <a:bodyPr/>
+                    <a:lstStyle/>
+                    <a:p>
+                      <a:r>
+                        <a:rPr lang="en-US" sz="1050" b="1" dirty="0"/>
+                        <a:t>-0.028</a:t>
+                      </a:r>
+                      <a:r>
+                        <a:rPr lang="en-US" sz="1050" b="1" baseline="30000" dirty="0"/>
+                        <a:t>***</a:t>
+                      </a:r>
+                      <a:r>
+                        <a:rPr lang="en-US" sz="1050" b="1" dirty="0"/>
+                        <a:t> (0.004)</a:t>
+                      </a:r>
+                    </a:p>
+                  </a:txBody>
+                  <a:tcPr marL="35359" marR="35359" marT="17680" marB="17680" anchor="ctr">
+                    <a:lnL>
+                      <a:noFill/>
+                    </a:lnL>
+                    <a:lnR>
+                      <a:noFill/>
+                    </a:lnR>
+                    <a:lnT>
+                      <a:noFill/>
+                    </a:lnT>
+                    <a:lnB>
+                      <a:noFill/>
+                    </a:lnB>
+                  </a:tcPr>
+                </a:tc>
+                <a:extLst>
+                  <a:ext uri="{0D108BD9-81ED-4DB2-BD59-A6C34878D82A}">
+                    <a16:rowId xmlns:a16="http://schemas.microsoft.com/office/drawing/2014/main" val="826868838"/>
+                  </a:ext>
+                </a:extLst>
+              </a:tr>
+              <a:tr h="141436">
+                <a:tc>
+                  <a:txBody>
+                    <a:bodyPr/>
+                    <a:lstStyle/>
+                    <a:p>
+                      <a:pPr algn="l"/>
+                      <a:r>
+                        <a:rPr lang="en-US" sz="1050">
+                          <a:effectLst/>
+                        </a:rPr>
+                        <a:t>MECANICO</a:t>
+                      </a:r>
+                    </a:p>
+                  </a:txBody>
+                  <a:tcPr marL="35359" marR="35359" marT="17680" marB="17680" anchor="ctr">
+                    <a:lnL>
+                      <a:noFill/>
+                    </a:lnL>
+                    <a:lnR>
+                      <a:noFill/>
+                    </a:lnR>
+                    <a:lnT>
+                      <a:noFill/>
+                    </a:lnT>
+                    <a:lnB>
+                      <a:noFill/>
+                    </a:lnB>
+                  </a:tcPr>
+                </a:tc>
+                <a:tc>
+                  <a:txBody>
+                    <a:bodyPr/>
+                    <a:lstStyle/>
+                    <a:p>
+                      <a:r>
+                        <a:rPr lang="en-US" sz="1050" dirty="0"/>
+                        <a:t>0.160</a:t>
+                      </a:r>
+                      <a:r>
+                        <a:rPr lang="en-US" sz="1050" baseline="30000" dirty="0"/>
+                        <a:t>**</a:t>
+                      </a:r>
+                      <a:r>
+                        <a:rPr lang="en-US" sz="1050" dirty="0"/>
+                        <a:t> (0.075)</a:t>
+                      </a:r>
+                    </a:p>
+                  </a:txBody>
+                  <a:tcPr marL="35359" marR="35359" marT="17680" marB="17680" anchor="ctr">
+                    <a:lnL>
+                      <a:noFill/>
+                    </a:lnL>
+                    <a:lnR>
+                      <a:noFill/>
+                    </a:lnR>
+                    <a:lnT>
+                      <a:noFill/>
+                    </a:lnT>
+                    <a:lnB>
+                      <a:noFill/>
+                    </a:lnB>
+                  </a:tcPr>
+                </a:tc>
+                <a:tc>
+                  <a:txBody>
+                    <a:bodyPr/>
+                    <a:lstStyle/>
+                    <a:p>
+                      <a:r>
+                        <a:rPr lang="en-US" sz="1050"/>
+                        <a:t>0.061 (0.069)</a:t>
+                      </a:r>
+                    </a:p>
+                  </a:txBody>
+                  <a:tcPr marL="35359" marR="35359" marT="17680" marB="17680" anchor="ctr">
+                    <a:lnL>
+                      <a:noFill/>
+                    </a:lnL>
+                    <a:lnR>
+                      <a:noFill/>
+                    </a:lnR>
+                    <a:lnT>
+                      <a:noFill/>
+                    </a:lnT>
+                    <a:lnB>
+                      <a:noFill/>
+                    </a:lnB>
+                  </a:tcPr>
+                </a:tc>
+                <a:extLst>
+                  <a:ext uri="{0D108BD9-81ED-4DB2-BD59-A6C34878D82A}">
+                    <a16:rowId xmlns:a16="http://schemas.microsoft.com/office/drawing/2014/main" val="3982318084"/>
+                  </a:ext>
+                </a:extLst>
+              </a:tr>
+              <a:tr h="141436">
+                <a:tc>
+                  <a:txBody>
+                    <a:bodyPr/>
+                    <a:lstStyle/>
+                    <a:p>
+                      <a:pPr algn="l"/>
+                      <a:r>
+                        <a:rPr lang="en-US" sz="1050">
+                          <a:effectLst/>
+                        </a:rPr>
+                        <a:t>LAVADO</a:t>
+                      </a:r>
+                    </a:p>
+                  </a:txBody>
+                  <a:tcPr marL="35359" marR="35359" marT="17680" marB="17680" anchor="ctr">
+                    <a:lnL>
+                      <a:noFill/>
+                    </a:lnL>
+                    <a:lnR>
+                      <a:noFill/>
+                    </a:lnR>
+                    <a:lnT>
+                      <a:noFill/>
+                    </a:lnT>
+                    <a:lnB>
+                      <a:noFill/>
+                    </a:lnB>
+                  </a:tcPr>
+                </a:tc>
+                <a:tc>
+                  <a:txBody>
+                    <a:bodyPr/>
+                    <a:lstStyle/>
+                    <a:p>
+                      <a:r>
+                        <a:rPr lang="en-US" sz="1050"/>
+                        <a:t>-0.129 (0.088)</a:t>
+                      </a:r>
+                    </a:p>
+                  </a:txBody>
+                  <a:tcPr marL="35359" marR="35359" marT="17680" marB="17680" anchor="ctr">
+                    <a:lnL>
+                      <a:noFill/>
+                    </a:lnL>
+                    <a:lnR>
+                      <a:noFill/>
+                    </a:lnR>
+                    <a:lnT>
+                      <a:noFill/>
+                    </a:lnT>
+                    <a:lnB>
+                      <a:noFill/>
+                    </a:lnB>
+                  </a:tcPr>
+                </a:tc>
+                <a:tc>
+                  <a:txBody>
+                    <a:bodyPr/>
+                    <a:lstStyle/>
+                    <a:p>
+                      <a:r>
+                        <a:rPr lang="en-US" sz="1050"/>
+                        <a:t>-0.108 (0.081)</a:t>
+                      </a:r>
+                    </a:p>
+                  </a:txBody>
+                  <a:tcPr marL="35359" marR="35359" marT="17680" marB="17680" anchor="ctr">
+                    <a:lnL>
+                      <a:noFill/>
+                    </a:lnL>
+                    <a:lnR>
+                      <a:noFill/>
+                    </a:lnR>
+                    <a:lnT>
+                      <a:noFill/>
+                    </a:lnT>
+                    <a:lnB>
+                      <a:noFill/>
+                    </a:lnB>
+                  </a:tcPr>
+                </a:tc>
+                <a:extLst>
+                  <a:ext uri="{0D108BD9-81ED-4DB2-BD59-A6C34878D82A}">
+                    <a16:rowId xmlns:a16="http://schemas.microsoft.com/office/drawing/2014/main" val="22083168"/>
+                  </a:ext>
+                </a:extLst>
+              </a:tr>
+              <a:tr h="141436">
+                <a:tc>
+                  <a:txBody>
+                    <a:bodyPr/>
+                    <a:lstStyle/>
+                    <a:p>
+                      <a:pPr algn="l"/>
+                      <a:r>
+                        <a:rPr lang="en-US" sz="1050">
+                          <a:effectLst/>
+                        </a:rPr>
+                        <a:t>CAJERO</a:t>
+                      </a:r>
+                    </a:p>
+                  </a:txBody>
+                  <a:tcPr marL="35359" marR="35359" marT="17680" marB="17680" anchor="ctr">
+                    <a:lnL>
+                      <a:noFill/>
+                    </a:lnL>
+                    <a:lnR>
+                      <a:noFill/>
+                    </a:lnR>
+                    <a:lnT>
+                      <a:noFill/>
+                    </a:lnT>
+                    <a:lnB>
+                      <a:noFill/>
+                    </a:lnB>
+                  </a:tcPr>
+                </a:tc>
+                <a:tc>
+                  <a:txBody>
+                    <a:bodyPr/>
+                    <a:lstStyle/>
+                    <a:p>
+                      <a:r>
+                        <a:rPr lang="en-US" sz="1050" dirty="0"/>
+                        <a:t>0.036 (0.062)</a:t>
+                      </a:r>
+                    </a:p>
+                  </a:txBody>
+                  <a:tcPr marL="35359" marR="35359" marT="17680" marB="17680" anchor="ctr">
+                    <a:lnL>
+                      <a:noFill/>
+                    </a:lnL>
+                    <a:lnR>
+                      <a:noFill/>
+                    </a:lnR>
+                    <a:lnT>
+                      <a:noFill/>
+                    </a:lnT>
+                    <a:lnB>
+                      <a:noFill/>
+                    </a:lnB>
+                  </a:tcPr>
+                </a:tc>
+                <a:tc>
+                  <a:txBody>
+                    <a:bodyPr/>
+                    <a:lstStyle/>
+                    <a:p>
+                      <a:r>
+                        <a:rPr lang="en-US" sz="1050"/>
+                        <a:t>0.048 (0.057)</a:t>
+                      </a:r>
+                    </a:p>
+                  </a:txBody>
+                  <a:tcPr marL="35359" marR="35359" marT="17680" marB="17680" anchor="ctr">
+                    <a:lnL>
+                      <a:noFill/>
+                    </a:lnL>
+                    <a:lnR>
+                      <a:noFill/>
+                    </a:lnR>
+                    <a:lnT>
+                      <a:noFill/>
+                    </a:lnT>
+                    <a:lnB>
+                      <a:noFill/>
+                    </a:lnB>
+                  </a:tcPr>
+                </a:tc>
+                <a:extLst>
+                  <a:ext uri="{0D108BD9-81ED-4DB2-BD59-A6C34878D82A}">
+                    <a16:rowId xmlns:a16="http://schemas.microsoft.com/office/drawing/2014/main" val="936099284"/>
+                  </a:ext>
+                </a:extLst>
+              </a:tr>
+              <a:tr h="141436">
+                <a:tc>
+                  <a:txBody>
+                    <a:bodyPr/>
+                    <a:lstStyle/>
+                    <a:p>
+                      <a:pPr algn="l"/>
+                      <a:r>
+                        <a:rPr lang="en-US" sz="1050">
+                          <a:effectLst/>
+                        </a:rPr>
+                        <a:t>GNV</a:t>
+                      </a:r>
+                    </a:p>
+                  </a:txBody>
+                  <a:tcPr marL="35359" marR="35359" marT="17680" marB="17680" anchor="ctr">
+                    <a:lnL>
+                      <a:noFill/>
+                    </a:lnL>
+                    <a:lnR>
+                      <a:noFill/>
+                    </a:lnR>
+                    <a:lnT>
+                      <a:noFill/>
+                    </a:lnT>
+                    <a:lnB>
+                      <a:noFill/>
+                    </a:lnB>
+                  </a:tcPr>
+                </a:tc>
+                <a:tc>
+                  <a:txBody>
+                    <a:bodyPr/>
+                    <a:lstStyle/>
+                    <a:p>
+                      <a:r>
+                        <a:rPr lang="en-US" sz="1050"/>
+                        <a:t>-0.055 (0.064)</a:t>
+                      </a:r>
+                    </a:p>
+                  </a:txBody>
+                  <a:tcPr marL="35359" marR="35359" marT="17680" marB="17680" anchor="ctr">
+                    <a:lnL>
+                      <a:noFill/>
+                    </a:lnL>
+                    <a:lnR>
+                      <a:noFill/>
+                    </a:lnR>
+                    <a:lnT>
+                      <a:noFill/>
+                    </a:lnT>
+                    <a:lnB>
+                      <a:noFill/>
+                    </a:lnB>
+                  </a:tcPr>
+                </a:tc>
+                <a:tc>
+                  <a:txBody>
+                    <a:bodyPr/>
+                    <a:lstStyle/>
+                    <a:p>
+                      <a:r>
+                        <a:rPr lang="en-US" sz="1050"/>
+                        <a:t>-0.087 (0.059)</a:t>
+                      </a:r>
+                    </a:p>
+                  </a:txBody>
+                  <a:tcPr marL="35359" marR="35359" marT="17680" marB="17680" anchor="ctr">
+                    <a:lnL>
+                      <a:noFill/>
+                    </a:lnL>
+                    <a:lnR>
+                      <a:noFill/>
+                    </a:lnR>
+                    <a:lnT>
+                      <a:noFill/>
+                    </a:lnT>
+                    <a:lnB>
+                      <a:noFill/>
+                    </a:lnB>
+                  </a:tcPr>
+                </a:tc>
+                <a:extLst>
+                  <a:ext uri="{0D108BD9-81ED-4DB2-BD59-A6C34878D82A}">
+                    <a16:rowId xmlns:a16="http://schemas.microsoft.com/office/drawing/2014/main" val="192760944"/>
+                  </a:ext>
+                </a:extLst>
+              </a:tr>
+              <a:tr h="141436">
+                <a:tc>
+                  <a:txBody>
+                    <a:bodyPr/>
+                    <a:lstStyle/>
+                    <a:p>
+                      <a:pPr algn="l"/>
+                      <a:r>
+                        <a:rPr lang="en-US" sz="1050">
+                          <a:effectLst/>
+                        </a:rPr>
+                        <a:t>GLP</a:t>
+                      </a:r>
+                    </a:p>
+                  </a:txBody>
+                  <a:tcPr marL="35359" marR="35359" marT="17680" marB="17680" anchor="ctr">
+                    <a:lnL>
+                      <a:noFill/>
+                    </a:lnL>
+                    <a:lnR>
+                      <a:noFill/>
+                    </a:lnR>
+                    <a:lnT>
+                      <a:noFill/>
+                    </a:lnT>
+                    <a:lnB>
+                      <a:noFill/>
+                    </a:lnB>
+                  </a:tcPr>
+                </a:tc>
+                <a:tc>
+                  <a:txBody>
+                    <a:bodyPr/>
+                    <a:lstStyle/>
+                    <a:p>
+                      <a:r>
+                        <a:rPr lang="en-US" sz="1050"/>
+                        <a:t>-0.026 (0.062)</a:t>
+                      </a:r>
+                    </a:p>
+                  </a:txBody>
+                  <a:tcPr marL="35359" marR="35359" marT="17680" marB="17680" anchor="ctr">
+                    <a:lnL>
+                      <a:noFill/>
+                    </a:lnL>
+                    <a:lnR>
+                      <a:noFill/>
+                    </a:lnR>
+                    <a:lnT>
+                      <a:noFill/>
+                    </a:lnT>
+                    <a:lnB>
+                      <a:noFill/>
+                    </a:lnB>
+                  </a:tcPr>
+                </a:tc>
+                <a:tc>
+                  <a:txBody>
+                    <a:bodyPr/>
+                    <a:lstStyle/>
+                    <a:p>
+                      <a:r>
+                        <a:rPr lang="en-US" sz="1050"/>
+                        <a:t>-0.034 (0.058)</a:t>
+                      </a:r>
+                    </a:p>
+                  </a:txBody>
+                  <a:tcPr marL="35359" marR="35359" marT="17680" marB="17680" anchor="ctr">
+                    <a:lnL>
+                      <a:noFill/>
+                    </a:lnL>
+                    <a:lnR>
+                      <a:noFill/>
+                    </a:lnR>
+                    <a:lnT>
+                      <a:noFill/>
+                    </a:lnT>
+                    <a:lnB>
+                      <a:noFill/>
+                    </a:lnB>
+                  </a:tcPr>
+                </a:tc>
+                <a:extLst>
+                  <a:ext uri="{0D108BD9-81ED-4DB2-BD59-A6C34878D82A}">
+                    <a16:rowId xmlns:a16="http://schemas.microsoft.com/office/drawing/2014/main" val="1198938188"/>
+                  </a:ext>
+                </a:extLst>
+              </a:tr>
+              <a:tr h="141436">
+                <a:tc>
+                  <a:txBody>
+                    <a:bodyPr/>
+                    <a:lstStyle/>
+                    <a:p>
+                      <a:pPr algn="l"/>
+                      <a:r>
+                        <a:rPr lang="en-US" sz="1050">
+                          <a:effectLst/>
+                        </a:rPr>
+                        <a:t>INGRESO</a:t>
+                      </a:r>
+                    </a:p>
+                  </a:txBody>
+                  <a:tcPr marL="35359" marR="35359" marT="17680" marB="17680" anchor="ctr">
+                    <a:lnL>
+                      <a:noFill/>
+                    </a:lnL>
+                    <a:lnR>
+                      <a:noFill/>
+                    </a:lnR>
+                    <a:lnT>
+                      <a:noFill/>
+                    </a:lnT>
+                    <a:lnB>
+                      <a:noFill/>
+                    </a:lnB>
+                  </a:tcPr>
+                </a:tc>
+                <a:tc>
+                  <a:txBody>
+                    <a:bodyPr/>
+                    <a:lstStyle/>
+                    <a:p>
+                      <a:r>
+                        <a:rPr lang="en-US" sz="1050"/>
+                        <a:t>-0.061 (0.200)</a:t>
+                      </a:r>
+                    </a:p>
+                  </a:txBody>
+                  <a:tcPr marL="35359" marR="35359" marT="17680" marB="17680" anchor="ctr">
+                    <a:lnL>
+                      <a:noFill/>
+                    </a:lnL>
+                    <a:lnR>
+                      <a:noFill/>
+                    </a:lnR>
+                    <a:lnT>
+                      <a:noFill/>
+                    </a:lnT>
+                    <a:lnB>
+                      <a:noFill/>
+                    </a:lnB>
+                  </a:tcPr>
+                </a:tc>
+                <a:tc>
+                  <a:txBody>
+                    <a:bodyPr/>
+                    <a:lstStyle/>
+                    <a:p>
+                      <a:r>
+                        <a:rPr lang="en-US" sz="1050"/>
+                        <a:t>-0.015 (0.189)</a:t>
+                      </a:r>
+                    </a:p>
+                  </a:txBody>
+                  <a:tcPr marL="35359" marR="35359" marT="17680" marB="17680" anchor="ctr">
+                    <a:lnL>
+                      <a:noFill/>
+                    </a:lnL>
+                    <a:lnR>
+                      <a:noFill/>
+                    </a:lnR>
+                    <a:lnT>
+                      <a:noFill/>
+                    </a:lnT>
+                    <a:lnB>
+                      <a:noFill/>
+                    </a:lnB>
+                  </a:tcPr>
+                </a:tc>
+                <a:extLst>
+                  <a:ext uri="{0D108BD9-81ED-4DB2-BD59-A6C34878D82A}">
+                    <a16:rowId xmlns:a16="http://schemas.microsoft.com/office/drawing/2014/main" val="3093753231"/>
+                  </a:ext>
+                </a:extLst>
+              </a:tr>
+              <a:tr h="141436">
+                <a:tc>
+                  <a:txBody>
+                    <a:bodyPr/>
+                    <a:lstStyle/>
+                    <a:p>
+                      <a:pPr algn="l"/>
+                      <a:r>
+                        <a:rPr lang="en-US" sz="1050">
+                          <a:effectLst/>
+                        </a:rPr>
+                        <a:t>DENPOB</a:t>
+                      </a:r>
+                    </a:p>
+                  </a:txBody>
+                  <a:tcPr marL="35359" marR="35359" marT="17680" marB="17680" anchor="ctr">
+                    <a:lnL>
+                      <a:noFill/>
+                    </a:lnL>
+                    <a:lnR>
+                      <a:noFill/>
+                    </a:lnR>
+                    <a:lnT>
+                      <a:noFill/>
+                    </a:lnT>
+                    <a:lnB>
+                      <a:noFill/>
+                    </a:lnB>
+                  </a:tcPr>
+                </a:tc>
+                <a:tc>
+                  <a:txBody>
+                    <a:bodyPr/>
+                    <a:lstStyle/>
+                    <a:p>
+                      <a:r>
+                        <a:rPr lang="en-US" sz="1050"/>
+                        <a:t>-0.061 (0.053)</a:t>
+                      </a:r>
+                    </a:p>
+                  </a:txBody>
+                  <a:tcPr marL="35359" marR="35359" marT="17680" marB="17680" anchor="ctr">
+                    <a:lnL>
+                      <a:noFill/>
+                    </a:lnL>
+                    <a:lnR>
+                      <a:noFill/>
+                    </a:lnR>
+                    <a:lnT>
+                      <a:noFill/>
+                    </a:lnT>
+                    <a:lnB>
+                      <a:noFill/>
+                    </a:lnB>
+                  </a:tcPr>
+                </a:tc>
+                <a:tc>
+                  <a:txBody>
+                    <a:bodyPr/>
+                    <a:lstStyle/>
+                    <a:p>
+                      <a:r>
+                        <a:rPr lang="en-US" sz="1050"/>
+                        <a:t>-0.083</a:t>
+                      </a:r>
+                      <a:r>
+                        <a:rPr lang="en-US" sz="1050" baseline="30000"/>
+                        <a:t>*</a:t>
+                      </a:r>
+                      <a:r>
+                        <a:rPr lang="en-US" sz="1050"/>
+                        <a:t> (0.049)</a:t>
+                      </a:r>
+                    </a:p>
+                  </a:txBody>
+                  <a:tcPr marL="35359" marR="35359" marT="17680" marB="17680" anchor="ctr">
+                    <a:lnL>
+                      <a:noFill/>
+                    </a:lnL>
+                    <a:lnR>
+                      <a:noFill/>
+                    </a:lnR>
+                    <a:lnT>
+                      <a:noFill/>
+                    </a:lnT>
+                    <a:lnB>
+                      <a:noFill/>
+                    </a:lnB>
+                  </a:tcPr>
+                </a:tc>
+                <a:extLst>
+                  <a:ext uri="{0D108BD9-81ED-4DB2-BD59-A6C34878D82A}">
+                    <a16:rowId xmlns:a16="http://schemas.microsoft.com/office/drawing/2014/main" val="3710943059"/>
+                  </a:ext>
+                </a:extLst>
+              </a:tr>
+              <a:tr h="141436">
+                <a:tc>
+                  <a:txBody>
+                    <a:bodyPr/>
+                    <a:lstStyle/>
+                    <a:p>
+                      <a:pPr algn="l"/>
+                      <a:r>
+                        <a:rPr lang="en-US" sz="1050">
+                          <a:effectLst/>
+                        </a:rPr>
+                        <a:t>LOGVIAJES</a:t>
+                      </a:r>
+                    </a:p>
+                  </a:txBody>
+                  <a:tcPr marL="35359" marR="35359" marT="17680" marB="17680" anchor="ctr">
+                    <a:lnL>
+                      <a:noFill/>
+                    </a:lnL>
+                    <a:lnR>
+                      <a:noFill/>
+                    </a:lnR>
+                    <a:lnT>
+                      <a:noFill/>
+                    </a:lnT>
+                    <a:lnB>
+                      <a:noFill/>
+                    </a:lnB>
+                  </a:tcPr>
+                </a:tc>
+                <a:tc>
+                  <a:txBody>
+                    <a:bodyPr/>
+                    <a:lstStyle/>
+                    <a:p>
+                      <a:r>
+                        <a:rPr lang="en-US" sz="1050"/>
+                        <a:t>-0.018 (0.053)</a:t>
+                      </a:r>
+                    </a:p>
+                  </a:txBody>
+                  <a:tcPr marL="35359" marR="35359" marT="17680" marB="17680" anchor="ctr">
+                    <a:lnL>
+                      <a:noFill/>
+                    </a:lnL>
+                    <a:lnR>
+                      <a:noFill/>
+                    </a:lnR>
+                    <a:lnT>
+                      <a:noFill/>
+                    </a:lnT>
+                    <a:lnB>
+                      <a:noFill/>
+                    </a:lnB>
+                  </a:tcPr>
+                </a:tc>
+                <a:tc>
+                  <a:txBody>
+                    <a:bodyPr/>
+                    <a:lstStyle/>
+                    <a:p>
+                      <a:r>
+                        <a:rPr lang="en-US" sz="1050"/>
+                        <a:t>0.011 (0.049)</a:t>
+                      </a:r>
+                    </a:p>
+                  </a:txBody>
+                  <a:tcPr marL="35359" marR="35359" marT="17680" marB="17680" anchor="ctr">
+                    <a:lnL>
+                      <a:noFill/>
+                    </a:lnL>
+                    <a:lnR>
+                      <a:noFill/>
+                    </a:lnR>
+                    <a:lnT>
+                      <a:noFill/>
+                    </a:lnT>
+                    <a:lnB>
+                      <a:noFill/>
+                    </a:lnB>
+                  </a:tcPr>
+                </a:tc>
+                <a:extLst>
+                  <a:ext uri="{0D108BD9-81ED-4DB2-BD59-A6C34878D82A}">
+                    <a16:rowId xmlns:a16="http://schemas.microsoft.com/office/drawing/2014/main" val="131039557"/>
+                  </a:ext>
+                </a:extLst>
+              </a:tr>
+              <a:tr h="141436">
+                <a:tc>
+                  <a:txBody>
+                    <a:bodyPr/>
+                    <a:lstStyle/>
+                    <a:p>
+                      <a:pPr algn="l"/>
+                      <a:r>
+                        <a:rPr lang="en-US" sz="1050">
+                          <a:effectLst/>
+                        </a:rPr>
+                        <a:t>Constant</a:t>
+                      </a:r>
+                    </a:p>
+                  </a:txBody>
+                  <a:tcPr marL="35359" marR="35359" marT="17680" marB="17680" anchor="ctr">
+                    <a:lnL>
+                      <a:noFill/>
+                    </a:lnL>
+                    <a:lnR>
+                      <a:noFill/>
+                    </a:lnR>
+                    <a:lnT>
+                      <a:noFill/>
+                    </a:lnT>
+                    <a:lnB w="12700" cap="flat" cmpd="sng" algn="ctr">
+                      <a:solidFill>
+                        <a:schemeClr val="tx1"/>
+                      </a:solidFill>
+                      <a:prstDash val="solid"/>
+                      <a:round/>
+                      <a:headEnd type="none" w="med" len="med"/>
+                      <a:tailEnd type="none" w="med" len="med"/>
+                    </a:lnB>
+                  </a:tcPr>
+                </a:tc>
+                <a:tc>
+                  <a:txBody>
+                    <a:bodyPr/>
+                    <a:lstStyle/>
+                    <a:p>
+                      <a:r>
+                        <a:rPr lang="en-US" sz="1050"/>
+                        <a:t>11.855</a:t>
+                      </a:r>
+                      <a:r>
+                        <a:rPr lang="en-US" sz="1050" baseline="30000"/>
+                        <a:t>***</a:t>
+                      </a:r>
+                      <a:r>
+                        <a:rPr lang="en-US" sz="1050"/>
+                        <a:t> (0.984)</a:t>
+                      </a:r>
+                    </a:p>
+                  </a:txBody>
+                  <a:tcPr marL="35359" marR="35359" marT="17680" marB="17680" anchor="ctr">
+                    <a:lnL>
+                      <a:noFill/>
+                    </a:lnL>
+                    <a:lnR>
+                      <a:noFill/>
+                    </a:lnR>
+                    <a:lnT>
+                      <a:noFill/>
+                    </a:lnT>
+                    <a:lnB w="12700" cap="flat" cmpd="sng" algn="ctr">
+                      <a:solidFill>
+                        <a:schemeClr val="tx1"/>
+                      </a:solidFill>
+                      <a:prstDash val="solid"/>
+                      <a:round/>
+                      <a:headEnd type="none" w="med" len="med"/>
+                      <a:tailEnd type="none" w="med" len="med"/>
+                    </a:lnB>
+                  </a:tcPr>
+                </a:tc>
+                <a:tc>
+                  <a:txBody>
+                    <a:bodyPr/>
+                    <a:lstStyle/>
+                    <a:p>
+                      <a:r>
+                        <a:rPr lang="en-US" sz="1050"/>
+                        <a:t>11.709</a:t>
+                      </a:r>
+                      <a:r>
+                        <a:rPr lang="en-US" sz="1050" baseline="30000"/>
+                        <a:t>***</a:t>
+                      </a:r>
+                      <a:r>
+                        <a:rPr lang="en-US" sz="1050"/>
+                        <a:t> (0.911)</a:t>
+                      </a:r>
+                    </a:p>
+                  </a:txBody>
+                  <a:tcPr marL="35359" marR="35359" marT="17680" marB="17680" anchor="ctr">
+                    <a:lnL>
+                      <a:noFill/>
+                    </a:lnL>
+                    <a:lnR>
+                      <a:noFill/>
+                    </a:lnR>
+                    <a:lnT>
+                      <a:noFill/>
+                    </a:lnT>
+                    <a:lnB w="12700" cap="flat" cmpd="sng" algn="ctr">
+                      <a:solidFill>
+                        <a:schemeClr val="tx1"/>
+                      </a:solidFill>
+                      <a:prstDash val="solid"/>
+                      <a:round/>
+                      <a:headEnd type="none" w="med" len="med"/>
+                      <a:tailEnd type="none" w="med" len="med"/>
+                    </a:lnB>
+                  </a:tcPr>
+                </a:tc>
+                <a:extLst>
+                  <a:ext uri="{0D108BD9-81ED-4DB2-BD59-A6C34878D82A}">
+                    <a16:rowId xmlns:a16="http://schemas.microsoft.com/office/drawing/2014/main" val="3844226613"/>
+                  </a:ext>
+                </a:extLst>
+              </a:tr>
+              <a:tr h="141436">
+                <a:tc>
+                  <a:txBody>
+                    <a:bodyPr/>
+                    <a:lstStyle/>
+                    <a:p>
+                      <a:pPr algn="l"/>
+                      <a:r>
+                        <a:rPr lang="en-US" sz="1050" dirty="0" err="1" smtClean="0">
+                          <a:effectLst/>
+                        </a:rPr>
+                        <a:t>Observaciones</a:t>
+                      </a:r>
+                      <a:endParaRPr lang="en-US" sz="1050" dirty="0">
+                        <a:effectLst/>
+                      </a:endParaRPr>
+                    </a:p>
+                  </a:txBody>
+                  <a:tcPr marL="35359" marR="35359" marT="17680" marB="17680" anchor="ctr">
+                    <a:lnL>
+                      <a:noFill/>
+                    </a:lnL>
+                    <a:lnR>
+                      <a:noFill/>
+                    </a:lnR>
+                    <a:lnT w="12700" cap="flat" cmpd="sng" algn="ctr">
+                      <a:solidFill>
+                        <a:schemeClr val="tx1"/>
+                      </a:solidFill>
+                      <a:prstDash val="solid"/>
+                      <a:round/>
+                      <a:headEnd type="none" w="med" len="med"/>
+                      <a:tailEnd type="none" w="med" len="med"/>
+                    </a:lnT>
+                    <a:lnB>
+                      <a:noFill/>
+                    </a:lnB>
+                  </a:tcPr>
+                </a:tc>
+                <a:tc>
+                  <a:txBody>
+                    <a:bodyPr/>
+                    <a:lstStyle/>
+                    <a:p>
+                      <a:r>
+                        <a:rPr lang="en-US" sz="1050" dirty="0"/>
+                        <a:t>433</a:t>
+                      </a:r>
+                    </a:p>
+                  </a:txBody>
+                  <a:tcPr marL="35359" marR="35359" marT="17680" marB="17680" anchor="ctr">
+                    <a:lnL>
+                      <a:noFill/>
+                    </a:lnL>
+                    <a:lnR>
+                      <a:noFill/>
+                    </a:lnR>
+                    <a:lnT w="12700" cap="flat" cmpd="sng" algn="ctr">
+                      <a:solidFill>
+                        <a:schemeClr val="tx1"/>
+                      </a:solidFill>
+                      <a:prstDash val="solid"/>
+                      <a:round/>
+                      <a:headEnd type="none" w="med" len="med"/>
+                      <a:tailEnd type="none" w="med" len="med"/>
+                    </a:lnT>
+                    <a:lnB>
+                      <a:noFill/>
+                    </a:lnB>
+                  </a:tcPr>
+                </a:tc>
+                <a:tc>
+                  <a:txBody>
+                    <a:bodyPr/>
+                    <a:lstStyle/>
+                    <a:p>
+                      <a:r>
+                        <a:rPr lang="en-US" sz="1050" dirty="0"/>
+                        <a:t>434</a:t>
+                      </a:r>
+                    </a:p>
+                  </a:txBody>
+                  <a:tcPr marL="35359" marR="35359" marT="17680" marB="17680" anchor="ctr">
+                    <a:lnL>
+                      <a:noFill/>
+                    </a:lnL>
+                    <a:lnR>
+                      <a:noFill/>
+                    </a:lnR>
+                    <a:lnT w="12700" cap="flat" cmpd="sng" algn="ctr">
+                      <a:solidFill>
+                        <a:schemeClr val="tx1"/>
+                      </a:solidFill>
+                      <a:prstDash val="solid"/>
+                      <a:round/>
+                      <a:headEnd type="none" w="med" len="med"/>
+                      <a:tailEnd type="none" w="med" len="med"/>
+                    </a:lnT>
+                    <a:lnB>
+                      <a:noFill/>
+                    </a:lnB>
+                  </a:tcPr>
+                </a:tc>
+                <a:extLst>
+                  <a:ext uri="{0D108BD9-81ED-4DB2-BD59-A6C34878D82A}">
+                    <a16:rowId xmlns:a16="http://schemas.microsoft.com/office/drawing/2014/main" val="522068870"/>
+                  </a:ext>
+                </a:extLst>
+              </a:tr>
+              <a:tr h="141436">
+                <a:tc>
+                  <a:txBody>
+                    <a:bodyPr/>
+                    <a:lstStyle/>
+                    <a:p>
+                      <a:pPr algn="l"/>
+                      <a:r>
+                        <a:rPr lang="en-US" sz="1050" dirty="0">
+                          <a:effectLst/>
+                        </a:rPr>
+                        <a:t>R</a:t>
+                      </a:r>
+                      <a:r>
+                        <a:rPr lang="en-US" sz="1050" baseline="30000" dirty="0">
+                          <a:effectLst/>
+                        </a:rPr>
+                        <a:t>2</a:t>
+                      </a:r>
+                      <a:endParaRPr lang="en-US" sz="1050" dirty="0">
+                        <a:effectLst/>
+                      </a:endParaRPr>
+                    </a:p>
+                  </a:txBody>
+                  <a:tcPr marL="35359" marR="35359" marT="17680" marB="17680" anchor="ctr">
+                    <a:lnL>
+                      <a:noFill/>
+                    </a:lnL>
+                    <a:lnR>
+                      <a:noFill/>
+                    </a:lnR>
+                    <a:lnT>
+                      <a:noFill/>
+                    </a:lnT>
+                    <a:lnB>
+                      <a:noFill/>
+                    </a:lnB>
+                  </a:tcPr>
+                </a:tc>
+                <a:tc>
+                  <a:txBody>
+                    <a:bodyPr/>
+                    <a:lstStyle/>
+                    <a:p>
+                      <a:r>
+                        <a:rPr lang="en-US" sz="1050" dirty="0"/>
+                        <a:t>0.299</a:t>
+                      </a:r>
+                    </a:p>
+                  </a:txBody>
+                  <a:tcPr marL="35359" marR="35359" marT="17680" marB="17680" anchor="ctr">
+                    <a:lnL>
+                      <a:noFill/>
+                    </a:lnL>
+                    <a:lnR>
+                      <a:noFill/>
+                    </a:lnR>
+                    <a:lnT>
+                      <a:noFill/>
+                    </a:lnT>
+                    <a:lnB>
+                      <a:noFill/>
+                    </a:lnB>
+                  </a:tcPr>
+                </a:tc>
+                <a:tc>
+                  <a:txBody>
+                    <a:bodyPr/>
+                    <a:lstStyle/>
+                    <a:p>
+                      <a:r>
+                        <a:rPr lang="en-US" sz="1050" dirty="0"/>
+                        <a:t>0.278</a:t>
+                      </a:r>
+                    </a:p>
+                  </a:txBody>
+                  <a:tcPr marL="35359" marR="35359" marT="17680" marB="17680" anchor="ctr">
+                    <a:lnL>
+                      <a:noFill/>
+                    </a:lnL>
+                    <a:lnR>
+                      <a:noFill/>
+                    </a:lnR>
+                    <a:lnT>
+                      <a:noFill/>
+                    </a:lnT>
+                    <a:lnB>
+                      <a:noFill/>
+                    </a:lnB>
+                  </a:tcPr>
+                </a:tc>
+                <a:extLst>
+                  <a:ext uri="{0D108BD9-81ED-4DB2-BD59-A6C34878D82A}">
+                    <a16:rowId xmlns:a16="http://schemas.microsoft.com/office/drawing/2014/main" val="1642594402"/>
+                  </a:ext>
+                </a:extLst>
+              </a:tr>
+              <a:tr h="141436">
+                <a:tc>
+                  <a:txBody>
+                    <a:bodyPr/>
+                    <a:lstStyle/>
+                    <a:p>
+                      <a:pPr algn="l"/>
+                      <a:r>
+                        <a:rPr lang="en-US" sz="1050" dirty="0" smtClean="0">
+                          <a:effectLst/>
+                        </a:rPr>
+                        <a:t>R</a:t>
+                      </a:r>
+                      <a:r>
+                        <a:rPr lang="en-US" sz="1050" baseline="30000" dirty="0" smtClean="0">
+                          <a:effectLst/>
+                        </a:rPr>
+                        <a:t>2 </a:t>
+                      </a:r>
+                      <a:r>
+                        <a:rPr lang="en-US" sz="1050" baseline="0" dirty="0" err="1" smtClean="0">
+                          <a:effectLst/>
+                        </a:rPr>
+                        <a:t>ajustado</a:t>
+                      </a:r>
+                      <a:endParaRPr lang="en-US" sz="1050" baseline="0" dirty="0">
+                        <a:effectLst/>
+                      </a:endParaRPr>
+                    </a:p>
+                  </a:txBody>
+                  <a:tcPr marL="35359" marR="35359" marT="17680" marB="17680" anchor="ctr">
+                    <a:lnL>
+                      <a:noFill/>
+                    </a:lnL>
+                    <a:lnR>
+                      <a:noFill/>
+                    </a:lnR>
+                    <a:lnT>
+                      <a:noFill/>
+                    </a:lnT>
+                    <a:lnB>
+                      <a:noFill/>
+                    </a:lnB>
+                  </a:tcPr>
+                </a:tc>
+                <a:tc>
+                  <a:txBody>
+                    <a:bodyPr/>
+                    <a:lstStyle/>
+                    <a:p>
+                      <a:r>
+                        <a:rPr lang="en-US" sz="1050"/>
+                        <a:t>0.266</a:t>
+                      </a:r>
+                    </a:p>
+                  </a:txBody>
+                  <a:tcPr marL="35359" marR="35359" marT="17680" marB="17680" anchor="ctr">
+                    <a:lnL>
+                      <a:noFill/>
+                    </a:lnL>
+                    <a:lnR>
+                      <a:noFill/>
+                    </a:lnR>
+                    <a:lnT>
+                      <a:noFill/>
+                    </a:lnT>
+                    <a:lnB>
+                      <a:noFill/>
+                    </a:lnB>
+                  </a:tcPr>
+                </a:tc>
+                <a:tc>
+                  <a:txBody>
+                    <a:bodyPr/>
+                    <a:lstStyle/>
+                    <a:p>
+                      <a:r>
+                        <a:rPr lang="en-US" sz="1050"/>
+                        <a:t>0.245</a:t>
+                      </a:r>
+                    </a:p>
+                  </a:txBody>
+                  <a:tcPr marL="35359" marR="35359" marT="17680" marB="17680" anchor="ctr">
+                    <a:lnL>
+                      <a:noFill/>
+                    </a:lnL>
+                    <a:lnR>
+                      <a:noFill/>
+                    </a:lnR>
+                    <a:lnT>
+                      <a:noFill/>
+                    </a:lnT>
+                    <a:lnB>
+                      <a:noFill/>
+                    </a:lnB>
+                  </a:tcPr>
+                </a:tc>
+                <a:extLst>
+                  <a:ext uri="{0D108BD9-81ED-4DB2-BD59-A6C34878D82A}">
+                    <a16:rowId xmlns:a16="http://schemas.microsoft.com/office/drawing/2014/main" val="602202145"/>
+                  </a:ext>
+                </a:extLst>
+              </a:tr>
+              <a:tr h="141436">
+                <a:tc>
+                  <a:txBody>
+                    <a:bodyPr/>
+                    <a:lstStyle/>
+                    <a:p>
+                      <a:pPr algn="l"/>
+                      <a:r>
+                        <a:rPr lang="en-US" sz="1050" dirty="0">
+                          <a:effectLst/>
+                        </a:rPr>
+                        <a:t>F Statistic</a:t>
+                      </a:r>
+                    </a:p>
+                  </a:txBody>
+                  <a:tcPr marL="35359" marR="35359" marT="17680" marB="17680" anchor="ctr">
+                    <a:lnL>
+                      <a:noFill/>
+                    </a:lnL>
+                    <a:lnR>
+                      <a:noFill/>
+                    </a:lnR>
+                    <a:lnT>
+                      <a:noFill/>
+                    </a:lnT>
+                    <a:lnB>
+                      <a:noFill/>
+                    </a:lnB>
+                  </a:tcPr>
+                </a:tc>
+                <a:tc>
+                  <a:txBody>
+                    <a:bodyPr/>
+                    <a:lstStyle/>
+                    <a:p>
+                      <a:r>
+                        <a:rPr lang="en-US" sz="1050" dirty="0"/>
+                        <a:t>9.259</a:t>
+                      </a:r>
+                      <a:r>
+                        <a:rPr lang="en-US" sz="1050" baseline="30000" dirty="0"/>
+                        <a:t>***</a:t>
+                      </a:r>
+                      <a:r>
+                        <a:rPr lang="en-US" sz="1050" dirty="0"/>
+                        <a:t> (</a:t>
+                      </a:r>
+                      <a:r>
+                        <a:rPr lang="en-US" sz="1050" dirty="0" err="1"/>
+                        <a:t>df</a:t>
+                      </a:r>
+                      <a:r>
+                        <a:rPr lang="en-US" sz="1050" dirty="0"/>
+                        <a:t> = 19; 413)</a:t>
+                      </a:r>
+                    </a:p>
+                  </a:txBody>
+                  <a:tcPr marL="35359" marR="35359" marT="17680" marB="17680" anchor="ctr">
+                    <a:lnL>
+                      <a:noFill/>
+                    </a:lnL>
+                    <a:lnR>
+                      <a:noFill/>
+                    </a:lnR>
+                    <a:lnT>
+                      <a:noFill/>
+                    </a:lnT>
+                    <a:lnB>
+                      <a:noFill/>
+                    </a:lnB>
+                  </a:tcPr>
+                </a:tc>
+                <a:tc>
+                  <a:txBody>
+                    <a:bodyPr/>
+                    <a:lstStyle/>
+                    <a:p>
+                      <a:r>
+                        <a:rPr lang="en-US" sz="1050" dirty="0"/>
+                        <a:t>8.402</a:t>
+                      </a:r>
+                      <a:r>
+                        <a:rPr lang="en-US" sz="1050" baseline="30000" dirty="0"/>
+                        <a:t>***</a:t>
+                      </a:r>
+                      <a:r>
+                        <a:rPr lang="en-US" sz="1050" dirty="0"/>
+                        <a:t> (</a:t>
+                      </a:r>
+                      <a:r>
+                        <a:rPr lang="en-US" sz="1050" dirty="0" err="1"/>
+                        <a:t>df</a:t>
+                      </a:r>
+                      <a:r>
+                        <a:rPr lang="en-US" sz="1050" dirty="0"/>
+                        <a:t> = 19; 414)</a:t>
+                      </a:r>
+                    </a:p>
+                  </a:txBody>
+                  <a:tcPr marL="35359" marR="35359" marT="17680" marB="17680" anchor="ctr">
+                    <a:lnL>
+                      <a:noFill/>
+                    </a:lnL>
+                    <a:lnR>
+                      <a:noFill/>
+                    </a:lnR>
+                    <a:lnT>
+                      <a:noFill/>
+                    </a:lnT>
+                    <a:lnB>
+                      <a:noFill/>
+                    </a:lnB>
+                  </a:tcPr>
+                </a:tc>
+                <a:extLst>
+                  <a:ext uri="{0D108BD9-81ED-4DB2-BD59-A6C34878D82A}">
+                    <a16:rowId xmlns:a16="http://schemas.microsoft.com/office/drawing/2014/main" val="514384667"/>
+                  </a:ext>
+                </a:extLst>
+              </a:tr>
+              <a:tr h="141436">
+                <a:tc>
+                  <a:txBody>
+                    <a:bodyPr/>
+                    <a:lstStyle/>
+                    <a:p>
+                      <a:pPr algn="l"/>
+                      <a:r>
+                        <a:rPr lang="en-US" sz="1050" i="1" dirty="0" smtClean="0">
+                          <a:effectLst/>
+                        </a:rPr>
+                        <a:t>Nota:</a:t>
+                      </a:r>
+                      <a:endParaRPr lang="en-US" sz="1050" dirty="0">
+                        <a:effectLst/>
+                      </a:endParaRPr>
+                    </a:p>
+                  </a:txBody>
+                  <a:tcPr marL="35359" marR="35359" marT="17680" marB="17680" anchor="ctr">
+                    <a:lnL>
+                      <a:noFill/>
+                    </a:lnL>
+                    <a:lnR>
+                      <a:noFill/>
+                    </a:lnR>
+                    <a:lnT w="9525" cap="flat" cmpd="sng" algn="ctr">
+                      <a:noFill/>
+                      <a:prstDash val="solid"/>
+                      <a:round/>
+                      <a:headEnd type="none" w="med" len="med"/>
+                      <a:tailEnd type="none" w="med" len="med"/>
+                    </a:lnT>
+                    <a:lnB>
+                      <a:noFill/>
+                    </a:lnB>
+                  </a:tcPr>
+                </a:tc>
+                <a:tc gridSpan="2">
+                  <a:txBody>
+                    <a:bodyPr/>
+                    <a:lstStyle/>
+                    <a:p>
+                      <a:pPr algn="r"/>
+                      <a:r>
+                        <a:rPr lang="en-US" sz="1050" baseline="30000" dirty="0">
+                          <a:effectLst/>
+                        </a:rPr>
+                        <a:t>*</a:t>
+                      </a:r>
+                      <a:r>
+                        <a:rPr lang="en-US" sz="1050" dirty="0">
+                          <a:effectLst/>
+                        </a:rPr>
+                        <a:t>p&lt;0.1; </a:t>
+                      </a:r>
+                      <a:r>
+                        <a:rPr lang="en-US" sz="1050" baseline="30000" dirty="0">
+                          <a:effectLst/>
+                        </a:rPr>
+                        <a:t>**</a:t>
+                      </a:r>
+                      <a:r>
+                        <a:rPr lang="en-US" sz="1050" dirty="0">
+                          <a:effectLst/>
+                        </a:rPr>
+                        <a:t>p&lt;0.05; </a:t>
+                      </a:r>
+                      <a:r>
+                        <a:rPr lang="en-US" sz="1050" baseline="30000" dirty="0">
+                          <a:effectLst/>
+                        </a:rPr>
+                        <a:t>***</a:t>
+                      </a:r>
+                      <a:r>
+                        <a:rPr lang="en-US" sz="1050" dirty="0">
+                          <a:effectLst/>
+                        </a:rPr>
+                        <a:t>p&lt;0.01</a:t>
+                      </a:r>
+                    </a:p>
+                  </a:txBody>
+                  <a:tcPr marL="35359" marR="35359" marT="17680" marB="17680" anchor="ctr">
+                    <a:lnL>
+                      <a:noFill/>
+                    </a:lnL>
+                    <a:lnR>
+                      <a:noFill/>
+                    </a:lnR>
+                    <a:lnT w="9525" cap="flat" cmpd="sng" algn="ctr">
+                      <a:noFill/>
+                      <a:prstDash val="solid"/>
+                      <a:round/>
+                      <a:headEnd type="none" w="med" len="med"/>
+                      <a:tailEnd type="none" w="med" len="med"/>
+                    </a:lnT>
+                    <a:lnB>
+                      <a:noFill/>
+                    </a:lnB>
+                  </a:tcPr>
+                </a:tc>
+                <a:tc hMerge="1">
+                  <a:txBody>
+                    <a:bodyPr/>
+                    <a:lstStyle/>
+                    <a:p>
+                      <a:endParaRPr lang="en-US"/>
+                    </a:p>
+                  </a:txBody>
+                  <a:tcPr/>
+                </a:tc>
+                <a:extLst>
+                  <a:ext uri="{0D108BD9-81ED-4DB2-BD59-A6C34878D82A}">
+                    <a16:rowId xmlns:a16="http://schemas.microsoft.com/office/drawing/2014/main" val="532758113"/>
+                  </a:ext>
+                </a:extLst>
+              </a:tr>
+            </a:tbl>
+          </a:graphicData>
+        </a:graphic>
+      </p:graphicFrame>
+    </p:spTree>
+    <p:extLst>
+      <p:ext uri="{BB962C8B-B14F-4D97-AF65-F5344CB8AC3E}">
+        <p14:creationId xmlns:p14="http://schemas.microsoft.com/office/powerpoint/2010/main" val="1170166692"/>
+      </p:ext>
+    </p:extLst>
+  </p:cSld>
+  <p:clrMapOvr>
+    <a:masterClrMapping/>
+  </p:clrMapOvr>
+  <mc:AlternateContent xmlns:mc="http://schemas.openxmlformats.org/markup-compatibility/2006" xmlns:p14="http://schemas.microsoft.com/office/powerpoint/2010/main">
+    <mc:Choice Requires="p14">
+      <p:transition p14:dur="0"/>
+    </mc:Choice>
+    <mc:Fallback xmlns="">
+      <p:transition/>
+    </mc:Fallback>
+  </mc:AlternateContent>
+  <p:timing>
+    <p:tnLst>
+      <p:par>
+        <p:cTn id="1" dur="indefinite" restart="never" nodeType="tmRoot"/>
+      </p:par>
+    </p:tnLst>
+  </p:timing>
+</p:sld>
+</file>
+
+<file path=ppt/slides/slide22.xml><?xml version="1.0" encoding="utf-8"?>
+<p:sld xmlns:a="http://schemas.openxmlformats.org/drawingml/2006/main" xmlns:r="http://schemas.openxmlformats.org/officeDocument/2006/relationships" xmlns:p="http://schemas.openxmlformats.org/presentationml/2006/main">
+  <p:cSld>
+    <p:spTree>
+      <p:nvGrpSpPr>
+        <p:cNvPr id="1" name=""/>
+        <p:cNvGrpSpPr/>
+        <p:nvPr/>
+      </p:nvGrpSpPr>
+      <p:grpSpPr>
+        <a:xfrm>
+          <a:off x="0" y="0"/>
+          <a:ext cx="0" cy="0"/>
+          <a:chOff x="0" y="0"/>
+          <a:chExt cx="0" cy="0"/>
+        </a:xfrm>
+      </p:grpSpPr>
+      <p:sp>
+        <p:nvSpPr>
+          <p:cNvPr id="4" name="3 Marcador de texto"/>
+          <p:cNvSpPr txBox="1">
+            <a:spLocks/>
+          </p:cNvSpPr>
+          <p:nvPr/>
+        </p:nvSpPr>
+        <p:spPr>
+          <a:xfrm>
+            <a:off x="174340" y="1772816"/>
+            <a:ext cx="1661356" cy="4691063"/>
+          </a:xfrm>
+          <a:prstGeom prst="rect">
+            <a:avLst/>
+          </a:prstGeom>
+        </p:spPr>
+        <p:txBody>
+          <a:bodyPr>
+            <a:normAutofit/>
+          </a:bodyPr>
+          <a:lstStyle>
+            <a:lvl1pPr marL="174625" indent="-174625" algn="l" defTabSz="914400" rtl="0" eaLnBrk="1" latinLnBrk="0" hangingPunct="1">
+              <a:lnSpc>
+                <a:spcPct val="150000"/>
+              </a:lnSpc>
+              <a:spcBef>
+                <a:spcPct val="20000"/>
+              </a:spcBef>
+              <a:buFont typeface="+mj-lt"/>
+              <a:buAutoNum type="arabicPeriod"/>
+              <a:defRPr sz="1100" kern="1200" baseline="0">
+                <a:solidFill>
+                  <a:schemeClr val="bg1"/>
+                </a:solidFill>
+                <a:latin typeface="Arial" panose="020B0604020202020204" pitchFamily="34" charset="0"/>
+                <a:ea typeface="+mn-ea"/>
+                <a:cs typeface="Arial" panose="020B0604020202020204" pitchFamily="34" charset="0"/>
+              </a:defRPr>
+            </a:lvl1pPr>
+            <a:lvl2pPr marL="457200" indent="0" algn="l" defTabSz="914400" rtl="0" eaLnBrk="1" latinLnBrk="0" hangingPunct="1">
+              <a:spcBef>
+                <a:spcPct val="20000"/>
+              </a:spcBef>
+              <a:buFont typeface="Arial" panose="020B0604020202020204" pitchFamily="34" charset="0"/>
+              <a:buNone/>
+              <a:defRPr sz="1200" kern="1200">
+                <a:solidFill>
+                  <a:schemeClr val="tx1"/>
+                </a:solidFill>
+                <a:latin typeface="+mn-lt"/>
+                <a:ea typeface="+mn-ea"/>
+                <a:cs typeface="+mn-cs"/>
+              </a:defRPr>
+            </a:lvl2pPr>
+            <a:lvl3pPr marL="914400" indent="0" algn="l" defTabSz="914400" rtl="0" eaLnBrk="1" latinLnBrk="0" hangingPunct="1">
+              <a:spcBef>
+                <a:spcPct val="20000"/>
+              </a:spcBef>
+              <a:buFont typeface="Arial" panose="020B0604020202020204" pitchFamily="34" charset="0"/>
+              <a:buNone/>
+              <a:defRPr sz="1000" kern="1200">
+                <a:solidFill>
+                  <a:schemeClr val="tx1"/>
+                </a:solidFill>
+                <a:latin typeface="+mn-lt"/>
+                <a:ea typeface="+mn-ea"/>
+                <a:cs typeface="+mn-cs"/>
+              </a:defRPr>
+            </a:lvl3pPr>
+            <a:lvl4pPr marL="1371600" indent="0" algn="l" defTabSz="914400" rtl="0" eaLnBrk="1" latinLnBrk="0" hangingPunct="1">
+              <a:spcBef>
+                <a:spcPct val="20000"/>
+              </a:spcBef>
+              <a:buFont typeface="Arial" panose="020B0604020202020204" pitchFamily="34" charset="0"/>
+              <a:buNone/>
+              <a:defRPr sz="900" kern="1200">
+                <a:solidFill>
+                  <a:schemeClr val="tx1"/>
+                </a:solidFill>
+                <a:latin typeface="+mn-lt"/>
+                <a:ea typeface="+mn-ea"/>
+                <a:cs typeface="+mn-cs"/>
+              </a:defRPr>
+            </a:lvl4pPr>
+            <a:lvl5pPr marL="1828800" indent="0" algn="l" defTabSz="914400" rtl="0" eaLnBrk="1" latinLnBrk="0" hangingPunct="1">
+              <a:spcBef>
+                <a:spcPct val="20000"/>
+              </a:spcBef>
+              <a:buFont typeface="Arial" panose="020B0604020202020204" pitchFamily="34" charset="0"/>
+              <a:buNone/>
+              <a:defRPr sz="900" kern="1200">
+                <a:solidFill>
+                  <a:schemeClr val="tx1"/>
+                </a:solidFill>
+                <a:latin typeface="+mn-lt"/>
+                <a:ea typeface="+mn-ea"/>
+                <a:cs typeface="+mn-cs"/>
+              </a:defRPr>
+            </a:lvl5pPr>
+            <a:lvl6pPr marL="2286000" indent="0" algn="l" defTabSz="914400" rtl="0" eaLnBrk="1" latinLnBrk="0" hangingPunct="1">
+              <a:spcBef>
+                <a:spcPct val="20000"/>
+              </a:spcBef>
+              <a:buFont typeface="Arial" panose="020B0604020202020204" pitchFamily="34" charset="0"/>
+              <a:buNone/>
+              <a:defRPr sz="900" kern="1200">
+                <a:solidFill>
+                  <a:schemeClr val="tx1"/>
+                </a:solidFill>
+                <a:latin typeface="+mn-lt"/>
+                <a:ea typeface="+mn-ea"/>
+                <a:cs typeface="+mn-cs"/>
+              </a:defRPr>
+            </a:lvl6pPr>
+            <a:lvl7pPr marL="2743200" indent="0" algn="l" defTabSz="914400" rtl="0" eaLnBrk="1" latinLnBrk="0" hangingPunct="1">
+              <a:spcBef>
+                <a:spcPct val="20000"/>
+              </a:spcBef>
+              <a:buFont typeface="Arial" panose="020B0604020202020204" pitchFamily="34" charset="0"/>
+              <a:buNone/>
+              <a:defRPr sz="900" kern="1200">
+                <a:solidFill>
+                  <a:schemeClr val="tx1"/>
+                </a:solidFill>
+                <a:latin typeface="+mn-lt"/>
+                <a:ea typeface="+mn-ea"/>
+                <a:cs typeface="+mn-cs"/>
+              </a:defRPr>
+            </a:lvl7pPr>
+            <a:lvl8pPr marL="3200400" indent="0" algn="l" defTabSz="914400" rtl="0" eaLnBrk="1" latinLnBrk="0" hangingPunct="1">
+              <a:spcBef>
+                <a:spcPct val="20000"/>
+              </a:spcBef>
+              <a:buFont typeface="Arial" panose="020B0604020202020204" pitchFamily="34" charset="0"/>
+              <a:buNone/>
+              <a:defRPr sz="900" kern="1200">
+                <a:solidFill>
+                  <a:schemeClr val="tx1"/>
+                </a:solidFill>
+                <a:latin typeface="+mn-lt"/>
+                <a:ea typeface="+mn-ea"/>
+                <a:cs typeface="+mn-cs"/>
+              </a:defRPr>
+            </a:lvl8pPr>
+            <a:lvl9pPr marL="3657600" indent="0" algn="l" defTabSz="914400" rtl="0" eaLnBrk="1" latinLnBrk="0" hangingPunct="1">
+              <a:spcBef>
+                <a:spcPct val="20000"/>
+              </a:spcBef>
+              <a:buFont typeface="Arial" panose="020B0604020202020204" pitchFamily="34" charset="0"/>
+              <a:buNone/>
+              <a:defRPr sz="900" kern="1200">
+                <a:solidFill>
+                  <a:schemeClr val="tx1"/>
+                </a:solidFill>
+                <a:latin typeface="+mn-lt"/>
+                <a:ea typeface="+mn-ea"/>
+                <a:cs typeface="+mn-cs"/>
+              </a:defRPr>
+            </a:lvl9pPr>
+          </a:lstStyle>
+          <a:p>
+            <a:r>
+              <a:rPr lang="es-ES" dirty="0"/>
+              <a:t>Introducción</a:t>
+            </a:r>
+          </a:p>
+          <a:p>
+            <a:r>
+              <a:rPr lang="es-ES" u="sng" dirty="0"/>
+              <a:t>Fundamento teórico</a:t>
+            </a:r>
+          </a:p>
+          <a:p>
+            <a:r>
+              <a:rPr lang="es-ES" dirty="0"/>
+              <a:t>Materiales y Métodos</a:t>
+            </a:r>
+          </a:p>
+          <a:p>
+            <a:r>
+              <a:rPr lang="es-ES" dirty="0"/>
+              <a:t>Resultados y Discusión</a:t>
+            </a:r>
+          </a:p>
+          <a:p>
+            <a:r>
+              <a:rPr lang="es-ES" dirty="0"/>
+              <a:t>Conclusiones</a:t>
+            </a:r>
+          </a:p>
+          <a:p>
+            <a:r>
+              <a:rPr lang="es-ES" dirty="0"/>
+              <a:t>Recomendaciones</a:t>
+            </a:r>
+          </a:p>
+        </p:txBody>
+      </p:sp>
+      <p:sp>
+        <p:nvSpPr>
+          <p:cNvPr id="14" name="6 CuadroTexto"/>
+          <p:cNvSpPr txBox="1"/>
+          <p:nvPr/>
+        </p:nvSpPr>
+        <p:spPr>
+          <a:xfrm>
+            <a:off x="2267744" y="260648"/>
+            <a:ext cx="5472608" cy="400110"/>
+          </a:xfrm>
+          <a:prstGeom prst="rect">
+            <a:avLst/>
+          </a:prstGeom>
+          <a:noFill/>
+        </p:spPr>
+        <p:txBody>
+          <a:bodyPr wrap="square" rtlCol="0">
+            <a:spAutoFit/>
+          </a:bodyPr>
+          <a:lstStyle/>
+          <a:p>
+            <a:r>
+              <a:rPr lang="es-ES" sz="2000" b="1" dirty="0" smtClean="0">
+                <a:solidFill>
+                  <a:schemeClr val="accent1">
+                    <a:lumMod val="50000"/>
+                  </a:schemeClr>
+                </a:solidFill>
+                <a:latin typeface="Arial" panose="020B0604020202020204" pitchFamily="34" charset="0"/>
+                <a:cs typeface="Arial" panose="020B0604020202020204" pitchFamily="34" charset="0"/>
+              </a:rPr>
+              <a:t>Próximos Pasos</a:t>
+            </a:r>
+            <a:endParaRPr lang="es-ES" sz="2000" b="1" dirty="0">
+              <a:solidFill>
+                <a:schemeClr val="accent1">
+                  <a:lumMod val="50000"/>
+                </a:schemeClr>
+              </a:solidFill>
+              <a:latin typeface="Arial" panose="020B0604020202020204" pitchFamily="34" charset="0"/>
+              <a:cs typeface="Arial" panose="020B0604020202020204" pitchFamily="34" charset="0"/>
+            </a:endParaRPr>
+          </a:p>
+        </p:txBody>
+      </p:sp>
+      <p:graphicFrame>
+        <p:nvGraphicFramePr>
+          <p:cNvPr id="5" name="Tabla 4"/>
+          <p:cNvGraphicFramePr>
+            <a:graphicFrameLocks noGrp="1"/>
+          </p:cNvGraphicFramePr>
+          <p:nvPr>
+            <p:extLst>
+              <p:ext uri="{D42A27DB-BD31-4B8C-83A1-F6EECF244321}">
+                <p14:modId xmlns:p14="http://schemas.microsoft.com/office/powerpoint/2010/main" val="2171814818"/>
+              </p:ext>
+            </p:extLst>
+          </p:nvPr>
+        </p:nvGraphicFramePr>
+        <p:xfrm>
+          <a:off x="2225110" y="1629000"/>
+          <a:ext cx="6912000" cy="2133600"/>
+        </p:xfrm>
+        <a:graphic>
+          <a:graphicData uri="http://schemas.openxmlformats.org/drawingml/2006/table">
+            <a:tbl>
+              <a:tblPr/>
+              <a:tblGrid>
+                <a:gridCol w="1132890">
+                  <a:extLst>
+                    <a:ext uri="{9D8B030D-6E8A-4147-A177-3AD203B41FA5}">
+                      <a16:colId xmlns:a16="http://schemas.microsoft.com/office/drawing/2014/main" val="1669912116"/>
+                    </a:ext>
+                  </a:extLst>
+                </a:gridCol>
+                <a:gridCol w="2323110">
+                  <a:extLst>
+                    <a:ext uri="{9D8B030D-6E8A-4147-A177-3AD203B41FA5}">
+                      <a16:colId xmlns:a16="http://schemas.microsoft.com/office/drawing/2014/main" val="3737429716"/>
+                    </a:ext>
+                  </a:extLst>
+                </a:gridCol>
+                <a:gridCol w="1728000">
+                  <a:extLst>
+                    <a:ext uri="{9D8B030D-6E8A-4147-A177-3AD203B41FA5}">
+                      <a16:colId xmlns:a16="http://schemas.microsoft.com/office/drawing/2014/main" val="2973262575"/>
+                    </a:ext>
+                  </a:extLst>
+                </a:gridCol>
+                <a:gridCol w="1728000">
+                  <a:extLst>
+                    <a:ext uri="{9D8B030D-6E8A-4147-A177-3AD203B41FA5}">
+                      <a16:colId xmlns:a16="http://schemas.microsoft.com/office/drawing/2014/main" val="2475728280"/>
+                    </a:ext>
+                  </a:extLst>
+                </a:gridCol>
+              </a:tblGrid>
+              <a:tr h="0">
+                <a:tc>
+                  <a:txBody>
+                    <a:bodyPr/>
+                    <a:lstStyle/>
+                    <a:p>
+                      <a:pPr algn="l" fontAlgn="b"/>
+                      <a:r>
+                        <a:rPr lang="en-US">
+                          <a:solidFill>
+                            <a:srgbClr val="444444"/>
+                          </a:solidFill>
+                          <a:effectLst/>
+                        </a:rPr>
+                        <a:t>Fecha</a:t>
+                      </a:r>
+                    </a:p>
+                  </a:txBody>
+                  <a:tcPr marL="76200" marR="76200" marT="76200" marB="76200" anchor="b">
+                    <a:lnL>
+                      <a:noFill/>
+                    </a:lnL>
+                    <a:lnR>
+                      <a:noFill/>
+                    </a:lnR>
+                    <a:lnT>
+                      <a:noFill/>
+                    </a:lnT>
+                    <a:lnB w="9525" cap="flat" cmpd="sng" algn="ctr">
+                      <a:solidFill>
+                        <a:srgbClr val="DDDDDD"/>
+                      </a:solidFill>
+                      <a:prstDash val="solid"/>
+                      <a:round/>
+                      <a:headEnd type="none" w="med" len="med"/>
+                      <a:tailEnd type="none" w="med" len="med"/>
+                    </a:lnB>
+                  </a:tcPr>
+                </a:tc>
+                <a:tc>
+                  <a:txBody>
+                    <a:bodyPr/>
+                    <a:lstStyle/>
+                    <a:p>
+                      <a:pPr algn="l" fontAlgn="b"/>
+                      <a:r>
+                        <a:rPr lang="en-US">
+                          <a:solidFill>
+                            <a:srgbClr val="444444"/>
+                          </a:solidFill>
+                          <a:effectLst/>
+                        </a:rPr>
+                        <a:t>Test [valor p]</a:t>
+                      </a:r>
+                    </a:p>
+                  </a:txBody>
+                  <a:tcPr marL="76200" marR="76200" marT="76200" marB="76200" anchor="b">
+                    <a:lnL>
+                      <a:noFill/>
+                    </a:lnL>
+                    <a:lnR>
+                      <a:noFill/>
+                    </a:lnR>
+                    <a:lnT>
+                      <a:noFill/>
+                    </a:lnT>
+                    <a:lnB w="9525" cap="flat" cmpd="sng" algn="ctr">
+                      <a:solidFill>
+                        <a:srgbClr val="DDDDDD"/>
+                      </a:solidFill>
+                      <a:prstDash val="solid"/>
+                      <a:round/>
+                      <a:headEnd type="none" w="med" len="med"/>
+                      <a:tailEnd type="none" w="med" len="med"/>
+                    </a:lnB>
+                  </a:tcPr>
+                </a:tc>
+                <a:tc>
+                  <a:txBody>
+                    <a:bodyPr/>
+                    <a:lstStyle/>
+                    <a:p>
+                      <a:pPr algn="l" fontAlgn="b"/>
+                      <a:r>
+                        <a:rPr lang="en-US">
+                          <a:solidFill>
+                            <a:srgbClr val="444444"/>
+                          </a:solidFill>
+                          <a:effectLst/>
+                        </a:rPr>
+                        <a:t>Diésel</a:t>
+                      </a:r>
+                    </a:p>
+                  </a:txBody>
+                  <a:tcPr marL="76200" marR="76200" marT="76200" marB="76200" anchor="b">
+                    <a:lnL>
+                      <a:noFill/>
+                    </a:lnL>
+                    <a:lnR>
+                      <a:noFill/>
+                    </a:lnR>
+                    <a:lnT>
+                      <a:noFill/>
+                    </a:lnT>
+                    <a:lnB w="9525" cap="flat" cmpd="sng" algn="ctr">
+                      <a:solidFill>
+                        <a:srgbClr val="DDDDDD"/>
+                      </a:solidFill>
+                      <a:prstDash val="solid"/>
+                      <a:round/>
+                      <a:headEnd type="none" w="med" len="med"/>
+                      <a:tailEnd type="none" w="med" len="med"/>
+                    </a:lnB>
+                  </a:tcPr>
+                </a:tc>
+                <a:tc>
+                  <a:txBody>
+                    <a:bodyPr/>
+                    <a:lstStyle/>
+                    <a:p>
+                      <a:pPr algn="l" fontAlgn="b"/>
+                      <a:r>
+                        <a:rPr lang="en-US">
+                          <a:solidFill>
+                            <a:srgbClr val="444444"/>
+                          </a:solidFill>
+                          <a:effectLst/>
+                        </a:rPr>
+                        <a:t>Gasohol 90</a:t>
+                      </a:r>
+                    </a:p>
+                  </a:txBody>
+                  <a:tcPr marL="76200" marR="76200" marT="76200" marB="76200" anchor="b">
+                    <a:lnL>
+                      <a:noFill/>
+                    </a:lnL>
+                    <a:lnR>
+                      <a:noFill/>
+                    </a:lnR>
+                    <a:lnT>
+                      <a:noFill/>
+                    </a:lnT>
+                    <a:lnB w="9525" cap="flat" cmpd="sng" algn="ctr">
+                      <a:solidFill>
+                        <a:srgbClr val="DDDDDD"/>
+                      </a:solidFill>
+                      <a:prstDash val="solid"/>
+                      <a:round/>
+                      <a:headEnd type="none" w="med" len="med"/>
+                      <a:tailEnd type="none" w="med" len="med"/>
+                    </a:lnB>
+                  </a:tcPr>
+                </a:tc>
+                <a:extLst>
+                  <a:ext uri="{0D108BD9-81ED-4DB2-BD59-A6C34878D82A}">
+                    <a16:rowId xmlns:a16="http://schemas.microsoft.com/office/drawing/2014/main" val="3647413506"/>
+                  </a:ext>
+                </a:extLst>
+              </a:tr>
+              <a:tr h="0">
+                <a:tc>
+                  <a:txBody>
+                    <a:bodyPr/>
+                    <a:lstStyle/>
+                    <a:p>
+                      <a:pPr algn="l" fontAlgn="t"/>
+                      <a:r>
+                        <a:rPr lang="en-US">
+                          <a:effectLst/>
+                        </a:rPr>
+                        <a:t>Mar-2018</a:t>
+                      </a:r>
+                    </a:p>
+                  </a:txBody>
+                  <a:tcPr marL="76200" marR="76200" marT="76200" marB="76200">
+                    <a:lnL>
+                      <a:noFill/>
+                    </a:lnL>
+                    <a:lnR>
+                      <a:noFill/>
+                    </a:lnR>
+                    <a:lnT w="9525" cap="flat" cmpd="sng" algn="ctr">
+                      <a:solidFill>
+                        <a:srgbClr val="DDDDDD"/>
+                      </a:solidFill>
+                      <a:prstDash val="solid"/>
+                      <a:round/>
+                      <a:headEnd type="none" w="med" len="med"/>
+                      <a:tailEnd type="none" w="med" len="med"/>
+                    </a:lnT>
+                    <a:lnB w="9525" cap="flat" cmpd="sng" algn="ctr">
+                      <a:solidFill>
+                        <a:srgbClr val="DDDDDD"/>
+                      </a:solidFill>
+                      <a:prstDash val="solid"/>
+                      <a:round/>
+                      <a:headEnd type="none" w="med" len="med"/>
+                      <a:tailEnd type="none" w="med" len="med"/>
+                    </a:lnB>
+                    <a:solidFill>
+                      <a:srgbClr val="F9F9F9"/>
+                    </a:solidFill>
+                  </a:tcPr>
+                </a:tc>
+                <a:tc>
+                  <a:txBody>
+                    <a:bodyPr/>
+                    <a:lstStyle/>
+                    <a:p>
+                      <a:pPr algn="l" fontAlgn="t"/>
+                      <a:r>
+                        <a:rPr lang="en-US">
+                          <a:effectLst/>
+                        </a:rPr>
+                        <a:t>Test LM Robusto SEM</a:t>
+                      </a:r>
+                    </a:p>
+                  </a:txBody>
+                  <a:tcPr marL="76200" marR="76200" marT="76200" marB="76200">
+                    <a:lnL>
+                      <a:noFill/>
+                    </a:lnL>
+                    <a:lnR>
+                      <a:noFill/>
+                    </a:lnR>
+                    <a:lnT w="9525" cap="flat" cmpd="sng" algn="ctr">
+                      <a:solidFill>
+                        <a:srgbClr val="DDDDDD"/>
+                      </a:solidFill>
+                      <a:prstDash val="solid"/>
+                      <a:round/>
+                      <a:headEnd type="none" w="med" len="med"/>
+                      <a:tailEnd type="none" w="med" len="med"/>
+                    </a:lnT>
+                    <a:lnB w="9525" cap="flat" cmpd="sng" algn="ctr">
+                      <a:solidFill>
+                        <a:srgbClr val="DDDDDD"/>
+                      </a:solidFill>
+                      <a:prstDash val="solid"/>
+                      <a:round/>
+                      <a:headEnd type="none" w="med" len="med"/>
+                      <a:tailEnd type="none" w="med" len="med"/>
+                    </a:lnB>
+                    <a:solidFill>
+                      <a:srgbClr val="F9F9F9"/>
+                    </a:solidFill>
+                  </a:tcPr>
+                </a:tc>
+                <a:tc>
+                  <a:txBody>
+                    <a:bodyPr/>
+                    <a:lstStyle/>
+                    <a:p>
+                      <a:pPr algn="l" fontAlgn="t"/>
+                      <a:r>
+                        <a:rPr lang="en-US">
+                          <a:effectLst/>
+                        </a:rPr>
+                        <a:t>0.005 [0.944]</a:t>
+                      </a:r>
+                    </a:p>
+                  </a:txBody>
+                  <a:tcPr marL="76200" marR="76200" marT="76200" marB="76200">
+                    <a:lnL>
+                      <a:noFill/>
+                    </a:lnL>
+                    <a:lnR>
+                      <a:noFill/>
+                    </a:lnR>
+                    <a:lnT w="9525" cap="flat" cmpd="sng" algn="ctr">
+                      <a:solidFill>
+                        <a:srgbClr val="DDDDDD"/>
+                      </a:solidFill>
+                      <a:prstDash val="solid"/>
+                      <a:round/>
+                      <a:headEnd type="none" w="med" len="med"/>
+                      <a:tailEnd type="none" w="med" len="med"/>
+                    </a:lnT>
+                    <a:lnB w="9525" cap="flat" cmpd="sng" algn="ctr">
+                      <a:solidFill>
+                        <a:srgbClr val="DDDDDD"/>
+                      </a:solidFill>
+                      <a:prstDash val="solid"/>
+                      <a:round/>
+                      <a:headEnd type="none" w="med" len="med"/>
+                      <a:tailEnd type="none" w="med" len="med"/>
+                    </a:lnB>
+                    <a:solidFill>
+                      <a:srgbClr val="F9F9F9"/>
+                    </a:solidFill>
+                  </a:tcPr>
+                </a:tc>
+                <a:tc>
+                  <a:txBody>
+                    <a:bodyPr/>
+                    <a:lstStyle/>
+                    <a:p>
+                      <a:pPr algn="l" fontAlgn="t"/>
+                      <a:r>
+                        <a:rPr lang="en-US">
+                          <a:effectLst/>
+                        </a:rPr>
+                        <a:t>2.29 [0.130]</a:t>
+                      </a:r>
+                    </a:p>
+                  </a:txBody>
+                  <a:tcPr marL="76200" marR="76200" marT="76200" marB="76200">
+                    <a:lnL>
+                      <a:noFill/>
+                    </a:lnL>
+                    <a:lnR>
+                      <a:noFill/>
+                    </a:lnR>
+                    <a:lnT w="9525" cap="flat" cmpd="sng" algn="ctr">
+                      <a:solidFill>
+                        <a:srgbClr val="DDDDDD"/>
+                      </a:solidFill>
+                      <a:prstDash val="solid"/>
+                      <a:round/>
+                      <a:headEnd type="none" w="med" len="med"/>
+                      <a:tailEnd type="none" w="med" len="med"/>
+                    </a:lnT>
+                    <a:lnB w="9525" cap="flat" cmpd="sng" algn="ctr">
+                      <a:solidFill>
+                        <a:srgbClr val="DDDDDD"/>
+                      </a:solidFill>
+                      <a:prstDash val="solid"/>
+                      <a:round/>
+                      <a:headEnd type="none" w="med" len="med"/>
+                      <a:tailEnd type="none" w="med" len="med"/>
+                    </a:lnB>
+                    <a:solidFill>
+                      <a:srgbClr val="F9F9F9"/>
+                    </a:solidFill>
+                  </a:tcPr>
+                </a:tc>
+                <a:extLst>
+                  <a:ext uri="{0D108BD9-81ED-4DB2-BD59-A6C34878D82A}">
+                    <a16:rowId xmlns:a16="http://schemas.microsoft.com/office/drawing/2014/main" val="168891258"/>
+                  </a:ext>
+                </a:extLst>
+              </a:tr>
+              <a:tr h="0">
+                <a:tc>
+                  <a:txBody>
+                    <a:bodyPr/>
+                    <a:lstStyle/>
+                    <a:p>
+                      <a:pPr algn="l" fontAlgn="t"/>
+                      <a:r>
+                        <a:rPr lang="en-US">
+                          <a:effectLst/>
+                        </a:rPr>
+                        <a:t>Mar-2018</a:t>
+                      </a:r>
+                    </a:p>
+                  </a:txBody>
+                  <a:tcPr marL="76200" marR="76200" marT="76200" marB="76200">
+                    <a:lnL>
+                      <a:noFill/>
+                    </a:lnL>
+                    <a:lnR>
+                      <a:noFill/>
+                    </a:lnR>
+                    <a:lnT w="9525" cap="flat" cmpd="sng" algn="ctr">
+                      <a:solidFill>
+                        <a:srgbClr val="DDDDDD"/>
+                      </a:solidFill>
+                      <a:prstDash val="solid"/>
+                      <a:round/>
+                      <a:headEnd type="none" w="med" len="med"/>
+                      <a:tailEnd type="none" w="med" len="med"/>
+                    </a:lnT>
+                    <a:lnB w="9525" cap="flat" cmpd="sng" algn="ctr">
+                      <a:solidFill>
+                        <a:srgbClr val="DDDDDD"/>
+                      </a:solidFill>
+                      <a:prstDash val="solid"/>
+                      <a:round/>
+                      <a:headEnd type="none" w="med" len="med"/>
+                      <a:tailEnd type="none" w="med" len="med"/>
+                    </a:lnB>
+                  </a:tcPr>
+                </a:tc>
+                <a:tc>
+                  <a:txBody>
+                    <a:bodyPr/>
+                    <a:lstStyle/>
+                    <a:p>
+                      <a:pPr algn="l" fontAlgn="t"/>
+                      <a:r>
+                        <a:rPr lang="en-US">
+                          <a:effectLst/>
+                        </a:rPr>
+                        <a:t>Test LM Robusto SAR</a:t>
+                      </a:r>
+                    </a:p>
+                  </a:txBody>
+                  <a:tcPr marL="76200" marR="76200" marT="76200" marB="76200">
+                    <a:lnL>
+                      <a:noFill/>
+                    </a:lnL>
+                    <a:lnR>
+                      <a:noFill/>
+                    </a:lnR>
+                    <a:lnT w="9525" cap="flat" cmpd="sng" algn="ctr">
+                      <a:solidFill>
+                        <a:srgbClr val="DDDDDD"/>
+                      </a:solidFill>
+                      <a:prstDash val="solid"/>
+                      <a:round/>
+                      <a:headEnd type="none" w="med" len="med"/>
+                      <a:tailEnd type="none" w="med" len="med"/>
+                    </a:lnT>
+                    <a:lnB w="9525" cap="flat" cmpd="sng" algn="ctr">
+                      <a:solidFill>
+                        <a:srgbClr val="DDDDDD"/>
+                      </a:solidFill>
+                      <a:prstDash val="solid"/>
+                      <a:round/>
+                      <a:headEnd type="none" w="med" len="med"/>
+                      <a:tailEnd type="none" w="med" len="med"/>
+                    </a:lnB>
+                  </a:tcPr>
+                </a:tc>
+                <a:tc>
+                  <a:txBody>
+                    <a:bodyPr/>
+                    <a:lstStyle/>
+                    <a:p>
+                      <a:pPr algn="l" fontAlgn="t"/>
+                      <a:r>
+                        <a:rPr lang="en-US">
+                          <a:effectLst/>
+                        </a:rPr>
+                        <a:t>30.003 [0.000]</a:t>
+                      </a:r>
+                    </a:p>
+                  </a:txBody>
+                  <a:tcPr marL="76200" marR="76200" marT="76200" marB="76200">
+                    <a:lnL>
+                      <a:noFill/>
+                    </a:lnL>
+                    <a:lnR>
+                      <a:noFill/>
+                    </a:lnR>
+                    <a:lnT w="9525" cap="flat" cmpd="sng" algn="ctr">
+                      <a:solidFill>
+                        <a:srgbClr val="DDDDDD"/>
+                      </a:solidFill>
+                      <a:prstDash val="solid"/>
+                      <a:round/>
+                      <a:headEnd type="none" w="med" len="med"/>
+                      <a:tailEnd type="none" w="med" len="med"/>
+                    </a:lnT>
+                    <a:lnB w="9525" cap="flat" cmpd="sng" algn="ctr">
+                      <a:solidFill>
+                        <a:srgbClr val="DDDDDD"/>
+                      </a:solidFill>
+                      <a:prstDash val="solid"/>
+                      <a:round/>
+                      <a:headEnd type="none" w="med" len="med"/>
+                      <a:tailEnd type="none" w="med" len="med"/>
+                    </a:lnB>
+                  </a:tcPr>
+                </a:tc>
+                <a:tc>
+                  <a:txBody>
+                    <a:bodyPr/>
+                    <a:lstStyle/>
+                    <a:p>
+                      <a:pPr algn="l" fontAlgn="t"/>
+                      <a:r>
+                        <a:rPr lang="en-US">
+                          <a:effectLst/>
+                        </a:rPr>
+                        <a:t>18.84 [0.000]</a:t>
+                      </a:r>
+                    </a:p>
+                  </a:txBody>
+                  <a:tcPr marL="76200" marR="76200" marT="76200" marB="76200">
+                    <a:lnL>
+                      <a:noFill/>
+                    </a:lnL>
+                    <a:lnR>
+                      <a:noFill/>
+                    </a:lnR>
+                    <a:lnT w="9525" cap="flat" cmpd="sng" algn="ctr">
+                      <a:solidFill>
+                        <a:srgbClr val="DDDDDD"/>
+                      </a:solidFill>
+                      <a:prstDash val="solid"/>
+                      <a:round/>
+                      <a:headEnd type="none" w="med" len="med"/>
+                      <a:tailEnd type="none" w="med" len="med"/>
+                    </a:lnT>
+                    <a:lnB w="9525" cap="flat" cmpd="sng" algn="ctr">
+                      <a:solidFill>
+                        <a:srgbClr val="DDDDDD"/>
+                      </a:solidFill>
+                      <a:prstDash val="solid"/>
+                      <a:round/>
+                      <a:headEnd type="none" w="med" len="med"/>
+                      <a:tailEnd type="none" w="med" len="med"/>
+                    </a:lnB>
+                  </a:tcPr>
+                </a:tc>
+                <a:extLst>
+                  <a:ext uri="{0D108BD9-81ED-4DB2-BD59-A6C34878D82A}">
+                    <a16:rowId xmlns:a16="http://schemas.microsoft.com/office/drawing/2014/main" val="4078111215"/>
+                  </a:ext>
+                </a:extLst>
+              </a:tr>
+              <a:tr h="0">
+                <a:tc>
+                  <a:txBody>
+                    <a:bodyPr/>
+                    <a:lstStyle/>
+                    <a:p>
+                      <a:pPr algn="l" fontAlgn="t"/>
+                      <a:r>
+                        <a:rPr lang="en-US">
+                          <a:effectLst/>
+                        </a:rPr>
+                        <a:t>Dic-2017</a:t>
+                      </a:r>
+                    </a:p>
+                  </a:txBody>
+                  <a:tcPr marL="76200" marR="76200" marT="76200" marB="76200">
+                    <a:lnL>
+                      <a:noFill/>
+                    </a:lnL>
+                    <a:lnR>
+                      <a:noFill/>
+                    </a:lnR>
+                    <a:lnT w="9525" cap="flat" cmpd="sng" algn="ctr">
+                      <a:solidFill>
+                        <a:srgbClr val="DDDDDD"/>
+                      </a:solidFill>
+                      <a:prstDash val="solid"/>
+                      <a:round/>
+                      <a:headEnd type="none" w="med" len="med"/>
+                      <a:tailEnd type="none" w="med" len="med"/>
+                    </a:lnT>
+                    <a:lnB w="9525" cap="flat" cmpd="sng" algn="ctr">
+                      <a:solidFill>
+                        <a:srgbClr val="DDDDDD"/>
+                      </a:solidFill>
+                      <a:prstDash val="solid"/>
+                      <a:round/>
+                      <a:headEnd type="none" w="med" len="med"/>
+                      <a:tailEnd type="none" w="med" len="med"/>
+                    </a:lnB>
+                    <a:solidFill>
+                      <a:srgbClr val="F9F9F9"/>
+                    </a:solidFill>
+                  </a:tcPr>
+                </a:tc>
+                <a:tc>
+                  <a:txBody>
+                    <a:bodyPr/>
+                    <a:lstStyle/>
+                    <a:p>
+                      <a:pPr algn="l" fontAlgn="t"/>
+                      <a:r>
+                        <a:rPr lang="en-US">
+                          <a:effectLst/>
+                        </a:rPr>
+                        <a:t>Test LM Robusto SEM</a:t>
+                      </a:r>
+                    </a:p>
+                  </a:txBody>
+                  <a:tcPr marL="76200" marR="76200" marT="76200" marB="76200">
+                    <a:lnL>
+                      <a:noFill/>
+                    </a:lnL>
+                    <a:lnR>
+                      <a:noFill/>
+                    </a:lnR>
+                    <a:lnT w="9525" cap="flat" cmpd="sng" algn="ctr">
+                      <a:solidFill>
+                        <a:srgbClr val="DDDDDD"/>
+                      </a:solidFill>
+                      <a:prstDash val="solid"/>
+                      <a:round/>
+                      <a:headEnd type="none" w="med" len="med"/>
+                      <a:tailEnd type="none" w="med" len="med"/>
+                    </a:lnT>
+                    <a:lnB w="9525" cap="flat" cmpd="sng" algn="ctr">
+                      <a:solidFill>
+                        <a:srgbClr val="DDDDDD"/>
+                      </a:solidFill>
+                      <a:prstDash val="solid"/>
+                      <a:round/>
+                      <a:headEnd type="none" w="med" len="med"/>
+                      <a:tailEnd type="none" w="med" len="med"/>
+                    </a:lnB>
+                    <a:solidFill>
+                      <a:srgbClr val="F9F9F9"/>
+                    </a:solidFill>
+                  </a:tcPr>
+                </a:tc>
+                <a:tc>
+                  <a:txBody>
+                    <a:bodyPr/>
+                    <a:lstStyle/>
+                    <a:p>
+                      <a:pPr algn="l" fontAlgn="t"/>
+                      <a:r>
+                        <a:rPr lang="en-US">
+                          <a:effectLst/>
+                        </a:rPr>
+                        <a:t>0.545 [0.460]</a:t>
+                      </a:r>
+                    </a:p>
+                  </a:txBody>
+                  <a:tcPr marL="76200" marR="76200" marT="76200" marB="76200">
+                    <a:lnL>
+                      <a:noFill/>
+                    </a:lnL>
+                    <a:lnR>
+                      <a:noFill/>
+                    </a:lnR>
+                    <a:lnT w="9525" cap="flat" cmpd="sng" algn="ctr">
+                      <a:solidFill>
+                        <a:srgbClr val="DDDDDD"/>
+                      </a:solidFill>
+                      <a:prstDash val="solid"/>
+                      <a:round/>
+                      <a:headEnd type="none" w="med" len="med"/>
+                      <a:tailEnd type="none" w="med" len="med"/>
+                    </a:lnT>
+                    <a:lnB w="9525" cap="flat" cmpd="sng" algn="ctr">
+                      <a:solidFill>
+                        <a:srgbClr val="DDDDDD"/>
+                      </a:solidFill>
+                      <a:prstDash val="solid"/>
+                      <a:round/>
+                      <a:headEnd type="none" w="med" len="med"/>
+                      <a:tailEnd type="none" w="med" len="med"/>
+                    </a:lnB>
+                    <a:solidFill>
+                      <a:srgbClr val="F9F9F9"/>
+                    </a:solidFill>
+                  </a:tcPr>
+                </a:tc>
+                <a:tc>
+                  <a:txBody>
+                    <a:bodyPr/>
+                    <a:lstStyle/>
+                    <a:p>
+                      <a:pPr algn="l" fontAlgn="t"/>
+                      <a:r>
+                        <a:rPr lang="en-US">
+                          <a:effectLst/>
+                        </a:rPr>
+                        <a:t>3.65 [0.056]</a:t>
+                      </a:r>
+                    </a:p>
+                  </a:txBody>
+                  <a:tcPr marL="76200" marR="76200" marT="76200" marB="76200">
+                    <a:lnL>
+                      <a:noFill/>
+                    </a:lnL>
+                    <a:lnR>
+                      <a:noFill/>
+                    </a:lnR>
+                    <a:lnT w="9525" cap="flat" cmpd="sng" algn="ctr">
+                      <a:solidFill>
+                        <a:srgbClr val="DDDDDD"/>
+                      </a:solidFill>
+                      <a:prstDash val="solid"/>
+                      <a:round/>
+                      <a:headEnd type="none" w="med" len="med"/>
+                      <a:tailEnd type="none" w="med" len="med"/>
+                    </a:lnT>
+                    <a:lnB w="9525" cap="flat" cmpd="sng" algn="ctr">
+                      <a:solidFill>
+                        <a:srgbClr val="DDDDDD"/>
+                      </a:solidFill>
+                      <a:prstDash val="solid"/>
+                      <a:round/>
+                      <a:headEnd type="none" w="med" len="med"/>
+                      <a:tailEnd type="none" w="med" len="med"/>
+                    </a:lnB>
+                    <a:solidFill>
+                      <a:srgbClr val="F9F9F9"/>
+                    </a:solidFill>
+                  </a:tcPr>
+                </a:tc>
+                <a:extLst>
+                  <a:ext uri="{0D108BD9-81ED-4DB2-BD59-A6C34878D82A}">
+                    <a16:rowId xmlns:a16="http://schemas.microsoft.com/office/drawing/2014/main" val="2702588866"/>
+                  </a:ext>
+                </a:extLst>
+              </a:tr>
+              <a:tr h="0">
+                <a:tc>
+                  <a:txBody>
+                    <a:bodyPr/>
+                    <a:lstStyle/>
+                    <a:p>
+                      <a:pPr algn="l" fontAlgn="t"/>
+                      <a:r>
+                        <a:rPr lang="en-US">
+                          <a:effectLst/>
+                        </a:rPr>
+                        <a:t>Dic-2017</a:t>
+                      </a:r>
+                    </a:p>
+                  </a:txBody>
+                  <a:tcPr marL="76200" marR="76200" marT="76200" marB="76200">
+                    <a:lnL>
+                      <a:noFill/>
+                    </a:lnL>
+                    <a:lnR>
+                      <a:noFill/>
+                    </a:lnR>
+                    <a:lnT w="9525" cap="flat" cmpd="sng" algn="ctr">
+                      <a:solidFill>
+                        <a:srgbClr val="DDDDDD"/>
+                      </a:solidFill>
+                      <a:prstDash val="solid"/>
+                      <a:round/>
+                      <a:headEnd type="none" w="med" len="med"/>
+                      <a:tailEnd type="none" w="med" len="med"/>
+                    </a:lnT>
+                    <a:lnB>
+                      <a:noFill/>
+                    </a:lnB>
+                  </a:tcPr>
+                </a:tc>
+                <a:tc>
+                  <a:txBody>
+                    <a:bodyPr/>
+                    <a:lstStyle/>
+                    <a:p>
+                      <a:pPr algn="l" fontAlgn="t"/>
+                      <a:r>
+                        <a:rPr lang="en-US">
+                          <a:effectLst/>
+                        </a:rPr>
+                        <a:t>Test LM Robusto SAR</a:t>
+                      </a:r>
+                    </a:p>
+                  </a:txBody>
+                  <a:tcPr marL="76200" marR="76200" marT="76200" marB="76200">
+                    <a:lnL>
+                      <a:noFill/>
+                    </a:lnL>
+                    <a:lnR>
+                      <a:noFill/>
+                    </a:lnR>
+                    <a:lnT w="9525" cap="flat" cmpd="sng" algn="ctr">
+                      <a:solidFill>
+                        <a:srgbClr val="DDDDDD"/>
+                      </a:solidFill>
+                      <a:prstDash val="solid"/>
+                      <a:round/>
+                      <a:headEnd type="none" w="med" len="med"/>
+                      <a:tailEnd type="none" w="med" len="med"/>
+                    </a:lnT>
+                    <a:lnB>
+                      <a:noFill/>
+                    </a:lnB>
+                  </a:tcPr>
+                </a:tc>
+                <a:tc>
+                  <a:txBody>
+                    <a:bodyPr/>
+                    <a:lstStyle/>
+                    <a:p>
+                      <a:pPr algn="l" fontAlgn="t"/>
+                      <a:r>
+                        <a:rPr lang="en-US">
+                          <a:effectLst/>
+                        </a:rPr>
+                        <a:t>21.013 [0.000]</a:t>
+                      </a:r>
+                    </a:p>
+                  </a:txBody>
+                  <a:tcPr marL="76200" marR="76200" marT="76200" marB="76200">
+                    <a:lnL>
+                      <a:noFill/>
+                    </a:lnL>
+                    <a:lnR>
+                      <a:noFill/>
+                    </a:lnR>
+                    <a:lnT w="9525" cap="flat" cmpd="sng" algn="ctr">
+                      <a:solidFill>
+                        <a:srgbClr val="DDDDDD"/>
+                      </a:solidFill>
+                      <a:prstDash val="solid"/>
+                      <a:round/>
+                      <a:headEnd type="none" w="med" len="med"/>
+                      <a:tailEnd type="none" w="med" len="med"/>
+                    </a:lnT>
+                    <a:lnB>
+                      <a:noFill/>
+                    </a:lnB>
+                  </a:tcPr>
+                </a:tc>
+                <a:tc>
+                  <a:txBody>
+                    <a:bodyPr/>
+                    <a:lstStyle/>
+                    <a:p>
+                      <a:pPr algn="l" fontAlgn="t"/>
+                      <a:r>
+                        <a:rPr lang="en-US" dirty="0">
+                          <a:effectLst/>
+                        </a:rPr>
+                        <a:t>21.48 [0.000]</a:t>
+                      </a:r>
+                    </a:p>
+                  </a:txBody>
+                  <a:tcPr marL="76200" marR="76200" marT="76200" marB="76200">
+                    <a:lnL>
+                      <a:noFill/>
+                    </a:lnL>
+                    <a:lnR>
+                      <a:noFill/>
+                    </a:lnR>
+                    <a:lnT w="9525" cap="flat" cmpd="sng" algn="ctr">
+                      <a:solidFill>
+                        <a:srgbClr val="DDDDDD"/>
+                      </a:solidFill>
+                      <a:prstDash val="solid"/>
+                      <a:round/>
+                      <a:headEnd type="none" w="med" len="med"/>
+                      <a:tailEnd type="none" w="med" len="med"/>
+                    </a:lnT>
+                    <a:lnB>
+                      <a:noFill/>
+                    </a:lnB>
+                  </a:tcPr>
+                </a:tc>
+                <a:extLst>
+                  <a:ext uri="{0D108BD9-81ED-4DB2-BD59-A6C34878D82A}">
+                    <a16:rowId xmlns:a16="http://schemas.microsoft.com/office/drawing/2014/main" val="2687218808"/>
+                  </a:ext>
+                </a:extLst>
+              </a:tr>
+            </a:tbl>
+          </a:graphicData>
+        </a:graphic>
+      </p:graphicFrame>
     </p:spTree>
     <p:extLst>
       <p:ext uri="{BB962C8B-B14F-4D97-AF65-F5344CB8AC3E}">
